--- a/Linkedin_Master_Template.pptx
+++ b/Linkedin_Master_Template.pptx
@@ -2275,6 +2275,58 @@
           <a:p>
             <a:pPr algn="l"/>
             <a:endParaRPr lang="en-GB" sz="1200" b="0" noProof="1"/>
+          </a:p>
+        </p:txBody>
+      </p:sp>
+      <p:sp>
+        <p:nvSpPr>
+          <p:cNvPr id="2" name="TextBox 1">
+            <a:extLst>
+              <a:ext uri="{FF2B5EF4-FFF2-40B4-BE49-F238E27FC236}">
+                <a16:creationId xmlns:a16="http://schemas.microsoft.com/office/drawing/2014/main" id="{277F862F-61D1-5943-D9EE-B093D36602E3}"/>
+              </a:ext>
+            </a:extLst>
+          </p:cNvPr>
+          <p:cNvSpPr txBox="1"/>
+          <p:nvPr/>
+        </p:nvSpPr>
+        <p:spPr>
+          <a:xfrm>
+            <a:off x="141890" y="3090041"/>
+            <a:ext cx="5596758" cy="215444"/>
+          </a:xfrm>
+          <a:prstGeom prst="rect">
+            <a:avLst/>
+          </a:prstGeom>
+        </p:spPr>
+        <p:txBody>
+          <a:bodyPr wrap="square" lIns="0" tIns="0" rIns="0" bIns="0" rtlCol="0" anchor="t" anchorCtr="0">
+            <a:spAutoFit/>
+          </a:bodyPr>
+          <a:lstStyle/>
+          <a:p>
+            <a:pPr algn="l"/>
+            <a:r>
+              <a:rPr lang="en-US" sz="1400" dirty="0" err="1">
+                <a:solidFill>
+                  <a:schemeClr val="tx2"/>
+                </a:solidFill>
+              </a:rPr>
+              <a:t>d</a:t>
+            </a:r>
+            <a:r>
+              <a:rPr lang="en-US" sz="1400" b="0" dirty="0" err="1">
+                <a:solidFill>
+                  <a:schemeClr val="tx2"/>
+                </a:solidFill>
+              </a:rPr>
+              <a:t>ate_range</a:t>
+            </a:r>
+            <a:endParaRPr lang="en-US" sz="1400" b="0" dirty="0">
+              <a:solidFill>
+                <a:schemeClr val="tx2"/>
+              </a:solidFill>
+            </a:endParaRPr>
           </a:p>
         </p:txBody>
       </p:sp>
@@ -3982,6 +4034,26 @@
 </file>
 
 <file path=customXml/item1.xml><?xml version="1.0" encoding="utf-8"?>
+<?mso-contentType ?>
+<FormTemplates xmlns="http://schemas.microsoft.com/sharepoint/v3/contenttype/forms">
+  <Display>DocumentLibraryForm</Display>
+  <Edit>DocumentLibraryForm</Edit>
+  <New>DocumentLibraryForm</New>
+</FormTemplates>
+</file>
+
+<file path=customXml/item2.xml><?xml version="1.0" encoding="utf-8"?>
+<p:properties xmlns:p="http://schemas.microsoft.com/office/2006/metadata/properties" xmlns:xsi="http://www.w3.org/2001/XMLSchema-instance" xmlns:pc="http://schemas.microsoft.com/office/infopath/2007/PartnerControls">
+  <documentManagement>
+    <TaxCatchAll xmlns="9bea065c-4598-471b-a0d8-b208471d6a41" xsi:nil="true"/>
+    <lcf76f155ced4ddcb4097134ff3c332f xmlns="737cdb0d-9f15-48ec-9529-975a91239bb1">
+      <Terms xmlns="http://schemas.microsoft.com/office/infopath/2007/PartnerControls"/>
+    </lcf76f155ced4ddcb4097134ff3c332f>
+  </documentManagement>
+</p:properties>
+</file>
+
+<file path=customXml/item3.xml><?xml version="1.0" encoding="utf-8"?>
 <ct:contentTypeSchema xmlns:ct="http://schemas.microsoft.com/office/2006/metadata/contentType" xmlns:ma="http://schemas.microsoft.com/office/2006/metadata/properties/metaAttributes" ct:_="" ma:_="" ma:contentTypeName="Document" ma:contentTypeID="0x010100A2CD2B7DD7D5E348A4B5B847AD49C1E4" ma:contentTypeVersion="15" ma:contentTypeDescription="Create a new document." ma:contentTypeScope="" ma:versionID="8e0e392dcf65750e3ad704a59f705fb3">
   <xsd:schema xmlns:xsd="http://www.w3.org/2001/XMLSchema" xmlns:xs="http://www.w3.org/2001/XMLSchema" xmlns:p="http://schemas.microsoft.com/office/2006/metadata/properties" xmlns:ns2="737cdb0d-9f15-48ec-9529-975a91239bb1" xmlns:ns3="9bea065c-4598-471b-a0d8-b208471d6a41" targetNamespace="http://schemas.microsoft.com/office/2006/metadata/properties" ma:root="true" ma:fieldsID="16d7d9ff6e2e2d483fddd166083c89fa" ns2:_="" ns3:_="">
     <xsd:import namespace="737cdb0d-9f15-48ec-9529-975a91239bb1"/>
@@ -4216,41 +4288,10 @@
 </ct:contentTypeSchema>
 </file>
 
-<file path=customXml/item2.xml><?xml version="1.0" encoding="utf-8"?>
-<p:properties xmlns:p="http://schemas.microsoft.com/office/2006/metadata/properties" xmlns:xsi="http://www.w3.org/2001/XMLSchema-instance" xmlns:pc="http://schemas.microsoft.com/office/infopath/2007/PartnerControls">
-  <documentManagement>
-    <TaxCatchAll xmlns="9bea065c-4598-471b-a0d8-b208471d6a41" xsi:nil="true"/>
-    <lcf76f155ced4ddcb4097134ff3c332f xmlns="737cdb0d-9f15-48ec-9529-975a91239bb1">
-      <Terms xmlns="http://schemas.microsoft.com/office/infopath/2007/PartnerControls"/>
-    </lcf76f155ced4ddcb4097134ff3c332f>
-  </documentManagement>
-</p:properties>
-</file>
-
-<file path=customXml/item3.xml><?xml version="1.0" encoding="utf-8"?>
-<?mso-contentType ?>
-<FormTemplates xmlns="http://schemas.microsoft.com/sharepoint/v3/contenttype/forms">
-  <Display>DocumentLibraryForm</Display>
-  <Edit>DocumentLibraryForm</Edit>
-  <New>DocumentLibraryForm</New>
-</FormTemplates>
-</file>
-
 <file path=customXml/itemProps1.xml><?xml version="1.0" encoding="utf-8"?>
-<ds:datastoreItem xmlns:ds="http://schemas.openxmlformats.org/officeDocument/2006/customXml" ds:itemID="{C4D443D4-D2BB-47D9-93BA-F264F5B47780}">
+<ds:datastoreItem xmlns:ds="http://schemas.openxmlformats.org/officeDocument/2006/customXml" ds:itemID="{3BB299B6-1159-4940-B296-E198453C8E80}">
   <ds:schemaRefs>
-    <ds:schemaRef ds:uri="737cdb0d-9f15-48ec-9529-975a91239bb1"/>
-    <ds:schemaRef ds:uri="9bea065c-4598-471b-a0d8-b208471d6a41"/>
-    <ds:schemaRef ds:uri="http://purl.org/dc/elements/1.1/"/>
-    <ds:schemaRef ds:uri="http://purl.org/dc/terms/"/>
-    <ds:schemaRef ds:uri="http://schemas.microsoft.com/internal/obd"/>
-    <ds:schemaRef ds:uri="http://schemas.microsoft.com/office/2006/documentManagement/types"/>
-    <ds:schemaRef ds:uri="http://schemas.microsoft.com/office/2006/metadata/contentType"/>
-    <ds:schemaRef ds:uri="http://schemas.microsoft.com/office/2006/metadata/properties"/>
-    <ds:schemaRef ds:uri="http://schemas.microsoft.com/office/2006/metadata/properties/metaAttributes"/>
-    <ds:schemaRef ds:uri="http://schemas.microsoft.com/office/infopath/2007/PartnerControls"/>
-    <ds:schemaRef ds:uri="http://schemas.openxmlformats.org/package/2006/metadata/core-properties"/>
-    <ds:schemaRef ds:uri="http://www.w3.org/2001/XMLSchema"/>
+    <ds:schemaRef ds:uri="http://schemas.microsoft.com/sharepoint/v3/contenttype/forms"/>
   </ds:schemaRefs>
 </ds:datastoreItem>
 </file>
@@ -4273,9 +4314,20 @@
 </file>
 
 <file path=customXml/itemProps3.xml><?xml version="1.0" encoding="utf-8"?>
-<ds:datastoreItem xmlns:ds="http://schemas.openxmlformats.org/officeDocument/2006/customXml" ds:itemID="{3BB299B6-1159-4940-B296-E198453C8E80}">
+<ds:datastoreItem xmlns:ds="http://schemas.openxmlformats.org/officeDocument/2006/customXml" ds:itemID="{C4D443D4-D2BB-47D9-93BA-F264F5B47780}">
   <ds:schemaRefs>
-    <ds:schemaRef ds:uri="http://schemas.microsoft.com/sharepoint/v3/contenttype/forms"/>
+    <ds:schemaRef ds:uri="737cdb0d-9f15-48ec-9529-975a91239bb1"/>
+    <ds:schemaRef ds:uri="9bea065c-4598-471b-a0d8-b208471d6a41"/>
+    <ds:schemaRef ds:uri="http://purl.org/dc/elements/1.1/"/>
+    <ds:schemaRef ds:uri="http://purl.org/dc/terms/"/>
+    <ds:schemaRef ds:uri="http://schemas.microsoft.com/internal/obd"/>
+    <ds:schemaRef ds:uri="http://schemas.microsoft.com/office/2006/documentManagement/types"/>
+    <ds:schemaRef ds:uri="http://schemas.microsoft.com/office/2006/metadata/contentType"/>
+    <ds:schemaRef ds:uri="http://schemas.microsoft.com/office/2006/metadata/properties"/>
+    <ds:schemaRef ds:uri="http://schemas.microsoft.com/office/2006/metadata/properties/metaAttributes"/>
+    <ds:schemaRef ds:uri="http://schemas.microsoft.com/office/infopath/2007/PartnerControls"/>
+    <ds:schemaRef ds:uri="http://schemas.openxmlformats.org/package/2006/metadata/core-properties"/>
+    <ds:schemaRef ds:uri="http://www.w3.org/2001/XMLSchema"/>
   </ds:schemaRefs>
 </ds:datastoreItem>
 </file>
--- a/Linkedin_Master_Template.pptx
+++ b/Linkedin_Master_Template.pptx
@@ -8,11 +8,11 @@
     <p:notesMasterId r:id="rId10"/>
   </p:notesMasterIdLst>
   <p:sldIdLst>
-    <p:sldId id="263" r:id="rId5"/>
-    <p:sldId id="264" r:id="rId6"/>
-    <p:sldId id="265" r:id="rId7"/>
-    <p:sldId id="266" r:id="rId8"/>
-    <p:sldId id="262" r:id="rId9"/>
+    <p:sldId id="315" r:id="rId5"/>
+    <p:sldId id="262" r:id="rId6"/>
+    <p:sldId id="264" r:id="rId7"/>
+    <p:sldId id="265" r:id="rId8"/>
+    <p:sldId id="266" r:id="rId9"/>
   </p:sldIdLst>
   <p:sldSz cx="12192000" cy="6858000"/>
   <p:notesSz cx="6858000" cy="9144000"/>
@@ -201,7 +201,7 @@
           <a:p>
             <a:fld id="{77AB6CFA-8C06-A742-9C67-9EB8DDEC067B}" type="datetimeFigureOut">
               <a:rPr lang="en-US" smtClean="0"/>
-              <a:t>5/11/25</a:t>
+              <a:t>5/12/25</a:t>
             </a:fld>
             <a:endParaRPr lang="en-US"/>
           </a:p>
@@ -530,18 +530,6 @@
               <a:tabLst/>
               <a:defRPr/>
             </a:pPr>
-            <a:endParaRPr lang="en-GB" b="0">
-              <a:solidFill>
-                <a:srgbClr val="000000"/>
-              </a:solidFill>
-              <a:effectLst/>
-              <a:latin typeface="Courier New" panose="02070309020205020404" pitchFamily="49" charset="0"/>
-            </a:endParaRPr>
-          </a:p>
-          <a:p>
-            <a:endParaRPr lang="en-US"/>
-          </a:p>
-          <a:p>
             <a:endParaRPr lang="en-US"/>
           </a:p>
         </p:txBody>
@@ -563,7 +551,7 @@
           <a:p>
             <a:fld id="{763931CF-879D-C24C-B4FC-A16B88D776C8}" type="slidenum">
               <a:rPr lang="en-US" smtClean="0"/>
-              <a:t>1</a:t>
+              <a:t>2</a:t>
             </a:fld>
             <a:endParaRPr lang="en-US"/>
           </a:p>
@@ -572,7 +560,7 @@
     </p:spTree>
     <p:extLst>
       <p:ext uri="{BB962C8B-B14F-4D97-AF65-F5344CB8AC3E}">
-        <p14:creationId xmlns:p14="http://schemas.microsoft.com/office/powerpoint/2010/main" val="3357389961"/>
+        <p14:creationId xmlns:p14="http://schemas.microsoft.com/office/powerpoint/2010/main" val="448888919"/>
       </p:ext>
     </p:extLst>
   </p:cSld>
@@ -647,7 +635,7 @@
           <a:p>
             <a:fld id="{763931CF-879D-C24C-B4FC-A16B88D776C8}" type="slidenum">
               <a:rPr lang="en-US" smtClean="0"/>
-              <a:t>2</a:t>
+              <a:t>3</a:t>
             </a:fld>
             <a:endParaRPr lang="en-US"/>
           </a:p>
@@ -755,7 +743,7 @@
           <a:p>
             <a:fld id="{763931CF-879D-C24C-B4FC-A16B88D776C8}" type="slidenum">
               <a:rPr lang="en-US" smtClean="0"/>
-              <a:t>3</a:t>
+              <a:t>4</a:t>
             </a:fld>
             <a:endParaRPr lang="en-US"/>
           </a:p>
@@ -863,7 +851,7 @@
           <a:p>
             <a:fld id="{763931CF-879D-C24C-B4FC-A16B88D776C8}" type="slidenum">
               <a:rPr lang="en-US" smtClean="0"/>
-              <a:t>4</a:t>
+              <a:t>5</a:t>
             </a:fld>
             <a:endParaRPr lang="en-US"/>
           </a:p>
@@ -873,107 +861,6 @@
     <p:extLst>
       <p:ext uri="{BB962C8B-B14F-4D97-AF65-F5344CB8AC3E}">
         <p14:creationId xmlns:p14="http://schemas.microsoft.com/office/powerpoint/2010/main" val="1781877867"/>
-      </p:ext>
-    </p:extLst>
-  </p:cSld>
-  <p:clrMapOvr>
-    <a:masterClrMapping/>
-  </p:clrMapOvr>
-</p:notes>
-</file>
-
-<file path=ppt/notesSlides/notesSlide5.xml><?xml version="1.0" encoding="utf-8"?>
-<p:notes xmlns:a="http://schemas.openxmlformats.org/drawingml/2006/main" xmlns:r="http://schemas.openxmlformats.org/officeDocument/2006/relationships" xmlns:p="http://schemas.openxmlformats.org/presentationml/2006/main">
-  <p:cSld>
-    <p:spTree>
-      <p:nvGrpSpPr>
-        <p:cNvPr id="1" name=""/>
-        <p:cNvGrpSpPr/>
-        <p:nvPr/>
-      </p:nvGrpSpPr>
-      <p:grpSpPr>
-        <a:xfrm>
-          <a:off x="0" y="0"/>
-          <a:ext cx="0" cy="0"/>
-          <a:chOff x="0" y="0"/>
-          <a:chExt cx="0" cy="0"/>
-        </a:xfrm>
-      </p:grpSpPr>
-      <p:sp>
-        <p:nvSpPr>
-          <p:cNvPr id="2" name="Slide Image Placeholder 1"/>
-          <p:cNvSpPr>
-            <a:spLocks noGrp="1" noRot="1" noChangeAspect="1"/>
-          </p:cNvSpPr>
-          <p:nvPr>
-            <p:ph type="sldImg"/>
-          </p:nvPr>
-        </p:nvSpPr>
-        <p:spPr/>
-      </p:sp>
-      <p:sp>
-        <p:nvSpPr>
-          <p:cNvPr id="3" name="Notes Placeholder 2"/>
-          <p:cNvSpPr>
-            <a:spLocks noGrp="1"/>
-          </p:cNvSpPr>
-          <p:nvPr>
-            <p:ph type="body" idx="1"/>
-          </p:nvPr>
-        </p:nvSpPr>
-        <p:spPr/>
-        <p:txBody>
-          <a:bodyPr/>
-          <a:lstStyle/>
-          <a:p>
-            <a:pPr marL="0" marR="0" lvl="0" indent="0" algn="l" defTabSz="914400" rtl="0" eaLnBrk="1" fontAlgn="auto" latinLnBrk="0" hangingPunct="1">
-              <a:lnSpc>
-                <a:spcPct val="100000"/>
-              </a:lnSpc>
-              <a:spcBef>
-                <a:spcPts val="0"/>
-              </a:spcBef>
-              <a:spcAft>
-                <a:spcPts val="0"/>
-              </a:spcAft>
-              <a:buClrTx/>
-              <a:buSzTx/>
-              <a:buFontTx/>
-              <a:buNone/>
-              <a:tabLst/>
-              <a:defRPr/>
-            </a:pPr>
-            <a:endParaRPr lang="en-US"/>
-          </a:p>
-        </p:txBody>
-      </p:sp>
-      <p:sp>
-        <p:nvSpPr>
-          <p:cNvPr id="4" name="Slide Number Placeholder 3"/>
-          <p:cNvSpPr>
-            <a:spLocks noGrp="1"/>
-          </p:cNvSpPr>
-          <p:nvPr>
-            <p:ph type="sldNum" sz="quarter" idx="5"/>
-          </p:nvPr>
-        </p:nvSpPr>
-        <p:spPr/>
-        <p:txBody>
-          <a:bodyPr/>
-          <a:lstStyle/>
-          <a:p>
-            <a:fld id="{763931CF-879D-C24C-B4FC-A16B88D776C8}" type="slidenum">
-              <a:rPr lang="en-US" smtClean="0"/>
-              <a:t>5</a:t>
-            </a:fld>
-            <a:endParaRPr lang="en-US"/>
-          </a:p>
-        </p:txBody>
-      </p:sp>
-    </p:spTree>
-    <p:extLst>
-      <p:ext uri="{BB962C8B-B14F-4D97-AF65-F5344CB8AC3E}">
-        <p14:creationId xmlns:p14="http://schemas.microsoft.com/office/powerpoint/2010/main" val="448888919"/>
       </p:ext>
     </p:extLst>
   </p:cSld>
@@ -1130,7 +1017,7 @@
         <p:spPr>
           <a:xfrm>
             <a:off x="631825" y="1311275"/>
-            <a:ext cx="10928350" cy="5410200"/>
+            <a:ext cx="10928350" cy="5089525"/>
           </a:xfrm>
         </p:spPr>
         <p:txBody>
@@ -1166,7 +1053,7 @@
         <p:spPr>
           <a:xfrm>
             <a:off x="4147930" y="1311656"/>
-            <a:ext cx="0" cy="5420448"/>
+            <a:ext cx="0" cy="5089144"/>
           </a:xfrm>
           <a:prstGeom prst="line">
             <a:avLst/>
@@ -1211,7 +1098,7 @@
         <p:spPr>
           <a:xfrm>
             <a:off x="7904921" y="1311656"/>
-            <a:ext cx="0" cy="5420448"/>
+            <a:ext cx="0" cy="5089144"/>
           </a:xfrm>
           <a:prstGeom prst="line">
             <a:avLst/>
@@ -1239,6 +1126,120 @@
           </a:fontRef>
         </p:style>
       </p:cxnSp>
+      <p:pic>
+        <p:nvPicPr>
+          <p:cNvPr id="2" name="Graphic 1">
+            <a:extLst>
+              <a:ext uri="{FF2B5EF4-FFF2-40B4-BE49-F238E27FC236}">
+                <a16:creationId xmlns:a16="http://schemas.microsoft.com/office/drawing/2014/main" id="{DFF85D8E-84DF-95F8-1389-52D5EA4741CE}"/>
+              </a:ext>
+            </a:extLst>
+          </p:cNvPr>
+          <p:cNvPicPr>
+            <a:picLocks noChangeAspect="1"/>
+          </p:cNvPicPr>
+          <p:nvPr userDrawn="1"/>
+        </p:nvPicPr>
+        <p:blipFill>
+          <a:blip r:embed="rId2">
+            <a:extLst>
+              <a:ext uri="{96DAC541-7B7A-43D3-8B79-37D633B846F1}">
+                <asvg:svgBlip xmlns:asvg="http://schemas.microsoft.com/office/drawing/2016/SVG/main" r:embed="rId3"/>
+              </a:ext>
+            </a:extLst>
+          </a:blip>
+          <a:stretch>
+            <a:fillRect/>
+          </a:stretch>
+        </p:blipFill>
+        <p:spPr>
+          <a:xfrm>
+            <a:off x="0" y="-1"/>
+            <a:ext cx="12192000" cy="338667"/>
+          </a:xfrm>
+          <a:prstGeom prst="rect">
+            <a:avLst/>
+          </a:prstGeom>
+        </p:spPr>
+      </p:pic>
+      <p:sp>
+        <p:nvSpPr>
+          <p:cNvPr id="13" name="TextBox 12">
+            <a:extLst>
+              <a:ext uri="{FF2B5EF4-FFF2-40B4-BE49-F238E27FC236}">
+                <a16:creationId xmlns:a16="http://schemas.microsoft.com/office/drawing/2014/main" id="{5A722E15-5BD3-3626-5420-94B7875BE664}"/>
+              </a:ext>
+            </a:extLst>
+          </p:cNvPr>
+          <p:cNvSpPr txBox="1"/>
+          <p:nvPr userDrawn="1"/>
+        </p:nvSpPr>
+        <p:spPr>
+          <a:xfrm>
+            <a:off x="631825" y="6596896"/>
+            <a:ext cx="1564723" cy="123111"/>
+          </a:xfrm>
+          <a:prstGeom prst="rect">
+            <a:avLst/>
+          </a:prstGeom>
+        </p:spPr>
+        <p:txBody>
+          <a:bodyPr wrap="square" lIns="0" tIns="0" rIns="0" bIns="0" rtlCol="0" anchor="t" anchorCtr="0">
+            <a:spAutoFit/>
+          </a:bodyPr>
+          <a:lstStyle/>
+          <a:p>
+            <a:pPr algn="l"/>
+            <a:r>
+              <a:rPr lang="en-US" sz="800" b="0" dirty="0">
+                <a:solidFill>
+                  <a:schemeClr val="bg2"/>
+                </a:solidFill>
+              </a:rPr>
+              <a:t>SYNEOS HEALTH</a:t>
+            </a:r>
+          </a:p>
+        </p:txBody>
+      </p:sp>
+      <p:sp>
+        <p:nvSpPr>
+          <p:cNvPr id="14" name="TextBox 13">
+            <a:extLst>
+              <a:ext uri="{FF2B5EF4-FFF2-40B4-BE49-F238E27FC236}">
+                <a16:creationId xmlns:a16="http://schemas.microsoft.com/office/drawing/2014/main" id="{E1A345E3-B68D-00A3-8F96-01E6E91F1579}"/>
+              </a:ext>
+            </a:extLst>
+          </p:cNvPr>
+          <p:cNvSpPr txBox="1"/>
+          <p:nvPr userDrawn="1"/>
+        </p:nvSpPr>
+        <p:spPr>
+          <a:xfrm>
+            <a:off x="8676861" y="6596895"/>
+            <a:ext cx="2895601" cy="123111"/>
+          </a:xfrm>
+          <a:prstGeom prst="rect">
+            <a:avLst/>
+          </a:prstGeom>
+        </p:spPr>
+        <p:txBody>
+          <a:bodyPr wrap="square" lIns="0" tIns="0" rIns="0" bIns="0" rtlCol="0" anchor="t" anchorCtr="0">
+            <a:spAutoFit/>
+          </a:bodyPr>
+          <a:lstStyle/>
+          <a:p>
+            <a:pPr algn="r"/>
+            <a:r>
+              <a:rPr lang="en-US" sz="800" b="0" dirty="0">
+                <a:solidFill>
+                  <a:schemeClr val="bg2"/>
+                </a:solidFill>
+              </a:rPr>
+              <a:t>CONFIDENTIAL: AUTHORISED USE ONLY</a:t>
+            </a:r>
+          </a:p>
+        </p:txBody>
+      </p:sp>
     </p:spTree>
     <p:extLst>
       <p:ext uri="{BB962C8B-B14F-4D97-AF65-F5344CB8AC3E}">
@@ -1416,7 +1417,7 @@
         <p:spPr>
           <a:xfrm>
             <a:off x="631825" y="1311275"/>
-            <a:ext cx="10928350" cy="5410200"/>
+            <a:ext cx="10928350" cy="5089525"/>
           </a:xfrm>
         </p:spPr>
         <p:txBody>
@@ -1432,6 +1433,120 @@
           <a:p>
             <a:pPr lvl="0"/>
             <a:endParaRPr lang="en-US" dirty="0"/>
+          </a:p>
+        </p:txBody>
+      </p:sp>
+      <p:pic>
+        <p:nvPicPr>
+          <p:cNvPr id="2" name="Graphic 1">
+            <a:extLst>
+              <a:ext uri="{FF2B5EF4-FFF2-40B4-BE49-F238E27FC236}">
+                <a16:creationId xmlns:a16="http://schemas.microsoft.com/office/drawing/2014/main" id="{AD995CF7-258B-6159-EADB-62960CC1D2E9}"/>
+              </a:ext>
+            </a:extLst>
+          </p:cNvPr>
+          <p:cNvPicPr>
+            <a:picLocks noChangeAspect="1"/>
+          </p:cNvPicPr>
+          <p:nvPr userDrawn="1"/>
+        </p:nvPicPr>
+        <p:blipFill>
+          <a:blip r:embed="rId2">
+            <a:extLst>
+              <a:ext uri="{96DAC541-7B7A-43D3-8B79-37D633B846F1}">
+                <asvg:svgBlip xmlns:asvg="http://schemas.microsoft.com/office/drawing/2016/SVG/main" r:embed="rId3"/>
+              </a:ext>
+            </a:extLst>
+          </a:blip>
+          <a:stretch>
+            <a:fillRect/>
+          </a:stretch>
+        </p:blipFill>
+        <p:spPr>
+          <a:xfrm>
+            <a:off x="0" y="-1"/>
+            <a:ext cx="12192000" cy="338667"/>
+          </a:xfrm>
+          <a:prstGeom prst="rect">
+            <a:avLst/>
+          </a:prstGeom>
+        </p:spPr>
+      </p:pic>
+      <p:sp>
+        <p:nvSpPr>
+          <p:cNvPr id="3" name="TextBox 2">
+            <a:extLst>
+              <a:ext uri="{FF2B5EF4-FFF2-40B4-BE49-F238E27FC236}">
+                <a16:creationId xmlns:a16="http://schemas.microsoft.com/office/drawing/2014/main" id="{DE26D271-D5A7-C4D2-2121-CF139FA7DC3B}"/>
+              </a:ext>
+            </a:extLst>
+          </p:cNvPr>
+          <p:cNvSpPr txBox="1"/>
+          <p:nvPr userDrawn="1"/>
+        </p:nvSpPr>
+        <p:spPr>
+          <a:xfrm>
+            <a:off x="631825" y="6596896"/>
+            <a:ext cx="1564723" cy="123111"/>
+          </a:xfrm>
+          <a:prstGeom prst="rect">
+            <a:avLst/>
+          </a:prstGeom>
+        </p:spPr>
+        <p:txBody>
+          <a:bodyPr wrap="square" lIns="0" tIns="0" rIns="0" bIns="0" rtlCol="0" anchor="t" anchorCtr="0">
+            <a:spAutoFit/>
+          </a:bodyPr>
+          <a:lstStyle/>
+          <a:p>
+            <a:pPr algn="l"/>
+            <a:r>
+              <a:rPr lang="en-US" sz="800" b="0" dirty="0">
+                <a:solidFill>
+                  <a:schemeClr val="bg2"/>
+                </a:solidFill>
+              </a:rPr>
+              <a:t>SYNEOS HEALTH</a:t>
+            </a:r>
+          </a:p>
+        </p:txBody>
+      </p:sp>
+      <p:sp>
+        <p:nvSpPr>
+          <p:cNvPr id="5" name="TextBox 4">
+            <a:extLst>
+              <a:ext uri="{FF2B5EF4-FFF2-40B4-BE49-F238E27FC236}">
+                <a16:creationId xmlns:a16="http://schemas.microsoft.com/office/drawing/2014/main" id="{1E5818FA-5AF8-E8C7-361C-1282C51681B9}"/>
+              </a:ext>
+            </a:extLst>
+          </p:cNvPr>
+          <p:cNvSpPr txBox="1"/>
+          <p:nvPr userDrawn="1"/>
+        </p:nvSpPr>
+        <p:spPr>
+          <a:xfrm>
+            <a:off x="8676861" y="6596895"/>
+            <a:ext cx="2895601" cy="123111"/>
+          </a:xfrm>
+          <a:prstGeom prst="rect">
+            <a:avLst/>
+          </a:prstGeom>
+        </p:spPr>
+        <p:txBody>
+          <a:bodyPr wrap="square" lIns="0" tIns="0" rIns="0" bIns="0" rtlCol="0" anchor="t" anchorCtr="0">
+            <a:spAutoFit/>
+          </a:bodyPr>
+          <a:lstStyle/>
+          <a:p>
+            <a:pPr algn="r"/>
+            <a:r>
+              <a:rPr lang="en-US" sz="800" b="0" dirty="0">
+                <a:solidFill>
+                  <a:schemeClr val="bg2"/>
+                </a:solidFill>
+              </a:rPr>
+              <a:t>CONFIDENTIAL: AUTHORISED USE ONLY</a:t>
+            </a:r>
           </a:p>
         </p:txBody>
       </p:sp>
@@ -1623,6 +1738,120 @@
           </a:p>
         </p:txBody>
       </p:sp>
+      <p:pic>
+        <p:nvPicPr>
+          <p:cNvPr id="2" name="Graphic 1">
+            <a:extLst>
+              <a:ext uri="{FF2B5EF4-FFF2-40B4-BE49-F238E27FC236}">
+                <a16:creationId xmlns:a16="http://schemas.microsoft.com/office/drawing/2014/main" id="{AD8F4A37-E147-548A-AE22-654C5A484E89}"/>
+              </a:ext>
+            </a:extLst>
+          </p:cNvPr>
+          <p:cNvPicPr>
+            <a:picLocks noChangeAspect="1"/>
+          </p:cNvPicPr>
+          <p:nvPr userDrawn="1"/>
+        </p:nvPicPr>
+        <p:blipFill>
+          <a:blip r:embed="rId2">
+            <a:extLst>
+              <a:ext uri="{96DAC541-7B7A-43D3-8B79-37D633B846F1}">
+                <asvg:svgBlip xmlns:asvg="http://schemas.microsoft.com/office/drawing/2016/SVG/main" r:embed="rId3"/>
+              </a:ext>
+            </a:extLst>
+          </a:blip>
+          <a:stretch>
+            <a:fillRect/>
+          </a:stretch>
+        </p:blipFill>
+        <p:spPr>
+          <a:xfrm>
+            <a:off x="0" y="-1"/>
+            <a:ext cx="12192000" cy="338667"/>
+          </a:xfrm>
+          <a:prstGeom prst="rect">
+            <a:avLst/>
+          </a:prstGeom>
+        </p:spPr>
+      </p:pic>
+      <p:sp>
+        <p:nvSpPr>
+          <p:cNvPr id="3" name="TextBox 2">
+            <a:extLst>
+              <a:ext uri="{FF2B5EF4-FFF2-40B4-BE49-F238E27FC236}">
+                <a16:creationId xmlns:a16="http://schemas.microsoft.com/office/drawing/2014/main" id="{6F76708E-8784-E5CA-F262-BD4F83A362C7}"/>
+              </a:ext>
+            </a:extLst>
+          </p:cNvPr>
+          <p:cNvSpPr txBox="1"/>
+          <p:nvPr userDrawn="1"/>
+        </p:nvSpPr>
+        <p:spPr>
+          <a:xfrm>
+            <a:off x="631825" y="6596896"/>
+            <a:ext cx="1564723" cy="123111"/>
+          </a:xfrm>
+          <a:prstGeom prst="rect">
+            <a:avLst/>
+          </a:prstGeom>
+        </p:spPr>
+        <p:txBody>
+          <a:bodyPr wrap="square" lIns="0" tIns="0" rIns="0" bIns="0" rtlCol="0" anchor="t" anchorCtr="0">
+            <a:spAutoFit/>
+          </a:bodyPr>
+          <a:lstStyle/>
+          <a:p>
+            <a:pPr algn="l"/>
+            <a:r>
+              <a:rPr lang="en-US" sz="800" b="0" dirty="0">
+                <a:solidFill>
+                  <a:schemeClr val="bg2"/>
+                </a:solidFill>
+              </a:rPr>
+              <a:t>SYNEOS HEALTH</a:t>
+            </a:r>
+          </a:p>
+        </p:txBody>
+      </p:sp>
+      <p:sp>
+        <p:nvSpPr>
+          <p:cNvPr id="5" name="TextBox 4">
+            <a:extLst>
+              <a:ext uri="{FF2B5EF4-FFF2-40B4-BE49-F238E27FC236}">
+                <a16:creationId xmlns:a16="http://schemas.microsoft.com/office/drawing/2014/main" id="{211AC2B0-9FEE-7329-888D-7385DDBA2C39}"/>
+              </a:ext>
+            </a:extLst>
+          </p:cNvPr>
+          <p:cNvSpPr txBox="1"/>
+          <p:nvPr userDrawn="1"/>
+        </p:nvSpPr>
+        <p:spPr>
+          <a:xfrm>
+            <a:off x="8676861" y="6596895"/>
+            <a:ext cx="2895601" cy="123111"/>
+          </a:xfrm>
+          <a:prstGeom prst="rect">
+            <a:avLst/>
+          </a:prstGeom>
+        </p:spPr>
+        <p:txBody>
+          <a:bodyPr wrap="square" lIns="0" tIns="0" rIns="0" bIns="0" rtlCol="0" anchor="t" anchorCtr="0">
+            <a:spAutoFit/>
+          </a:bodyPr>
+          <a:lstStyle/>
+          <a:p>
+            <a:pPr algn="r"/>
+            <a:r>
+              <a:rPr lang="en-US" sz="800" b="0" dirty="0">
+                <a:solidFill>
+                  <a:schemeClr val="bg2"/>
+                </a:solidFill>
+              </a:rPr>
+              <a:t>CONFIDENTIAL: AUTHORISED USE ONLY</a:t>
+            </a:r>
+          </a:p>
+        </p:txBody>
+      </p:sp>
     </p:spTree>
     <p:extLst>
       <p:ext uri="{BB962C8B-B14F-4D97-AF65-F5344CB8AC3E}">
@@ -1653,6 +1882,269 @@
 </p:sldLayout>
 </file>
 
+<file path=ppt/slideLayouts/slideLayout4.xml><?xml version="1.0" encoding="utf-8"?>
+<p:sldLayout xmlns:a="http://schemas.openxmlformats.org/drawingml/2006/main" xmlns:r="http://schemas.openxmlformats.org/officeDocument/2006/relationships" xmlns:p="http://schemas.openxmlformats.org/presentationml/2006/main" userDrawn="1">
+  <p:cSld name="Title slide no photo">
+    <p:bg>
+      <p:bgPr>
+        <a:blipFill dpi="0" rotWithShape="1">
+          <a:blip r:embed="rId2">
+            <a:lum/>
+          </a:blip>
+          <a:srcRect/>
+          <a:stretch>
+            <a:fillRect/>
+          </a:stretch>
+        </a:blipFill>
+        <a:effectLst/>
+      </p:bgPr>
+    </p:bg>
+    <p:spTree>
+      <p:nvGrpSpPr>
+        <p:cNvPr id="1" name=""/>
+        <p:cNvGrpSpPr/>
+        <p:nvPr/>
+      </p:nvGrpSpPr>
+      <p:grpSpPr>
+        <a:xfrm>
+          <a:off x="0" y="0"/>
+          <a:ext cx="0" cy="0"/>
+          <a:chOff x="0" y="0"/>
+          <a:chExt cx="0" cy="0"/>
+        </a:xfrm>
+      </p:grpSpPr>
+      <p:sp>
+        <p:nvSpPr>
+          <p:cNvPr id="3" name="Text Placeholder 7">
+            <a:extLst>
+              <a:ext uri="{FF2B5EF4-FFF2-40B4-BE49-F238E27FC236}">
+                <a16:creationId xmlns:a16="http://schemas.microsoft.com/office/drawing/2014/main" id="{80691881-62BF-A4A1-D235-B066EC5EC0FF}"/>
+              </a:ext>
+            </a:extLst>
+          </p:cNvPr>
+          <p:cNvSpPr>
+            <a:spLocks noGrp="1"/>
+          </p:cNvSpPr>
+          <p:nvPr>
+            <p:ph type="body" sz="quarter" idx="10" hasCustomPrompt="1"/>
+          </p:nvPr>
+        </p:nvSpPr>
+        <p:spPr>
+          <a:xfrm>
+            <a:off x="5528905" y="6023252"/>
+            <a:ext cx="4267200" cy="235510"/>
+          </a:xfrm>
+        </p:spPr>
+        <p:txBody>
+          <a:bodyPr/>
+          <a:lstStyle>
+            <a:lvl1pPr marL="0" indent="0">
+              <a:buNone/>
+              <a:defRPr sz="1332">
+                <a:solidFill>
+                  <a:schemeClr val="tx1"/>
+                </a:solidFill>
+              </a:defRPr>
+            </a:lvl1pPr>
+            <a:lvl2pPr>
+              <a:defRPr sz="1332">
+                <a:solidFill>
+                  <a:schemeClr val="tx1"/>
+                </a:solidFill>
+              </a:defRPr>
+            </a:lvl2pPr>
+            <a:lvl3pPr>
+              <a:defRPr sz="1332">
+                <a:solidFill>
+                  <a:schemeClr val="tx1"/>
+                </a:solidFill>
+              </a:defRPr>
+            </a:lvl3pPr>
+            <a:lvl4pPr>
+              <a:defRPr sz="1332">
+                <a:solidFill>
+                  <a:schemeClr val="tx1"/>
+                </a:solidFill>
+              </a:defRPr>
+            </a:lvl4pPr>
+            <a:lvl5pPr>
+              <a:defRPr sz="1332">
+                <a:solidFill>
+                  <a:schemeClr val="tx1"/>
+                </a:solidFill>
+              </a:defRPr>
+            </a:lvl5pPr>
+          </a:lstStyle>
+          <a:p>
+            <a:pPr lvl="0"/>
+            <a:r>
+              <a:rPr lang="en-US" dirty="0"/>
+              <a:t>Date</a:t>
+            </a:r>
+          </a:p>
+        </p:txBody>
+      </p:sp>
+      <p:pic>
+        <p:nvPicPr>
+          <p:cNvPr id="4" name="Picture 3" descr="A logo with orange letters and a moon&#10;&#10;AI-generated content may be incorrect.">
+            <a:extLst>
+              <a:ext uri="{FF2B5EF4-FFF2-40B4-BE49-F238E27FC236}">
+                <a16:creationId xmlns:a16="http://schemas.microsoft.com/office/drawing/2014/main" id="{4478B759-9749-185B-1189-75C245271559}"/>
+              </a:ext>
+            </a:extLst>
+          </p:cNvPr>
+          <p:cNvPicPr>
+            <a:picLocks noChangeAspect="1"/>
+          </p:cNvPicPr>
+          <p:nvPr userDrawn="1"/>
+        </p:nvPicPr>
+        <p:blipFill>
+          <a:blip r:embed="rId3"/>
+          <a:stretch>
+            <a:fillRect/>
+          </a:stretch>
+        </p:blipFill>
+        <p:spPr>
+          <a:xfrm>
+            <a:off x="534956" y="588925"/>
+            <a:ext cx="1969057" cy="962277"/>
+          </a:xfrm>
+          <a:prstGeom prst="rect">
+            <a:avLst/>
+          </a:prstGeom>
+        </p:spPr>
+      </p:pic>
+      <p:sp>
+        <p:nvSpPr>
+          <p:cNvPr id="5" name="Title 1">
+            <a:extLst>
+              <a:ext uri="{FF2B5EF4-FFF2-40B4-BE49-F238E27FC236}">
+                <a16:creationId xmlns:a16="http://schemas.microsoft.com/office/drawing/2014/main" id="{8D1A29BA-6ABB-88D6-3195-0BF8AECA5DF9}"/>
+              </a:ext>
+            </a:extLst>
+          </p:cNvPr>
+          <p:cNvSpPr>
+            <a:spLocks noGrp="1"/>
+          </p:cNvSpPr>
+          <p:nvPr>
+            <p:ph type="ctrTitle"/>
+          </p:nvPr>
+        </p:nvSpPr>
+        <p:spPr>
+          <a:xfrm>
+            <a:off x="5528906" y="2986528"/>
+            <a:ext cx="6053495" cy="884942"/>
+          </a:xfrm>
+        </p:spPr>
+        <p:txBody>
+          <a:bodyPr anchor="b"/>
+          <a:lstStyle>
+            <a:lvl1pPr algn="l">
+              <a:defRPr sz="2398">
+                <a:solidFill>
+                  <a:schemeClr val="accent3"/>
+                </a:solidFill>
+              </a:defRPr>
+            </a:lvl1pPr>
+          </a:lstStyle>
+          <a:p>
+            <a:r>
+              <a:rPr lang="en-US" dirty="0"/>
+              <a:t>Click to edit Master title style</a:t>
+            </a:r>
+          </a:p>
+        </p:txBody>
+      </p:sp>
+      <p:sp>
+        <p:nvSpPr>
+          <p:cNvPr id="6" name="Subtitle 2">
+            <a:extLst>
+              <a:ext uri="{FF2B5EF4-FFF2-40B4-BE49-F238E27FC236}">
+                <a16:creationId xmlns:a16="http://schemas.microsoft.com/office/drawing/2014/main" id="{AA5C475F-1B46-B467-24A8-9F4F1FBCD035}"/>
+              </a:ext>
+            </a:extLst>
+          </p:cNvPr>
+          <p:cNvSpPr>
+            <a:spLocks noGrp="1"/>
+          </p:cNvSpPr>
+          <p:nvPr>
+            <p:ph type="subTitle" idx="1"/>
+          </p:nvPr>
+        </p:nvSpPr>
+        <p:spPr>
+          <a:xfrm>
+            <a:off x="5528906" y="3871472"/>
+            <a:ext cx="6053495" cy="581488"/>
+          </a:xfrm>
+        </p:spPr>
+        <p:txBody>
+          <a:bodyPr/>
+          <a:lstStyle>
+            <a:lvl1pPr marL="0" indent="0" algn="l">
+              <a:spcBef>
+                <a:spcPts val="0"/>
+              </a:spcBef>
+              <a:buNone/>
+              <a:defRPr sz="1865">
+                <a:solidFill>
+                  <a:schemeClr val="tx1"/>
+                </a:solidFill>
+              </a:defRPr>
+            </a:lvl1pPr>
+            <a:lvl2pPr marL="456777" indent="0" algn="ctr">
+              <a:buNone/>
+              <a:defRPr sz="1998"/>
+            </a:lvl2pPr>
+            <a:lvl3pPr marL="913554" indent="0" algn="ctr">
+              <a:buNone/>
+              <a:defRPr sz="1798"/>
+            </a:lvl3pPr>
+            <a:lvl4pPr marL="1370331" indent="0" algn="ctr">
+              <a:buNone/>
+              <a:defRPr sz="1599"/>
+            </a:lvl4pPr>
+            <a:lvl5pPr marL="1827108" indent="0" algn="ctr">
+              <a:buNone/>
+              <a:defRPr sz="1599"/>
+            </a:lvl5pPr>
+            <a:lvl6pPr marL="2283885" indent="0" algn="ctr">
+              <a:buNone/>
+              <a:defRPr sz="1599"/>
+            </a:lvl6pPr>
+            <a:lvl7pPr marL="2740663" indent="0" algn="ctr">
+              <a:buNone/>
+              <a:defRPr sz="1599"/>
+            </a:lvl7pPr>
+            <a:lvl8pPr marL="3197440" indent="0" algn="ctr">
+              <a:buNone/>
+              <a:defRPr sz="1599"/>
+            </a:lvl8pPr>
+            <a:lvl9pPr marL="3654217" indent="0" algn="ctr">
+              <a:buNone/>
+              <a:defRPr sz="1599"/>
+            </a:lvl9pPr>
+          </a:lstStyle>
+          <a:p>
+            <a:r>
+              <a:rPr lang="en-US" dirty="0"/>
+              <a:t>Click to edit Master subtitle style</a:t>
+            </a:r>
+          </a:p>
+        </p:txBody>
+      </p:sp>
+    </p:spTree>
+    <p:extLst>
+      <p:ext uri="{BB962C8B-B14F-4D97-AF65-F5344CB8AC3E}">
+        <p14:creationId xmlns:p14="http://schemas.microsoft.com/office/powerpoint/2010/main" val="3078378037"/>
+      </p:ext>
+    </p:extLst>
+  </p:cSld>
+  <p:clrMapOvr>
+    <a:masterClrMapping/>
+  </p:clrMapOvr>
+</p:sldLayout>
+</file>
+
 <file path=ppt/slideMasters/slideMaster1.xml><?xml version="1.0" encoding="utf-8"?>
 <p:sldMaster xmlns:a="http://schemas.openxmlformats.org/drawingml/2006/main" xmlns:r="http://schemas.openxmlformats.org/officeDocument/2006/relationships" xmlns:p="http://schemas.openxmlformats.org/presentationml/2006/main">
   <p:cSld>
@@ -1823,6 +2315,7 @@
     <p:sldLayoutId id="2147483717" r:id="rId1"/>
     <p:sldLayoutId id="2147483718" r:id="rId2"/>
     <p:sldLayoutId id="2147483719" r:id="rId3"/>
+    <p:sldLayoutId id="2147483720" r:id="rId4"/>
   </p:sldLayoutIdLst>
   <mc:AlternateContent xmlns:mc="http://schemas.openxmlformats.org/markup-compatibility/2006" xmlns:p14="http://schemas.microsoft.com/office/powerpoint/2010/main">
     <mc:Choice Requires="p14">
@@ -2151,14 +2644,6 @@
 <file path=ppt/slides/slide1.xml><?xml version="1.0" encoding="utf-8"?>
 <p:sld xmlns:a="http://schemas.openxmlformats.org/drawingml/2006/main" xmlns:r="http://schemas.openxmlformats.org/officeDocument/2006/relationships" xmlns:p="http://schemas.openxmlformats.org/presentationml/2006/main">
   <p:cSld>
-    <p:bg>
-      <p:bgPr>
-        <a:solidFill>
-          <a:schemeClr val="accent1"/>
-        </a:solidFill>
-        <a:effectLst/>
-      </p:bgPr>
-    </p:bg>
     <p:spTree>
       <p:nvGrpSpPr>
         <p:cNvPr id="1" name=""/>
@@ -2175,157 +2660,72 @@
       </p:grpSpPr>
       <p:sp>
         <p:nvSpPr>
-          <p:cNvPr id="8" name="Rectangle 7">
-            <a:extLst>
-              <a:ext uri="{FF2B5EF4-FFF2-40B4-BE49-F238E27FC236}">
-                <a16:creationId xmlns:a16="http://schemas.microsoft.com/office/drawing/2014/main" id="{74FCCBA0-F0FD-7E91-9C9C-4D9A79748523}"/>
-              </a:ext>
-            </a:extLst>
-          </p:cNvPr>
-          <p:cNvSpPr/>
-          <p:nvPr/>
-        </p:nvSpPr>
-        <p:spPr>
-          <a:xfrm>
-            <a:off x="0" y="1860331"/>
-            <a:ext cx="8970579" cy="1103587"/>
-          </a:xfrm>
-          <a:prstGeom prst="rect">
-            <a:avLst/>
-          </a:prstGeom>
-          <a:solidFill>
-            <a:schemeClr val="accent2"/>
-          </a:solidFill>
-          <a:ln>
-            <a:noFill/>
-          </a:ln>
-          <a:effectLst/>
-        </p:spPr>
-        <p:style>
-          <a:lnRef idx="1">
-            <a:schemeClr val="accent1"/>
-          </a:lnRef>
-          <a:fillRef idx="3">
-            <a:schemeClr val="accent1"/>
-          </a:fillRef>
-          <a:effectRef idx="2">
-            <a:schemeClr val="accent1"/>
-          </a:effectRef>
-          <a:fontRef idx="minor">
-            <a:schemeClr val="lt1"/>
-          </a:fontRef>
-        </p:style>
-        <p:txBody>
-          <a:bodyPr lIns="0" tIns="0" rIns="0" bIns="0" rtlCol="0" anchor="ctr">
-            <a:normAutofit/>
-          </a:bodyPr>
+          <p:cNvPr id="3" name="Title 2">
+            <a:extLst>
+              <a:ext uri="{FF2B5EF4-FFF2-40B4-BE49-F238E27FC236}">
+                <a16:creationId xmlns:a16="http://schemas.microsoft.com/office/drawing/2014/main" id="{A99F8A9A-F0DC-ED26-1B88-9D6C2835E090}"/>
+              </a:ext>
+            </a:extLst>
+          </p:cNvPr>
+          <p:cNvSpPr>
+            <a:spLocks noGrp="1"/>
+          </p:cNvSpPr>
+          <p:nvPr>
+            <p:ph type="ctrTitle"/>
+          </p:nvPr>
+        </p:nvSpPr>
+        <p:spPr/>
+        <p:txBody>
+          <a:bodyPr/>
           <a:lstStyle/>
           <a:p>
-            <a:endParaRPr lang="en-GB" sz="2800" b="1" noProof="1">
-              <a:solidFill>
-                <a:schemeClr val="tx2"/>
-              </a:solidFill>
-            </a:endParaRPr>
-          </a:p>
-        </p:txBody>
-      </p:sp>
-      <p:sp>
-        <p:nvSpPr>
-          <p:cNvPr id="10" name="TextBox 9">
-            <a:extLst>
-              <a:ext uri="{FF2B5EF4-FFF2-40B4-BE49-F238E27FC236}">
-                <a16:creationId xmlns:a16="http://schemas.microsoft.com/office/drawing/2014/main" id="{A518010D-B6D3-DDC9-FE53-A30C9B356772}"/>
-              </a:ext>
-            </a:extLst>
-          </p:cNvPr>
-          <p:cNvSpPr txBox="1"/>
-          <p:nvPr/>
-        </p:nvSpPr>
-        <p:spPr>
-          <a:xfrm>
-            <a:off x="141890" y="1970690"/>
-            <a:ext cx="8639503" cy="984885"/>
-          </a:xfrm>
-          <a:prstGeom prst="rect">
-            <a:avLst/>
-          </a:prstGeom>
-        </p:spPr>
-        <p:txBody>
-          <a:bodyPr wrap="square" lIns="0" tIns="0" rIns="0" bIns="0" rtlCol="0" anchor="t" anchorCtr="0">
-            <a:spAutoFit/>
-          </a:bodyPr>
-          <a:lstStyle/>
-          <a:p>
             <a:r>
-              <a:rPr lang="en-GB" sz="2600" b="1" noProof="1">
-                <a:solidFill>
-                  <a:schemeClr val="tx2"/>
-                </a:solidFill>
+              <a:rPr lang="en-US" dirty="0" err="1">
+                <a:latin typeface="Aptos" panose="020B0004020202020204" pitchFamily="34" charset="0"/>
               </a:rPr>
               <a:t>subject_line</a:t>
             </a:r>
-          </a:p>
-          <a:p>
-            <a:endParaRPr lang="en-GB" sz="2600" b="1" noProof="1">
+            <a:endParaRPr lang="en-US" dirty="0">
+              <a:latin typeface="Aptos" panose="020B0004020202020204" pitchFamily="34" charset="0"/>
+            </a:endParaRPr>
+          </a:p>
+        </p:txBody>
+      </p:sp>
+      <p:sp>
+        <p:nvSpPr>
+          <p:cNvPr id="4" name="Subtitle 3">
+            <a:extLst>
+              <a:ext uri="{FF2B5EF4-FFF2-40B4-BE49-F238E27FC236}">
+                <a16:creationId xmlns:a16="http://schemas.microsoft.com/office/drawing/2014/main" id="{F601D229-8320-0BD0-7EB5-6BB22A16B4FB}"/>
+              </a:ext>
+            </a:extLst>
+          </p:cNvPr>
+          <p:cNvSpPr>
+            <a:spLocks noGrp="1"/>
+          </p:cNvSpPr>
+          <p:nvPr>
+            <p:ph type="subTitle" idx="1"/>
+          </p:nvPr>
+        </p:nvSpPr>
+        <p:spPr/>
+        <p:txBody>
+          <a:bodyPr/>
+          <a:lstStyle/>
+          <a:p>
+            <a:r>
+              <a:rPr lang="en-US" dirty="0" err="1">
+                <a:solidFill>
+                  <a:schemeClr val="accent2"/>
+                </a:solidFill>
+                <a:latin typeface="Aptos" panose="020B0004020202020204" pitchFamily="34" charset="0"/>
+              </a:rPr>
+              <a:t>date_range</a:t>
+            </a:r>
+            <a:endParaRPr lang="en-US" dirty="0">
               <a:solidFill>
-                <a:schemeClr val="tx2"/>
+                <a:schemeClr val="accent2"/>
               </a:solidFill>
-            </a:endParaRPr>
-          </a:p>
-          <a:p>
-            <a:pPr algn="l"/>
-            <a:endParaRPr lang="en-GB" sz="1200" b="0" noProof="1"/>
-          </a:p>
-        </p:txBody>
-      </p:sp>
-      <p:sp>
-        <p:nvSpPr>
-          <p:cNvPr id="2" name="TextBox 1">
-            <a:extLst>
-              <a:ext uri="{FF2B5EF4-FFF2-40B4-BE49-F238E27FC236}">
-                <a16:creationId xmlns:a16="http://schemas.microsoft.com/office/drawing/2014/main" id="{277F862F-61D1-5943-D9EE-B093D36602E3}"/>
-              </a:ext>
-            </a:extLst>
-          </p:cNvPr>
-          <p:cNvSpPr txBox="1"/>
-          <p:nvPr/>
-        </p:nvSpPr>
-        <p:spPr>
-          <a:xfrm>
-            <a:off x="141890" y="3090041"/>
-            <a:ext cx="5596758" cy="215444"/>
-          </a:xfrm>
-          <a:prstGeom prst="rect">
-            <a:avLst/>
-          </a:prstGeom>
-        </p:spPr>
-        <p:txBody>
-          <a:bodyPr wrap="square" lIns="0" tIns="0" rIns="0" bIns="0" rtlCol="0" anchor="t" anchorCtr="0">
-            <a:spAutoFit/>
-          </a:bodyPr>
-          <a:lstStyle/>
-          <a:p>
-            <a:pPr algn="l"/>
-            <a:r>
-              <a:rPr lang="en-US" sz="1400" dirty="0" err="1">
-                <a:solidFill>
-                  <a:schemeClr val="tx2"/>
-                </a:solidFill>
-              </a:rPr>
-              <a:t>d</a:t>
-            </a:r>
-            <a:r>
-              <a:rPr lang="en-US" sz="1400" b="0" dirty="0" err="1">
-                <a:solidFill>
-                  <a:schemeClr val="tx2"/>
-                </a:solidFill>
-              </a:rPr>
-              <a:t>ate_range</a:t>
-            </a:r>
-            <a:endParaRPr lang="en-US" sz="1400" b="0" dirty="0">
-              <a:solidFill>
-                <a:schemeClr val="tx2"/>
-              </a:solidFill>
+              <a:latin typeface="Aptos" panose="020B0004020202020204" pitchFamily="34" charset="0"/>
             </a:endParaRPr>
           </a:p>
         </p:txBody>
@@ -2333,25 +2733,13 @@
     </p:spTree>
     <p:extLst>
       <p:ext uri="{BB962C8B-B14F-4D97-AF65-F5344CB8AC3E}">
-        <p14:creationId xmlns:p14="http://schemas.microsoft.com/office/powerpoint/2010/main" val="3197976554"/>
+        <p14:creationId xmlns:p14="http://schemas.microsoft.com/office/powerpoint/2010/main" val="1100333962"/>
       </p:ext>
     </p:extLst>
   </p:cSld>
   <p:clrMapOvr>
     <a:masterClrMapping/>
   </p:clrMapOvr>
-  <mc:AlternateContent xmlns:mc="http://schemas.openxmlformats.org/markup-compatibility/2006" xmlns:p14="http://schemas.microsoft.com/office/powerpoint/2010/main">
-    <mc:Choice Requires="p14">
-      <p:transition spd="med" p14:dur="700">
-        <p:fade/>
-      </p:transition>
-    </mc:Choice>
-    <mc:Fallback xmlns="">
-      <p:transition spd="med">
-        <p:fade/>
-      </p:transition>
-    </mc:Fallback>
-  </mc:AlternateContent>
 </p:sld>
 </file>
 
@@ -2374,10 +2762,50 @@
       </p:grpSpPr>
       <p:sp>
         <p:nvSpPr>
-          <p:cNvPr id="7" name="Title 6">
-            <a:extLst>
-              <a:ext uri="{FF2B5EF4-FFF2-40B4-BE49-F238E27FC236}">
-                <a16:creationId xmlns:a16="http://schemas.microsoft.com/office/drawing/2014/main" id="{AEEBBC19-4482-3289-CB60-79B09DAA9B71}"/>
+          <p:cNvPr id="2" name="Text Placeholder 1">
+            <a:extLst>
+              <a:ext uri="{FF2B5EF4-FFF2-40B4-BE49-F238E27FC236}">
+                <a16:creationId xmlns:a16="http://schemas.microsoft.com/office/drawing/2014/main" id="{222851CF-83CE-5498-59A0-0CD12C3CAE70}"/>
+              </a:ext>
+            </a:extLst>
+          </p:cNvPr>
+          <p:cNvSpPr>
+            <a:spLocks noGrp="1"/>
+          </p:cNvSpPr>
+          <p:nvPr>
+            <p:ph type="body" sz="quarter" idx="10"/>
+          </p:nvPr>
+        </p:nvSpPr>
+        <p:spPr>
+          <a:xfrm>
+            <a:off x="632460" y="0"/>
+            <a:ext cx="11333568" cy="518086"/>
+          </a:xfrm>
+        </p:spPr>
+        <p:txBody>
+          <a:bodyPr/>
+          <a:lstStyle/>
+          <a:p>
+            <a:r>
+              <a:rPr lang="en-US" dirty="0" err="1">
+                <a:latin typeface="Kalinga" panose="020B0502040204020203" pitchFamily="34" charset="0"/>
+                <a:cs typeface="Kalinga" panose="020B0502040204020203" pitchFamily="34" charset="0"/>
+              </a:rPr>
+              <a:t>Column_subtitle</a:t>
+            </a:r>
+            <a:endParaRPr lang="en-US" dirty="0">
+              <a:latin typeface="Kalinga" panose="020B0502040204020203" pitchFamily="34" charset="0"/>
+              <a:cs typeface="Kalinga" panose="020B0502040204020203" pitchFamily="34" charset="0"/>
+            </a:endParaRPr>
+          </a:p>
+        </p:txBody>
+      </p:sp>
+      <p:sp>
+        <p:nvSpPr>
+          <p:cNvPr id="3" name="Title 2">
+            <a:extLst>
+              <a:ext uri="{FF2B5EF4-FFF2-40B4-BE49-F238E27FC236}">
+                <a16:creationId xmlns:a16="http://schemas.microsoft.com/office/drawing/2014/main" id="{B320E1D9-0B37-E218-E183-C26178FF4BE1}"/>
               </a:ext>
             </a:extLst>
           </p:cNvPr>
@@ -2394,18 +2822,21 @@
           <a:lstStyle/>
           <a:p>
             <a:r>
-              <a:rPr lang="en-US"/>
-              <a:t>title</a:t>
+              <a:rPr lang="en-US" dirty="0">
+                <a:latin typeface="Kalinga" panose="020B0502040204020203" pitchFamily="34" charset="0"/>
+                <a:cs typeface="Kalinga" panose="020B0502040204020203" pitchFamily="34" charset="0"/>
+              </a:rPr>
+              <a:t>Overview of posts analyzed in this period</a:t>
             </a:r>
           </a:p>
         </p:txBody>
       </p:sp>
       <p:sp>
         <p:nvSpPr>
-          <p:cNvPr id="8" name="Text Placeholder 7">
-            <a:extLst>
-              <a:ext uri="{FF2B5EF4-FFF2-40B4-BE49-F238E27FC236}">
-                <a16:creationId xmlns:a16="http://schemas.microsoft.com/office/drawing/2014/main" id="{CA4515CA-D0FF-A323-3F56-91669CBC7063}"/>
+          <p:cNvPr id="4" name="Content Placeholder 3">
+            <a:extLst>
+              <a:ext uri="{FF2B5EF4-FFF2-40B4-BE49-F238E27FC236}">
+                <a16:creationId xmlns:a16="http://schemas.microsoft.com/office/drawing/2014/main" id="{8B983F2A-0752-2538-60E7-2D40E4A1FE3C}"/>
               </a:ext>
             </a:extLst>
           </p:cNvPr>
@@ -2413,201 +2844,67 @@
             <a:spLocks noGrp="1"/>
           </p:cNvSpPr>
           <p:nvPr>
-            <p:ph type="body" sz="quarter" idx="10"/>
+            <p:ph sz="quarter" idx="11"/>
           </p:nvPr>
         </p:nvSpPr>
         <p:spPr>
           <a:xfrm>
-            <a:off x="632459" y="0"/>
-            <a:ext cx="11286271" cy="518086"/>
-          </a:xfrm>
-        </p:spPr>
-        <p:txBody>
-          <a:bodyPr/>
-          <a:lstStyle/>
-          <a:p>
-            <a:r>
-              <a:rPr lang="en-US"/>
-              <a:t>Thought leadership concept #1</a:t>
-            </a:r>
-          </a:p>
-        </p:txBody>
-      </p:sp>
-      <p:sp>
-        <p:nvSpPr>
-          <p:cNvPr id="9" name="Picture Placeholder 8">
-            <a:extLst>
-              <a:ext uri="{FF2B5EF4-FFF2-40B4-BE49-F238E27FC236}">
-                <a16:creationId xmlns:a16="http://schemas.microsoft.com/office/drawing/2014/main" id="{AC7B8CED-D35C-FDF2-F17F-2DE4C657298F}"/>
-              </a:ext>
-            </a:extLst>
-          </p:cNvPr>
-          <p:cNvSpPr>
-            <a:spLocks noGrp="1"/>
-          </p:cNvSpPr>
-          <p:nvPr>
-            <p:ph type="pic" sz="quarter" idx="11"/>
-          </p:nvPr>
-        </p:nvSpPr>
-        <p:spPr>
-          <a:xfrm>
-            <a:off x="631824" y="1517761"/>
-            <a:ext cx="3687927" cy="3687927"/>
-          </a:xfrm>
-        </p:spPr>
-        <p:txBody>
-          <a:bodyPr/>
-          <a:lstStyle/>
-          <a:p>
-            <a:endParaRPr lang="en-US"/>
-          </a:p>
-        </p:txBody>
-      </p:sp>
-      <p:sp>
-        <p:nvSpPr>
-          <p:cNvPr id="10" name="TextBox 9">
-            <a:extLst>
-              <a:ext uri="{FF2B5EF4-FFF2-40B4-BE49-F238E27FC236}">
-                <a16:creationId xmlns:a16="http://schemas.microsoft.com/office/drawing/2014/main" id="{9DE694DE-D666-5CEA-CC93-335AA04ADDBE}"/>
-              </a:ext>
-            </a:extLst>
-          </p:cNvPr>
-          <p:cNvSpPr txBox="1"/>
-          <p:nvPr/>
-        </p:nvSpPr>
-        <p:spPr>
-          <a:xfrm>
-            <a:off x="631825" y="5472619"/>
-            <a:ext cx="11160782" cy="169277"/>
-          </a:xfrm>
-          <a:prstGeom prst="rect">
-            <a:avLst/>
-          </a:prstGeom>
-        </p:spPr>
-        <p:txBody>
-          <a:bodyPr wrap="square" lIns="0" tIns="0" rIns="0" bIns="0" rtlCol="0" anchor="t" anchorCtr="0">
-            <a:spAutoFit/>
+            <a:off x="631825" y="1112494"/>
+            <a:ext cx="10928350" cy="5619609"/>
+          </a:xfrm>
+        </p:spPr>
+        <p:txBody>
+          <a:bodyPr>
+            <a:normAutofit/>
           </a:bodyPr>
           <a:lstStyle/>
           <a:p>
-            <a:pPr algn="l"/>
+            <a:pPr>
+              <a:lnSpc>
+                <a:spcPct val="115000"/>
+              </a:lnSpc>
+              <a:spcAft>
+                <a:spcPts val="800"/>
+              </a:spcAft>
+            </a:pPr>
             <a:r>
-              <a:rPr lang="en-GB" sz="1100" b="0" i="0">
+              <a:rPr lang="en-GB" sz="1500" kern="100" dirty="0" err="1">
                 <a:solidFill>
                   <a:schemeClr val="accent2"/>
                 </a:solidFill>
-                <a:effectLst/>
-                <a:latin typeface="Arial" panose="020B0604020202020204" pitchFamily="34" charset="0"/>
+                <a:latin typeface="Aptos" panose="020B0004020202020204" pitchFamily="34" charset="0"/>
+                <a:ea typeface="PMingLiU" panose="02020500000000000000" pitchFamily="18" charset="-120"/>
                 <a:cs typeface="Arial" panose="020B0604020202020204" pitchFamily="34" charset="0"/>
               </a:rPr>
-              <a:t>rationale</a:t>
+              <a:t>Column_text</a:t>
             </a:r>
-            <a:endParaRPr lang="en-US" sz="1100" b="0">
+            <a:endParaRPr lang="en-GB" sz="1500" kern="100" dirty="0">
               <a:solidFill>
                 <a:schemeClr val="accent2"/>
               </a:solidFill>
-              <a:latin typeface="Arial" panose="020B0604020202020204" pitchFamily="34" charset="0"/>
+              <a:effectLst/>
+              <a:latin typeface="Aptos" panose="020B0004020202020204" pitchFamily="34" charset="0"/>
+              <a:ea typeface="PMingLiU" panose="02020500000000000000" pitchFamily="18" charset="-120"/>
               <a:cs typeface="Arial" panose="020B0604020202020204" pitchFamily="34" charset="0"/>
             </a:endParaRPr>
           </a:p>
-        </p:txBody>
-      </p:sp>
-      <p:cxnSp>
-        <p:nvCxnSpPr>
-          <p:cNvPr id="12" name="Straight Connector 11">
-            <a:extLst>
-              <a:ext uri="{FF2B5EF4-FFF2-40B4-BE49-F238E27FC236}">
-                <a16:creationId xmlns:a16="http://schemas.microsoft.com/office/drawing/2014/main" id="{52552E87-0D52-4DAF-2077-4463CCC9D4B1}"/>
-              </a:ext>
-            </a:extLst>
-          </p:cNvPr>
-          <p:cNvCxnSpPr/>
-          <p:nvPr/>
-        </p:nvCxnSpPr>
-        <p:spPr>
-          <a:xfrm>
-            <a:off x="631825" y="5344519"/>
-            <a:ext cx="10927715" cy="0"/>
-          </a:xfrm>
-          <a:prstGeom prst="line">
-            <a:avLst/>
-          </a:prstGeom>
-          <a:ln>
-            <a:solidFill>
-              <a:schemeClr val="accent3"/>
-            </a:solidFill>
-          </a:ln>
-          <a:effectLst/>
-        </p:spPr>
-        <p:style>
-          <a:lnRef idx="2">
-            <a:schemeClr val="accent1"/>
-          </a:lnRef>
-          <a:fillRef idx="0">
-            <a:schemeClr val="accent1"/>
-          </a:fillRef>
-          <a:effectRef idx="1">
-            <a:schemeClr val="accent1"/>
-          </a:effectRef>
-          <a:fontRef idx="minor">
-            <a:schemeClr val="tx1"/>
-          </a:fontRef>
-        </p:style>
-      </p:cxnSp>
-      <p:sp>
-        <p:nvSpPr>
-          <p:cNvPr id="15" name="TextBox 14">
-            <a:extLst>
-              <a:ext uri="{FF2B5EF4-FFF2-40B4-BE49-F238E27FC236}">
-                <a16:creationId xmlns:a16="http://schemas.microsoft.com/office/drawing/2014/main" id="{09E9E7FA-DF8D-A0A0-A01E-23DDD0B69B4D}"/>
-              </a:ext>
-            </a:extLst>
-          </p:cNvPr>
-          <p:cNvSpPr txBox="1"/>
-          <p:nvPr/>
-        </p:nvSpPr>
-        <p:spPr>
-          <a:xfrm>
-            <a:off x="4635062" y="1478953"/>
-            <a:ext cx="6924478" cy="430887"/>
-          </a:xfrm>
-          <a:prstGeom prst="rect">
-            <a:avLst/>
-          </a:prstGeom>
-        </p:spPr>
-        <p:txBody>
-          <a:bodyPr wrap="square" lIns="0" tIns="0" rIns="0" bIns="0" rtlCol="0" anchor="t" anchorCtr="0">
-            <a:spAutoFit/>
-          </a:bodyPr>
-          <a:lstStyle/>
           <a:p>
             <a:pPr>
-              <a:buNone/>
+              <a:lnSpc>
+                <a:spcPct val="115000"/>
+              </a:lnSpc>
+              <a:spcAft>
+                <a:spcPts val="800"/>
+              </a:spcAft>
             </a:pPr>
-            <a:r>
-              <a:rPr lang="en-GB" sz="1600" dirty="0" err="1">
-                <a:solidFill>
-                  <a:schemeClr val="accent2"/>
-                </a:solidFill>
-              </a:rPr>
-              <a:t>post_proposal</a:t>
-            </a:r>
-            <a:endParaRPr lang="en-GB" sz="1600" dirty="0">
-              <a:solidFill>
-                <a:schemeClr val="accent2"/>
-              </a:solidFill>
-            </a:endParaRPr>
-          </a:p>
-          <a:p>
-            <a:pPr algn="l"/>
-            <a:endParaRPr lang="en-US" sz="1200" b="0" dirty="0"/>
+            <a:endParaRPr lang="en-US" dirty="0"/>
           </a:p>
         </p:txBody>
       </p:sp>
     </p:spTree>
     <p:extLst>
       <p:ext uri="{BB962C8B-B14F-4D97-AF65-F5344CB8AC3E}">
-        <p14:creationId xmlns:p14="http://schemas.microsoft.com/office/powerpoint/2010/main" val="2657775648"/>
+        <p14:creationId xmlns:p14="http://schemas.microsoft.com/office/powerpoint/2010/main" val="520181652"/>
       </p:ext>
     </p:extLst>
   </p:cSld>
@@ -2634,13 +2931,7 @@
   <p:cSld>
     <p:spTree>
       <p:nvGrpSpPr>
-        <p:cNvPr id="1" name="">
-          <a:extLst>
-            <a:ext uri="{FF2B5EF4-FFF2-40B4-BE49-F238E27FC236}">
-              <a16:creationId xmlns:a16="http://schemas.microsoft.com/office/drawing/2014/main" id="{AF9403CB-1D50-E29F-0833-E494DF3A97BF}"/>
-            </a:ext>
-          </a:extLst>
-        </p:cNvPr>
+        <p:cNvPr id="1" name=""/>
         <p:cNvGrpSpPr/>
         <p:nvPr/>
       </p:nvGrpSpPr>
@@ -2657,7 +2948,7 @@
           <p:cNvPr id="7" name="Title 6">
             <a:extLst>
               <a:ext uri="{FF2B5EF4-FFF2-40B4-BE49-F238E27FC236}">
-                <a16:creationId xmlns:a16="http://schemas.microsoft.com/office/drawing/2014/main" id="{C5F77428-3EFD-051B-D253-821415E796A8}"/>
+                <a16:creationId xmlns:a16="http://schemas.microsoft.com/office/drawing/2014/main" id="{AEEBBC19-4482-3289-CB60-79B09DAA9B71}"/>
               </a:ext>
             </a:extLst>
           </p:cNvPr>
@@ -2674,7 +2965,10 @@
           <a:lstStyle/>
           <a:p>
             <a:r>
-              <a:rPr lang="en-US"/>
+              <a:rPr lang="en-US" dirty="0">
+                <a:latin typeface="Kalinga" panose="020B0502040204020203" pitchFamily="34" charset="0"/>
+                <a:cs typeface="Kalinga" panose="020B0502040204020203" pitchFamily="34" charset="0"/>
+              </a:rPr>
               <a:t>title</a:t>
             </a:r>
           </a:p>
@@ -2685,7 +2979,7 @@
           <p:cNvPr id="8" name="Text Placeholder 7">
             <a:extLst>
               <a:ext uri="{FF2B5EF4-FFF2-40B4-BE49-F238E27FC236}">
-                <a16:creationId xmlns:a16="http://schemas.microsoft.com/office/drawing/2014/main" id="{A7F24B05-FE69-D371-D113-FAE008D06454}"/>
+                <a16:creationId xmlns:a16="http://schemas.microsoft.com/office/drawing/2014/main" id="{CA4515CA-D0FF-A323-3F56-91669CBC7063}"/>
               </a:ext>
             </a:extLst>
           </p:cNvPr>
@@ -2698,8 +2992,8 @@
         </p:nvSpPr>
         <p:spPr>
           <a:xfrm>
-            <a:off x="632460" y="0"/>
-            <a:ext cx="11333568" cy="518086"/>
+            <a:off x="632459" y="0"/>
+            <a:ext cx="11286271" cy="518086"/>
           </a:xfrm>
         </p:spPr>
         <p:txBody>
@@ -2707,8 +3001,11 @@
           <a:lstStyle/>
           <a:p>
             <a:r>
-              <a:rPr lang="en-US"/>
-              <a:t>Thought leadership concept #2</a:t>
+              <a:rPr lang="en-US" dirty="0">
+                <a:latin typeface="Kalinga" panose="020B0502040204020203" pitchFamily="34" charset="0"/>
+                <a:cs typeface="Kalinga" panose="020B0502040204020203" pitchFamily="34" charset="0"/>
+              </a:rPr>
+              <a:t>Thought leadership concept #1</a:t>
             </a:r>
           </a:p>
         </p:txBody>
@@ -2718,7 +3015,7 @@
           <p:cNvPr id="9" name="Picture Placeholder 8">
             <a:extLst>
               <a:ext uri="{FF2B5EF4-FFF2-40B4-BE49-F238E27FC236}">
-                <a16:creationId xmlns:a16="http://schemas.microsoft.com/office/drawing/2014/main" id="{1FA2AB56-69EE-260F-5591-C5048BCE1AED}"/>
+                <a16:creationId xmlns:a16="http://schemas.microsoft.com/office/drawing/2014/main" id="{AC7B8CED-D35C-FDF2-F17F-2DE4C657298F}"/>
               </a:ext>
             </a:extLst>
           </p:cNvPr>
@@ -2748,7 +3045,7 @@
           <p:cNvPr id="10" name="TextBox 9">
             <a:extLst>
               <a:ext uri="{FF2B5EF4-FFF2-40B4-BE49-F238E27FC236}">
-                <a16:creationId xmlns:a16="http://schemas.microsoft.com/office/drawing/2014/main" id="{F0676862-14BF-3889-E336-A399777C3F8B}"/>
+                <a16:creationId xmlns:a16="http://schemas.microsoft.com/office/drawing/2014/main" id="{9DE694DE-D666-5CEA-CC93-335AA04ADDBE}"/>
               </a:ext>
             </a:extLst>
           </p:cNvPr>
@@ -2758,7 +3055,7 @@
         <p:spPr>
           <a:xfrm>
             <a:off x="631825" y="5472619"/>
-            <a:ext cx="11160782" cy="169277"/>
+            <a:ext cx="11160782" cy="153888"/>
           </a:xfrm>
           <a:prstGeom prst="rect">
             <a:avLst/>
@@ -2772,21 +3069,21 @@
           <a:p>
             <a:pPr algn="l"/>
             <a:r>
-              <a:rPr lang="en-GB" sz="1100" b="0" i="0">
+              <a:rPr lang="en-GB" sz="1000" b="0" i="0" dirty="0">
                 <a:solidFill>
                   <a:schemeClr val="accent2"/>
                 </a:solidFill>
                 <a:effectLst/>
-                <a:latin typeface="Arial" panose="020B0604020202020204" pitchFamily="34" charset="0"/>
+                <a:latin typeface="Aptos" panose="020B0004020202020204" pitchFamily="34" charset="0"/>
                 <a:cs typeface="Arial" panose="020B0604020202020204" pitchFamily="34" charset="0"/>
               </a:rPr>
               <a:t>rationale</a:t>
             </a:r>
-            <a:endParaRPr lang="en-US" sz="1100" b="0">
+            <a:endParaRPr lang="en-US" sz="1000" b="0" dirty="0">
               <a:solidFill>
                 <a:schemeClr val="accent2"/>
               </a:solidFill>
-              <a:latin typeface="Arial" panose="020B0604020202020204" pitchFamily="34" charset="0"/>
+              <a:latin typeface="Aptos" panose="020B0004020202020204" pitchFamily="34" charset="0"/>
               <a:cs typeface="Arial" panose="020B0604020202020204" pitchFamily="34" charset="0"/>
             </a:endParaRPr>
           </a:p>
@@ -2797,7 +3094,7 @@
           <p:cNvPr id="12" name="Straight Connector 11">
             <a:extLst>
               <a:ext uri="{FF2B5EF4-FFF2-40B4-BE49-F238E27FC236}">
-                <a16:creationId xmlns:a16="http://schemas.microsoft.com/office/drawing/2014/main" id="{D3D044E1-D6E3-E921-F7FF-9C915C3472BD}"/>
+                <a16:creationId xmlns:a16="http://schemas.microsoft.com/office/drawing/2014/main" id="{52552E87-0D52-4DAF-2077-4463CCC9D4B1}"/>
               </a:ext>
             </a:extLst>
           </p:cNvPr>
@@ -2812,7 +3109,7 @@
           <a:prstGeom prst="line">
             <a:avLst/>
           </a:prstGeom>
-          <a:ln>
+          <a:ln w="19050">
             <a:solidFill>
               <a:schemeClr val="accent3"/>
             </a:solidFill>
@@ -2839,7 +3136,7 @@
           <p:cNvPr id="15" name="TextBox 14">
             <a:extLst>
               <a:ext uri="{FF2B5EF4-FFF2-40B4-BE49-F238E27FC236}">
-                <a16:creationId xmlns:a16="http://schemas.microsoft.com/office/drawing/2014/main" id="{99FC3E2D-B4AA-1210-3AA1-A3E2E0F11BE4}"/>
+                <a16:creationId xmlns:a16="http://schemas.microsoft.com/office/drawing/2014/main" id="{09E9E7FA-DF8D-A0A0-A01E-23DDD0B69B4D}"/>
               </a:ext>
             </a:extLst>
           </p:cNvPr>
@@ -2865,29 +3162,31 @@
               <a:buNone/>
             </a:pPr>
             <a:r>
-              <a:rPr lang="en-GB" sz="1600" err="1">
+              <a:rPr lang="en-GB" sz="1600" dirty="0" err="1">
                 <a:solidFill>
                   <a:schemeClr val="accent2"/>
                 </a:solidFill>
+                <a:latin typeface="Aptos" panose="020B0004020202020204" pitchFamily="34" charset="0"/>
               </a:rPr>
               <a:t>post_proposal</a:t>
             </a:r>
-            <a:endParaRPr lang="en-GB" sz="1600">
+            <a:endParaRPr lang="en-GB" sz="1600" dirty="0">
               <a:solidFill>
                 <a:schemeClr val="accent2"/>
               </a:solidFill>
+              <a:latin typeface="Aptos" panose="020B0004020202020204" pitchFamily="34" charset="0"/>
             </a:endParaRPr>
           </a:p>
           <a:p>
             <a:pPr algn="l"/>
-            <a:endParaRPr lang="en-US" sz="1200" b="0"/>
+            <a:endParaRPr lang="en-US" sz="1200" b="0" dirty="0"/>
           </a:p>
         </p:txBody>
       </p:sp>
     </p:spTree>
     <p:extLst>
       <p:ext uri="{BB962C8B-B14F-4D97-AF65-F5344CB8AC3E}">
-        <p14:creationId xmlns:p14="http://schemas.microsoft.com/office/powerpoint/2010/main" val="1771805131"/>
+        <p14:creationId xmlns:p14="http://schemas.microsoft.com/office/powerpoint/2010/main" val="2657775648"/>
       </p:ext>
     </p:extLst>
   </p:cSld>
@@ -2917,7 +3216,7 @@
         <p:cNvPr id="1" name="">
           <a:extLst>
             <a:ext uri="{FF2B5EF4-FFF2-40B4-BE49-F238E27FC236}">
-              <a16:creationId xmlns:a16="http://schemas.microsoft.com/office/drawing/2014/main" id="{1DAD801C-9999-E583-558A-8F83997C7C19}"/>
+              <a16:creationId xmlns:a16="http://schemas.microsoft.com/office/drawing/2014/main" id="{AF9403CB-1D50-E29F-0833-E494DF3A97BF}"/>
             </a:ext>
           </a:extLst>
         </p:cNvPr>
@@ -2937,7 +3236,7 @@
           <p:cNvPr id="7" name="Title 6">
             <a:extLst>
               <a:ext uri="{FF2B5EF4-FFF2-40B4-BE49-F238E27FC236}">
-                <a16:creationId xmlns:a16="http://schemas.microsoft.com/office/drawing/2014/main" id="{FC540169-29CB-8E2C-F7C0-55FF650F2360}"/>
+                <a16:creationId xmlns:a16="http://schemas.microsoft.com/office/drawing/2014/main" id="{C5F77428-3EFD-051B-D253-821415E796A8}"/>
               </a:ext>
             </a:extLst>
           </p:cNvPr>
@@ -2954,7 +3253,10 @@
           <a:lstStyle/>
           <a:p>
             <a:r>
-              <a:rPr lang="en-US"/>
+              <a:rPr lang="en-US" dirty="0">
+                <a:latin typeface="Kalinga" panose="020B0502040204020203" pitchFamily="34" charset="0"/>
+                <a:cs typeface="Kalinga" panose="020B0502040204020203" pitchFamily="34" charset="0"/>
+              </a:rPr>
               <a:t>title</a:t>
             </a:r>
           </a:p>
@@ -2965,7 +3267,7 @@
           <p:cNvPr id="8" name="Text Placeholder 7">
             <a:extLst>
               <a:ext uri="{FF2B5EF4-FFF2-40B4-BE49-F238E27FC236}">
-                <a16:creationId xmlns:a16="http://schemas.microsoft.com/office/drawing/2014/main" id="{82985C28-CE2D-DF47-D4AD-FCFE2A49A5F8}"/>
+                <a16:creationId xmlns:a16="http://schemas.microsoft.com/office/drawing/2014/main" id="{A7F24B05-FE69-D371-D113-FAE008D06454}"/>
               </a:ext>
             </a:extLst>
           </p:cNvPr>
@@ -2978,8 +3280,8 @@
         </p:nvSpPr>
         <p:spPr>
           <a:xfrm>
-            <a:off x="632459" y="0"/>
-            <a:ext cx="11286271" cy="518086"/>
+            <a:off x="632460" y="0"/>
+            <a:ext cx="11333568" cy="518086"/>
           </a:xfrm>
         </p:spPr>
         <p:txBody>
@@ -2987,8 +3289,11 @@
           <a:lstStyle/>
           <a:p>
             <a:r>
-              <a:rPr lang="en-US"/>
-              <a:t>Thought leadership concept #3</a:t>
+              <a:rPr lang="en-US" dirty="0">
+                <a:latin typeface="Kalinga" panose="020B0502040204020203" pitchFamily="34" charset="0"/>
+                <a:cs typeface="Kalinga" panose="020B0502040204020203" pitchFamily="34" charset="0"/>
+              </a:rPr>
+              <a:t>Thought leadership concept #2</a:t>
             </a:r>
           </a:p>
         </p:txBody>
@@ -2998,7 +3303,7 @@
           <p:cNvPr id="9" name="Picture Placeholder 8">
             <a:extLst>
               <a:ext uri="{FF2B5EF4-FFF2-40B4-BE49-F238E27FC236}">
-                <a16:creationId xmlns:a16="http://schemas.microsoft.com/office/drawing/2014/main" id="{4CEAB7F7-6041-A901-99AD-C32E8B047189}"/>
+                <a16:creationId xmlns:a16="http://schemas.microsoft.com/office/drawing/2014/main" id="{1FA2AB56-69EE-260F-5591-C5048BCE1AED}"/>
               </a:ext>
             </a:extLst>
           </p:cNvPr>
@@ -3028,7 +3333,7 @@
           <p:cNvPr id="10" name="TextBox 9">
             <a:extLst>
               <a:ext uri="{FF2B5EF4-FFF2-40B4-BE49-F238E27FC236}">
-                <a16:creationId xmlns:a16="http://schemas.microsoft.com/office/drawing/2014/main" id="{4FFD8F66-9EC9-23C0-A59C-53E5395F12D8}"/>
+                <a16:creationId xmlns:a16="http://schemas.microsoft.com/office/drawing/2014/main" id="{F0676862-14BF-3889-E336-A399777C3F8B}"/>
               </a:ext>
             </a:extLst>
           </p:cNvPr>
@@ -3038,7 +3343,7 @@
         <p:spPr>
           <a:xfrm>
             <a:off x="631825" y="5472619"/>
-            <a:ext cx="11160782" cy="169277"/>
+            <a:ext cx="11160782" cy="153888"/>
           </a:xfrm>
           <a:prstGeom prst="rect">
             <a:avLst/>
@@ -3052,32 +3357,84 @@
           <a:p>
             <a:pPr algn="l"/>
             <a:r>
-              <a:rPr lang="en-GB" sz="1100" b="0" i="0">
+              <a:rPr lang="en-GB" sz="1000" b="0" i="0" dirty="0">
                 <a:solidFill>
                   <a:schemeClr val="accent2"/>
                 </a:solidFill>
                 <a:effectLst/>
-                <a:latin typeface="Arial" panose="020B0604020202020204" pitchFamily="34" charset="0"/>
+                <a:latin typeface="Aptos" panose="020B0004020202020204" pitchFamily="34" charset="0"/>
                 <a:cs typeface="Arial" panose="020B0604020202020204" pitchFamily="34" charset="0"/>
               </a:rPr>
               <a:t>rationale</a:t>
             </a:r>
-            <a:endParaRPr lang="en-US" sz="1100" b="0">
+            <a:endParaRPr lang="en-US" sz="1000" b="0" dirty="0">
               <a:solidFill>
                 <a:schemeClr val="accent2"/>
               </a:solidFill>
-              <a:latin typeface="Arial" panose="020B0604020202020204" pitchFamily="34" charset="0"/>
+              <a:latin typeface="Aptos" panose="020B0004020202020204" pitchFamily="34" charset="0"/>
               <a:cs typeface="Arial" panose="020B0604020202020204" pitchFamily="34" charset="0"/>
             </a:endParaRPr>
           </a:p>
         </p:txBody>
       </p:sp>
+      <p:sp>
+        <p:nvSpPr>
+          <p:cNvPr id="15" name="TextBox 14">
+            <a:extLst>
+              <a:ext uri="{FF2B5EF4-FFF2-40B4-BE49-F238E27FC236}">
+                <a16:creationId xmlns:a16="http://schemas.microsoft.com/office/drawing/2014/main" id="{99FC3E2D-B4AA-1210-3AA1-A3E2E0F11BE4}"/>
+              </a:ext>
+            </a:extLst>
+          </p:cNvPr>
+          <p:cNvSpPr txBox="1"/>
+          <p:nvPr/>
+        </p:nvSpPr>
+        <p:spPr>
+          <a:xfrm>
+            <a:off x="4635062" y="1478953"/>
+            <a:ext cx="6924478" cy="430887"/>
+          </a:xfrm>
+          <a:prstGeom prst="rect">
+            <a:avLst/>
+          </a:prstGeom>
+        </p:spPr>
+        <p:txBody>
+          <a:bodyPr wrap="square" lIns="0" tIns="0" rIns="0" bIns="0" rtlCol="0" anchor="t" anchorCtr="0">
+            <a:spAutoFit/>
+          </a:bodyPr>
+          <a:lstStyle/>
+          <a:p>
+            <a:pPr>
+              <a:buNone/>
+            </a:pPr>
+            <a:r>
+              <a:rPr lang="en-GB" sz="1600" dirty="0" err="1">
+                <a:solidFill>
+                  <a:schemeClr val="accent2"/>
+                </a:solidFill>
+                <a:latin typeface="Aptos" panose="020B0004020202020204" pitchFamily="34" charset="0"/>
+              </a:rPr>
+              <a:t>post_proposal</a:t>
+            </a:r>
+            <a:endParaRPr lang="en-GB" sz="1600" dirty="0">
+              <a:solidFill>
+                <a:schemeClr val="accent2"/>
+              </a:solidFill>
+              <a:latin typeface="Aptos" panose="020B0004020202020204" pitchFamily="34" charset="0"/>
+            </a:endParaRPr>
+          </a:p>
+          <a:p>
+            <a:pPr algn="l"/>
+            <a:endParaRPr lang="en-US" sz="1200" b="0" dirty="0"/>
+          </a:p>
+        </p:txBody>
+      </p:sp>
       <p:cxnSp>
         <p:nvCxnSpPr>
-          <p:cNvPr id="12" name="Straight Connector 11">
-            <a:extLst>
-              <a:ext uri="{FF2B5EF4-FFF2-40B4-BE49-F238E27FC236}">
-                <a16:creationId xmlns:a16="http://schemas.microsoft.com/office/drawing/2014/main" id="{B4AB5233-26C9-9A31-698A-947A3E12372F}"/>
+          <p:cNvPr id="2" name="Straight Connector 1">
+            <a:extLst>
+              <a:ext uri="{FF2B5EF4-FFF2-40B4-BE49-F238E27FC236}">
+                <a16:creationId xmlns:a16="http://schemas.microsoft.com/office/drawing/2014/main" id="{07291D46-061F-EA5F-2CF6-2C835C197266}"/>
               </a:ext>
             </a:extLst>
           </p:cNvPr>
@@ -3092,7 +3449,7 @@
           <a:prstGeom prst="line">
             <a:avLst/>
           </a:prstGeom>
-          <a:ln>
+          <a:ln w="19050">
             <a:solidFill>
               <a:schemeClr val="accent3"/>
             </a:solidFill>
@@ -3114,60 +3471,10 @@
           </a:fontRef>
         </p:style>
       </p:cxnSp>
-      <p:sp>
-        <p:nvSpPr>
-          <p:cNvPr id="15" name="TextBox 14">
-            <a:extLst>
-              <a:ext uri="{FF2B5EF4-FFF2-40B4-BE49-F238E27FC236}">
-                <a16:creationId xmlns:a16="http://schemas.microsoft.com/office/drawing/2014/main" id="{D4C1D898-4730-7370-7E55-B3AAB6E6948E}"/>
-              </a:ext>
-            </a:extLst>
-          </p:cNvPr>
-          <p:cNvSpPr txBox="1"/>
-          <p:nvPr/>
-        </p:nvSpPr>
-        <p:spPr>
-          <a:xfrm>
-            <a:off x="4635062" y="1478953"/>
-            <a:ext cx="6924478" cy="430887"/>
-          </a:xfrm>
-          <a:prstGeom prst="rect">
-            <a:avLst/>
-          </a:prstGeom>
-        </p:spPr>
-        <p:txBody>
-          <a:bodyPr wrap="square" lIns="0" tIns="0" rIns="0" bIns="0" rtlCol="0" anchor="t" anchorCtr="0">
-            <a:spAutoFit/>
-          </a:bodyPr>
-          <a:lstStyle/>
-          <a:p>
-            <a:pPr>
-              <a:buNone/>
-            </a:pPr>
-            <a:r>
-              <a:rPr lang="en-GB" sz="1600" err="1">
-                <a:solidFill>
-                  <a:schemeClr val="accent2"/>
-                </a:solidFill>
-              </a:rPr>
-              <a:t>post_proposal</a:t>
-            </a:r>
-            <a:endParaRPr lang="en-GB" sz="1600">
-              <a:solidFill>
-                <a:schemeClr val="accent2"/>
-              </a:solidFill>
-            </a:endParaRPr>
-          </a:p>
-          <a:p>
-            <a:pPr algn="l"/>
-            <a:endParaRPr lang="en-US" sz="1200" b="0"/>
-          </a:p>
-        </p:txBody>
-      </p:sp>
     </p:spTree>
     <p:extLst>
       <p:ext uri="{BB962C8B-B14F-4D97-AF65-F5344CB8AC3E}">
-        <p14:creationId xmlns:p14="http://schemas.microsoft.com/office/powerpoint/2010/main" val="789080758"/>
+        <p14:creationId xmlns:p14="http://schemas.microsoft.com/office/powerpoint/2010/main" val="1771805131"/>
       </p:ext>
     </p:extLst>
   </p:cSld>
@@ -3194,7 +3501,13 @@
   <p:cSld>
     <p:spTree>
       <p:nvGrpSpPr>
-        <p:cNvPr id="1" name=""/>
+        <p:cNvPr id="1" name="">
+          <a:extLst>
+            <a:ext uri="{FF2B5EF4-FFF2-40B4-BE49-F238E27FC236}">
+              <a16:creationId xmlns:a16="http://schemas.microsoft.com/office/drawing/2014/main" id="{1DAD801C-9999-E583-558A-8F83997C7C19}"/>
+            </a:ext>
+          </a:extLst>
+        </p:cNvPr>
         <p:cNvGrpSpPr/>
         <p:nvPr/>
       </p:nvGrpSpPr>
@@ -3208,10 +3521,41 @@
       </p:grpSpPr>
       <p:sp>
         <p:nvSpPr>
-          <p:cNvPr id="2" name="Text Placeholder 1">
-            <a:extLst>
-              <a:ext uri="{FF2B5EF4-FFF2-40B4-BE49-F238E27FC236}">
-                <a16:creationId xmlns:a16="http://schemas.microsoft.com/office/drawing/2014/main" id="{222851CF-83CE-5498-59A0-0CD12C3CAE70}"/>
+          <p:cNvPr id="7" name="Title 6">
+            <a:extLst>
+              <a:ext uri="{FF2B5EF4-FFF2-40B4-BE49-F238E27FC236}">
+                <a16:creationId xmlns:a16="http://schemas.microsoft.com/office/drawing/2014/main" id="{FC540169-29CB-8E2C-F7C0-55FF650F2360}"/>
+              </a:ext>
+            </a:extLst>
+          </p:cNvPr>
+          <p:cNvSpPr>
+            <a:spLocks noGrp="1"/>
+          </p:cNvSpPr>
+          <p:nvPr>
+            <p:ph type="title"/>
+          </p:nvPr>
+        </p:nvSpPr>
+        <p:spPr/>
+        <p:txBody>
+          <a:bodyPr/>
+          <a:lstStyle/>
+          <a:p>
+            <a:r>
+              <a:rPr lang="en-US" dirty="0">
+                <a:latin typeface="Kalinga" panose="020B0502040204020203" pitchFamily="34" charset="0"/>
+                <a:cs typeface="Kalinga" panose="020B0502040204020203" pitchFamily="34" charset="0"/>
+              </a:rPr>
+              <a:t>title</a:t>
+            </a:r>
+          </a:p>
+        </p:txBody>
+      </p:sp>
+      <p:sp>
+        <p:nvSpPr>
+          <p:cNvPr id="8" name="Text Placeholder 7">
+            <a:extLst>
+              <a:ext uri="{FF2B5EF4-FFF2-40B4-BE49-F238E27FC236}">
+                <a16:creationId xmlns:a16="http://schemas.microsoft.com/office/drawing/2014/main" id="{82985C28-CE2D-DF47-D4AD-FCFE2A49A5F8}"/>
               </a:ext>
             </a:extLst>
           </p:cNvPr>
@@ -3224,8 +3568,8 @@
         </p:nvSpPr>
         <p:spPr>
           <a:xfrm>
-            <a:off x="632460" y="0"/>
-            <a:ext cx="11333568" cy="518086"/>
+            <a:off x="632459" y="0"/>
+            <a:ext cx="11286271" cy="518086"/>
           </a:xfrm>
         </p:spPr>
         <p:txBody>
@@ -3233,19 +3577,21 @@
           <a:lstStyle/>
           <a:p>
             <a:r>
-              <a:rPr lang="en-US" err="1"/>
-              <a:t>Column_subtitle</a:t>
+              <a:rPr lang="en-US" dirty="0">
+                <a:latin typeface="Kalinga" panose="020B0502040204020203" pitchFamily="34" charset="0"/>
+                <a:cs typeface="Kalinga" panose="020B0502040204020203" pitchFamily="34" charset="0"/>
+              </a:rPr>
+              <a:t>Thought leadership concept #3</a:t>
             </a:r>
-            <a:endParaRPr lang="en-US"/>
-          </a:p>
-        </p:txBody>
-      </p:sp>
-      <p:sp>
-        <p:nvSpPr>
-          <p:cNvPr id="3" name="Title 2">
-            <a:extLst>
-              <a:ext uri="{FF2B5EF4-FFF2-40B4-BE49-F238E27FC236}">
-                <a16:creationId xmlns:a16="http://schemas.microsoft.com/office/drawing/2014/main" id="{B320E1D9-0B37-E218-E183-C26178FF4BE1}"/>
+          </a:p>
+        </p:txBody>
+      </p:sp>
+      <p:sp>
+        <p:nvSpPr>
+          <p:cNvPr id="9" name="Picture Placeholder 8">
+            <a:extLst>
+              <a:ext uri="{FF2B5EF4-FFF2-40B4-BE49-F238E27FC236}">
+                <a16:creationId xmlns:a16="http://schemas.microsoft.com/office/drawing/2014/main" id="{4CEAB7F7-6041-A901-99AD-C32E8B047189}"/>
               </a:ext>
             </a:extLst>
           </p:cNvPr>
@@ -3253,89 +3599,170 @@
             <a:spLocks noGrp="1"/>
           </p:cNvSpPr>
           <p:nvPr>
-            <p:ph type="title"/>
+            <p:ph type="pic" sz="quarter" idx="11"/>
           </p:nvPr>
         </p:nvSpPr>
-        <p:spPr/>
+        <p:spPr>
+          <a:xfrm>
+            <a:off x="631824" y="1517761"/>
+            <a:ext cx="3687927" cy="3687927"/>
+          </a:xfrm>
+        </p:spPr>
         <p:txBody>
           <a:bodyPr/>
           <a:lstStyle/>
           <a:p>
-            <a:r>
-              <a:rPr lang="en-US"/>
-              <a:t>Summaries of posts reviewed</a:t>
-            </a:r>
-          </a:p>
-        </p:txBody>
-      </p:sp>
-      <p:sp>
-        <p:nvSpPr>
-          <p:cNvPr id="4" name="Content Placeholder 3">
-            <a:extLst>
-              <a:ext uri="{FF2B5EF4-FFF2-40B4-BE49-F238E27FC236}">
-                <a16:creationId xmlns:a16="http://schemas.microsoft.com/office/drawing/2014/main" id="{8B983F2A-0752-2538-60E7-2D40E4A1FE3C}"/>
-              </a:ext>
-            </a:extLst>
-          </p:cNvPr>
-          <p:cNvSpPr>
-            <a:spLocks noGrp="1"/>
-          </p:cNvSpPr>
-          <p:nvPr>
-            <p:ph sz="quarter" idx="11"/>
-          </p:nvPr>
-        </p:nvSpPr>
-        <p:spPr>
-          <a:xfrm>
-            <a:off x="631825" y="1112494"/>
-            <a:ext cx="10928350" cy="5619609"/>
-          </a:xfrm>
-        </p:spPr>
-        <p:txBody>
-          <a:bodyPr>
-            <a:normAutofit/>
+            <a:endParaRPr lang="en-US"/>
+          </a:p>
+        </p:txBody>
+      </p:sp>
+      <p:sp>
+        <p:nvSpPr>
+          <p:cNvPr id="10" name="TextBox 9">
+            <a:extLst>
+              <a:ext uri="{FF2B5EF4-FFF2-40B4-BE49-F238E27FC236}">
+                <a16:creationId xmlns:a16="http://schemas.microsoft.com/office/drawing/2014/main" id="{4FFD8F66-9EC9-23C0-A59C-53E5395F12D8}"/>
+              </a:ext>
+            </a:extLst>
+          </p:cNvPr>
+          <p:cNvSpPr txBox="1"/>
+          <p:nvPr/>
+        </p:nvSpPr>
+        <p:spPr>
+          <a:xfrm>
+            <a:off x="631825" y="5472619"/>
+            <a:ext cx="11160782" cy="153888"/>
+          </a:xfrm>
+          <a:prstGeom prst="rect">
+            <a:avLst/>
+          </a:prstGeom>
+        </p:spPr>
+        <p:txBody>
+          <a:bodyPr wrap="square" lIns="0" tIns="0" rIns="0" bIns="0" rtlCol="0" anchor="t" anchorCtr="0">
+            <a:spAutoFit/>
           </a:bodyPr>
           <a:lstStyle/>
           <a:p>
+            <a:pPr algn="l"/>
+            <a:r>
+              <a:rPr lang="en-GB" sz="1000" b="0" i="0" dirty="0">
+                <a:solidFill>
+                  <a:schemeClr val="accent2"/>
+                </a:solidFill>
+                <a:effectLst/>
+                <a:latin typeface="Aptos" panose="020B0004020202020204" pitchFamily="34" charset="0"/>
+                <a:cs typeface="Arial" panose="020B0604020202020204" pitchFamily="34" charset="0"/>
+              </a:rPr>
+              <a:t>rationale</a:t>
+            </a:r>
+            <a:endParaRPr lang="en-US" sz="1000" b="0" dirty="0">
+              <a:solidFill>
+                <a:schemeClr val="accent2"/>
+              </a:solidFill>
+              <a:latin typeface="Aptos" panose="020B0004020202020204" pitchFamily="34" charset="0"/>
+              <a:cs typeface="Arial" panose="020B0604020202020204" pitchFamily="34" charset="0"/>
+            </a:endParaRPr>
+          </a:p>
+        </p:txBody>
+      </p:sp>
+      <p:cxnSp>
+        <p:nvCxnSpPr>
+          <p:cNvPr id="12" name="Straight Connector 11">
+            <a:extLst>
+              <a:ext uri="{FF2B5EF4-FFF2-40B4-BE49-F238E27FC236}">
+                <a16:creationId xmlns:a16="http://schemas.microsoft.com/office/drawing/2014/main" id="{B4AB5233-26C9-9A31-698A-947A3E12372F}"/>
+              </a:ext>
+            </a:extLst>
+          </p:cNvPr>
+          <p:cNvCxnSpPr/>
+          <p:nvPr/>
+        </p:nvCxnSpPr>
+        <p:spPr>
+          <a:xfrm>
+            <a:off x="631825" y="5344519"/>
+            <a:ext cx="10927715" cy="0"/>
+          </a:xfrm>
+          <a:prstGeom prst="line">
+            <a:avLst/>
+          </a:prstGeom>
+          <a:ln w="22225">
+            <a:solidFill>
+              <a:schemeClr val="accent3"/>
+            </a:solidFill>
+          </a:ln>
+          <a:effectLst/>
+        </p:spPr>
+        <p:style>
+          <a:lnRef idx="2">
+            <a:schemeClr val="accent1"/>
+          </a:lnRef>
+          <a:fillRef idx="0">
+            <a:schemeClr val="accent1"/>
+          </a:fillRef>
+          <a:effectRef idx="1">
+            <a:schemeClr val="accent1"/>
+          </a:effectRef>
+          <a:fontRef idx="minor">
+            <a:schemeClr val="tx1"/>
+          </a:fontRef>
+        </p:style>
+      </p:cxnSp>
+      <p:sp>
+        <p:nvSpPr>
+          <p:cNvPr id="15" name="TextBox 14">
+            <a:extLst>
+              <a:ext uri="{FF2B5EF4-FFF2-40B4-BE49-F238E27FC236}">
+                <a16:creationId xmlns:a16="http://schemas.microsoft.com/office/drawing/2014/main" id="{D4C1D898-4730-7370-7E55-B3AAB6E6948E}"/>
+              </a:ext>
+            </a:extLst>
+          </p:cNvPr>
+          <p:cNvSpPr txBox="1"/>
+          <p:nvPr/>
+        </p:nvSpPr>
+        <p:spPr>
+          <a:xfrm>
+            <a:off x="4635062" y="1478953"/>
+            <a:ext cx="6924478" cy="430887"/>
+          </a:xfrm>
+          <a:prstGeom prst="rect">
+            <a:avLst/>
+          </a:prstGeom>
+        </p:spPr>
+        <p:txBody>
+          <a:bodyPr wrap="square" lIns="0" tIns="0" rIns="0" bIns="0" rtlCol="0" anchor="t" anchorCtr="0">
+            <a:spAutoFit/>
+          </a:bodyPr>
+          <a:lstStyle/>
+          <a:p>
             <a:pPr>
-              <a:lnSpc>
-                <a:spcPct val="115000"/>
-              </a:lnSpc>
-              <a:spcAft>
-                <a:spcPts val="800"/>
-              </a:spcAft>
+              <a:buNone/>
             </a:pPr>
             <a:r>
-              <a:rPr lang="en-GB" sz="1400" kern="100" err="1">
+              <a:rPr lang="en-GB" sz="1600" dirty="0" err="1">
+                <a:solidFill>
+                  <a:schemeClr val="accent2"/>
+                </a:solidFill>
                 <a:latin typeface="Aptos" panose="020B0004020202020204" pitchFamily="34" charset="0"/>
-                <a:ea typeface="PMingLiU" panose="02020500000000000000" pitchFamily="18" charset="-120"/>
-                <a:cs typeface="Arial" panose="020B0604020202020204" pitchFamily="34" charset="0"/>
               </a:rPr>
-              <a:t>Column_text</a:t>
+              <a:t>post_proposal</a:t>
             </a:r>
-            <a:endParaRPr lang="en-GB" sz="1400" kern="100">
-              <a:effectLst/>
+            <a:endParaRPr lang="en-GB" sz="1600" dirty="0">
+              <a:solidFill>
+                <a:schemeClr val="accent2"/>
+              </a:solidFill>
               <a:latin typeface="Aptos" panose="020B0004020202020204" pitchFamily="34" charset="0"/>
-              <a:ea typeface="PMingLiU" panose="02020500000000000000" pitchFamily="18" charset="-120"/>
-              <a:cs typeface="Arial" panose="020B0604020202020204" pitchFamily="34" charset="0"/>
             </a:endParaRPr>
           </a:p>
           <a:p>
-            <a:pPr>
-              <a:lnSpc>
-                <a:spcPct val="115000"/>
-              </a:lnSpc>
-              <a:spcAft>
-                <a:spcPts val="800"/>
-              </a:spcAft>
-            </a:pPr>
-            <a:endParaRPr lang="en-US"/>
+            <a:pPr algn="l"/>
+            <a:endParaRPr lang="en-US" sz="1200" b="0" dirty="0"/>
           </a:p>
         </p:txBody>
       </p:sp>
     </p:spTree>
     <p:extLst>
       <p:ext uri="{BB962C8B-B14F-4D97-AF65-F5344CB8AC3E}">
-        <p14:creationId xmlns:p14="http://schemas.microsoft.com/office/powerpoint/2010/main" val="520181652"/>
+        <p14:creationId xmlns:p14="http://schemas.microsoft.com/office/powerpoint/2010/main" val="789080758"/>
       </p:ext>
     </p:extLst>
   </p:cSld>
@@ -4034,26 +4461,6 @@
 </file>
 
 <file path=customXml/item1.xml><?xml version="1.0" encoding="utf-8"?>
-<?mso-contentType ?>
-<FormTemplates xmlns="http://schemas.microsoft.com/sharepoint/v3/contenttype/forms">
-  <Display>DocumentLibraryForm</Display>
-  <Edit>DocumentLibraryForm</Edit>
-  <New>DocumentLibraryForm</New>
-</FormTemplates>
-</file>
-
-<file path=customXml/item2.xml><?xml version="1.0" encoding="utf-8"?>
-<p:properties xmlns:p="http://schemas.microsoft.com/office/2006/metadata/properties" xmlns:xsi="http://www.w3.org/2001/XMLSchema-instance" xmlns:pc="http://schemas.microsoft.com/office/infopath/2007/PartnerControls">
-  <documentManagement>
-    <TaxCatchAll xmlns="9bea065c-4598-471b-a0d8-b208471d6a41" xsi:nil="true"/>
-    <lcf76f155ced4ddcb4097134ff3c332f xmlns="737cdb0d-9f15-48ec-9529-975a91239bb1">
-      <Terms xmlns="http://schemas.microsoft.com/office/infopath/2007/PartnerControls"/>
-    </lcf76f155ced4ddcb4097134ff3c332f>
-  </documentManagement>
-</p:properties>
-</file>
-
-<file path=customXml/item3.xml><?xml version="1.0" encoding="utf-8"?>
 <ct:contentTypeSchema xmlns:ct="http://schemas.microsoft.com/office/2006/metadata/contentType" xmlns:ma="http://schemas.microsoft.com/office/2006/metadata/properties/metaAttributes" ct:_="" ma:_="" ma:contentTypeName="Document" ma:contentTypeID="0x010100A2CD2B7DD7D5E348A4B5B847AD49C1E4" ma:contentTypeVersion="15" ma:contentTypeDescription="Create a new document." ma:contentTypeScope="" ma:versionID="8e0e392dcf65750e3ad704a59f705fb3">
   <xsd:schema xmlns:xsd="http://www.w3.org/2001/XMLSchema" xmlns:xs="http://www.w3.org/2001/XMLSchema" xmlns:p="http://schemas.microsoft.com/office/2006/metadata/properties" xmlns:ns2="737cdb0d-9f15-48ec-9529-975a91239bb1" xmlns:ns3="9bea065c-4598-471b-a0d8-b208471d6a41" targetNamespace="http://schemas.microsoft.com/office/2006/metadata/properties" ma:root="true" ma:fieldsID="16d7d9ff6e2e2d483fddd166083c89fa" ns2:_="" ns3:_="">
     <xsd:import namespace="737cdb0d-9f15-48ec-9529-975a91239bb1"/>
@@ -4288,10 +4695,41 @@
 </ct:contentTypeSchema>
 </file>
 
+<file path=customXml/item2.xml><?xml version="1.0" encoding="utf-8"?>
+<p:properties xmlns:p="http://schemas.microsoft.com/office/2006/metadata/properties" xmlns:xsi="http://www.w3.org/2001/XMLSchema-instance" xmlns:pc="http://schemas.microsoft.com/office/infopath/2007/PartnerControls">
+  <documentManagement>
+    <TaxCatchAll xmlns="9bea065c-4598-471b-a0d8-b208471d6a41" xsi:nil="true"/>
+    <lcf76f155ced4ddcb4097134ff3c332f xmlns="737cdb0d-9f15-48ec-9529-975a91239bb1">
+      <Terms xmlns="http://schemas.microsoft.com/office/infopath/2007/PartnerControls"/>
+    </lcf76f155ced4ddcb4097134ff3c332f>
+  </documentManagement>
+</p:properties>
+</file>
+
+<file path=customXml/item3.xml><?xml version="1.0" encoding="utf-8"?>
+<?mso-contentType ?>
+<FormTemplates xmlns="http://schemas.microsoft.com/sharepoint/v3/contenttype/forms">
+  <Display>DocumentLibraryForm</Display>
+  <Edit>DocumentLibraryForm</Edit>
+  <New>DocumentLibraryForm</New>
+</FormTemplates>
+</file>
+
 <file path=customXml/itemProps1.xml><?xml version="1.0" encoding="utf-8"?>
-<ds:datastoreItem xmlns:ds="http://schemas.openxmlformats.org/officeDocument/2006/customXml" ds:itemID="{3BB299B6-1159-4940-B296-E198453C8E80}">
+<ds:datastoreItem xmlns:ds="http://schemas.openxmlformats.org/officeDocument/2006/customXml" ds:itemID="{C4D443D4-D2BB-47D9-93BA-F264F5B47780}">
   <ds:schemaRefs>
-    <ds:schemaRef ds:uri="http://schemas.microsoft.com/sharepoint/v3/contenttype/forms"/>
+    <ds:schemaRef ds:uri="737cdb0d-9f15-48ec-9529-975a91239bb1"/>
+    <ds:schemaRef ds:uri="9bea065c-4598-471b-a0d8-b208471d6a41"/>
+    <ds:schemaRef ds:uri="http://purl.org/dc/elements/1.1/"/>
+    <ds:schemaRef ds:uri="http://purl.org/dc/terms/"/>
+    <ds:schemaRef ds:uri="http://schemas.microsoft.com/internal/obd"/>
+    <ds:schemaRef ds:uri="http://schemas.microsoft.com/office/2006/documentManagement/types"/>
+    <ds:schemaRef ds:uri="http://schemas.microsoft.com/office/2006/metadata/contentType"/>
+    <ds:schemaRef ds:uri="http://schemas.microsoft.com/office/2006/metadata/properties"/>
+    <ds:schemaRef ds:uri="http://schemas.microsoft.com/office/2006/metadata/properties/metaAttributes"/>
+    <ds:schemaRef ds:uri="http://schemas.microsoft.com/office/infopath/2007/PartnerControls"/>
+    <ds:schemaRef ds:uri="http://schemas.openxmlformats.org/package/2006/metadata/core-properties"/>
+    <ds:schemaRef ds:uri="http://www.w3.org/2001/XMLSchema"/>
   </ds:schemaRefs>
 </ds:datastoreItem>
 </file>
@@ -4314,20 +4752,9 @@
 </file>
 
 <file path=customXml/itemProps3.xml><?xml version="1.0" encoding="utf-8"?>
-<ds:datastoreItem xmlns:ds="http://schemas.openxmlformats.org/officeDocument/2006/customXml" ds:itemID="{C4D443D4-D2BB-47D9-93BA-F264F5B47780}">
+<ds:datastoreItem xmlns:ds="http://schemas.openxmlformats.org/officeDocument/2006/customXml" ds:itemID="{3BB299B6-1159-4940-B296-E198453C8E80}">
   <ds:schemaRefs>
-    <ds:schemaRef ds:uri="737cdb0d-9f15-48ec-9529-975a91239bb1"/>
-    <ds:schemaRef ds:uri="9bea065c-4598-471b-a0d8-b208471d6a41"/>
-    <ds:schemaRef ds:uri="http://purl.org/dc/elements/1.1/"/>
-    <ds:schemaRef ds:uri="http://purl.org/dc/terms/"/>
-    <ds:schemaRef ds:uri="http://schemas.microsoft.com/internal/obd"/>
-    <ds:schemaRef ds:uri="http://schemas.microsoft.com/office/2006/documentManagement/types"/>
-    <ds:schemaRef ds:uri="http://schemas.microsoft.com/office/2006/metadata/contentType"/>
-    <ds:schemaRef ds:uri="http://schemas.microsoft.com/office/2006/metadata/properties"/>
-    <ds:schemaRef ds:uri="http://schemas.microsoft.com/office/2006/metadata/properties/metaAttributes"/>
-    <ds:schemaRef ds:uri="http://schemas.microsoft.com/office/infopath/2007/PartnerControls"/>
-    <ds:schemaRef ds:uri="http://schemas.openxmlformats.org/package/2006/metadata/core-properties"/>
-    <ds:schemaRef ds:uri="http://www.w3.org/2001/XMLSchema"/>
+    <ds:schemaRef ds:uri="http://schemas.microsoft.com/sharepoint/v3/contenttype/forms"/>
   </ds:schemaRefs>
 </ds:datastoreItem>
 </file>
--- a/Linkedin_Master_Template.pptx
+++ b/Linkedin_Master_Template.pptx
@@ -887,61 +887,6 @@
           <a:chExt cx="0" cy="0"/>
         </a:xfrm>
       </p:grpSpPr>
-      <p:sp>
-        <p:nvSpPr>
-          <p:cNvPr id="11" name="Text Placeholder 7">
-            <a:extLst>
-              <a:ext uri="{FF2B5EF4-FFF2-40B4-BE49-F238E27FC236}">
-                <a16:creationId xmlns:a16="http://schemas.microsoft.com/office/drawing/2014/main" id="{AE579C71-4A73-6F43-98B1-27C1FC3045B9}"/>
-              </a:ext>
-            </a:extLst>
-          </p:cNvPr>
-          <p:cNvSpPr>
-            <a:spLocks noGrp="1"/>
-          </p:cNvSpPr>
-          <p:nvPr>
-            <p:ph type="body" sz="quarter" idx="10"/>
-          </p:nvPr>
-        </p:nvSpPr>
-        <p:spPr>
-          <a:xfrm>
-            <a:off x="632460" y="0"/>
-            <a:ext cx="10927080" cy="518086"/>
-          </a:xfrm>
-          <a:prstGeom prst="rect">
-            <a:avLst/>
-          </a:prstGeom>
-        </p:spPr>
-        <p:txBody>
-          <a:bodyPr anchor="b">
-            <a:normAutofit/>
-          </a:bodyPr>
-          <a:lstStyle>
-            <a:lvl1pPr algn="l">
-              <a:lnSpc>
-                <a:spcPct val="100000"/>
-              </a:lnSpc>
-              <a:buNone/>
-              <a:defRPr sz="1600" spc="0" baseline="0">
-                <a:solidFill>
-                  <a:schemeClr val="accent2"/>
-                </a:solidFill>
-              </a:defRPr>
-            </a:lvl1pPr>
-            <a:lvl2pPr>
-              <a:buNone/>
-              <a:defRPr/>
-            </a:lvl2pPr>
-          </a:lstStyle>
-          <a:p>
-            <a:pPr lvl="0"/>
-            <a:r>
-              <a:rPr lang="en-GB"/>
-              <a:t>Click to edit Master text styles</a:t>
-            </a:r>
-          </a:p>
-        </p:txBody>
-      </p:sp>
       <p:sp>
         <p:nvSpPr>
           <p:cNvPr id="4" name="Title 1">
@@ -2760,46 +2705,6 @@
           <a:chExt cx="0" cy="0"/>
         </a:xfrm>
       </p:grpSpPr>
-      <p:sp>
-        <p:nvSpPr>
-          <p:cNvPr id="2" name="Text Placeholder 1">
-            <a:extLst>
-              <a:ext uri="{FF2B5EF4-FFF2-40B4-BE49-F238E27FC236}">
-                <a16:creationId xmlns:a16="http://schemas.microsoft.com/office/drawing/2014/main" id="{222851CF-83CE-5498-59A0-0CD12C3CAE70}"/>
-              </a:ext>
-            </a:extLst>
-          </p:cNvPr>
-          <p:cNvSpPr>
-            <a:spLocks noGrp="1"/>
-          </p:cNvSpPr>
-          <p:nvPr>
-            <p:ph type="body" sz="quarter" idx="10"/>
-          </p:nvPr>
-        </p:nvSpPr>
-        <p:spPr>
-          <a:xfrm>
-            <a:off x="632460" y="0"/>
-            <a:ext cx="11333568" cy="518086"/>
-          </a:xfrm>
-        </p:spPr>
-        <p:txBody>
-          <a:bodyPr/>
-          <a:lstStyle/>
-          <a:p>
-            <a:r>
-              <a:rPr lang="en-US" dirty="0" err="1">
-                <a:latin typeface="Kalinga" panose="020B0502040204020203" pitchFamily="34" charset="0"/>
-                <a:cs typeface="Kalinga" panose="020B0502040204020203" pitchFamily="34" charset="0"/>
-              </a:rPr>
-              <a:t>Column_subtitle</a:t>
-            </a:r>
-            <a:endParaRPr lang="en-US" dirty="0">
-              <a:latin typeface="Kalinga" panose="020B0502040204020203" pitchFamily="34" charset="0"/>
-              <a:cs typeface="Kalinga" panose="020B0502040204020203" pitchFamily="34" charset="0"/>
-            </a:endParaRPr>
-          </a:p>
-        </p:txBody>
-      </p:sp>
       <p:sp>
         <p:nvSpPr>
           <p:cNvPr id="3" name="Title 2">

--- a/Linkedin_Master_Template.pptx
+++ b/Linkedin_Master_Template.pptx
@@ -962,7 +962,7 @@
         <p:spPr>
           <a:xfrm>
             <a:off x="631825" y="1311275"/>
-            <a:ext cx="10928350" cy="5089525"/>
+            <a:ext cx="10928350" cy="4966589"/>
           </a:xfrm>
         </p:spPr>
         <p:txBody>
@@ -4366,6 +4366,26 @@
 </file>
 
 <file path=customXml/item1.xml><?xml version="1.0" encoding="utf-8"?>
+<?mso-contentType ?>
+<FormTemplates xmlns="http://schemas.microsoft.com/sharepoint/v3/contenttype/forms">
+  <Display>DocumentLibraryForm</Display>
+  <Edit>DocumentLibraryForm</Edit>
+  <New>DocumentLibraryForm</New>
+</FormTemplates>
+</file>
+
+<file path=customXml/item2.xml><?xml version="1.0" encoding="utf-8"?>
+<p:properties xmlns:p="http://schemas.microsoft.com/office/2006/metadata/properties" xmlns:xsi="http://www.w3.org/2001/XMLSchema-instance" xmlns:pc="http://schemas.microsoft.com/office/infopath/2007/PartnerControls">
+  <documentManagement>
+    <TaxCatchAll xmlns="9bea065c-4598-471b-a0d8-b208471d6a41" xsi:nil="true"/>
+    <lcf76f155ced4ddcb4097134ff3c332f xmlns="737cdb0d-9f15-48ec-9529-975a91239bb1">
+      <Terms xmlns="http://schemas.microsoft.com/office/infopath/2007/PartnerControls"/>
+    </lcf76f155ced4ddcb4097134ff3c332f>
+  </documentManagement>
+</p:properties>
+</file>
+
+<file path=customXml/item3.xml><?xml version="1.0" encoding="utf-8"?>
 <ct:contentTypeSchema xmlns:ct="http://schemas.microsoft.com/office/2006/metadata/contentType" xmlns:ma="http://schemas.microsoft.com/office/2006/metadata/properties/metaAttributes" ct:_="" ma:_="" ma:contentTypeName="Document" ma:contentTypeID="0x010100A2CD2B7DD7D5E348A4B5B847AD49C1E4" ma:contentTypeVersion="15" ma:contentTypeDescription="Create a new document." ma:contentTypeScope="" ma:versionID="8e0e392dcf65750e3ad704a59f705fb3">
   <xsd:schema xmlns:xsd="http://www.w3.org/2001/XMLSchema" xmlns:xs="http://www.w3.org/2001/XMLSchema" xmlns:p="http://schemas.microsoft.com/office/2006/metadata/properties" xmlns:ns2="737cdb0d-9f15-48ec-9529-975a91239bb1" xmlns:ns3="9bea065c-4598-471b-a0d8-b208471d6a41" targetNamespace="http://schemas.microsoft.com/office/2006/metadata/properties" ma:root="true" ma:fieldsID="16d7d9ff6e2e2d483fddd166083c89fa" ns2:_="" ns3:_="">
     <xsd:import namespace="737cdb0d-9f15-48ec-9529-975a91239bb1"/>
@@ -4600,41 +4620,10 @@
 </ct:contentTypeSchema>
 </file>
 
-<file path=customXml/item2.xml><?xml version="1.0" encoding="utf-8"?>
-<p:properties xmlns:p="http://schemas.microsoft.com/office/2006/metadata/properties" xmlns:xsi="http://www.w3.org/2001/XMLSchema-instance" xmlns:pc="http://schemas.microsoft.com/office/infopath/2007/PartnerControls">
-  <documentManagement>
-    <TaxCatchAll xmlns="9bea065c-4598-471b-a0d8-b208471d6a41" xsi:nil="true"/>
-    <lcf76f155ced4ddcb4097134ff3c332f xmlns="737cdb0d-9f15-48ec-9529-975a91239bb1">
-      <Terms xmlns="http://schemas.microsoft.com/office/infopath/2007/PartnerControls"/>
-    </lcf76f155ced4ddcb4097134ff3c332f>
-  </documentManagement>
-</p:properties>
-</file>
-
-<file path=customXml/item3.xml><?xml version="1.0" encoding="utf-8"?>
-<?mso-contentType ?>
-<FormTemplates xmlns="http://schemas.microsoft.com/sharepoint/v3/contenttype/forms">
-  <Display>DocumentLibraryForm</Display>
-  <Edit>DocumentLibraryForm</Edit>
-  <New>DocumentLibraryForm</New>
-</FormTemplates>
-</file>
-
 <file path=customXml/itemProps1.xml><?xml version="1.0" encoding="utf-8"?>
-<ds:datastoreItem xmlns:ds="http://schemas.openxmlformats.org/officeDocument/2006/customXml" ds:itemID="{C4D443D4-D2BB-47D9-93BA-F264F5B47780}">
+<ds:datastoreItem xmlns:ds="http://schemas.openxmlformats.org/officeDocument/2006/customXml" ds:itemID="{3BB299B6-1159-4940-B296-E198453C8E80}">
   <ds:schemaRefs>
-    <ds:schemaRef ds:uri="737cdb0d-9f15-48ec-9529-975a91239bb1"/>
-    <ds:schemaRef ds:uri="9bea065c-4598-471b-a0d8-b208471d6a41"/>
-    <ds:schemaRef ds:uri="http://purl.org/dc/elements/1.1/"/>
-    <ds:schemaRef ds:uri="http://purl.org/dc/terms/"/>
-    <ds:schemaRef ds:uri="http://schemas.microsoft.com/internal/obd"/>
-    <ds:schemaRef ds:uri="http://schemas.microsoft.com/office/2006/documentManagement/types"/>
-    <ds:schemaRef ds:uri="http://schemas.microsoft.com/office/2006/metadata/contentType"/>
-    <ds:schemaRef ds:uri="http://schemas.microsoft.com/office/2006/metadata/properties"/>
-    <ds:schemaRef ds:uri="http://schemas.microsoft.com/office/2006/metadata/properties/metaAttributes"/>
-    <ds:schemaRef ds:uri="http://schemas.microsoft.com/office/infopath/2007/PartnerControls"/>
-    <ds:schemaRef ds:uri="http://schemas.openxmlformats.org/package/2006/metadata/core-properties"/>
-    <ds:schemaRef ds:uri="http://www.w3.org/2001/XMLSchema"/>
+    <ds:schemaRef ds:uri="http://schemas.microsoft.com/sharepoint/v3/contenttype/forms"/>
   </ds:schemaRefs>
 </ds:datastoreItem>
 </file>
@@ -4657,9 +4646,20 @@
 </file>
 
 <file path=customXml/itemProps3.xml><?xml version="1.0" encoding="utf-8"?>
-<ds:datastoreItem xmlns:ds="http://schemas.openxmlformats.org/officeDocument/2006/customXml" ds:itemID="{3BB299B6-1159-4940-B296-E198453C8E80}">
+<ds:datastoreItem xmlns:ds="http://schemas.openxmlformats.org/officeDocument/2006/customXml" ds:itemID="{C4D443D4-D2BB-47D9-93BA-F264F5B47780}">
   <ds:schemaRefs>
-    <ds:schemaRef ds:uri="http://schemas.microsoft.com/sharepoint/v3/contenttype/forms"/>
+    <ds:schemaRef ds:uri="737cdb0d-9f15-48ec-9529-975a91239bb1"/>
+    <ds:schemaRef ds:uri="9bea065c-4598-471b-a0d8-b208471d6a41"/>
+    <ds:schemaRef ds:uri="http://purl.org/dc/elements/1.1/"/>
+    <ds:schemaRef ds:uri="http://purl.org/dc/terms/"/>
+    <ds:schemaRef ds:uri="http://schemas.microsoft.com/internal/obd"/>
+    <ds:schemaRef ds:uri="http://schemas.microsoft.com/office/2006/documentManagement/types"/>
+    <ds:schemaRef ds:uri="http://schemas.microsoft.com/office/2006/metadata/contentType"/>
+    <ds:schemaRef ds:uri="http://schemas.microsoft.com/office/2006/metadata/properties"/>
+    <ds:schemaRef ds:uri="http://schemas.microsoft.com/office/2006/metadata/properties/metaAttributes"/>
+    <ds:schemaRef ds:uri="http://schemas.microsoft.com/office/infopath/2007/PartnerControls"/>
+    <ds:schemaRef ds:uri="http://schemas.openxmlformats.org/package/2006/metadata/core-properties"/>
+    <ds:schemaRef ds:uri="http://www.w3.org/2001/XMLSchema"/>
   </ds:schemaRefs>
 </ds:datastoreItem>
 </file>
--- a/Linkedin_Master_Template.pptx
+++ b/Linkedin_Master_Template.pptx
@@ -2754,8 +2754,8 @@
         </p:nvSpPr>
         <p:spPr>
           <a:xfrm>
-            <a:off x="631825" y="1112494"/>
-            <a:ext cx="10928350" cy="5619609"/>
+            <a:off x="631825" y="1112495"/>
+            <a:ext cx="10928350" cy="5165370"/>
           </a:xfrm>
         </p:spPr>
         <p:txBody>
@@ -4366,26 +4366,6 @@
 </file>
 
 <file path=customXml/item1.xml><?xml version="1.0" encoding="utf-8"?>
-<?mso-contentType ?>
-<FormTemplates xmlns="http://schemas.microsoft.com/sharepoint/v3/contenttype/forms">
-  <Display>DocumentLibraryForm</Display>
-  <Edit>DocumentLibraryForm</Edit>
-  <New>DocumentLibraryForm</New>
-</FormTemplates>
-</file>
-
-<file path=customXml/item2.xml><?xml version="1.0" encoding="utf-8"?>
-<p:properties xmlns:p="http://schemas.microsoft.com/office/2006/metadata/properties" xmlns:xsi="http://www.w3.org/2001/XMLSchema-instance" xmlns:pc="http://schemas.microsoft.com/office/infopath/2007/PartnerControls">
-  <documentManagement>
-    <TaxCatchAll xmlns="9bea065c-4598-471b-a0d8-b208471d6a41" xsi:nil="true"/>
-    <lcf76f155ced4ddcb4097134ff3c332f xmlns="737cdb0d-9f15-48ec-9529-975a91239bb1">
-      <Terms xmlns="http://schemas.microsoft.com/office/infopath/2007/PartnerControls"/>
-    </lcf76f155ced4ddcb4097134ff3c332f>
-  </documentManagement>
-</p:properties>
-</file>
-
-<file path=customXml/item3.xml><?xml version="1.0" encoding="utf-8"?>
 <ct:contentTypeSchema xmlns:ct="http://schemas.microsoft.com/office/2006/metadata/contentType" xmlns:ma="http://schemas.microsoft.com/office/2006/metadata/properties/metaAttributes" ct:_="" ma:_="" ma:contentTypeName="Document" ma:contentTypeID="0x010100A2CD2B7DD7D5E348A4B5B847AD49C1E4" ma:contentTypeVersion="15" ma:contentTypeDescription="Create a new document." ma:contentTypeScope="" ma:versionID="8e0e392dcf65750e3ad704a59f705fb3">
   <xsd:schema xmlns:xsd="http://www.w3.org/2001/XMLSchema" xmlns:xs="http://www.w3.org/2001/XMLSchema" xmlns:p="http://schemas.microsoft.com/office/2006/metadata/properties" xmlns:ns2="737cdb0d-9f15-48ec-9529-975a91239bb1" xmlns:ns3="9bea065c-4598-471b-a0d8-b208471d6a41" targetNamespace="http://schemas.microsoft.com/office/2006/metadata/properties" ma:root="true" ma:fieldsID="16d7d9ff6e2e2d483fddd166083c89fa" ns2:_="" ns3:_="">
     <xsd:import namespace="737cdb0d-9f15-48ec-9529-975a91239bb1"/>
@@ -4620,10 +4600,41 @@
 </ct:contentTypeSchema>
 </file>
 
+<file path=customXml/item2.xml><?xml version="1.0" encoding="utf-8"?>
+<p:properties xmlns:p="http://schemas.microsoft.com/office/2006/metadata/properties" xmlns:xsi="http://www.w3.org/2001/XMLSchema-instance" xmlns:pc="http://schemas.microsoft.com/office/infopath/2007/PartnerControls">
+  <documentManagement>
+    <TaxCatchAll xmlns="9bea065c-4598-471b-a0d8-b208471d6a41" xsi:nil="true"/>
+    <lcf76f155ced4ddcb4097134ff3c332f xmlns="737cdb0d-9f15-48ec-9529-975a91239bb1">
+      <Terms xmlns="http://schemas.microsoft.com/office/infopath/2007/PartnerControls"/>
+    </lcf76f155ced4ddcb4097134ff3c332f>
+  </documentManagement>
+</p:properties>
+</file>
+
+<file path=customXml/item3.xml><?xml version="1.0" encoding="utf-8"?>
+<?mso-contentType ?>
+<FormTemplates xmlns="http://schemas.microsoft.com/sharepoint/v3/contenttype/forms">
+  <Display>DocumentLibraryForm</Display>
+  <Edit>DocumentLibraryForm</Edit>
+  <New>DocumentLibraryForm</New>
+</FormTemplates>
+</file>
+
 <file path=customXml/itemProps1.xml><?xml version="1.0" encoding="utf-8"?>
-<ds:datastoreItem xmlns:ds="http://schemas.openxmlformats.org/officeDocument/2006/customXml" ds:itemID="{3BB299B6-1159-4940-B296-E198453C8E80}">
+<ds:datastoreItem xmlns:ds="http://schemas.openxmlformats.org/officeDocument/2006/customXml" ds:itemID="{C4D443D4-D2BB-47D9-93BA-F264F5B47780}">
   <ds:schemaRefs>
-    <ds:schemaRef ds:uri="http://schemas.microsoft.com/sharepoint/v3/contenttype/forms"/>
+    <ds:schemaRef ds:uri="737cdb0d-9f15-48ec-9529-975a91239bb1"/>
+    <ds:schemaRef ds:uri="9bea065c-4598-471b-a0d8-b208471d6a41"/>
+    <ds:schemaRef ds:uri="http://purl.org/dc/elements/1.1/"/>
+    <ds:schemaRef ds:uri="http://purl.org/dc/terms/"/>
+    <ds:schemaRef ds:uri="http://schemas.microsoft.com/internal/obd"/>
+    <ds:schemaRef ds:uri="http://schemas.microsoft.com/office/2006/documentManagement/types"/>
+    <ds:schemaRef ds:uri="http://schemas.microsoft.com/office/2006/metadata/contentType"/>
+    <ds:schemaRef ds:uri="http://schemas.microsoft.com/office/2006/metadata/properties"/>
+    <ds:schemaRef ds:uri="http://schemas.microsoft.com/office/2006/metadata/properties/metaAttributes"/>
+    <ds:schemaRef ds:uri="http://schemas.microsoft.com/office/infopath/2007/PartnerControls"/>
+    <ds:schemaRef ds:uri="http://schemas.openxmlformats.org/package/2006/metadata/core-properties"/>
+    <ds:schemaRef ds:uri="http://www.w3.org/2001/XMLSchema"/>
   </ds:schemaRefs>
 </ds:datastoreItem>
 </file>
@@ -4646,20 +4657,9 @@
 </file>
 
 <file path=customXml/itemProps3.xml><?xml version="1.0" encoding="utf-8"?>
-<ds:datastoreItem xmlns:ds="http://schemas.openxmlformats.org/officeDocument/2006/customXml" ds:itemID="{C4D443D4-D2BB-47D9-93BA-F264F5B47780}">
+<ds:datastoreItem xmlns:ds="http://schemas.openxmlformats.org/officeDocument/2006/customXml" ds:itemID="{3BB299B6-1159-4940-B296-E198453C8E80}">
   <ds:schemaRefs>
-    <ds:schemaRef ds:uri="737cdb0d-9f15-48ec-9529-975a91239bb1"/>
-    <ds:schemaRef ds:uri="9bea065c-4598-471b-a0d8-b208471d6a41"/>
-    <ds:schemaRef ds:uri="http://purl.org/dc/elements/1.1/"/>
-    <ds:schemaRef ds:uri="http://purl.org/dc/terms/"/>
-    <ds:schemaRef ds:uri="http://schemas.microsoft.com/internal/obd"/>
-    <ds:schemaRef ds:uri="http://schemas.microsoft.com/office/2006/documentManagement/types"/>
-    <ds:schemaRef ds:uri="http://schemas.microsoft.com/office/2006/metadata/contentType"/>
-    <ds:schemaRef ds:uri="http://schemas.microsoft.com/office/2006/metadata/properties"/>
-    <ds:schemaRef ds:uri="http://schemas.microsoft.com/office/2006/metadata/properties/metaAttributes"/>
-    <ds:schemaRef ds:uri="http://schemas.microsoft.com/office/infopath/2007/PartnerControls"/>
-    <ds:schemaRef ds:uri="http://schemas.openxmlformats.org/package/2006/metadata/core-properties"/>
-    <ds:schemaRef ds:uri="http://www.w3.org/2001/XMLSchema"/>
+    <ds:schemaRef ds:uri="http://schemas.microsoft.com/sharepoint/v3/contenttype/forms"/>
   </ds:schemaRefs>
 </ds:datastoreItem>
 </file>
--- a/Linkedin_Master_Template.pptx
+++ b/Linkedin_Master_Template.pptx
@@ -201,7 +201,7 @@
           <a:p>
             <a:fld id="{77AB6CFA-8C06-A742-9C67-9EB8DDEC067B}" type="datetimeFigureOut">
               <a:rPr lang="en-US" smtClean="0"/>
-              <a:t>5/12/25</a:t>
+              <a:t>7/14/25</a:t>
             </a:fld>
             <a:endParaRPr lang="en-US"/>
           </a:p>
@@ -4366,6 +4366,26 @@
 </file>
 
 <file path=customXml/item1.xml><?xml version="1.0" encoding="utf-8"?>
+<?mso-contentType ?>
+<FormTemplates xmlns="http://schemas.microsoft.com/sharepoint/v3/contenttype/forms">
+  <Display>DocumentLibraryForm</Display>
+  <Edit>DocumentLibraryForm</Edit>
+  <New>DocumentLibraryForm</New>
+</FormTemplates>
+</file>
+
+<file path=customXml/item2.xml><?xml version="1.0" encoding="utf-8"?>
+<p:properties xmlns:p="http://schemas.microsoft.com/office/2006/metadata/properties" xmlns:xsi="http://www.w3.org/2001/XMLSchema-instance" xmlns:pc="http://schemas.microsoft.com/office/infopath/2007/PartnerControls">
+  <documentManagement>
+    <TaxCatchAll xmlns="9bea065c-4598-471b-a0d8-b208471d6a41" xsi:nil="true"/>
+    <lcf76f155ced4ddcb4097134ff3c332f xmlns="737cdb0d-9f15-48ec-9529-975a91239bb1">
+      <Terms xmlns="http://schemas.microsoft.com/office/infopath/2007/PartnerControls"/>
+    </lcf76f155ced4ddcb4097134ff3c332f>
+  </documentManagement>
+</p:properties>
+</file>
+
+<file path=customXml/item3.xml><?xml version="1.0" encoding="utf-8"?>
 <ct:contentTypeSchema xmlns:ct="http://schemas.microsoft.com/office/2006/metadata/contentType" xmlns:ma="http://schemas.microsoft.com/office/2006/metadata/properties/metaAttributes" ct:_="" ma:_="" ma:contentTypeName="Document" ma:contentTypeID="0x010100A2CD2B7DD7D5E348A4B5B847AD49C1E4" ma:contentTypeVersion="15" ma:contentTypeDescription="Create a new document." ma:contentTypeScope="" ma:versionID="8e0e392dcf65750e3ad704a59f705fb3">
   <xsd:schema xmlns:xsd="http://www.w3.org/2001/XMLSchema" xmlns:xs="http://www.w3.org/2001/XMLSchema" xmlns:p="http://schemas.microsoft.com/office/2006/metadata/properties" xmlns:ns2="737cdb0d-9f15-48ec-9529-975a91239bb1" xmlns:ns3="9bea065c-4598-471b-a0d8-b208471d6a41" targetNamespace="http://schemas.microsoft.com/office/2006/metadata/properties" ma:root="true" ma:fieldsID="16d7d9ff6e2e2d483fddd166083c89fa" ns2:_="" ns3:_="">
     <xsd:import namespace="737cdb0d-9f15-48ec-9529-975a91239bb1"/>
@@ -4600,41 +4620,10 @@
 </ct:contentTypeSchema>
 </file>
 
-<file path=customXml/item2.xml><?xml version="1.0" encoding="utf-8"?>
-<p:properties xmlns:p="http://schemas.microsoft.com/office/2006/metadata/properties" xmlns:xsi="http://www.w3.org/2001/XMLSchema-instance" xmlns:pc="http://schemas.microsoft.com/office/infopath/2007/PartnerControls">
-  <documentManagement>
-    <TaxCatchAll xmlns="9bea065c-4598-471b-a0d8-b208471d6a41" xsi:nil="true"/>
-    <lcf76f155ced4ddcb4097134ff3c332f xmlns="737cdb0d-9f15-48ec-9529-975a91239bb1">
-      <Terms xmlns="http://schemas.microsoft.com/office/infopath/2007/PartnerControls"/>
-    </lcf76f155ced4ddcb4097134ff3c332f>
-  </documentManagement>
-</p:properties>
-</file>
-
-<file path=customXml/item3.xml><?xml version="1.0" encoding="utf-8"?>
-<?mso-contentType ?>
-<FormTemplates xmlns="http://schemas.microsoft.com/sharepoint/v3/contenttype/forms">
-  <Display>DocumentLibraryForm</Display>
-  <Edit>DocumentLibraryForm</Edit>
-  <New>DocumentLibraryForm</New>
-</FormTemplates>
-</file>
-
 <file path=customXml/itemProps1.xml><?xml version="1.0" encoding="utf-8"?>
-<ds:datastoreItem xmlns:ds="http://schemas.openxmlformats.org/officeDocument/2006/customXml" ds:itemID="{C4D443D4-D2BB-47D9-93BA-F264F5B47780}">
+<ds:datastoreItem xmlns:ds="http://schemas.openxmlformats.org/officeDocument/2006/customXml" ds:itemID="{3BB299B6-1159-4940-B296-E198453C8E80}">
   <ds:schemaRefs>
-    <ds:schemaRef ds:uri="737cdb0d-9f15-48ec-9529-975a91239bb1"/>
-    <ds:schemaRef ds:uri="9bea065c-4598-471b-a0d8-b208471d6a41"/>
-    <ds:schemaRef ds:uri="http://purl.org/dc/elements/1.1/"/>
-    <ds:schemaRef ds:uri="http://purl.org/dc/terms/"/>
-    <ds:schemaRef ds:uri="http://schemas.microsoft.com/internal/obd"/>
-    <ds:schemaRef ds:uri="http://schemas.microsoft.com/office/2006/documentManagement/types"/>
-    <ds:schemaRef ds:uri="http://schemas.microsoft.com/office/2006/metadata/contentType"/>
-    <ds:schemaRef ds:uri="http://schemas.microsoft.com/office/2006/metadata/properties"/>
-    <ds:schemaRef ds:uri="http://schemas.microsoft.com/office/2006/metadata/properties/metaAttributes"/>
-    <ds:schemaRef ds:uri="http://schemas.microsoft.com/office/infopath/2007/PartnerControls"/>
-    <ds:schemaRef ds:uri="http://schemas.openxmlformats.org/package/2006/metadata/core-properties"/>
-    <ds:schemaRef ds:uri="http://www.w3.org/2001/XMLSchema"/>
+    <ds:schemaRef ds:uri="http://schemas.microsoft.com/sharepoint/v3/contenttype/forms"/>
   </ds:schemaRefs>
 </ds:datastoreItem>
 </file>
@@ -4657,9 +4646,20 @@
 </file>
 
 <file path=customXml/itemProps3.xml><?xml version="1.0" encoding="utf-8"?>
-<ds:datastoreItem xmlns:ds="http://schemas.openxmlformats.org/officeDocument/2006/customXml" ds:itemID="{3BB299B6-1159-4940-B296-E198453C8E80}">
+<ds:datastoreItem xmlns:ds="http://schemas.openxmlformats.org/officeDocument/2006/customXml" ds:itemID="{C4D443D4-D2BB-47D9-93BA-F264F5B47780}">
   <ds:schemaRefs>
-    <ds:schemaRef ds:uri="http://schemas.microsoft.com/sharepoint/v3/contenttype/forms"/>
+    <ds:schemaRef ds:uri="737cdb0d-9f15-48ec-9529-975a91239bb1"/>
+    <ds:schemaRef ds:uri="9bea065c-4598-471b-a0d8-b208471d6a41"/>
+    <ds:schemaRef ds:uri="http://purl.org/dc/elements/1.1/"/>
+    <ds:schemaRef ds:uri="http://purl.org/dc/terms/"/>
+    <ds:schemaRef ds:uri="http://schemas.microsoft.com/internal/obd"/>
+    <ds:schemaRef ds:uri="http://schemas.microsoft.com/office/2006/documentManagement/types"/>
+    <ds:schemaRef ds:uri="http://schemas.microsoft.com/office/2006/metadata/contentType"/>
+    <ds:schemaRef ds:uri="http://schemas.microsoft.com/office/2006/metadata/properties"/>
+    <ds:schemaRef ds:uri="http://schemas.microsoft.com/office/2006/metadata/properties/metaAttributes"/>
+    <ds:schemaRef ds:uri="http://schemas.microsoft.com/office/infopath/2007/PartnerControls"/>
+    <ds:schemaRef ds:uri="http://schemas.openxmlformats.org/package/2006/metadata/core-properties"/>
+    <ds:schemaRef ds:uri="http://www.w3.org/2001/XMLSchema"/>
   </ds:schemaRefs>
 </ds:datastoreItem>
 </file>
--- a/Linkedin_Master_Template.pptx
+++ b/Linkedin_Master_Template.pptx
@@ -5,7 +5,7 @@
     <p:sldMasterId id="2147483660" r:id="rId4"/>
   </p:sldMasterIdLst>
   <p:notesMasterIdLst>
-    <p:notesMasterId r:id="rId10"/>
+    <p:notesMasterId r:id="rId15"/>
   </p:notesMasterIdLst>
   <p:sldIdLst>
     <p:sldId id="315" r:id="rId5"/>
@@ -13,6 +13,11 @@
     <p:sldId id="264" r:id="rId7"/>
     <p:sldId id="265" r:id="rId8"/>
     <p:sldId id="266" r:id="rId9"/>
+    <p:sldId id="316" r:id="rId10"/>
+    <p:sldId id="317" r:id="rId11"/>
+    <p:sldId id="318" r:id="rId12"/>
+    <p:sldId id="319" r:id="rId13"/>
+    <p:sldId id="320" r:id="rId14"/>
   </p:sldIdLst>
   <p:sldSz cx="12192000" cy="6858000"/>
   <p:notesSz cx="6858000" cy="9144000"/>
@@ -201,7 +206,7 @@
           <a:p>
             <a:fld id="{77AB6CFA-8C06-A742-9C67-9EB8DDEC067B}" type="datetimeFigureOut">
               <a:rPr lang="en-US" smtClean="0"/>
-              <a:t>7/14/25</a:t>
+              <a:t>7/21/25</a:t>
             </a:fld>
             <a:endParaRPr lang="en-US"/>
           </a:p>
@@ -861,6 +866,546 @@
     <p:extLst>
       <p:ext uri="{BB962C8B-B14F-4D97-AF65-F5344CB8AC3E}">
         <p14:creationId xmlns:p14="http://schemas.microsoft.com/office/powerpoint/2010/main" val="1781877867"/>
+      </p:ext>
+    </p:extLst>
+  </p:cSld>
+  <p:clrMapOvr>
+    <a:masterClrMapping/>
+  </p:clrMapOvr>
+</p:notes>
+</file>
+
+<file path=ppt/notesSlides/notesSlide5.xml><?xml version="1.0" encoding="utf-8"?>
+<p:notes xmlns:a="http://schemas.openxmlformats.org/drawingml/2006/main" xmlns:r="http://schemas.openxmlformats.org/officeDocument/2006/relationships" xmlns:p="http://schemas.openxmlformats.org/presentationml/2006/main">
+  <p:cSld>
+    <p:spTree>
+      <p:nvGrpSpPr>
+        <p:cNvPr id="1" name="">
+          <a:extLst>
+            <a:ext uri="{FF2B5EF4-FFF2-40B4-BE49-F238E27FC236}">
+              <a16:creationId xmlns:a16="http://schemas.microsoft.com/office/drawing/2014/main" id="{D9513A7E-AC0F-EFE2-72B2-1A9ED85C30BC}"/>
+            </a:ext>
+          </a:extLst>
+        </p:cNvPr>
+        <p:cNvGrpSpPr/>
+        <p:nvPr/>
+      </p:nvGrpSpPr>
+      <p:grpSpPr>
+        <a:xfrm>
+          <a:off x="0" y="0"/>
+          <a:ext cx="0" cy="0"/>
+          <a:chOff x="0" y="0"/>
+          <a:chExt cx="0" cy="0"/>
+        </a:xfrm>
+      </p:grpSpPr>
+      <p:sp>
+        <p:nvSpPr>
+          <p:cNvPr id="2" name="Slide Image Placeholder 1">
+            <a:extLst>
+              <a:ext uri="{FF2B5EF4-FFF2-40B4-BE49-F238E27FC236}">
+                <a16:creationId xmlns:a16="http://schemas.microsoft.com/office/drawing/2014/main" id="{9CEB822F-C08E-96E6-0FBF-556DC15EB6BC}"/>
+              </a:ext>
+            </a:extLst>
+          </p:cNvPr>
+          <p:cNvSpPr>
+            <a:spLocks noGrp="1" noRot="1" noChangeAspect="1"/>
+          </p:cNvSpPr>
+          <p:nvPr>
+            <p:ph type="sldImg"/>
+          </p:nvPr>
+        </p:nvSpPr>
+        <p:spPr/>
+      </p:sp>
+      <p:sp>
+        <p:nvSpPr>
+          <p:cNvPr id="3" name="Notes Placeholder 2">
+            <a:extLst>
+              <a:ext uri="{FF2B5EF4-FFF2-40B4-BE49-F238E27FC236}">
+                <a16:creationId xmlns:a16="http://schemas.microsoft.com/office/drawing/2014/main" id="{2BB43068-FB31-F05D-038A-60FC88638362}"/>
+              </a:ext>
+            </a:extLst>
+          </p:cNvPr>
+          <p:cNvSpPr>
+            <a:spLocks noGrp="1"/>
+          </p:cNvSpPr>
+          <p:nvPr>
+            <p:ph type="body" idx="1"/>
+          </p:nvPr>
+        </p:nvSpPr>
+        <p:spPr/>
+        <p:txBody>
+          <a:bodyPr/>
+          <a:lstStyle/>
+          <a:p>
+            <a:endParaRPr lang="en-US" dirty="0"/>
+          </a:p>
+        </p:txBody>
+      </p:sp>
+      <p:sp>
+        <p:nvSpPr>
+          <p:cNvPr id="4" name="Slide Number Placeholder 3">
+            <a:extLst>
+              <a:ext uri="{FF2B5EF4-FFF2-40B4-BE49-F238E27FC236}">
+                <a16:creationId xmlns:a16="http://schemas.microsoft.com/office/drawing/2014/main" id="{683AD954-C00C-FED2-9702-8CD723D8E3C7}"/>
+              </a:ext>
+            </a:extLst>
+          </p:cNvPr>
+          <p:cNvSpPr>
+            <a:spLocks noGrp="1"/>
+          </p:cNvSpPr>
+          <p:nvPr>
+            <p:ph type="sldNum" sz="quarter" idx="5"/>
+          </p:nvPr>
+        </p:nvSpPr>
+        <p:spPr/>
+        <p:txBody>
+          <a:bodyPr/>
+          <a:lstStyle/>
+          <a:p>
+            <a:fld id="{763931CF-879D-C24C-B4FC-A16B88D776C8}" type="slidenum">
+              <a:rPr lang="en-US" smtClean="0"/>
+              <a:t>6</a:t>
+            </a:fld>
+            <a:endParaRPr lang="en-US"/>
+          </a:p>
+        </p:txBody>
+      </p:sp>
+    </p:spTree>
+    <p:extLst>
+      <p:ext uri="{BB962C8B-B14F-4D97-AF65-F5344CB8AC3E}">
+        <p14:creationId xmlns:p14="http://schemas.microsoft.com/office/powerpoint/2010/main" val="1695802484"/>
+      </p:ext>
+    </p:extLst>
+  </p:cSld>
+  <p:clrMapOvr>
+    <a:masterClrMapping/>
+  </p:clrMapOvr>
+</p:notes>
+</file>
+
+<file path=ppt/notesSlides/notesSlide6.xml><?xml version="1.0" encoding="utf-8"?>
+<p:notes xmlns:a="http://schemas.openxmlformats.org/drawingml/2006/main" xmlns:r="http://schemas.openxmlformats.org/officeDocument/2006/relationships" xmlns:p="http://schemas.openxmlformats.org/presentationml/2006/main">
+  <p:cSld>
+    <p:spTree>
+      <p:nvGrpSpPr>
+        <p:cNvPr id="1" name="">
+          <a:extLst>
+            <a:ext uri="{FF2B5EF4-FFF2-40B4-BE49-F238E27FC236}">
+              <a16:creationId xmlns:a16="http://schemas.microsoft.com/office/drawing/2014/main" id="{49A7D3BA-A986-6D4E-9A71-C5D68AE1E15D}"/>
+            </a:ext>
+          </a:extLst>
+        </p:cNvPr>
+        <p:cNvGrpSpPr/>
+        <p:nvPr/>
+      </p:nvGrpSpPr>
+      <p:grpSpPr>
+        <a:xfrm>
+          <a:off x="0" y="0"/>
+          <a:ext cx="0" cy="0"/>
+          <a:chOff x="0" y="0"/>
+          <a:chExt cx="0" cy="0"/>
+        </a:xfrm>
+      </p:grpSpPr>
+      <p:sp>
+        <p:nvSpPr>
+          <p:cNvPr id="2" name="Slide Image Placeholder 1">
+            <a:extLst>
+              <a:ext uri="{FF2B5EF4-FFF2-40B4-BE49-F238E27FC236}">
+                <a16:creationId xmlns:a16="http://schemas.microsoft.com/office/drawing/2014/main" id="{DD50EDE4-0668-2E3D-B279-49DACBF78AC4}"/>
+              </a:ext>
+            </a:extLst>
+          </p:cNvPr>
+          <p:cNvSpPr>
+            <a:spLocks noGrp="1" noRot="1" noChangeAspect="1"/>
+          </p:cNvSpPr>
+          <p:nvPr>
+            <p:ph type="sldImg"/>
+          </p:nvPr>
+        </p:nvSpPr>
+        <p:spPr/>
+      </p:sp>
+      <p:sp>
+        <p:nvSpPr>
+          <p:cNvPr id="3" name="Notes Placeholder 2">
+            <a:extLst>
+              <a:ext uri="{FF2B5EF4-FFF2-40B4-BE49-F238E27FC236}">
+                <a16:creationId xmlns:a16="http://schemas.microsoft.com/office/drawing/2014/main" id="{EDDDD747-087F-7235-7913-4E5B3A5CDBA1}"/>
+              </a:ext>
+            </a:extLst>
+          </p:cNvPr>
+          <p:cNvSpPr>
+            <a:spLocks noGrp="1"/>
+          </p:cNvSpPr>
+          <p:nvPr>
+            <p:ph type="body" idx="1"/>
+          </p:nvPr>
+        </p:nvSpPr>
+        <p:spPr/>
+        <p:txBody>
+          <a:bodyPr/>
+          <a:lstStyle/>
+          <a:p>
+            <a:endParaRPr lang="en-US" dirty="0"/>
+          </a:p>
+        </p:txBody>
+      </p:sp>
+      <p:sp>
+        <p:nvSpPr>
+          <p:cNvPr id="4" name="Slide Number Placeholder 3">
+            <a:extLst>
+              <a:ext uri="{FF2B5EF4-FFF2-40B4-BE49-F238E27FC236}">
+                <a16:creationId xmlns:a16="http://schemas.microsoft.com/office/drawing/2014/main" id="{20D77759-8EB4-3448-3ABA-182ED8183200}"/>
+              </a:ext>
+            </a:extLst>
+          </p:cNvPr>
+          <p:cNvSpPr>
+            <a:spLocks noGrp="1"/>
+          </p:cNvSpPr>
+          <p:nvPr>
+            <p:ph type="sldNum" sz="quarter" idx="5"/>
+          </p:nvPr>
+        </p:nvSpPr>
+        <p:spPr/>
+        <p:txBody>
+          <a:bodyPr/>
+          <a:lstStyle/>
+          <a:p>
+            <a:fld id="{763931CF-879D-C24C-B4FC-A16B88D776C8}" type="slidenum">
+              <a:rPr lang="en-US" smtClean="0"/>
+              <a:t>7</a:t>
+            </a:fld>
+            <a:endParaRPr lang="en-US"/>
+          </a:p>
+        </p:txBody>
+      </p:sp>
+    </p:spTree>
+    <p:extLst>
+      <p:ext uri="{BB962C8B-B14F-4D97-AF65-F5344CB8AC3E}">
+        <p14:creationId xmlns:p14="http://schemas.microsoft.com/office/powerpoint/2010/main" val="1379812660"/>
+      </p:ext>
+    </p:extLst>
+  </p:cSld>
+  <p:clrMapOvr>
+    <a:masterClrMapping/>
+  </p:clrMapOvr>
+</p:notes>
+</file>
+
+<file path=ppt/notesSlides/notesSlide7.xml><?xml version="1.0" encoding="utf-8"?>
+<p:notes xmlns:a="http://schemas.openxmlformats.org/drawingml/2006/main" xmlns:r="http://schemas.openxmlformats.org/officeDocument/2006/relationships" xmlns:p="http://schemas.openxmlformats.org/presentationml/2006/main">
+  <p:cSld>
+    <p:spTree>
+      <p:nvGrpSpPr>
+        <p:cNvPr id="1" name="">
+          <a:extLst>
+            <a:ext uri="{FF2B5EF4-FFF2-40B4-BE49-F238E27FC236}">
+              <a16:creationId xmlns:a16="http://schemas.microsoft.com/office/drawing/2014/main" id="{74E0376E-4418-DFD0-C418-F24AE2064A58}"/>
+            </a:ext>
+          </a:extLst>
+        </p:cNvPr>
+        <p:cNvGrpSpPr/>
+        <p:nvPr/>
+      </p:nvGrpSpPr>
+      <p:grpSpPr>
+        <a:xfrm>
+          <a:off x="0" y="0"/>
+          <a:ext cx="0" cy="0"/>
+          <a:chOff x="0" y="0"/>
+          <a:chExt cx="0" cy="0"/>
+        </a:xfrm>
+      </p:grpSpPr>
+      <p:sp>
+        <p:nvSpPr>
+          <p:cNvPr id="2" name="Slide Image Placeholder 1">
+            <a:extLst>
+              <a:ext uri="{FF2B5EF4-FFF2-40B4-BE49-F238E27FC236}">
+                <a16:creationId xmlns:a16="http://schemas.microsoft.com/office/drawing/2014/main" id="{97A9BB36-4C09-911D-0811-E9F61FDAA1B9}"/>
+              </a:ext>
+            </a:extLst>
+          </p:cNvPr>
+          <p:cNvSpPr>
+            <a:spLocks noGrp="1" noRot="1" noChangeAspect="1"/>
+          </p:cNvSpPr>
+          <p:nvPr>
+            <p:ph type="sldImg"/>
+          </p:nvPr>
+        </p:nvSpPr>
+        <p:spPr/>
+      </p:sp>
+      <p:sp>
+        <p:nvSpPr>
+          <p:cNvPr id="3" name="Notes Placeholder 2">
+            <a:extLst>
+              <a:ext uri="{FF2B5EF4-FFF2-40B4-BE49-F238E27FC236}">
+                <a16:creationId xmlns:a16="http://schemas.microsoft.com/office/drawing/2014/main" id="{E0D2C900-5EE0-DB51-CEE1-C6427D2D8712}"/>
+              </a:ext>
+            </a:extLst>
+          </p:cNvPr>
+          <p:cNvSpPr>
+            <a:spLocks noGrp="1"/>
+          </p:cNvSpPr>
+          <p:nvPr>
+            <p:ph type="body" idx="1"/>
+          </p:nvPr>
+        </p:nvSpPr>
+        <p:spPr/>
+        <p:txBody>
+          <a:bodyPr/>
+          <a:lstStyle/>
+          <a:p>
+            <a:endParaRPr lang="en-US" dirty="0"/>
+          </a:p>
+        </p:txBody>
+      </p:sp>
+      <p:sp>
+        <p:nvSpPr>
+          <p:cNvPr id="4" name="Slide Number Placeholder 3">
+            <a:extLst>
+              <a:ext uri="{FF2B5EF4-FFF2-40B4-BE49-F238E27FC236}">
+                <a16:creationId xmlns:a16="http://schemas.microsoft.com/office/drawing/2014/main" id="{58476102-6548-A621-D318-6756D4D5FB70}"/>
+              </a:ext>
+            </a:extLst>
+          </p:cNvPr>
+          <p:cNvSpPr>
+            <a:spLocks noGrp="1"/>
+          </p:cNvSpPr>
+          <p:nvPr>
+            <p:ph type="sldNum" sz="quarter" idx="5"/>
+          </p:nvPr>
+        </p:nvSpPr>
+        <p:spPr/>
+        <p:txBody>
+          <a:bodyPr/>
+          <a:lstStyle/>
+          <a:p>
+            <a:fld id="{763931CF-879D-C24C-B4FC-A16B88D776C8}" type="slidenum">
+              <a:rPr lang="en-US" smtClean="0"/>
+              <a:t>8</a:t>
+            </a:fld>
+            <a:endParaRPr lang="en-US"/>
+          </a:p>
+        </p:txBody>
+      </p:sp>
+    </p:spTree>
+    <p:extLst>
+      <p:ext uri="{BB962C8B-B14F-4D97-AF65-F5344CB8AC3E}">
+        <p14:creationId xmlns:p14="http://schemas.microsoft.com/office/powerpoint/2010/main" val="1135491344"/>
+      </p:ext>
+    </p:extLst>
+  </p:cSld>
+  <p:clrMapOvr>
+    <a:masterClrMapping/>
+  </p:clrMapOvr>
+</p:notes>
+</file>
+
+<file path=ppt/notesSlides/notesSlide8.xml><?xml version="1.0" encoding="utf-8"?>
+<p:notes xmlns:a="http://schemas.openxmlformats.org/drawingml/2006/main" xmlns:r="http://schemas.openxmlformats.org/officeDocument/2006/relationships" xmlns:p="http://schemas.openxmlformats.org/presentationml/2006/main">
+  <p:cSld>
+    <p:spTree>
+      <p:nvGrpSpPr>
+        <p:cNvPr id="1" name="">
+          <a:extLst>
+            <a:ext uri="{FF2B5EF4-FFF2-40B4-BE49-F238E27FC236}">
+              <a16:creationId xmlns:a16="http://schemas.microsoft.com/office/drawing/2014/main" id="{9CBC7D7E-BD22-484E-2BE2-7116FC85E9C0}"/>
+            </a:ext>
+          </a:extLst>
+        </p:cNvPr>
+        <p:cNvGrpSpPr/>
+        <p:nvPr/>
+      </p:nvGrpSpPr>
+      <p:grpSpPr>
+        <a:xfrm>
+          <a:off x="0" y="0"/>
+          <a:ext cx="0" cy="0"/>
+          <a:chOff x="0" y="0"/>
+          <a:chExt cx="0" cy="0"/>
+        </a:xfrm>
+      </p:grpSpPr>
+      <p:sp>
+        <p:nvSpPr>
+          <p:cNvPr id="2" name="Slide Image Placeholder 1">
+            <a:extLst>
+              <a:ext uri="{FF2B5EF4-FFF2-40B4-BE49-F238E27FC236}">
+                <a16:creationId xmlns:a16="http://schemas.microsoft.com/office/drawing/2014/main" id="{873F1E93-BDD3-8121-CDD2-FC735D42AEDD}"/>
+              </a:ext>
+            </a:extLst>
+          </p:cNvPr>
+          <p:cNvSpPr>
+            <a:spLocks noGrp="1" noRot="1" noChangeAspect="1"/>
+          </p:cNvSpPr>
+          <p:nvPr>
+            <p:ph type="sldImg"/>
+          </p:nvPr>
+        </p:nvSpPr>
+        <p:spPr/>
+      </p:sp>
+      <p:sp>
+        <p:nvSpPr>
+          <p:cNvPr id="3" name="Notes Placeholder 2">
+            <a:extLst>
+              <a:ext uri="{FF2B5EF4-FFF2-40B4-BE49-F238E27FC236}">
+                <a16:creationId xmlns:a16="http://schemas.microsoft.com/office/drawing/2014/main" id="{96FA9EE1-F1A4-B331-F657-11451185D86F}"/>
+              </a:ext>
+            </a:extLst>
+          </p:cNvPr>
+          <p:cNvSpPr>
+            <a:spLocks noGrp="1"/>
+          </p:cNvSpPr>
+          <p:nvPr>
+            <p:ph type="body" idx="1"/>
+          </p:nvPr>
+        </p:nvSpPr>
+        <p:spPr/>
+        <p:txBody>
+          <a:bodyPr/>
+          <a:lstStyle/>
+          <a:p>
+            <a:endParaRPr lang="en-US" dirty="0"/>
+          </a:p>
+        </p:txBody>
+      </p:sp>
+      <p:sp>
+        <p:nvSpPr>
+          <p:cNvPr id="4" name="Slide Number Placeholder 3">
+            <a:extLst>
+              <a:ext uri="{FF2B5EF4-FFF2-40B4-BE49-F238E27FC236}">
+                <a16:creationId xmlns:a16="http://schemas.microsoft.com/office/drawing/2014/main" id="{08D46C02-FB10-C060-3143-6297AEAA2804}"/>
+              </a:ext>
+            </a:extLst>
+          </p:cNvPr>
+          <p:cNvSpPr>
+            <a:spLocks noGrp="1"/>
+          </p:cNvSpPr>
+          <p:nvPr>
+            <p:ph type="sldNum" sz="quarter" idx="5"/>
+          </p:nvPr>
+        </p:nvSpPr>
+        <p:spPr/>
+        <p:txBody>
+          <a:bodyPr/>
+          <a:lstStyle/>
+          <a:p>
+            <a:fld id="{763931CF-879D-C24C-B4FC-A16B88D776C8}" type="slidenum">
+              <a:rPr lang="en-US" smtClean="0"/>
+              <a:t>9</a:t>
+            </a:fld>
+            <a:endParaRPr lang="en-US"/>
+          </a:p>
+        </p:txBody>
+      </p:sp>
+    </p:spTree>
+    <p:extLst>
+      <p:ext uri="{BB962C8B-B14F-4D97-AF65-F5344CB8AC3E}">
+        <p14:creationId xmlns:p14="http://schemas.microsoft.com/office/powerpoint/2010/main" val="4286499140"/>
+      </p:ext>
+    </p:extLst>
+  </p:cSld>
+  <p:clrMapOvr>
+    <a:masterClrMapping/>
+  </p:clrMapOvr>
+</p:notes>
+</file>
+
+<file path=ppt/notesSlides/notesSlide9.xml><?xml version="1.0" encoding="utf-8"?>
+<p:notes xmlns:a="http://schemas.openxmlformats.org/drawingml/2006/main" xmlns:r="http://schemas.openxmlformats.org/officeDocument/2006/relationships" xmlns:p="http://schemas.openxmlformats.org/presentationml/2006/main">
+  <p:cSld>
+    <p:spTree>
+      <p:nvGrpSpPr>
+        <p:cNvPr id="1" name="">
+          <a:extLst>
+            <a:ext uri="{FF2B5EF4-FFF2-40B4-BE49-F238E27FC236}">
+              <a16:creationId xmlns:a16="http://schemas.microsoft.com/office/drawing/2014/main" id="{4A310607-13D5-452F-83A4-D5094A01E1D7}"/>
+            </a:ext>
+          </a:extLst>
+        </p:cNvPr>
+        <p:cNvGrpSpPr/>
+        <p:nvPr/>
+      </p:nvGrpSpPr>
+      <p:grpSpPr>
+        <a:xfrm>
+          <a:off x="0" y="0"/>
+          <a:ext cx="0" cy="0"/>
+          <a:chOff x="0" y="0"/>
+          <a:chExt cx="0" cy="0"/>
+        </a:xfrm>
+      </p:grpSpPr>
+      <p:sp>
+        <p:nvSpPr>
+          <p:cNvPr id="2" name="Slide Image Placeholder 1">
+            <a:extLst>
+              <a:ext uri="{FF2B5EF4-FFF2-40B4-BE49-F238E27FC236}">
+                <a16:creationId xmlns:a16="http://schemas.microsoft.com/office/drawing/2014/main" id="{BFD39F5D-078D-1EF1-DCAC-D955D360419B}"/>
+              </a:ext>
+            </a:extLst>
+          </p:cNvPr>
+          <p:cNvSpPr>
+            <a:spLocks noGrp="1" noRot="1" noChangeAspect="1"/>
+          </p:cNvSpPr>
+          <p:nvPr>
+            <p:ph type="sldImg"/>
+          </p:nvPr>
+        </p:nvSpPr>
+        <p:spPr/>
+      </p:sp>
+      <p:sp>
+        <p:nvSpPr>
+          <p:cNvPr id="3" name="Notes Placeholder 2">
+            <a:extLst>
+              <a:ext uri="{FF2B5EF4-FFF2-40B4-BE49-F238E27FC236}">
+                <a16:creationId xmlns:a16="http://schemas.microsoft.com/office/drawing/2014/main" id="{749EDDEF-52F2-74D4-BBAD-A173DBF304F9}"/>
+              </a:ext>
+            </a:extLst>
+          </p:cNvPr>
+          <p:cNvSpPr>
+            <a:spLocks noGrp="1"/>
+          </p:cNvSpPr>
+          <p:nvPr>
+            <p:ph type="body" idx="1"/>
+          </p:nvPr>
+        </p:nvSpPr>
+        <p:spPr/>
+        <p:txBody>
+          <a:bodyPr/>
+          <a:lstStyle/>
+          <a:p>
+            <a:endParaRPr lang="en-US" dirty="0"/>
+          </a:p>
+        </p:txBody>
+      </p:sp>
+      <p:sp>
+        <p:nvSpPr>
+          <p:cNvPr id="4" name="Slide Number Placeholder 3">
+            <a:extLst>
+              <a:ext uri="{FF2B5EF4-FFF2-40B4-BE49-F238E27FC236}">
+                <a16:creationId xmlns:a16="http://schemas.microsoft.com/office/drawing/2014/main" id="{0D8DEE83-A7D0-FD71-C612-AF55059C7434}"/>
+              </a:ext>
+            </a:extLst>
+          </p:cNvPr>
+          <p:cNvSpPr>
+            <a:spLocks noGrp="1"/>
+          </p:cNvSpPr>
+          <p:nvPr>
+            <p:ph type="sldNum" sz="quarter" idx="5"/>
+          </p:nvPr>
+        </p:nvSpPr>
+        <p:spPr/>
+        <p:txBody>
+          <a:bodyPr/>
+          <a:lstStyle/>
+          <a:p>
+            <a:fld id="{763931CF-879D-C24C-B4FC-A16B88D776C8}" type="slidenum">
+              <a:rPr lang="en-US" smtClean="0"/>
+              <a:t>10</a:t>
+            </a:fld>
+            <a:endParaRPr lang="en-US"/>
+          </a:p>
+        </p:txBody>
+      </p:sp>
+    </p:spTree>
+    <p:extLst>
+      <p:ext uri="{BB962C8B-B14F-4D97-AF65-F5344CB8AC3E}">
+        <p14:creationId xmlns:p14="http://schemas.microsoft.com/office/powerpoint/2010/main" val="945912077"/>
       </p:ext>
     </p:extLst>
   </p:cSld>
@@ -2625,14 +3170,11 @@
           <a:lstStyle/>
           <a:p>
             <a:r>
-              <a:rPr lang="en-US" dirty="0" err="1">
+              <a:rPr lang="en-GB" noProof="1">
                 <a:latin typeface="Aptos" panose="020B0004020202020204" pitchFamily="34" charset="0"/>
               </a:rPr>
               <a:t>subject_line</a:t>
             </a:r>
-            <a:endParaRPr lang="en-US" dirty="0">
-              <a:latin typeface="Aptos" panose="020B0004020202020204" pitchFamily="34" charset="0"/>
-            </a:endParaRPr>
           </a:p>
         </p:txBody>
       </p:sp>
@@ -2658,7 +3200,7 @@
           <a:lstStyle/>
           <a:p>
             <a:r>
-              <a:rPr lang="en-US" dirty="0" err="1">
+              <a:rPr lang="en-GB" noProof="1">
                 <a:solidFill>
                   <a:schemeClr val="accent2"/>
                 </a:solidFill>
@@ -2666,12 +3208,6 @@
               </a:rPr>
               <a:t>date_range</a:t>
             </a:r>
-            <a:endParaRPr lang="en-US" dirty="0">
-              <a:solidFill>
-                <a:schemeClr val="accent2"/>
-              </a:solidFill>
-              <a:latin typeface="Aptos" panose="020B0004020202020204" pitchFamily="34" charset="0"/>
-            </a:endParaRPr>
           </a:p>
         </p:txBody>
       </p:sp>
@@ -2685,6 +3221,546 @@
   <p:clrMapOvr>
     <a:masterClrMapping/>
   </p:clrMapOvr>
+</p:sld>
+</file>
+
+<file path=ppt/slides/slide10.xml><?xml version="1.0" encoding="utf-8"?>
+<p:sld xmlns:a="http://schemas.openxmlformats.org/drawingml/2006/main" xmlns:r="http://schemas.openxmlformats.org/officeDocument/2006/relationships" xmlns:p="http://schemas.openxmlformats.org/presentationml/2006/main">
+  <p:cSld>
+    <p:spTree>
+      <p:nvGrpSpPr>
+        <p:cNvPr id="1" name="">
+          <a:extLst>
+            <a:ext uri="{FF2B5EF4-FFF2-40B4-BE49-F238E27FC236}">
+              <a16:creationId xmlns:a16="http://schemas.microsoft.com/office/drawing/2014/main" id="{1985FB09-F898-1A35-0662-16B7BE9BD9CC}"/>
+            </a:ext>
+          </a:extLst>
+        </p:cNvPr>
+        <p:cNvGrpSpPr/>
+        <p:nvPr/>
+      </p:nvGrpSpPr>
+      <p:grpSpPr>
+        <a:xfrm>
+          <a:off x="0" y="0"/>
+          <a:ext cx="0" cy="0"/>
+          <a:chOff x="0" y="0"/>
+          <a:chExt cx="0" cy="0"/>
+        </a:xfrm>
+      </p:grpSpPr>
+      <p:sp>
+        <p:nvSpPr>
+          <p:cNvPr id="7" name="Title 6">
+            <a:extLst>
+              <a:ext uri="{FF2B5EF4-FFF2-40B4-BE49-F238E27FC236}">
+                <a16:creationId xmlns:a16="http://schemas.microsoft.com/office/drawing/2014/main" id="{00D5E397-B1D6-A909-33EA-7A36392EF72E}"/>
+              </a:ext>
+            </a:extLst>
+          </p:cNvPr>
+          <p:cNvSpPr>
+            <a:spLocks noGrp="1"/>
+          </p:cNvSpPr>
+          <p:nvPr>
+            <p:ph type="title"/>
+          </p:nvPr>
+        </p:nvSpPr>
+        <p:spPr>
+          <a:xfrm>
+            <a:off x="632461" y="580136"/>
+            <a:ext cx="1464354" cy="644175"/>
+          </a:xfrm>
+        </p:spPr>
+        <p:txBody>
+          <a:bodyPr/>
+          <a:lstStyle/>
+          <a:p>
+            <a:r>
+              <a:rPr lang="en-US" dirty="0">
+                <a:latin typeface="Kalinga" panose="020B0502040204020203" pitchFamily="34" charset="0"/>
+                <a:cs typeface="Kalinga" panose="020B0502040204020203" pitchFamily="34" charset="0"/>
+              </a:rPr>
+              <a:t>Reply to:</a:t>
+            </a:r>
+          </a:p>
+        </p:txBody>
+      </p:sp>
+      <p:sp>
+        <p:nvSpPr>
+          <p:cNvPr id="8" name="Text Placeholder 7">
+            <a:extLst>
+              <a:ext uri="{FF2B5EF4-FFF2-40B4-BE49-F238E27FC236}">
+                <a16:creationId xmlns:a16="http://schemas.microsoft.com/office/drawing/2014/main" id="{2EE9E498-5D1D-CF73-8403-821D33C4D12D}"/>
+              </a:ext>
+            </a:extLst>
+          </p:cNvPr>
+          <p:cNvSpPr>
+            <a:spLocks noGrp="1"/>
+          </p:cNvSpPr>
+          <p:nvPr>
+            <p:ph type="body" sz="quarter" idx="10"/>
+          </p:nvPr>
+        </p:nvSpPr>
+        <p:spPr>
+          <a:xfrm>
+            <a:off x="632459" y="0"/>
+            <a:ext cx="11286271" cy="518086"/>
+          </a:xfrm>
+        </p:spPr>
+        <p:txBody>
+          <a:bodyPr/>
+          <a:lstStyle/>
+          <a:p>
+            <a:r>
+              <a:rPr lang="en-US" dirty="0">
+                <a:latin typeface="Kalinga" panose="020B0502040204020203" pitchFamily="34" charset="0"/>
+                <a:cs typeface="Kalinga" panose="020B0502040204020203" pitchFamily="34" charset="0"/>
+              </a:rPr>
+              <a:t>Targeted replies – in prioritized order #5</a:t>
+            </a:r>
+          </a:p>
+        </p:txBody>
+      </p:sp>
+      <p:sp>
+        <p:nvSpPr>
+          <p:cNvPr id="10" name="TextBox 9">
+            <a:extLst>
+              <a:ext uri="{FF2B5EF4-FFF2-40B4-BE49-F238E27FC236}">
+                <a16:creationId xmlns:a16="http://schemas.microsoft.com/office/drawing/2014/main" id="{82A2113C-CE55-A142-2519-2F5929BE558E}"/>
+              </a:ext>
+            </a:extLst>
+          </p:cNvPr>
+          <p:cNvSpPr txBox="1"/>
+          <p:nvPr/>
+        </p:nvSpPr>
+        <p:spPr>
+          <a:xfrm>
+            <a:off x="631825" y="5472619"/>
+            <a:ext cx="11160782" cy="153888"/>
+          </a:xfrm>
+          <a:prstGeom prst="rect">
+            <a:avLst/>
+          </a:prstGeom>
+        </p:spPr>
+        <p:txBody>
+          <a:bodyPr wrap="square" lIns="0" tIns="0" rIns="0" bIns="0" rtlCol="0" anchor="t" anchorCtr="0">
+            <a:spAutoFit/>
+          </a:bodyPr>
+          <a:lstStyle/>
+          <a:p>
+            <a:pPr algn="l"/>
+            <a:r>
+              <a:rPr lang="en-GB" sz="1000" dirty="0" err="1">
+                <a:solidFill>
+                  <a:schemeClr val="accent2"/>
+                </a:solidFill>
+                <a:latin typeface="Aptos" panose="020B0004020202020204" pitchFamily="34" charset="0"/>
+                <a:cs typeface="Arial" panose="020B0604020202020204" pitchFamily="34" charset="0"/>
+              </a:rPr>
+              <a:t>r</a:t>
+            </a:r>
+            <a:r>
+              <a:rPr lang="en-GB" sz="1000" b="0" i="0" dirty="0" err="1">
+                <a:solidFill>
+                  <a:schemeClr val="accent2"/>
+                </a:solidFill>
+                <a:effectLst/>
+                <a:latin typeface="Aptos" panose="020B0004020202020204" pitchFamily="34" charset="0"/>
+                <a:cs typeface="Arial" panose="020B0604020202020204" pitchFamily="34" charset="0"/>
+              </a:rPr>
+              <a:t>eply_rationale</a:t>
+            </a:r>
+            <a:endParaRPr lang="en-US" sz="1000" b="0" dirty="0">
+              <a:solidFill>
+                <a:schemeClr val="accent2"/>
+              </a:solidFill>
+              <a:latin typeface="Aptos" panose="020B0004020202020204" pitchFamily="34" charset="0"/>
+              <a:cs typeface="Arial" panose="020B0604020202020204" pitchFamily="34" charset="0"/>
+            </a:endParaRPr>
+          </a:p>
+        </p:txBody>
+      </p:sp>
+      <p:cxnSp>
+        <p:nvCxnSpPr>
+          <p:cNvPr id="12" name="Straight Connector 11">
+            <a:extLst>
+              <a:ext uri="{FF2B5EF4-FFF2-40B4-BE49-F238E27FC236}">
+                <a16:creationId xmlns:a16="http://schemas.microsoft.com/office/drawing/2014/main" id="{009CA6FB-0F4C-2B47-5A88-2A6CF7C1F776}"/>
+              </a:ext>
+            </a:extLst>
+          </p:cNvPr>
+          <p:cNvCxnSpPr/>
+          <p:nvPr/>
+        </p:nvCxnSpPr>
+        <p:spPr>
+          <a:xfrm>
+            <a:off x="631825" y="5344519"/>
+            <a:ext cx="10927715" cy="0"/>
+          </a:xfrm>
+          <a:prstGeom prst="line">
+            <a:avLst/>
+          </a:prstGeom>
+          <a:ln w="22225">
+            <a:solidFill>
+              <a:schemeClr val="accent3"/>
+            </a:solidFill>
+          </a:ln>
+          <a:effectLst/>
+        </p:spPr>
+        <p:style>
+          <a:lnRef idx="2">
+            <a:schemeClr val="accent1"/>
+          </a:lnRef>
+          <a:fillRef idx="0">
+            <a:schemeClr val="accent1"/>
+          </a:fillRef>
+          <a:effectRef idx="1">
+            <a:schemeClr val="accent1"/>
+          </a:effectRef>
+          <a:fontRef idx="minor">
+            <a:schemeClr val="tx1"/>
+          </a:fontRef>
+        </p:style>
+      </p:cxnSp>
+      <p:sp>
+        <p:nvSpPr>
+          <p:cNvPr id="15" name="TextBox 14">
+            <a:extLst>
+              <a:ext uri="{FF2B5EF4-FFF2-40B4-BE49-F238E27FC236}">
+                <a16:creationId xmlns:a16="http://schemas.microsoft.com/office/drawing/2014/main" id="{4A49DA5D-57CE-465F-943E-9C393D80BC35}"/>
+              </a:ext>
+            </a:extLst>
+          </p:cNvPr>
+          <p:cNvSpPr txBox="1"/>
+          <p:nvPr/>
+        </p:nvSpPr>
+        <p:spPr>
+          <a:xfrm>
+            <a:off x="631825" y="1539631"/>
+            <a:ext cx="1859128" cy="246221"/>
+          </a:xfrm>
+          <a:prstGeom prst="rect">
+            <a:avLst/>
+          </a:prstGeom>
+        </p:spPr>
+        <p:txBody>
+          <a:bodyPr wrap="square" lIns="0" tIns="0" rIns="0" bIns="0" rtlCol="0" anchor="t" anchorCtr="0">
+            <a:spAutoFit/>
+          </a:bodyPr>
+          <a:lstStyle/>
+          <a:p>
+            <a:pPr>
+              <a:buNone/>
+            </a:pPr>
+            <a:r>
+              <a:rPr lang="en-GB" sz="1600" b="1" dirty="0">
+                <a:solidFill>
+                  <a:schemeClr val="accent2"/>
+                </a:solidFill>
+                <a:latin typeface="Aptos" panose="020B0004020202020204" pitchFamily="34" charset="0"/>
+              </a:rPr>
+              <a:t>Summary of post:</a:t>
+            </a:r>
+            <a:endParaRPr lang="en-US" sz="1200" b="0" dirty="0"/>
+          </a:p>
+        </p:txBody>
+      </p:sp>
+      <p:sp>
+        <p:nvSpPr>
+          <p:cNvPr id="2" name="TextBox 1">
+            <a:extLst>
+              <a:ext uri="{FF2B5EF4-FFF2-40B4-BE49-F238E27FC236}">
+                <a16:creationId xmlns:a16="http://schemas.microsoft.com/office/drawing/2014/main" id="{CE7AE756-E995-BF98-1DAD-80BB9CD34A48}"/>
+              </a:ext>
+            </a:extLst>
+          </p:cNvPr>
+          <p:cNvSpPr txBox="1"/>
+          <p:nvPr/>
+        </p:nvSpPr>
+        <p:spPr>
+          <a:xfrm>
+            <a:off x="631824" y="2373840"/>
+            <a:ext cx="2142907" cy="246221"/>
+          </a:xfrm>
+          <a:prstGeom prst="rect">
+            <a:avLst/>
+          </a:prstGeom>
+        </p:spPr>
+        <p:txBody>
+          <a:bodyPr wrap="square" lIns="0" tIns="0" rIns="0" bIns="0" rtlCol="0" anchor="t" anchorCtr="0">
+            <a:spAutoFit/>
+          </a:bodyPr>
+          <a:lstStyle/>
+          <a:p>
+            <a:pPr>
+              <a:buNone/>
+            </a:pPr>
+            <a:r>
+              <a:rPr lang="en-GB" sz="1600" b="1" dirty="0">
+                <a:solidFill>
+                  <a:schemeClr val="accent2"/>
+                </a:solidFill>
+                <a:latin typeface="Aptos" panose="020B0004020202020204" pitchFamily="34" charset="0"/>
+              </a:rPr>
+              <a:t>View post on LinkedIn:</a:t>
+            </a:r>
+            <a:endParaRPr lang="en-US" sz="1200" dirty="0"/>
+          </a:p>
+        </p:txBody>
+      </p:sp>
+      <p:sp>
+        <p:nvSpPr>
+          <p:cNvPr id="3" name="TextBox 2">
+            <a:extLst>
+              <a:ext uri="{FF2B5EF4-FFF2-40B4-BE49-F238E27FC236}">
+                <a16:creationId xmlns:a16="http://schemas.microsoft.com/office/drawing/2014/main" id="{05B52794-0E3D-81E8-54F7-A158449C64BE}"/>
+              </a:ext>
+            </a:extLst>
+          </p:cNvPr>
+          <p:cNvSpPr txBox="1"/>
+          <p:nvPr/>
+        </p:nvSpPr>
+        <p:spPr>
+          <a:xfrm>
+            <a:off x="631824" y="2892072"/>
+            <a:ext cx="3120369" cy="276999"/>
+          </a:xfrm>
+          <a:prstGeom prst="rect">
+            <a:avLst/>
+          </a:prstGeom>
+        </p:spPr>
+        <p:txBody>
+          <a:bodyPr wrap="square" lIns="0" tIns="0" rIns="0" bIns="0" rtlCol="0" anchor="t" anchorCtr="0">
+            <a:spAutoFit/>
+          </a:bodyPr>
+          <a:lstStyle/>
+          <a:p>
+            <a:pPr>
+              <a:buNone/>
+            </a:pPr>
+            <a:r>
+              <a:rPr lang="en-GB" sz="1800" b="1" dirty="0">
+                <a:solidFill>
+                  <a:srgbClr val="7030A0"/>
+                </a:solidFill>
+                <a:latin typeface="Aptos" panose="020B0004020202020204" pitchFamily="34" charset="0"/>
+              </a:rPr>
+              <a:t>Suggested draft response:</a:t>
+            </a:r>
+            <a:endParaRPr lang="en-US" sz="1800" dirty="0"/>
+          </a:p>
+        </p:txBody>
+      </p:sp>
+      <p:sp>
+        <p:nvSpPr>
+          <p:cNvPr id="4" name="TextBox 3">
+            <a:extLst>
+              <a:ext uri="{FF2B5EF4-FFF2-40B4-BE49-F238E27FC236}">
+                <a16:creationId xmlns:a16="http://schemas.microsoft.com/office/drawing/2014/main" id="{1B1ACB44-A5A1-996C-6188-7B3E868DBBD8}"/>
+              </a:ext>
+            </a:extLst>
+          </p:cNvPr>
+          <p:cNvSpPr txBox="1"/>
+          <p:nvPr/>
+        </p:nvSpPr>
+        <p:spPr>
+          <a:xfrm>
+            <a:off x="2360777" y="1539631"/>
+            <a:ext cx="9557954" cy="246221"/>
+          </a:xfrm>
+          <a:prstGeom prst="rect">
+            <a:avLst/>
+          </a:prstGeom>
+        </p:spPr>
+        <p:txBody>
+          <a:bodyPr wrap="square" lIns="0" tIns="0" rIns="0" bIns="0" rtlCol="0" anchor="t" anchorCtr="0">
+            <a:spAutoFit/>
+          </a:bodyPr>
+          <a:lstStyle/>
+          <a:p>
+            <a:pPr>
+              <a:buNone/>
+            </a:pPr>
+            <a:r>
+              <a:rPr lang="en-GB" sz="1600" dirty="0" err="1">
+                <a:solidFill>
+                  <a:schemeClr val="accent2"/>
+                </a:solidFill>
+                <a:latin typeface="Aptos" panose="020B0004020202020204" pitchFamily="34" charset="0"/>
+              </a:rPr>
+              <a:t>original_post_summary</a:t>
+            </a:r>
+            <a:endParaRPr lang="en-US" sz="1200" b="0" dirty="0"/>
+          </a:p>
+        </p:txBody>
+      </p:sp>
+      <p:sp>
+        <p:nvSpPr>
+          <p:cNvPr id="11" name="TextBox 10">
+            <a:extLst>
+              <a:ext uri="{FF2B5EF4-FFF2-40B4-BE49-F238E27FC236}">
+                <a16:creationId xmlns:a16="http://schemas.microsoft.com/office/drawing/2014/main" id="{BBDCEA3B-410E-DA11-28E7-7E75FF7E1E77}"/>
+              </a:ext>
+            </a:extLst>
+          </p:cNvPr>
+          <p:cNvSpPr txBox="1"/>
+          <p:nvPr/>
+        </p:nvSpPr>
+        <p:spPr>
+          <a:xfrm>
+            <a:off x="2774731" y="2373840"/>
+            <a:ext cx="9017874" cy="246221"/>
+          </a:xfrm>
+          <a:prstGeom prst="rect">
+            <a:avLst/>
+          </a:prstGeom>
+        </p:spPr>
+        <p:txBody>
+          <a:bodyPr wrap="square" lIns="0" tIns="0" rIns="0" bIns="0" rtlCol="0" anchor="t" anchorCtr="0">
+            <a:spAutoFit/>
+          </a:bodyPr>
+          <a:lstStyle/>
+          <a:p>
+            <a:pPr>
+              <a:buNone/>
+            </a:pPr>
+            <a:r>
+              <a:rPr lang="en-GB" sz="1600" dirty="0" err="1">
+                <a:solidFill>
+                  <a:schemeClr val="accent2"/>
+                </a:solidFill>
+                <a:latin typeface="Aptos" panose="020B0004020202020204" pitchFamily="34" charset="0"/>
+              </a:rPr>
+              <a:t>post_URL</a:t>
+            </a:r>
+            <a:endParaRPr lang="en-US" sz="1200" b="0" dirty="0"/>
+          </a:p>
+        </p:txBody>
+      </p:sp>
+      <p:sp>
+        <p:nvSpPr>
+          <p:cNvPr id="13" name="TextBox 12">
+            <a:extLst>
+              <a:ext uri="{FF2B5EF4-FFF2-40B4-BE49-F238E27FC236}">
+                <a16:creationId xmlns:a16="http://schemas.microsoft.com/office/drawing/2014/main" id="{E95BDBB7-15A2-2D0D-6BF5-2BD2E4421CA4}"/>
+              </a:ext>
+            </a:extLst>
+          </p:cNvPr>
+          <p:cNvSpPr txBox="1"/>
+          <p:nvPr/>
+        </p:nvSpPr>
+        <p:spPr>
+          <a:xfrm>
+            <a:off x="631824" y="3270098"/>
+            <a:ext cx="10927714" cy="246221"/>
+          </a:xfrm>
+          <a:prstGeom prst="rect">
+            <a:avLst/>
+          </a:prstGeom>
+        </p:spPr>
+        <p:txBody>
+          <a:bodyPr wrap="square" lIns="0" tIns="0" rIns="0" bIns="0" rtlCol="0" anchor="t" anchorCtr="0">
+            <a:spAutoFit/>
+          </a:bodyPr>
+          <a:lstStyle/>
+          <a:p>
+            <a:pPr>
+              <a:buNone/>
+            </a:pPr>
+            <a:r>
+              <a:rPr lang="en-GB" sz="1600" dirty="0" err="1">
+                <a:solidFill>
+                  <a:schemeClr val="accent2"/>
+                </a:solidFill>
+                <a:latin typeface="Aptos" panose="020B0004020202020204" pitchFamily="34" charset="0"/>
+              </a:rPr>
+              <a:t>draft_reply</a:t>
+            </a:r>
+            <a:endParaRPr lang="en-US" sz="1600" dirty="0"/>
+          </a:p>
+        </p:txBody>
+      </p:sp>
+      <p:sp>
+        <p:nvSpPr>
+          <p:cNvPr id="17" name="Title 6">
+            <a:extLst>
+              <a:ext uri="{FF2B5EF4-FFF2-40B4-BE49-F238E27FC236}">
+                <a16:creationId xmlns:a16="http://schemas.microsoft.com/office/drawing/2014/main" id="{8D2075CF-57A3-4F53-71AD-276C92FA5B8C}"/>
+              </a:ext>
+            </a:extLst>
+          </p:cNvPr>
+          <p:cNvSpPr txBox="1">
+            <a:spLocks/>
+          </p:cNvSpPr>
+          <p:nvPr/>
+        </p:nvSpPr>
+        <p:spPr>
+          <a:xfrm>
+            <a:off x="2096814" y="580136"/>
+            <a:ext cx="9557954" cy="644175"/>
+          </a:xfrm>
+          <a:prstGeom prst="rect">
+            <a:avLst/>
+          </a:prstGeom>
+        </p:spPr>
+        <p:txBody>
+          <a:bodyPr vert="horz" lIns="0" tIns="0" rIns="0" bIns="0" rtlCol="0" anchor="t" anchorCtr="0">
+            <a:normAutofit/>
+          </a:bodyPr>
+          <a:lstStyle>
+            <a:lvl1pPr algn="l" defTabSz="609555" rtl="0" eaLnBrk="1" latinLnBrk="0" hangingPunct="1">
+              <a:lnSpc>
+                <a:spcPct val="100000"/>
+              </a:lnSpc>
+              <a:spcBef>
+                <a:spcPct val="0"/>
+              </a:spcBef>
+              <a:buNone/>
+              <a:defRPr lang="en-US" sz="2600" b="1" kern="1200" spc="-20" baseline="0" dirty="0">
+                <a:solidFill>
+                  <a:schemeClr val="bg1"/>
+                </a:solidFill>
+                <a:latin typeface="+mj-lt"/>
+                <a:ea typeface="+mj-ea"/>
+                <a:cs typeface="+mj-cs"/>
+              </a:defRPr>
+            </a:lvl1pPr>
+          </a:lstStyle>
+          <a:p>
+            <a:r>
+              <a:rPr lang="en-GB" dirty="0" err="1">
+                <a:latin typeface="Kalinga" panose="020B0502040204020203" pitchFamily="34" charset="0"/>
+                <a:cs typeface="Kalinga" panose="020B0502040204020203" pitchFamily="34" charset="0"/>
+              </a:rPr>
+              <a:t>original_poster</a:t>
+            </a:r>
+            <a:endParaRPr lang="en-GB" dirty="0">
+              <a:latin typeface="Kalinga" panose="020B0502040204020203" pitchFamily="34" charset="0"/>
+              <a:cs typeface="Kalinga" panose="020B0502040204020203" pitchFamily="34" charset="0"/>
+            </a:endParaRPr>
+          </a:p>
+        </p:txBody>
+      </p:sp>
+    </p:spTree>
+    <p:extLst>
+      <p:ext uri="{BB962C8B-B14F-4D97-AF65-F5344CB8AC3E}">
+        <p14:creationId xmlns:p14="http://schemas.microsoft.com/office/powerpoint/2010/main" val="2810787124"/>
+      </p:ext>
+    </p:extLst>
+  </p:cSld>
+  <p:clrMapOvr>
+    <a:masterClrMapping/>
+  </p:clrMapOvr>
+  <mc:AlternateContent xmlns:mc="http://schemas.openxmlformats.org/markup-compatibility/2006" xmlns:p14="http://schemas.microsoft.com/office/powerpoint/2010/main">
+    <mc:Choice Requires="p14">
+      <p:transition spd="med" p14:dur="700">
+        <p:fade/>
+      </p:transition>
+    </mc:Choice>
+    <mc:Fallback xmlns="">
+      <p:transition spd="med">
+        <p:fade/>
+      </p:transition>
+    </mc:Fallback>
+  </mc:AlternateContent>
 </p:sld>
 </file>
 
@@ -2910,7 +3986,7 @@
                 <a:latin typeface="Kalinga" panose="020B0502040204020203" pitchFamily="34" charset="0"/>
                 <a:cs typeface="Kalinga" panose="020B0502040204020203" pitchFamily="34" charset="0"/>
               </a:rPr>
-              <a:t>Thought leadership concept #1</a:t>
+              <a:t>Overall thought leadership concept #1 for UCB posts</a:t>
             </a:r>
           </a:p>
         </p:txBody>
@@ -3198,7 +4274,7 @@
                 <a:latin typeface="Kalinga" panose="020B0502040204020203" pitchFamily="34" charset="0"/>
                 <a:cs typeface="Kalinga" panose="020B0502040204020203" pitchFamily="34" charset="0"/>
               </a:rPr>
-              <a:t>Thought leadership concept #2</a:t>
+              <a:t>Overall thought leadership concept #2 for UCB posts</a:t>
             </a:r>
           </a:p>
         </p:txBody>
@@ -3486,7 +4562,7 @@
                 <a:latin typeface="Kalinga" panose="020B0502040204020203" pitchFamily="34" charset="0"/>
                 <a:cs typeface="Kalinga" panose="020B0502040204020203" pitchFamily="34" charset="0"/>
               </a:rPr>
-              <a:t>Thought leadership concept #3</a:t>
+              <a:t>Overall thought leadership concept #3 for UCB posts</a:t>
             </a:r>
           </a:p>
         </p:txBody>
@@ -3668,6 +4744,2166 @@
     <p:extLst>
       <p:ext uri="{BB962C8B-B14F-4D97-AF65-F5344CB8AC3E}">
         <p14:creationId xmlns:p14="http://schemas.microsoft.com/office/powerpoint/2010/main" val="789080758"/>
+      </p:ext>
+    </p:extLst>
+  </p:cSld>
+  <p:clrMapOvr>
+    <a:masterClrMapping/>
+  </p:clrMapOvr>
+  <mc:AlternateContent xmlns:mc="http://schemas.openxmlformats.org/markup-compatibility/2006" xmlns:p14="http://schemas.microsoft.com/office/powerpoint/2010/main">
+    <mc:Choice Requires="p14">
+      <p:transition spd="med" p14:dur="700">
+        <p:fade/>
+      </p:transition>
+    </mc:Choice>
+    <mc:Fallback xmlns="">
+      <p:transition spd="med">
+        <p:fade/>
+      </p:transition>
+    </mc:Fallback>
+  </mc:AlternateContent>
+</p:sld>
+</file>
+
+<file path=ppt/slides/slide6.xml><?xml version="1.0" encoding="utf-8"?>
+<p:sld xmlns:a="http://schemas.openxmlformats.org/drawingml/2006/main" xmlns:r="http://schemas.openxmlformats.org/officeDocument/2006/relationships" xmlns:p="http://schemas.openxmlformats.org/presentationml/2006/main">
+  <p:cSld>
+    <p:spTree>
+      <p:nvGrpSpPr>
+        <p:cNvPr id="1" name="">
+          <a:extLst>
+            <a:ext uri="{FF2B5EF4-FFF2-40B4-BE49-F238E27FC236}">
+              <a16:creationId xmlns:a16="http://schemas.microsoft.com/office/drawing/2014/main" id="{04B744DB-7614-80D4-864B-F067D71ADDFD}"/>
+            </a:ext>
+          </a:extLst>
+        </p:cNvPr>
+        <p:cNvGrpSpPr/>
+        <p:nvPr/>
+      </p:nvGrpSpPr>
+      <p:grpSpPr>
+        <a:xfrm>
+          <a:off x="0" y="0"/>
+          <a:ext cx="0" cy="0"/>
+          <a:chOff x="0" y="0"/>
+          <a:chExt cx="0" cy="0"/>
+        </a:xfrm>
+      </p:grpSpPr>
+      <p:sp>
+        <p:nvSpPr>
+          <p:cNvPr id="7" name="Title 6">
+            <a:extLst>
+              <a:ext uri="{FF2B5EF4-FFF2-40B4-BE49-F238E27FC236}">
+                <a16:creationId xmlns:a16="http://schemas.microsoft.com/office/drawing/2014/main" id="{7A4AFE5B-1865-B2AE-E0AD-368E7810FA82}"/>
+              </a:ext>
+            </a:extLst>
+          </p:cNvPr>
+          <p:cNvSpPr>
+            <a:spLocks noGrp="1"/>
+          </p:cNvSpPr>
+          <p:nvPr>
+            <p:ph type="title"/>
+          </p:nvPr>
+        </p:nvSpPr>
+        <p:spPr>
+          <a:xfrm>
+            <a:off x="632461" y="580136"/>
+            <a:ext cx="1464354" cy="644175"/>
+          </a:xfrm>
+        </p:spPr>
+        <p:txBody>
+          <a:bodyPr/>
+          <a:lstStyle/>
+          <a:p>
+            <a:r>
+              <a:rPr lang="en-US" dirty="0">
+                <a:latin typeface="Kalinga" panose="020B0502040204020203" pitchFamily="34" charset="0"/>
+                <a:cs typeface="Kalinga" panose="020B0502040204020203" pitchFamily="34" charset="0"/>
+              </a:rPr>
+              <a:t>Reply to:</a:t>
+            </a:r>
+          </a:p>
+        </p:txBody>
+      </p:sp>
+      <p:sp>
+        <p:nvSpPr>
+          <p:cNvPr id="8" name="Text Placeholder 7">
+            <a:extLst>
+              <a:ext uri="{FF2B5EF4-FFF2-40B4-BE49-F238E27FC236}">
+                <a16:creationId xmlns:a16="http://schemas.microsoft.com/office/drawing/2014/main" id="{88F4926D-1CD4-5021-B02A-B9A5F9DA65C8}"/>
+              </a:ext>
+            </a:extLst>
+          </p:cNvPr>
+          <p:cNvSpPr>
+            <a:spLocks noGrp="1"/>
+          </p:cNvSpPr>
+          <p:nvPr>
+            <p:ph type="body" sz="quarter" idx="10"/>
+          </p:nvPr>
+        </p:nvSpPr>
+        <p:spPr>
+          <a:xfrm>
+            <a:off x="632459" y="0"/>
+            <a:ext cx="11286271" cy="518086"/>
+          </a:xfrm>
+        </p:spPr>
+        <p:txBody>
+          <a:bodyPr/>
+          <a:lstStyle/>
+          <a:p>
+            <a:r>
+              <a:rPr lang="en-US" dirty="0">
+                <a:latin typeface="Kalinga" panose="020B0502040204020203" pitchFamily="34" charset="0"/>
+                <a:cs typeface="Kalinga" panose="020B0502040204020203" pitchFamily="34" charset="0"/>
+              </a:rPr>
+              <a:t>Targeted replies – in prioritized order #1</a:t>
+            </a:r>
+          </a:p>
+        </p:txBody>
+      </p:sp>
+      <p:sp>
+        <p:nvSpPr>
+          <p:cNvPr id="10" name="TextBox 9">
+            <a:extLst>
+              <a:ext uri="{FF2B5EF4-FFF2-40B4-BE49-F238E27FC236}">
+                <a16:creationId xmlns:a16="http://schemas.microsoft.com/office/drawing/2014/main" id="{2A3CE1AF-5B40-EF43-BCFF-C0D15D932390}"/>
+              </a:ext>
+            </a:extLst>
+          </p:cNvPr>
+          <p:cNvSpPr txBox="1"/>
+          <p:nvPr/>
+        </p:nvSpPr>
+        <p:spPr>
+          <a:xfrm>
+            <a:off x="631825" y="5472619"/>
+            <a:ext cx="11160782" cy="153888"/>
+          </a:xfrm>
+          <a:prstGeom prst="rect">
+            <a:avLst/>
+          </a:prstGeom>
+        </p:spPr>
+        <p:txBody>
+          <a:bodyPr wrap="square" lIns="0" tIns="0" rIns="0" bIns="0" rtlCol="0" anchor="t" anchorCtr="0">
+            <a:spAutoFit/>
+          </a:bodyPr>
+          <a:lstStyle/>
+          <a:p>
+            <a:pPr algn="l"/>
+            <a:r>
+              <a:rPr lang="en-GB" sz="1000" dirty="0" err="1">
+                <a:solidFill>
+                  <a:schemeClr val="accent2"/>
+                </a:solidFill>
+                <a:latin typeface="Aptos" panose="020B0004020202020204" pitchFamily="34" charset="0"/>
+                <a:cs typeface="Arial" panose="020B0604020202020204" pitchFamily="34" charset="0"/>
+              </a:rPr>
+              <a:t>r</a:t>
+            </a:r>
+            <a:r>
+              <a:rPr lang="en-GB" sz="1000" b="0" i="0" dirty="0" err="1">
+                <a:solidFill>
+                  <a:schemeClr val="accent2"/>
+                </a:solidFill>
+                <a:effectLst/>
+                <a:latin typeface="Aptos" panose="020B0004020202020204" pitchFamily="34" charset="0"/>
+                <a:cs typeface="Arial" panose="020B0604020202020204" pitchFamily="34" charset="0"/>
+              </a:rPr>
+              <a:t>eply_rationale</a:t>
+            </a:r>
+            <a:endParaRPr lang="en-US" sz="1000" b="0" dirty="0">
+              <a:solidFill>
+                <a:schemeClr val="accent2"/>
+              </a:solidFill>
+              <a:latin typeface="Aptos" panose="020B0004020202020204" pitchFamily="34" charset="0"/>
+              <a:cs typeface="Arial" panose="020B0604020202020204" pitchFamily="34" charset="0"/>
+            </a:endParaRPr>
+          </a:p>
+        </p:txBody>
+      </p:sp>
+      <p:cxnSp>
+        <p:nvCxnSpPr>
+          <p:cNvPr id="12" name="Straight Connector 11">
+            <a:extLst>
+              <a:ext uri="{FF2B5EF4-FFF2-40B4-BE49-F238E27FC236}">
+                <a16:creationId xmlns:a16="http://schemas.microsoft.com/office/drawing/2014/main" id="{82005CB6-B54E-8322-B192-BF42BB5A4168}"/>
+              </a:ext>
+            </a:extLst>
+          </p:cNvPr>
+          <p:cNvCxnSpPr/>
+          <p:nvPr/>
+        </p:nvCxnSpPr>
+        <p:spPr>
+          <a:xfrm>
+            <a:off x="631825" y="5344519"/>
+            <a:ext cx="10927715" cy="0"/>
+          </a:xfrm>
+          <a:prstGeom prst="line">
+            <a:avLst/>
+          </a:prstGeom>
+          <a:ln w="22225">
+            <a:solidFill>
+              <a:schemeClr val="accent3"/>
+            </a:solidFill>
+          </a:ln>
+          <a:effectLst/>
+        </p:spPr>
+        <p:style>
+          <a:lnRef idx="2">
+            <a:schemeClr val="accent1"/>
+          </a:lnRef>
+          <a:fillRef idx="0">
+            <a:schemeClr val="accent1"/>
+          </a:fillRef>
+          <a:effectRef idx="1">
+            <a:schemeClr val="accent1"/>
+          </a:effectRef>
+          <a:fontRef idx="minor">
+            <a:schemeClr val="tx1"/>
+          </a:fontRef>
+        </p:style>
+      </p:cxnSp>
+      <p:sp>
+        <p:nvSpPr>
+          <p:cNvPr id="15" name="TextBox 14">
+            <a:extLst>
+              <a:ext uri="{FF2B5EF4-FFF2-40B4-BE49-F238E27FC236}">
+                <a16:creationId xmlns:a16="http://schemas.microsoft.com/office/drawing/2014/main" id="{BF950C47-D92C-8C0A-A5F2-66881B1F3CD1}"/>
+              </a:ext>
+            </a:extLst>
+          </p:cNvPr>
+          <p:cNvSpPr txBox="1"/>
+          <p:nvPr/>
+        </p:nvSpPr>
+        <p:spPr>
+          <a:xfrm>
+            <a:off x="631825" y="1539631"/>
+            <a:ext cx="1859128" cy="246221"/>
+          </a:xfrm>
+          <a:prstGeom prst="rect">
+            <a:avLst/>
+          </a:prstGeom>
+        </p:spPr>
+        <p:txBody>
+          <a:bodyPr wrap="square" lIns="0" tIns="0" rIns="0" bIns="0" rtlCol="0" anchor="t" anchorCtr="0">
+            <a:spAutoFit/>
+          </a:bodyPr>
+          <a:lstStyle/>
+          <a:p>
+            <a:pPr>
+              <a:buNone/>
+            </a:pPr>
+            <a:r>
+              <a:rPr lang="en-GB" sz="1600" b="1" dirty="0">
+                <a:solidFill>
+                  <a:schemeClr val="accent2"/>
+                </a:solidFill>
+                <a:latin typeface="Aptos" panose="020B0004020202020204" pitchFamily="34" charset="0"/>
+              </a:rPr>
+              <a:t>Summary of post:</a:t>
+            </a:r>
+            <a:endParaRPr lang="en-US" sz="1200" b="0" dirty="0"/>
+          </a:p>
+        </p:txBody>
+      </p:sp>
+      <p:sp>
+        <p:nvSpPr>
+          <p:cNvPr id="2" name="TextBox 1">
+            <a:extLst>
+              <a:ext uri="{FF2B5EF4-FFF2-40B4-BE49-F238E27FC236}">
+                <a16:creationId xmlns:a16="http://schemas.microsoft.com/office/drawing/2014/main" id="{23C9C7AD-7523-B062-513E-C50A104B1597}"/>
+              </a:ext>
+            </a:extLst>
+          </p:cNvPr>
+          <p:cNvSpPr txBox="1"/>
+          <p:nvPr/>
+        </p:nvSpPr>
+        <p:spPr>
+          <a:xfrm>
+            <a:off x="631824" y="2373840"/>
+            <a:ext cx="2142907" cy="246221"/>
+          </a:xfrm>
+          <a:prstGeom prst="rect">
+            <a:avLst/>
+          </a:prstGeom>
+        </p:spPr>
+        <p:txBody>
+          <a:bodyPr wrap="square" lIns="0" tIns="0" rIns="0" bIns="0" rtlCol="0" anchor="t" anchorCtr="0">
+            <a:spAutoFit/>
+          </a:bodyPr>
+          <a:lstStyle/>
+          <a:p>
+            <a:pPr>
+              <a:buNone/>
+            </a:pPr>
+            <a:r>
+              <a:rPr lang="en-GB" sz="1600" b="1" dirty="0">
+                <a:solidFill>
+                  <a:schemeClr val="accent2"/>
+                </a:solidFill>
+                <a:latin typeface="Aptos" panose="020B0004020202020204" pitchFamily="34" charset="0"/>
+              </a:rPr>
+              <a:t>View post on LinkedIn:</a:t>
+            </a:r>
+            <a:endParaRPr lang="en-US" sz="1200" dirty="0"/>
+          </a:p>
+        </p:txBody>
+      </p:sp>
+      <p:sp>
+        <p:nvSpPr>
+          <p:cNvPr id="3" name="TextBox 2">
+            <a:extLst>
+              <a:ext uri="{FF2B5EF4-FFF2-40B4-BE49-F238E27FC236}">
+                <a16:creationId xmlns:a16="http://schemas.microsoft.com/office/drawing/2014/main" id="{DD84F89E-DF07-7953-BAAF-B121BB2DB027}"/>
+              </a:ext>
+            </a:extLst>
+          </p:cNvPr>
+          <p:cNvSpPr txBox="1"/>
+          <p:nvPr/>
+        </p:nvSpPr>
+        <p:spPr>
+          <a:xfrm>
+            <a:off x="631824" y="2892072"/>
+            <a:ext cx="3120369" cy="276999"/>
+          </a:xfrm>
+          <a:prstGeom prst="rect">
+            <a:avLst/>
+          </a:prstGeom>
+        </p:spPr>
+        <p:txBody>
+          <a:bodyPr wrap="square" lIns="0" tIns="0" rIns="0" bIns="0" rtlCol="0" anchor="t" anchorCtr="0">
+            <a:spAutoFit/>
+          </a:bodyPr>
+          <a:lstStyle/>
+          <a:p>
+            <a:pPr>
+              <a:buNone/>
+            </a:pPr>
+            <a:r>
+              <a:rPr lang="en-GB" sz="1800" b="1" dirty="0">
+                <a:solidFill>
+                  <a:srgbClr val="7030A0"/>
+                </a:solidFill>
+                <a:latin typeface="Aptos" panose="020B0004020202020204" pitchFamily="34" charset="0"/>
+              </a:rPr>
+              <a:t>Suggested draft response:</a:t>
+            </a:r>
+            <a:endParaRPr lang="en-US" sz="1800" dirty="0"/>
+          </a:p>
+        </p:txBody>
+      </p:sp>
+      <p:sp>
+        <p:nvSpPr>
+          <p:cNvPr id="4" name="TextBox 3">
+            <a:extLst>
+              <a:ext uri="{FF2B5EF4-FFF2-40B4-BE49-F238E27FC236}">
+                <a16:creationId xmlns:a16="http://schemas.microsoft.com/office/drawing/2014/main" id="{CEFFEDF7-D282-5873-1785-F420E972FE86}"/>
+              </a:ext>
+            </a:extLst>
+          </p:cNvPr>
+          <p:cNvSpPr txBox="1"/>
+          <p:nvPr/>
+        </p:nvSpPr>
+        <p:spPr>
+          <a:xfrm>
+            <a:off x="2360777" y="1539631"/>
+            <a:ext cx="9557954" cy="246221"/>
+          </a:xfrm>
+          <a:prstGeom prst="rect">
+            <a:avLst/>
+          </a:prstGeom>
+        </p:spPr>
+        <p:txBody>
+          <a:bodyPr wrap="square" lIns="0" tIns="0" rIns="0" bIns="0" rtlCol="0" anchor="t" anchorCtr="0">
+            <a:spAutoFit/>
+          </a:bodyPr>
+          <a:lstStyle/>
+          <a:p>
+            <a:pPr>
+              <a:buNone/>
+            </a:pPr>
+            <a:r>
+              <a:rPr lang="en-GB" sz="1600" dirty="0" err="1">
+                <a:solidFill>
+                  <a:schemeClr val="accent2"/>
+                </a:solidFill>
+                <a:latin typeface="Aptos" panose="020B0004020202020204" pitchFamily="34" charset="0"/>
+              </a:rPr>
+              <a:t>original_post_summary</a:t>
+            </a:r>
+            <a:endParaRPr lang="en-US" sz="1200" b="0" dirty="0"/>
+          </a:p>
+        </p:txBody>
+      </p:sp>
+      <p:sp>
+        <p:nvSpPr>
+          <p:cNvPr id="11" name="TextBox 10">
+            <a:extLst>
+              <a:ext uri="{FF2B5EF4-FFF2-40B4-BE49-F238E27FC236}">
+                <a16:creationId xmlns:a16="http://schemas.microsoft.com/office/drawing/2014/main" id="{499B16F6-3A94-A69E-D0E1-863900C6910D}"/>
+              </a:ext>
+            </a:extLst>
+          </p:cNvPr>
+          <p:cNvSpPr txBox="1"/>
+          <p:nvPr/>
+        </p:nvSpPr>
+        <p:spPr>
+          <a:xfrm>
+            <a:off x="2774731" y="2373840"/>
+            <a:ext cx="9017874" cy="246221"/>
+          </a:xfrm>
+          <a:prstGeom prst="rect">
+            <a:avLst/>
+          </a:prstGeom>
+        </p:spPr>
+        <p:txBody>
+          <a:bodyPr wrap="square" lIns="0" tIns="0" rIns="0" bIns="0" rtlCol="0" anchor="t" anchorCtr="0">
+            <a:spAutoFit/>
+          </a:bodyPr>
+          <a:lstStyle/>
+          <a:p>
+            <a:pPr>
+              <a:buNone/>
+            </a:pPr>
+            <a:r>
+              <a:rPr lang="en-GB" sz="1600" dirty="0" err="1">
+                <a:solidFill>
+                  <a:schemeClr val="accent2"/>
+                </a:solidFill>
+                <a:latin typeface="Aptos" panose="020B0004020202020204" pitchFamily="34" charset="0"/>
+              </a:rPr>
+              <a:t>post_URL</a:t>
+            </a:r>
+            <a:endParaRPr lang="en-US" sz="1200" b="0" dirty="0"/>
+          </a:p>
+        </p:txBody>
+      </p:sp>
+      <p:sp>
+        <p:nvSpPr>
+          <p:cNvPr id="13" name="TextBox 12">
+            <a:extLst>
+              <a:ext uri="{FF2B5EF4-FFF2-40B4-BE49-F238E27FC236}">
+                <a16:creationId xmlns:a16="http://schemas.microsoft.com/office/drawing/2014/main" id="{3D690251-F00F-E7AC-6826-4A393F526E47}"/>
+              </a:ext>
+            </a:extLst>
+          </p:cNvPr>
+          <p:cNvSpPr txBox="1"/>
+          <p:nvPr/>
+        </p:nvSpPr>
+        <p:spPr>
+          <a:xfrm>
+            <a:off x="631824" y="3270098"/>
+            <a:ext cx="10927714" cy="246221"/>
+          </a:xfrm>
+          <a:prstGeom prst="rect">
+            <a:avLst/>
+          </a:prstGeom>
+        </p:spPr>
+        <p:txBody>
+          <a:bodyPr wrap="square" lIns="0" tIns="0" rIns="0" bIns="0" rtlCol="0" anchor="t" anchorCtr="0">
+            <a:spAutoFit/>
+          </a:bodyPr>
+          <a:lstStyle/>
+          <a:p>
+            <a:pPr>
+              <a:buNone/>
+            </a:pPr>
+            <a:r>
+              <a:rPr lang="en-GB" sz="1600" dirty="0" err="1">
+                <a:solidFill>
+                  <a:schemeClr val="accent2"/>
+                </a:solidFill>
+                <a:latin typeface="Aptos" panose="020B0004020202020204" pitchFamily="34" charset="0"/>
+              </a:rPr>
+              <a:t>draft_reply</a:t>
+            </a:r>
+            <a:endParaRPr lang="en-US" sz="1600" dirty="0"/>
+          </a:p>
+        </p:txBody>
+      </p:sp>
+      <p:sp>
+        <p:nvSpPr>
+          <p:cNvPr id="17" name="Title 6">
+            <a:extLst>
+              <a:ext uri="{FF2B5EF4-FFF2-40B4-BE49-F238E27FC236}">
+                <a16:creationId xmlns:a16="http://schemas.microsoft.com/office/drawing/2014/main" id="{D2900EFB-3A03-ADFB-FA40-EF0E121570A2}"/>
+              </a:ext>
+            </a:extLst>
+          </p:cNvPr>
+          <p:cNvSpPr txBox="1">
+            <a:spLocks/>
+          </p:cNvSpPr>
+          <p:nvPr/>
+        </p:nvSpPr>
+        <p:spPr>
+          <a:xfrm>
+            <a:off x="2096814" y="580136"/>
+            <a:ext cx="9557954" cy="644175"/>
+          </a:xfrm>
+          <a:prstGeom prst="rect">
+            <a:avLst/>
+          </a:prstGeom>
+        </p:spPr>
+        <p:txBody>
+          <a:bodyPr vert="horz" lIns="0" tIns="0" rIns="0" bIns="0" rtlCol="0" anchor="t" anchorCtr="0">
+            <a:normAutofit/>
+          </a:bodyPr>
+          <a:lstStyle>
+            <a:lvl1pPr algn="l" defTabSz="609555" rtl="0" eaLnBrk="1" latinLnBrk="0" hangingPunct="1">
+              <a:lnSpc>
+                <a:spcPct val="100000"/>
+              </a:lnSpc>
+              <a:spcBef>
+                <a:spcPct val="0"/>
+              </a:spcBef>
+              <a:buNone/>
+              <a:defRPr lang="en-US" sz="2600" b="1" kern="1200" spc="-20" baseline="0" dirty="0">
+                <a:solidFill>
+                  <a:schemeClr val="bg1"/>
+                </a:solidFill>
+                <a:latin typeface="+mj-lt"/>
+                <a:ea typeface="+mj-ea"/>
+                <a:cs typeface="+mj-cs"/>
+              </a:defRPr>
+            </a:lvl1pPr>
+          </a:lstStyle>
+          <a:p>
+            <a:r>
+              <a:rPr lang="en-GB" dirty="0" err="1">
+                <a:latin typeface="Kalinga" panose="020B0502040204020203" pitchFamily="34" charset="0"/>
+                <a:cs typeface="Kalinga" panose="020B0502040204020203" pitchFamily="34" charset="0"/>
+              </a:rPr>
+              <a:t>original_poster</a:t>
+            </a:r>
+            <a:endParaRPr lang="en-GB" dirty="0">
+              <a:latin typeface="Kalinga" panose="020B0502040204020203" pitchFamily="34" charset="0"/>
+              <a:cs typeface="Kalinga" panose="020B0502040204020203" pitchFamily="34" charset="0"/>
+            </a:endParaRPr>
+          </a:p>
+        </p:txBody>
+      </p:sp>
+    </p:spTree>
+    <p:extLst>
+      <p:ext uri="{BB962C8B-B14F-4D97-AF65-F5344CB8AC3E}">
+        <p14:creationId xmlns:p14="http://schemas.microsoft.com/office/powerpoint/2010/main" val="2311616677"/>
+      </p:ext>
+    </p:extLst>
+  </p:cSld>
+  <p:clrMapOvr>
+    <a:masterClrMapping/>
+  </p:clrMapOvr>
+  <mc:AlternateContent xmlns:mc="http://schemas.openxmlformats.org/markup-compatibility/2006" xmlns:p14="http://schemas.microsoft.com/office/powerpoint/2010/main">
+    <mc:Choice Requires="p14">
+      <p:transition spd="med" p14:dur="700">
+        <p:fade/>
+      </p:transition>
+    </mc:Choice>
+    <mc:Fallback xmlns="">
+      <p:transition spd="med">
+        <p:fade/>
+      </p:transition>
+    </mc:Fallback>
+  </mc:AlternateContent>
+</p:sld>
+</file>
+
+<file path=ppt/slides/slide7.xml><?xml version="1.0" encoding="utf-8"?>
+<p:sld xmlns:a="http://schemas.openxmlformats.org/drawingml/2006/main" xmlns:r="http://schemas.openxmlformats.org/officeDocument/2006/relationships" xmlns:p="http://schemas.openxmlformats.org/presentationml/2006/main">
+  <p:cSld>
+    <p:spTree>
+      <p:nvGrpSpPr>
+        <p:cNvPr id="1" name="">
+          <a:extLst>
+            <a:ext uri="{FF2B5EF4-FFF2-40B4-BE49-F238E27FC236}">
+              <a16:creationId xmlns:a16="http://schemas.microsoft.com/office/drawing/2014/main" id="{B559F181-6AA3-8FFF-CDD8-F9B45CD04469}"/>
+            </a:ext>
+          </a:extLst>
+        </p:cNvPr>
+        <p:cNvGrpSpPr/>
+        <p:nvPr/>
+      </p:nvGrpSpPr>
+      <p:grpSpPr>
+        <a:xfrm>
+          <a:off x="0" y="0"/>
+          <a:ext cx="0" cy="0"/>
+          <a:chOff x="0" y="0"/>
+          <a:chExt cx="0" cy="0"/>
+        </a:xfrm>
+      </p:grpSpPr>
+      <p:sp>
+        <p:nvSpPr>
+          <p:cNvPr id="7" name="Title 6">
+            <a:extLst>
+              <a:ext uri="{FF2B5EF4-FFF2-40B4-BE49-F238E27FC236}">
+                <a16:creationId xmlns:a16="http://schemas.microsoft.com/office/drawing/2014/main" id="{BDD33866-AAC7-4484-D3BA-59DD8DB4A590}"/>
+              </a:ext>
+            </a:extLst>
+          </p:cNvPr>
+          <p:cNvSpPr>
+            <a:spLocks noGrp="1"/>
+          </p:cNvSpPr>
+          <p:nvPr>
+            <p:ph type="title"/>
+          </p:nvPr>
+        </p:nvSpPr>
+        <p:spPr>
+          <a:xfrm>
+            <a:off x="632461" y="580136"/>
+            <a:ext cx="1464354" cy="644175"/>
+          </a:xfrm>
+        </p:spPr>
+        <p:txBody>
+          <a:bodyPr/>
+          <a:lstStyle/>
+          <a:p>
+            <a:r>
+              <a:rPr lang="en-US" dirty="0">
+                <a:latin typeface="Kalinga" panose="020B0502040204020203" pitchFamily="34" charset="0"/>
+                <a:cs typeface="Kalinga" panose="020B0502040204020203" pitchFamily="34" charset="0"/>
+              </a:rPr>
+              <a:t>Reply to:</a:t>
+            </a:r>
+          </a:p>
+        </p:txBody>
+      </p:sp>
+      <p:sp>
+        <p:nvSpPr>
+          <p:cNvPr id="8" name="Text Placeholder 7">
+            <a:extLst>
+              <a:ext uri="{FF2B5EF4-FFF2-40B4-BE49-F238E27FC236}">
+                <a16:creationId xmlns:a16="http://schemas.microsoft.com/office/drawing/2014/main" id="{8BD9A022-8B8A-3821-60DD-963707CBC0AE}"/>
+              </a:ext>
+            </a:extLst>
+          </p:cNvPr>
+          <p:cNvSpPr>
+            <a:spLocks noGrp="1"/>
+          </p:cNvSpPr>
+          <p:nvPr>
+            <p:ph type="body" sz="quarter" idx="10"/>
+          </p:nvPr>
+        </p:nvSpPr>
+        <p:spPr>
+          <a:xfrm>
+            <a:off x="632459" y="0"/>
+            <a:ext cx="11286271" cy="518086"/>
+          </a:xfrm>
+        </p:spPr>
+        <p:txBody>
+          <a:bodyPr/>
+          <a:lstStyle/>
+          <a:p>
+            <a:r>
+              <a:rPr lang="en-US" dirty="0">
+                <a:latin typeface="Kalinga" panose="020B0502040204020203" pitchFamily="34" charset="0"/>
+                <a:cs typeface="Kalinga" panose="020B0502040204020203" pitchFamily="34" charset="0"/>
+              </a:rPr>
+              <a:t>Targeted replies – in prioritized order #2</a:t>
+            </a:r>
+          </a:p>
+        </p:txBody>
+      </p:sp>
+      <p:sp>
+        <p:nvSpPr>
+          <p:cNvPr id="10" name="TextBox 9">
+            <a:extLst>
+              <a:ext uri="{FF2B5EF4-FFF2-40B4-BE49-F238E27FC236}">
+                <a16:creationId xmlns:a16="http://schemas.microsoft.com/office/drawing/2014/main" id="{EE8E3DB6-3A61-A5C0-11AA-3B5394143732}"/>
+              </a:ext>
+            </a:extLst>
+          </p:cNvPr>
+          <p:cNvSpPr txBox="1"/>
+          <p:nvPr/>
+        </p:nvSpPr>
+        <p:spPr>
+          <a:xfrm>
+            <a:off x="631825" y="5472619"/>
+            <a:ext cx="11160782" cy="153888"/>
+          </a:xfrm>
+          <a:prstGeom prst="rect">
+            <a:avLst/>
+          </a:prstGeom>
+        </p:spPr>
+        <p:txBody>
+          <a:bodyPr wrap="square" lIns="0" tIns="0" rIns="0" bIns="0" rtlCol="0" anchor="t" anchorCtr="0">
+            <a:spAutoFit/>
+          </a:bodyPr>
+          <a:lstStyle/>
+          <a:p>
+            <a:pPr algn="l"/>
+            <a:r>
+              <a:rPr lang="en-GB" sz="1000" dirty="0" err="1">
+                <a:solidFill>
+                  <a:schemeClr val="accent2"/>
+                </a:solidFill>
+                <a:latin typeface="Aptos" panose="020B0004020202020204" pitchFamily="34" charset="0"/>
+                <a:cs typeface="Arial" panose="020B0604020202020204" pitchFamily="34" charset="0"/>
+              </a:rPr>
+              <a:t>r</a:t>
+            </a:r>
+            <a:r>
+              <a:rPr lang="en-GB" sz="1000" b="0" i="0" dirty="0" err="1">
+                <a:solidFill>
+                  <a:schemeClr val="accent2"/>
+                </a:solidFill>
+                <a:effectLst/>
+                <a:latin typeface="Aptos" panose="020B0004020202020204" pitchFamily="34" charset="0"/>
+                <a:cs typeface="Arial" panose="020B0604020202020204" pitchFamily="34" charset="0"/>
+              </a:rPr>
+              <a:t>eply_rationale</a:t>
+            </a:r>
+            <a:endParaRPr lang="en-US" sz="1000" b="0" dirty="0">
+              <a:solidFill>
+                <a:schemeClr val="accent2"/>
+              </a:solidFill>
+              <a:latin typeface="Aptos" panose="020B0004020202020204" pitchFamily="34" charset="0"/>
+              <a:cs typeface="Arial" panose="020B0604020202020204" pitchFamily="34" charset="0"/>
+            </a:endParaRPr>
+          </a:p>
+        </p:txBody>
+      </p:sp>
+      <p:cxnSp>
+        <p:nvCxnSpPr>
+          <p:cNvPr id="12" name="Straight Connector 11">
+            <a:extLst>
+              <a:ext uri="{FF2B5EF4-FFF2-40B4-BE49-F238E27FC236}">
+                <a16:creationId xmlns:a16="http://schemas.microsoft.com/office/drawing/2014/main" id="{2BFCF639-1A63-3D77-5130-9578D4237F5E}"/>
+              </a:ext>
+            </a:extLst>
+          </p:cNvPr>
+          <p:cNvCxnSpPr/>
+          <p:nvPr/>
+        </p:nvCxnSpPr>
+        <p:spPr>
+          <a:xfrm>
+            <a:off x="631825" y="5344519"/>
+            <a:ext cx="10927715" cy="0"/>
+          </a:xfrm>
+          <a:prstGeom prst="line">
+            <a:avLst/>
+          </a:prstGeom>
+          <a:ln w="22225">
+            <a:solidFill>
+              <a:schemeClr val="accent3"/>
+            </a:solidFill>
+          </a:ln>
+          <a:effectLst/>
+        </p:spPr>
+        <p:style>
+          <a:lnRef idx="2">
+            <a:schemeClr val="accent1"/>
+          </a:lnRef>
+          <a:fillRef idx="0">
+            <a:schemeClr val="accent1"/>
+          </a:fillRef>
+          <a:effectRef idx="1">
+            <a:schemeClr val="accent1"/>
+          </a:effectRef>
+          <a:fontRef idx="minor">
+            <a:schemeClr val="tx1"/>
+          </a:fontRef>
+        </p:style>
+      </p:cxnSp>
+      <p:sp>
+        <p:nvSpPr>
+          <p:cNvPr id="15" name="TextBox 14">
+            <a:extLst>
+              <a:ext uri="{FF2B5EF4-FFF2-40B4-BE49-F238E27FC236}">
+                <a16:creationId xmlns:a16="http://schemas.microsoft.com/office/drawing/2014/main" id="{8EB92660-5404-736E-FD20-5E275A003106}"/>
+              </a:ext>
+            </a:extLst>
+          </p:cNvPr>
+          <p:cNvSpPr txBox="1"/>
+          <p:nvPr/>
+        </p:nvSpPr>
+        <p:spPr>
+          <a:xfrm>
+            <a:off x="631825" y="1539631"/>
+            <a:ext cx="1859128" cy="246221"/>
+          </a:xfrm>
+          <a:prstGeom prst="rect">
+            <a:avLst/>
+          </a:prstGeom>
+        </p:spPr>
+        <p:txBody>
+          <a:bodyPr wrap="square" lIns="0" tIns="0" rIns="0" bIns="0" rtlCol="0" anchor="t" anchorCtr="0">
+            <a:spAutoFit/>
+          </a:bodyPr>
+          <a:lstStyle/>
+          <a:p>
+            <a:pPr>
+              <a:buNone/>
+            </a:pPr>
+            <a:r>
+              <a:rPr lang="en-GB" sz="1600" b="1" dirty="0">
+                <a:solidFill>
+                  <a:schemeClr val="accent2"/>
+                </a:solidFill>
+                <a:latin typeface="Aptos" panose="020B0004020202020204" pitchFamily="34" charset="0"/>
+              </a:rPr>
+              <a:t>Summary of post:</a:t>
+            </a:r>
+            <a:endParaRPr lang="en-US" sz="1200" b="0" dirty="0"/>
+          </a:p>
+        </p:txBody>
+      </p:sp>
+      <p:sp>
+        <p:nvSpPr>
+          <p:cNvPr id="2" name="TextBox 1">
+            <a:extLst>
+              <a:ext uri="{FF2B5EF4-FFF2-40B4-BE49-F238E27FC236}">
+                <a16:creationId xmlns:a16="http://schemas.microsoft.com/office/drawing/2014/main" id="{C1E49EA1-9B43-BCD3-684E-5A4D65251BB8}"/>
+              </a:ext>
+            </a:extLst>
+          </p:cNvPr>
+          <p:cNvSpPr txBox="1"/>
+          <p:nvPr/>
+        </p:nvSpPr>
+        <p:spPr>
+          <a:xfrm>
+            <a:off x="631824" y="2373840"/>
+            <a:ext cx="2142907" cy="246221"/>
+          </a:xfrm>
+          <a:prstGeom prst="rect">
+            <a:avLst/>
+          </a:prstGeom>
+        </p:spPr>
+        <p:txBody>
+          <a:bodyPr wrap="square" lIns="0" tIns="0" rIns="0" bIns="0" rtlCol="0" anchor="t" anchorCtr="0">
+            <a:spAutoFit/>
+          </a:bodyPr>
+          <a:lstStyle/>
+          <a:p>
+            <a:pPr>
+              <a:buNone/>
+            </a:pPr>
+            <a:r>
+              <a:rPr lang="en-GB" sz="1600" b="1" dirty="0">
+                <a:solidFill>
+                  <a:schemeClr val="accent2"/>
+                </a:solidFill>
+                <a:latin typeface="Aptos" panose="020B0004020202020204" pitchFamily="34" charset="0"/>
+              </a:rPr>
+              <a:t>View post on LinkedIn:</a:t>
+            </a:r>
+            <a:endParaRPr lang="en-US" sz="1200" dirty="0"/>
+          </a:p>
+        </p:txBody>
+      </p:sp>
+      <p:sp>
+        <p:nvSpPr>
+          <p:cNvPr id="3" name="TextBox 2">
+            <a:extLst>
+              <a:ext uri="{FF2B5EF4-FFF2-40B4-BE49-F238E27FC236}">
+                <a16:creationId xmlns:a16="http://schemas.microsoft.com/office/drawing/2014/main" id="{3CB0BD49-BA62-C0E3-9E64-4D7EA50F9577}"/>
+              </a:ext>
+            </a:extLst>
+          </p:cNvPr>
+          <p:cNvSpPr txBox="1"/>
+          <p:nvPr/>
+        </p:nvSpPr>
+        <p:spPr>
+          <a:xfrm>
+            <a:off x="631824" y="2892072"/>
+            <a:ext cx="3120369" cy="276999"/>
+          </a:xfrm>
+          <a:prstGeom prst="rect">
+            <a:avLst/>
+          </a:prstGeom>
+        </p:spPr>
+        <p:txBody>
+          <a:bodyPr wrap="square" lIns="0" tIns="0" rIns="0" bIns="0" rtlCol="0" anchor="t" anchorCtr="0">
+            <a:spAutoFit/>
+          </a:bodyPr>
+          <a:lstStyle/>
+          <a:p>
+            <a:pPr>
+              <a:buNone/>
+            </a:pPr>
+            <a:r>
+              <a:rPr lang="en-GB" sz="1800" b="1" dirty="0">
+                <a:solidFill>
+                  <a:srgbClr val="7030A0"/>
+                </a:solidFill>
+                <a:latin typeface="Aptos" panose="020B0004020202020204" pitchFamily="34" charset="0"/>
+              </a:rPr>
+              <a:t>Suggested draft response:</a:t>
+            </a:r>
+            <a:endParaRPr lang="en-US" sz="1800" dirty="0"/>
+          </a:p>
+        </p:txBody>
+      </p:sp>
+      <p:sp>
+        <p:nvSpPr>
+          <p:cNvPr id="4" name="TextBox 3">
+            <a:extLst>
+              <a:ext uri="{FF2B5EF4-FFF2-40B4-BE49-F238E27FC236}">
+                <a16:creationId xmlns:a16="http://schemas.microsoft.com/office/drawing/2014/main" id="{4E418057-64D7-80A3-BFB6-33741C832602}"/>
+              </a:ext>
+            </a:extLst>
+          </p:cNvPr>
+          <p:cNvSpPr txBox="1"/>
+          <p:nvPr/>
+        </p:nvSpPr>
+        <p:spPr>
+          <a:xfrm>
+            <a:off x="2360777" y="1539631"/>
+            <a:ext cx="9557954" cy="246221"/>
+          </a:xfrm>
+          <a:prstGeom prst="rect">
+            <a:avLst/>
+          </a:prstGeom>
+        </p:spPr>
+        <p:txBody>
+          <a:bodyPr wrap="square" lIns="0" tIns="0" rIns="0" bIns="0" rtlCol="0" anchor="t" anchorCtr="0">
+            <a:spAutoFit/>
+          </a:bodyPr>
+          <a:lstStyle/>
+          <a:p>
+            <a:pPr>
+              <a:buNone/>
+            </a:pPr>
+            <a:r>
+              <a:rPr lang="en-GB" sz="1600" dirty="0" err="1">
+                <a:solidFill>
+                  <a:schemeClr val="accent2"/>
+                </a:solidFill>
+                <a:latin typeface="Aptos" panose="020B0004020202020204" pitchFamily="34" charset="0"/>
+              </a:rPr>
+              <a:t>original_post_summary</a:t>
+            </a:r>
+            <a:endParaRPr lang="en-US" sz="1200" b="0" dirty="0"/>
+          </a:p>
+        </p:txBody>
+      </p:sp>
+      <p:sp>
+        <p:nvSpPr>
+          <p:cNvPr id="11" name="TextBox 10">
+            <a:extLst>
+              <a:ext uri="{FF2B5EF4-FFF2-40B4-BE49-F238E27FC236}">
+                <a16:creationId xmlns:a16="http://schemas.microsoft.com/office/drawing/2014/main" id="{C58D08D3-0392-2DEC-2BEA-6A34DDF57715}"/>
+              </a:ext>
+            </a:extLst>
+          </p:cNvPr>
+          <p:cNvSpPr txBox="1"/>
+          <p:nvPr/>
+        </p:nvSpPr>
+        <p:spPr>
+          <a:xfrm>
+            <a:off x="2774731" y="2373840"/>
+            <a:ext cx="9017874" cy="246221"/>
+          </a:xfrm>
+          <a:prstGeom prst="rect">
+            <a:avLst/>
+          </a:prstGeom>
+        </p:spPr>
+        <p:txBody>
+          <a:bodyPr wrap="square" lIns="0" tIns="0" rIns="0" bIns="0" rtlCol="0" anchor="t" anchorCtr="0">
+            <a:spAutoFit/>
+          </a:bodyPr>
+          <a:lstStyle/>
+          <a:p>
+            <a:pPr>
+              <a:buNone/>
+            </a:pPr>
+            <a:r>
+              <a:rPr lang="en-GB" sz="1600" dirty="0" err="1">
+                <a:solidFill>
+                  <a:schemeClr val="accent2"/>
+                </a:solidFill>
+                <a:latin typeface="Aptos" panose="020B0004020202020204" pitchFamily="34" charset="0"/>
+              </a:rPr>
+              <a:t>post_URL</a:t>
+            </a:r>
+            <a:endParaRPr lang="en-US" sz="1200" b="0" dirty="0"/>
+          </a:p>
+        </p:txBody>
+      </p:sp>
+      <p:sp>
+        <p:nvSpPr>
+          <p:cNvPr id="13" name="TextBox 12">
+            <a:extLst>
+              <a:ext uri="{FF2B5EF4-FFF2-40B4-BE49-F238E27FC236}">
+                <a16:creationId xmlns:a16="http://schemas.microsoft.com/office/drawing/2014/main" id="{55190ACA-4C3F-F7EA-1206-01E07837D80B}"/>
+              </a:ext>
+            </a:extLst>
+          </p:cNvPr>
+          <p:cNvSpPr txBox="1"/>
+          <p:nvPr/>
+        </p:nvSpPr>
+        <p:spPr>
+          <a:xfrm>
+            <a:off x="631824" y="3270098"/>
+            <a:ext cx="10927714" cy="246221"/>
+          </a:xfrm>
+          <a:prstGeom prst="rect">
+            <a:avLst/>
+          </a:prstGeom>
+        </p:spPr>
+        <p:txBody>
+          <a:bodyPr wrap="square" lIns="0" tIns="0" rIns="0" bIns="0" rtlCol="0" anchor="t" anchorCtr="0">
+            <a:spAutoFit/>
+          </a:bodyPr>
+          <a:lstStyle/>
+          <a:p>
+            <a:pPr>
+              <a:buNone/>
+            </a:pPr>
+            <a:r>
+              <a:rPr lang="en-GB" sz="1600" dirty="0" err="1">
+                <a:solidFill>
+                  <a:schemeClr val="accent2"/>
+                </a:solidFill>
+                <a:latin typeface="Aptos" panose="020B0004020202020204" pitchFamily="34" charset="0"/>
+              </a:rPr>
+              <a:t>draft_reply</a:t>
+            </a:r>
+            <a:endParaRPr lang="en-US" sz="1600" dirty="0"/>
+          </a:p>
+        </p:txBody>
+      </p:sp>
+      <p:sp>
+        <p:nvSpPr>
+          <p:cNvPr id="17" name="Title 6">
+            <a:extLst>
+              <a:ext uri="{FF2B5EF4-FFF2-40B4-BE49-F238E27FC236}">
+                <a16:creationId xmlns:a16="http://schemas.microsoft.com/office/drawing/2014/main" id="{F3B208F3-58E6-3B5E-392D-E14FF480D5B0}"/>
+              </a:ext>
+            </a:extLst>
+          </p:cNvPr>
+          <p:cNvSpPr txBox="1">
+            <a:spLocks/>
+          </p:cNvSpPr>
+          <p:nvPr/>
+        </p:nvSpPr>
+        <p:spPr>
+          <a:xfrm>
+            <a:off x="2096814" y="580136"/>
+            <a:ext cx="9557954" cy="644175"/>
+          </a:xfrm>
+          <a:prstGeom prst="rect">
+            <a:avLst/>
+          </a:prstGeom>
+        </p:spPr>
+        <p:txBody>
+          <a:bodyPr vert="horz" lIns="0" tIns="0" rIns="0" bIns="0" rtlCol="0" anchor="t" anchorCtr="0">
+            <a:normAutofit/>
+          </a:bodyPr>
+          <a:lstStyle>
+            <a:lvl1pPr algn="l" defTabSz="609555" rtl="0" eaLnBrk="1" latinLnBrk="0" hangingPunct="1">
+              <a:lnSpc>
+                <a:spcPct val="100000"/>
+              </a:lnSpc>
+              <a:spcBef>
+                <a:spcPct val="0"/>
+              </a:spcBef>
+              <a:buNone/>
+              <a:defRPr lang="en-US" sz="2600" b="1" kern="1200" spc="-20" baseline="0" dirty="0">
+                <a:solidFill>
+                  <a:schemeClr val="bg1"/>
+                </a:solidFill>
+                <a:latin typeface="+mj-lt"/>
+                <a:ea typeface="+mj-ea"/>
+                <a:cs typeface="+mj-cs"/>
+              </a:defRPr>
+            </a:lvl1pPr>
+          </a:lstStyle>
+          <a:p>
+            <a:r>
+              <a:rPr lang="en-GB" dirty="0" err="1">
+                <a:latin typeface="Kalinga" panose="020B0502040204020203" pitchFamily="34" charset="0"/>
+                <a:cs typeface="Kalinga" panose="020B0502040204020203" pitchFamily="34" charset="0"/>
+              </a:rPr>
+              <a:t>original_poster</a:t>
+            </a:r>
+            <a:endParaRPr lang="en-GB" dirty="0">
+              <a:latin typeface="Kalinga" panose="020B0502040204020203" pitchFamily="34" charset="0"/>
+              <a:cs typeface="Kalinga" panose="020B0502040204020203" pitchFamily="34" charset="0"/>
+            </a:endParaRPr>
+          </a:p>
+        </p:txBody>
+      </p:sp>
+    </p:spTree>
+    <p:extLst>
+      <p:ext uri="{BB962C8B-B14F-4D97-AF65-F5344CB8AC3E}">
+        <p14:creationId xmlns:p14="http://schemas.microsoft.com/office/powerpoint/2010/main" val="3624144037"/>
+      </p:ext>
+    </p:extLst>
+  </p:cSld>
+  <p:clrMapOvr>
+    <a:masterClrMapping/>
+  </p:clrMapOvr>
+  <mc:AlternateContent xmlns:mc="http://schemas.openxmlformats.org/markup-compatibility/2006" xmlns:p14="http://schemas.microsoft.com/office/powerpoint/2010/main">
+    <mc:Choice Requires="p14">
+      <p:transition spd="med" p14:dur="700">
+        <p:fade/>
+      </p:transition>
+    </mc:Choice>
+    <mc:Fallback xmlns="">
+      <p:transition spd="med">
+        <p:fade/>
+      </p:transition>
+    </mc:Fallback>
+  </mc:AlternateContent>
+</p:sld>
+</file>
+
+<file path=ppt/slides/slide8.xml><?xml version="1.0" encoding="utf-8"?>
+<p:sld xmlns:a="http://schemas.openxmlformats.org/drawingml/2006/main" xmlns:r="http://schemas.openxmlformats.org/officeDocument/2006/relationships" xmlns:p="http://schemas.openxmlformats.org/presentationml/2006/main">
+  <p:cSld>
+    <p:spTree>
+      <p:nvGrpSpPr>
+        <p:cNvPr id="1" name="">
+          <a:extLst>
+            <a:ext uri="{FF2B5EF4-FFF2-40B4-BE49-F238E27FC236}">
+              <a16:creationId xmlns:a16="http://schemas.microsoft.com/office/drawing/2014/main" id="{B36A669A-E31D-BAB9-D3DB-A62F517B82B7}"/>
+            </a:ext>
+          </a:extLst>
+        </p:cNvPr>
+        <p:cNvGrpSpPr/>
+        <p:nvPr/>
+      </p:nvGrpSpPr>
+      <p:grpSpPr>
+        <a:xfrm>
+          <a:off x="0" y="0"/>
+          <a:ext cx="0" cy="0"/>
+          <a:chOff x="0" y="0"/>
+          <a:chExt cx="0" cy="0"/>
+        </a:xfrm>
+      </p:grpSpPr>
+      <p:sp>
+        <p:nvSpPr>
+          <p:cNvPr id="7" name="Title 6">
+            <a:extLst>
+              <a:ext uri="{FF2B5EF4-FFF2-40B4-BE49-F238E27FC236}">
+                <a16:creationId xmlns:a16="http://schemas.microsoft.com/office/drawing/2014/main" id="{C23AB3C7-3757-D1BD-ED8F-B338D0C393C6}"/>
+              </a:ext>
+            </a:extLst>
+          </p:cNvPr>
+          <p:cNvSpPr>
+            <a:spLocks noGrp="1"/>
+          </p:cNvSpPr>
+          <p:nvPr>
+            <p:ph type="title"/>
+          </p:nvPr>
+        </p:nvSpPr>
+        <p:spPr>
+          <a:xfrm>
+            <a:off x="632461" y="580136"/>
+            <a:ext cx="1464354" cy="644175"/>
+          </a:xfrm>
+        </p:spPr>
+        <p:txBody>
+          <a:bodyPr/>
+          <a:lstStyle/>
+          <a:p>
+            <a:r>
+              <a:rPr lang="en-US" dirty="0">
+                <a:latin typeface="Kalinga" panose="020B0502040204020203" pitchFamily="34" charset="0"/>
+                <a:cs typeface="Kalinga" panose="020B0502040204020203" pitchFamily="34" charset="0"/>
+              </a:rPr>
+              <a:t>Reply to:</a:t>
+            </a:r>
+          </a:p>
+        </p:txBody>
+      </p:sp>
+      <p:sp>
+        <p:nvSpPr>
+          <p:cNvPr id="8" name="Text Placeholder 7">
+            <a:extLst>
+              <a:ext uri="{FF2B5EF4-FFF2-40B4-BE49-F238E27FC236}">
+                <a16:creationId xmlns:a16="http://schemas.microsoft.com/office/drawing/2014/main" id="{A80A9054-5E6A-F0A1-DA4A-B7A3C2C77011}"/>
+              </a:ext>
+            </a:extLst>
+          </p:cNvPr>
+          <p:cNvSpPr>
+            <a:spLocks noGrp="1"/>
+          </p:cNvSpPr>
+          <p:nvPr>
+            <p:ph type="body" sz="quarter" idx="10"/>
+          </p:nvPr>
+        </p:nvSpPr>
+        <p:spPr>
+          <a:xfrm>
+            <a:off x="632459" y="0"/>
+            <a:ext cx="11286271" cy="518086"/>
+          </a:xfrm>
+        </p:spPr>
+        <p:txBody>
+          <a:bodyPr/>
+          <a:lstStyle/>
+          <a:p>
+            <a:r>
+              <a:rPr lang="en-US" dirty="0">
+                <a:latin typeface="Kalinga" panose="020B0502040204020203" pitchFamily="34" charset="0"/>
+                <a:cs typeface="Kalinga" panose="020B0502040204020203" pitchFamily="34" charset="0"/>
+              </a:rPr>
+              <a:t>Targeted replies – in prioritized order #3</a:t>
+            </a:r>
+          </a:p>
+        </p:txBody>
+      </p:sp>
+      <p:sp>
+        <p:nvSpPr>
+          <p:cNvPr id="10" name="TextBox 9">
+            <a:extLst>
+              <a:ext uri="{FF2B5EF4-FFF2-40B4-BE49-F238E27FC236}">
+                <a16:creationId xmlns:a16="http://schemas.microsoft.com/office/drawing/2014/main" id="{12510291-0707-AD29-8ADC-6745A960BE70}"/>
+              </a:ext>
+            </a:extLst>
+          </p:cNvPr>
+          <p:cNvSpPr txBox="1"/>
+          <p:nvPr/>
+        </p:nvSpPr>
+        <p:spPr>
+          <a:xfrm>
+            <a:off x="631825" y="5472619"/>
+            <a:ext cx="11160782" cy="153888"/>
+          </a:xfrm>
+          <a:prstGeom prst="rect">
+            <a:avLst/>
+          </a:prstGeom>
+        </p:spPr>
+        <p:txBody>
+          <a:bodyPr wrap="square" lIns="0" tIns="0" rIns="0" bIns="0" rtlCol="0" anchor="t" anchorCtr="0">
+            <a:spAutoFit/>
+          </a:bodyPr>
+          <a:lstStyle/>
+          <a:p>
+            <a:pPr algn="l"/>
+            <a:r>
+              <a:rPr lang="en-GB" sz="1000" dirty="0" err="1">
+                <a:solidFill>
+                  <a:schemeClr val="accent2"/>
+                </a:solidFill>
+                <a:latin typeface="Aptos" panose="020B0004020202020204" pitchFamily="34" charset="0"/>
+                <a:cs typeface="Arial" panose="020B0604020202020204" pitchFamily="34" charset="0"/>
+              </a:rPr>
+              <a:t>r</a:t>
+            </a:r>
+            <a:r>
+              <a:rPr lang="en-GB" sz="1000" b="0" i="0" dirty="0" err="1">
+                <a:solidFill>
+                  <a:schemeClr val="accent2"/>
+                </a:solidFill>
+                <a:effectLst/>
+                <a:latin typeface="Aptos" panose="020B0004020202020204" pitchFamily="34" charset="0"/>
+                <a:cs typeface="Arial" panose="020B0604020202020204" pitchFamily="34" charset="0"/>
+              </a:rPr>
+              <a:t>eply_rationale</a:t>
+            </a:r>
+            <a:endParaRPr lang="en-US" sz="1000" b="0" dirty="0">
+              <a:solidFill>
+                <a:schemeClr val="accent2"/>
+              </a:solidFill>
+              <a:latin typeface="Aptos" panose="020B0004020202020204" pitchFamily="34" charset="0"/>
+              <a:cs typeface="Arial" panose="020B0604020202020204" pitchFamily="34" charset="0"/>
+            </a:endParaRPr>
+          </a:p>
+        </p:txBody>
+      </p:sp>
+      <p:cxnSp>
+        <p:nvCxnSpPr>
+          <p:cNvPr id="12" name="Straight Connector 11">
+            <a:extLst>
+              <a:ext uri="{FF2B5EF4-FFF2-40B4-BE49-F238E27FC236}">
+                <a16:creationId xmlns:a16="http://schemas.microsoft.com/office/drawing/2014/main" id="{042DD708-C111-A1D4-E87E-633889D5115A}"/>
+              </a:ext>
+            </a:extLst>
+          </p:cNvPr>
+          <p:cNvCxnSpPr/>
+          <p:nvPr/>
+        </p:nvCxnSpPr>
+        <p:spPr>
+          <a:xfrm>
+            <a:off x="631825" y="5344519"/>
+            <a:ext cx="10927715" cy="0"/>
+          </a:xfrm>
+          <a:prstGeom prst="line">
+            <a:avLst/>
+          </a:prstGeom>
+          <a:ln w="22225">
+            <a:solidFill>
+              <a:schemeClr val="accent3"/>
+            </a:solidFill>
+          </a:ln>
+          <a:effectLst/>
+        </p:spPr>
+        <p:style>
+          <a:lnRef idx="2">
+            <a:schemeClr val="accent1"/>
+          </a:lnRef>
+          <a:fillRef idx="0">
+            <a:schemeClr val="accent1"/>
+          </a:fillRef>
+          <a:effectRef idx="1">
+            <a:schemeClr val="accent1"/>
+          </a:effectRef>
+          <a:fontRef idx="minor">
+            <a:schemeClr val="tx1"/>
+          </a:fontRef>
+        </p:style>
+      </p:cxnSp>
+      <p:sp>
+        <p:nvSpPr>
+          <p:cNvPr id="15" name="TextBox 14">
+            <a:extLst>
+              <a:ext uri="{FF2B5EF4-FFF2-40B4-BE49-F238E27FC236}">
+                <a16:creationId xmlns:a16="http://schemas.microsoft.com/office/drawing/2014/main" id="{2CBC3F13-2B34-5BE4-5B83-47A3D4E826F6}"/>
+              </a:ext>
+            </a:extLst>
+          </p:cNvPr>
+          <p:cNvSpPr txBox="1"/>
+          <p:nvPr/>
+        </p:nvSpPr>
+        <p:spPr>
+          <a:xfrm>
+            <a:off x="631825" y="1539631"/>
+            <a:ext cx="1859128" cy="246221"/>
+          </a:xfrm>
+          <a:prstGeom prst="rect">
+            <a:avLst/>
+          </a:prstGeom>
+        </p:spPr>
+        <p:txBody>
+          <a:bodyPr wrap="square" lIns="0" tIns="0" rIns="0" bIns="0" rtlCol="0" anchor="t" anchorCtr="0">
+            <a:spAutoFit/>
+          </a:bodyPr>
+          <a:lstStyle/>
+          <a:p>
+            <a:pPr>
+              <a:buNone/>
+            </a:pPr>
+            <a:r>
+              <a:rPr lang="en-GB" sz="1600" b="1" dirty="0">
+                <a:solidFill>
+                  <a:schemeClr val="accent2"/>
+                </a:solidFill>
+                <a:latin typeface="Aptos" panose="020B0004020202020204" pitchFamily="34" charset="0"/>
+              </a:rPr>
+              <a:t>Summary of post:</a:t>
+            </a:r>
+            <a:endParaRPr lang="en-US" sz="1200" b="0" dirty="0"/>
+          </a:p>
+        </p:txBody>
+      </p:sp>
+      <p:sp>
+        <p:nvSpPr>
+          <p:cNvPr id="2" name="TextBox 1">
+            <a:extLst>
+              <a:ext uri="{FF2B5EF4-FFF2-40B4-BE49-F238E27FC236}">
+                <a16:creationId xmlns:a16="http://schemas.microsoft.com/office/drawing/2014/main" id="{A1C5C770-243A-CBCD-FB25-763D38A93AC6}"/>
+              </a:ext>
+            </a:extLst>
+          </p:cNvPr>
+          <p:cNvSpPr txBox="1"/>
+          <p:nvPr/>
+        </p:nvSpPr>
+        <p:spPr>
+          <a:xfrm>
+            <a:off x="631824" y="2373840"/>
+            <a:ext cx="2142907" cy="246221"/>
+          </a:xfrm>
+          <a:prstGeom prst="rect">
+            <a:avLst/>
+          </a:prstGeom>
+        </p:spPr>
+        <p:txBody>
+          <a:bodyPr wrap="square" lIns="0" tIns="0" rIns="0" bIns="0" rtlCol="0" anchor="t" anchorCtr="0">
+            <a:spAutoFit/>
+          </a:bodyPr>
+          <a:lstStyle/>
+          <a:p>
+            <a:pPr>
+              <a:buNone/>
+            </a:pPr>
+            <a:r>
+              <a:rPr lang="en-GB" sz="1600" b="1" dirty="0">
+                <a:solidFill>
+                  <a:schemeClr val="accent2"/>
+                </a:solidFill>
+                <a:latin typeface="Aptos" panose="020B0004020202020204" pitchFamily="34" charset="0"/>
+              </a:rPr>
+              <a:t>View post on LinkedIn:</a:t>
+            </a:r>
+            <a:endParaRPr lang="en-US" sz="1200" dirty="0"/>
+          </a:p>
+        </p:txBody>
+      </p:sp>
+      <p:sp>
+        <p:nvSpPr>
+          <p:cNvPr id="3" name="TextBox 2">
+            <a:extLst>
+              <a:ext uri="{FF2B5EF4-FFF2-40B4-BE49-F238E27FC236}">
+                <a16:creationId xmlns:a16="http://schemas.microsoft.com/office/drawing/2014/main" id="{16EE3A25-FC9B-C3B9-845D-6D29494EA183}"/>
+              </a:ext>
+            </a:extLst>
+          </p:cNvPr>
+          <p:cNvSpPr txBox="1"/>
+          <p:nvPr/>
+        </p:nvSpPr>
+        <p:spPr>
+          <a:xfrm>
+            <a:off x="631824" y="2892072"/>
+            <a:ext cx="3120369" cy="276999"/>
+          </a:xfrm>
+          <a:prstGeom prst="rect">
+            <a:avLst/>
+          </a:prstGeom>
+        </p:spPr>
+        <p:txBody>
+          <a:bodyPr wrap="square" lIns="0" tIns="0" rIns="0" bIns="0" rtlCol="0" anchor="t" anchorCtr="0">
+            <a:spAutoFit/>
+          </a:bodyPr>
+          <a:lstStyle/>
+          <a:p>
+            <a:pPr>
+              <a:buNone/>
+            </a:pPr>
+            <a:r>
+              <a:rPr lang="en-GB" sz="1800" b="1" dirty="0">
+                <a:solidFill>
+                  <a:srgbClr val="7030A0"/>
+                </a:solidFill>
+                <a:latin typeface="Aptos" panose="020B0004020202020204" pitchFamily="34" charset="0"/>
+              </a:rPr>
+              <a:t>Suggested draft response:</a:t>
+            </a:r>
+            <a:endParaRPr lang="en-US" sz="1800" dirty="0"/>
+          </a:p>
+        </p:txBody>
+      </p:sp>
+      <p:sp>
+        <p:nvSpPr>
+          <p:cNvPr id="4" name="TextBox 3">
+            <a:extLst>
+              <a:ext uri="{FF2B5EF4-FFF2-40B4-BE49-F238E27FC236}">
+                <a16:creationId xmlns:a16="http://schemas.microsoft.com/office/drawing/2014/main" id="{8820A96D-80A6-473A-3BB6-34191A61A75C}"/>
+              </a:ext>
+            </a:extLst>
+          </p:cNvPr>
+          <p:cNvSpPr txBox="1"/>
+          <p:nvPr/>
+        </p:nvSpPr>
+        <p:spPr>
+          <a:xfrm>
+            <a:off x="2360777" y="1539631"/>
+            <a:ext cx="9557954" cy="246221"/>
+          </a:xfrm>
+          <a:prstGeom prst="rect">
+            <a:avLst/>
+          </a:prstGeom>
+        </p:spPr>
+        <p:txBody>
+          <a:bodyPr wrap="square" lIns="0" tIns="0" rIns="0" bIns="0" rtlCol="0" anchor="t" anchorCtr="0">
+            <a:spAutoFit/>
+          </a:bodyPr>
+          <a:lstStyle/>
+          <a:p>
+            <a:pPr>
+              <a:buNone/>
+            </a:pPr>
+            <a:r>
+              <a:rPr lang="en-GB" sz="1600" dirty="0" err="1">
+                <a:solidFill>
+                  <a:schemeClr val="accent2"/>
+                </a:solidFill>
+                <a:latin typeface="Aptos" panose="020B0004020202020204" pitchFamily="34" charset="0"/>
+              </a:rPr>
+              <a:t>original_post_summary</a:t>
+            </a:r>
+            <a:endParaRPr lang="en-US" sz="1200" b="0" dirty="0"/>
+          </a:p>
+        </p:txBody>
+      </p:sp>
+      <p:sp>
+        <p:nvSpPr>
+          <p:cNvPr id="11" name="TextBox 10">
+            <a:extLst>
+              <a:ext uri="{FF2B5EF4-FFF2-40B4-BE49-F238E27FC236}">
+                <a16:creationId xmlns:a16="http://schemas.microsoft.com/office/drawing/2014/main" id="{FFDD656D-7F00-C452-DC71-2521D76F388E}"/>
+              </a:ext>
+            </a:extLst>
+          </p:cNvPr>
+          <p:cNvSpPr txBox="1"/>
+          <p:nvPr/>
+        </p:nvSpPr>
+        <p:spPr>
+          <a:xfrm>
+            <a:off x="2774731" y="2373840"/>
+            <a:ext cx="9017874" cy="246221"/>
+          </a:xfrm>
+          <a:prstGeom prst="rect">
+            <a:avLst/>
+          </a:prstGeom>
+        </p:spPr>
+        <p:txBody>
+          <a:bodyPr wrap="square" lIns="0" tIns="0" rIns="0" bIns="0" rtlCol="0" anchor="t" anchorCtr="0">
+            <a:spAutoFit/>
+          </a:bodyPr>
+          <a:lstStyle/>
+          <a:p>
+            <a:pPr>
+              <a:buNone/>
+            </a:pPr>
+            <a:r>
+              <a:rPr lang="en-GB" sz="1600" dirty="0" err="1">
+                <a:solidFill>
+                  <a:schemeClr val="accent2"/>
+                </a:solidFill>
+                <a:latin typeface="Aptos" panose="020B0004020202020204" pitchFamily="34" charset="0"/>
+              </a:rPr>
+              <a:t>post_URL</a:t>
+            </a:r>
+            <a:endParaRPr lang="en-US" sz="1200" b="0" dirty="0"/>
+          </a:p>
+        </p:txBody>
+      </p:sp>
+      <p:sp>
+        <p:nvSpPr>
+          <p:cNvPr id="13" name="TextBox 12">
+            <a:extLst>
+              <a:ext uri="{FF2B5EF4-FFF2-40B4-BE49-F238E27FC236}">
+                <a16:creationId xmlns:a16="http://schemas.microsoft.com/office/drawing/2014/main" id="{FFA166F8-7E51-0E3B-3ADC-9E7F77ED92EE}"/>
+              </a:ext>
+            </a:extLst>
+          </p:cNvPr>
+          <p:cNvSpPr txBox="1"/>
+          <p:nvPr/>
+        </p:nvSpPr>
+        <p:spPr>
+          <a:xfrm>
+            <a:off x="631823" y="3270098"/>
+            <a:ext cx="10927715" cy="246221"/>
+          </a:xfrm>
+          <a:prstGeom prst="rect">
+            <a:avLst/>
+          </a:prstGeom>
+        </p:spPr>
+        <p:txBody>
+          <a:bodyPr wrap="square" lIns="0" tIns="0" rIns="0" bIns="0" rtlCol="0" anchor="t" anchorCtr="0">
+            <a:spAutoFit/>
+          </a:bodyPr>
+          <a:lstStyle/>
+          <a:p>
+            <a:pPr>
+              <a:buNone/>
+            </a:pPr>
+            <a:r>
+              <a:rPr lang="en-GB" sz="1600" dirty="0" err="1">
+                <a:solidFill>
+                  <a:schemeClr val="accent2"/>
+                </a:solidFill>
+                <a:latin typeface="Aptos" panose="020B0004020202020204" pitchFamily="34" charset="0"/>
+              </a:rPr>
+              <a:t>draft_reply</a:t>
+            </a:r>
+            <a:endParaRPr lang="en-US" sz="1600" dirty="0"/>
+          </a:p>
+        </p:txBody>
+      </p:sp>
+      <p:sp>
+        <p:nvSpPr>
+          <p:cNvPr id="17" name="Title 6">
+            <a:extLst>
+              <a:ext uri="{FF2B5EF4-FFF2-40B4-BE49-F238E27FC236}">
+                <a16:creationId xmlns:a16="http://schemas.microsoft.com/office/drawing/2014/main" id="{922E69FC-78E9-D3E4-EF98-D658385F9B30}"/>
+              </a:ext>
+            </a:extLst>
+          </p:cNvPr>
+          <p:cNvSpPr txBox="1">
+            <a:spLocks/>
+          </p:cNvSpPr>
+          <p:nvPr/>
+        </p:nvSpPr>
+        <p:spPr>
+          <a:xfrm>
+            <a:off x="2096814" y="580136"/>
+            <a:ext cx="9557954" cy="644175"/>
+          </a:xfrm>
+          <a:prstGeom prst="rect">
+            <a:avLst/>
+          </a:prstGeom>
+        </p:spPr>
+        <p:txBody>
+          <a:bodyPr vert="horz" lIns="0" tIns="0" rIns="0" bIns="0" rtlCol="0" anchor="t" anchorCtr="0">
+            <a:normAutofit/>
+          </a:bodyPr>
+          <a:lstStyle>
+            <a:lvl1pPr algn="l" defTabSz="609555" rtl="0" eaLnBrk="1" latinLnBrk="0" hangingPunct="1">
+              <a:lnSpc>
+                <a:spcPct val="100000"/>
+              </a:lnSpc>
+              <a:spcBef>
+                <a:spcPct val="0"/>
+              </a:spcBef>
+              <a:buNone/>
+              <a:defRPr lang="en-US" sz="2600" b="1" kern="1200" spc="-20" baseline="0" dirty="0">
+                <a:solidFill>
+                  <a:schemeClr val="bg1"/>
+                </a:solidFill>
+                <a:latin typeface="+mj-lt"/>
+                <a:ea typeface="+mj-ea"/>
+                <a:cs typeface="+mj-cs"/>
+              </a:defRPr>
+            </a:lvl1pPr>
+          </a:lstStyle>
+          <a:p>
+            <a:r>
+              <a:rPr lang="en-GB" dirty="0" err="1">
+                <a:latin typeface="Kalinga" panose="020B0502040204020203" pitchFamily="34" charset="0"/>
+                <a:cs typeface="Kalinga" panose="020B0502040204020203" pitchFamily="34" charset="0"/>
+              </a:rPr>
+              <a:t>original_poster</a:t>
+            </a:r>
+            <a:endParaRPr lang="en-GB" dirty="0">
+              <a:latin typeface="Kalinga" panose="020B0502040204020203" pitchFamily="34" charset="0"/>
+              <a:cs typeface="Kalinga" panose="020B0502040204020203" pitchFamily="34" charset="0"/>
+            </a:endParaRPr>
+          </a:p>
+        </p:txBody>
+      </p:sp>
+    </p:spTree>
+    <p:extLst>
+      <p:ext uri="{BB962C8B-B14F-4D97-AF65-F5344CB8AC3E}">
+        <p14:creationId xmlns:p14="http://schemas.microsoft.com/office/powerpoint/2010/main" val="2690677038"/>
+      </p:ext>
+    </p:extLst>
+  </p:cSld>
+  <p:clrMapOvr>
+    <a:masterClrMapping/>
+  </p:clrMapOvr>
+  <mc:AlternateContent xmlns:mc="http://schemas.openxmlformats.org/markup-compatibility/2006" xmlns:p14="http://schemas.microsoft.com/office/powerpoint/2010/main">
+    <mc:Choice Requires="p14">
+      <p:transition spd="med" p14:dur="700">
+        <p:fade/>
+      </p:transition>
+    </mc:Choice>
+    <mc:Fallback xmlns="">
+      <p:transition spd="med">
+        <p:fade/>
+      </p:transition>
+    </mc:Fallback>
+  </mc:AlternateContent>
+</p:sld>
+</file>
+
+<file path=ppt/slides/slide9.xml><?xml version="1.0" encoding="utf-8"?>
+<p:sld xmlns:a="http://schemas.openxmlformats.org/drawingml/2006/main" xmlns:r="http://schemas.openxmlformats.org/officeDocument/2006/relationships" xmlns:p="http://schemas.openxmlformats.org/presentationml/2006/main">
+  <p:cSld>
+    <p:spTree>
+      <p:nvGrpSpPr>
+        <p:cNvPr id="1" name="">
+          <a:extLst>
+            <a:ext uri="{FF2B5EF4-FFF2-40B4-BE49-F238E27FC236}">
+              <a16:creationId xmlns:a16="http://schemas.microsoft.com/office/drawing/2014/main" id="{0031F330-13BD-DF7A-CBFE-17921458036E}"/>
+            </a:ext>
+          </a:extLst>
+        </p:cNvPr>
+        <p:cNvGrpSpPr/>
+        <p:nvPr/>
+      </p:nvGrpSpPr>
+      <p:grpSpPr>
+        <a:xfrm>
+          <a:off x="0" y="0"/>
+          <a:ext cx="0" cy="0"/>
+          <a:chOff x="0" y="0"/>
+          <a:chExt cx="0" cy="0"/>
+        </a:xfrm>
+      </p:grpSpPr>
+      <p:sp>
+        <p:nvSpPr>
+          <p:cNvPr id="7" name="Title 6">
+            <a:extLst>
+              <a:ext uri="{FF2B5EF4-FFF2-40B4-BE49-F238E27FC236}">
+                <a16:creationId xmlns:a16="http://schemas.microsoft.com/office/drawing/2014/main" id="{E73B39B4-DB02-48FC-6C6A-41DE5D9AA4FF}"/>
+              </a:ext>
+            </a:extLst>
+          </p:cNvPr>
+          <p:cNvSpPr>
+            <a:spLocks noGrp="1"/>
+          </p:cNvSpPr>
+          <p:nvPr>
+            <p:ph type="title"/>
+          </p:nvPr>
+        </p:nvSpPr>
+        <p:spPr>
+          <a:xfrm>
+            <a:off x="632461" y="580136"/>
+            <a:ext cx="1464354" cy="644175"/>
+          </a:xfrm>
+        </p:spPr>
+        <p:txBody>
+          <a:bodyPr/>
+          <a:lstStyle/>
+          <a:p>
+            <a:r>
+              <a:rPr lang="en-US" dirty="0">
+                <a:latin typeface="Kalinga" panose="020B0502040204020203" pitchFamily="34" charset="0"/>
+                <a:cs typeface="Kalinga" panose="020B0502040204020203" pitchFamily="34" charset="0"/>
+              </a:rPr>
+              <a:t>Reply to:</a:t>
+            </a:r>
+          </a:p>
+        </p:txBody>
+      </p:sp>
+      <p:sp>
+        <p:nvSpPr>
+          <p:cNvPr id="8" name="Text Placeholder 7">
+            <a:extLst>
+              <a:ext uri="{FF2B5EF4-FFF2-40B4-BE49-F238E27FC236}">
+                <a16:creationId xmlns:a16="http://schemas.microsoft.com/office/drawing/2014/main" id="{230BF7CD-1BEA-5BD4-9DF3-E0056D8A2297}"/>
+              </a:ext>
+            </a:extLst>
+          </p:cNvPr>
+          <p:cNvSpPr>
+            <a:spLocks noGrp="1"/>
+          </p:cNvSpPr>
+          <p:nvPr>
+            <p:ph type="body" sz="quarter" idx="10"/>
+          </p:nvPr>
+        </p:nvSpPr>
+        <p:spPr>
+          <a:xfrm>
+            <a:off x="632459" y="0"/>
+            <a:ext cx="11286271" cy="518086"/>
+          </a:xfrm>
+        </p:spPr>
+        <p:txBody>
+          <a:bodyPr/>
+          <a:lstStyle/>
+          <a:p>
+            <a:r>
+              <a:rPr lang="en-US" dirty="0">
+                <a:latin typeface="Kalinga" panose="020B0502040204020203" pitchFamily="34" charset="0"/>
+                <a:cs typeface="Kalinga" panose="020B0502040204020203" pitchFamily="34" charset="0"/>
+              </a:rPr>
+              <a:t>Targeted replies – in prioritized order #4</a:t>
+            </a:r>
+          </a:p>
+        </p:txBody>
+      </p:sp>
+      <p:sp>
+        <p:nvSpPr>
+          <p:cNvPr id="10" name="TextBox 9">
+            <a:extLst>
+              <a:ext uri="{FF2B5EF4-FFF2-40B4-BE49-F238E27FC236}">
+                <a16:creationId xmlns:a16="http://schemas.microsoft.com/office/drawing/2014/main" id="{8EC6C5B4-6D6E-9B9A-3741-FA8F76A9CEFA}"/>
+              </a:ext>
+            </a:extLst>
+          </p:cNvPr>
+          <p:cNvSpPr txBox="1"/>
+          <p:nvPr/>
+        </p:nvSpPr>
+        <p:spPr>
+          <a:xfrm>
+            <a:off x="631825" y="5472619"/>
+            <a:ext cx="11160782" cy="153888"/>
+          </a:xfrm>
+          <a:prstGeom prst="rect">
+            <a:avLst/>
+          </a:prstGeom>
+        </p:spPr>
+        <p:txBody>
+          <a:bodyPr wrap="square" lIns="0" tIns="0" rIns="0" bIns="0" rtlCol="0" anchor="t" anchorCtr="0">
+            <a:spAutoFit/>
+          </a:bodyPr>
+          <a:lstStyle/>
+          <a:p>
+            <a:pPr algn="l"/>
+            <a:r>
+              <a:rPr lang="en-GB" sz="1000" dirty="0" err="1">
+                <a:solidFill>
+                  <a:schemeClr val="accent2"/>
+                </a:solidFill>
+                <a:latin typeface="Aptos" panose="020B0004020202020204" pitchFamily="34" charset="0"/>
+                <a:cs typeface="Arial" panose="020B0604020202020204" pitchFamily="34" charset="0"/>
+              </a:rPr>
+              <a:t>r</a:t>
+            </a:r>
+            <a:r>
+              <a:rPr lang="en-GB" sz="1000" b="0" i="0" dirty="0" err="1">
+                <a:solidFill>
+                  <a:schemeClr val="accent2"/>
+                </a:solidFill>
+                <a:effectLst/>
+                <a:latin typeface="Aptos" panose="020B0004020202020204" pitchFamily="34" charset="0"/>
+                <a:cs typeface="Arial" panose="020B0604020202020204" pitchFamily="34" charset="0"/>
+              </a:rPr>
+              <a:t>eply_rationale</a:t>
+            </a:r>
+            <a:endParaRPr lang="en-US" sz="1000" b="0" dirty="0">
+              <a:solidFill>
+                <a:schemeClr val="accent2"/>
+              </a:solidFill>
+              <a:latin typeface="Aptos" panose="020B0004020202020204" pitchFamily="34" charset="0"/>
+              <a:cs typeface="Arial" panose="020B0604020202020204" pitchFamily="34" charset="0"/>
+            </a:endParaRPr>
+          </a:p>
+        </p:txBody>
+      </p:sp>
+      <p:cxnSp>
+        <p:nvCxnSpPr>
+          <p:cNvPr id="12" name="Straight Connector 11">
+            <a:extLst>
+              <a:ext uri="{FF2B5EF4-FFF2-40B4-BE49-F238E27FC236}">
+                <a16:creationId xmlns:a16="http://schemas.microsoft.com/office/drawing/2014/main" id="{6F0C34C8-3A39-5E5D-916A-63CECE69414A}"/>
+              </a:ext>
+            </a:extLst>
+          </p:cNvPr>
+          <p:cNvCxnSpPr/>
+          <p:nvPr/>
+        </p:nvCxnSpPr>
+        <p:spPr>
+          <a:xfrm>
+            <a:off x="631825" y="5344519"/>
+            <a:ext cx="10927715" cy="0"/>
+          </a:xfrm>
+          <a:prstGeom prst="line">
+            <a:avLst/>
+          </a:prstGeom>
+          <a:ln w="22225">
+            <a:solidFill>
+              <a:schemeClr val="accent3"/>
+            </a:solidFill>
+          </a:ln>
+          <a:effectLst/>
+        </p:spPr>
+        <p:style>
+          <a:lnRef idx="2">
+            <a:schemeClr val="accent1"/>
+          </a:lnRef>
+          <a:fillRef idx="0">
+            <a:schemeClr val="accent1"/>
+          </a:fillRef>
+          <a:effectRef idx="1">
+            <a:schemeClr val="accent1"/>
+          </a:effectRef>
+          <a:fontRef idx="minor">
+            <a:schemeClr val="tx1"/>
+          </a:fontRef>
+        </p:style>
+      </p:cxnSp>
+      <p:sp>
+        <p:nvSpPr>
+          <p:cNvPr id="15" name="TextBox 14">
+            <a:extLst>
+              <a:ext uri="{FF2B5EF4-FFF2-40B4-BE49-F238E27FC236}">
+                <a16:creationId xmlns:a16="http://schemas.microsoft.com/office/drawing/2014/main" id="{55F4B4E7-0FE3-87D5-F858-67874B8F822E}"/>
+              </a:ext>
+            </a:extLst>
+          </p:cNvPr>
+          <p:cNvSpPr txBox="1"/>
+          <p:nvPr/>
+        </p:nvSpPr>
+        <p:spPr>
+          <a:xfrm>
+            <a:off x="631825" y="1539631"/>
+            <a:ext cx="1859128" cy="246221"/>
+          </a:xfrm>
+          <a:prstGeom prst="rect">
+            <a:avLst/>
+          </a:prstGeom>
+        </p:spPr>
+        <p:txBody>
+          <a:bodyPr wrap="square" lIns="0" tIns="0" rIns="0" bIns="0" rtlCol="0" anchor="t" anchorCtr="0">
+            <a:spAutoFit/>
+          </a:bodyPr>
+          <a:lstStyle/>
+          <a:p>
+            <a:pPr>
+              <a:buNone/>
+            </a:pPr>
+            <a:r>
+              <a:rPr lang="en-GB" sz="1600" b="1" dirty="0">
+                <a:solidFill>
+                  <a:schemeClr val="accent2"/>
+                </a:solidFill>
+                <a:latin typeface="Aptos" panose="020B0004020202020204" pitchFamily="34" charset="0"/>
+              </a:rPr>
+              <a:t>Summary of post:</a:t>
+            </a:r>
+            <a:endParaRPr lang="en-US" sz="1200" b="0" dirty="0"/>
+          </a:p>
+        </p:txBody>
+      </p:sp>
+      <p:sp>
+        <p:nvSpPr>
+          <p:cNvPr id="2" name="TextBox 1">
+            <a:extLst>
+              <a:ext uri="{FF2B5EF4-FFF2-40B4-BE49-F238E27FC236}">
+                <a16:creationId xmlns:a16="http://schemas.microsoft.com/office/drawing/2014/main" id="{0BDD7011-2770-02DB-FFF0-17DAE355109E}"/>
+              </a:ext>
+            </a:extLst>
+          </p:cNvPr>
+          <p:cNvSpPr txBox="1"/>
+          <p:nvPr/>
+        </p:nvSpPr>
+        <p:spPr>
+          <a:xfrm>
+            <a:off x="631824" y="2373840"/>
+            <a:ext cx="2142907" cy="246221"/>
+          </a:xfrm>
+          <a:prstGeom prst="rect">
+            <a:avLst/>
+          </a:prstGeom>
+        </p:spPr>
+        <p:txBody>
+          <a:bodyPr wrap="square" lIns="0" tIns="0" rIns="0" bIns="0" rtlCol="0" anchor="t" anchorCtr="0">
+            <a:spAutoFit/>
+          </a:bodyPr>
+          <a:lstStyle/>
+          <a:p>
+            <a:pPr>
+              <a:buNone/>
+            </a:pPr>
+            <a:r>
+              <a:rPr lang="en-GB" sz="1600" b="1" dirty="0">
+                <a:solidFill>
+                  <a:schemeClr val="accent2"/>
+                </a:solidFill>
+                <a:latin typeface="Aptos" panose="020B0004020202020204" pitchFamily="34" charset="0"/>
+              </a:rPr>
+              <a:t>View post on LinkedIn:</a:t>
+            </a:r>
+            <a:endParaRPr lang="en-US" sz="1200" dirty="0"/>
+          </a:p>
+        </p:txBody>
+      </p:sp>
+      <p:sp>
+        <p:nvSpPr>
+          <p:cNvPr id="3" name="TextBox 2">
+            <a:extLst>
+              <a:ext uri="{FF2B5EF4-FFF2-40B4-BE49-F238E27FC236}">
+                <a16:creationId xmlns:a16="http://schemas.microsoft.com/office/drawing/2014/main" id="{D4CDFF7E-E16A-0E01-52CA-507C58BC925D}"/>
+              </a:ext>
+            </a:extLst>
+          </p:cNvPr>
+          <p:cNvSpPr txBox="1"/>
+          <p:nvPr/>
+        </p:nvSpPr>
+        <p:spPr>
+          <a:xfrm>
+            <a:off x="631824" y="2892072"/>
+            <a:ext cx="3120369" cy="276999"/>
+          </a:xfrm>
+          <a:prstGeom prst="rect">
+            <a:avLst/>
+          </a:prstGeom>
+        </p:spPr>
+        <p:txBody>
+          <a:bodyPr wrap="square" lIns="0" tIns="0" rIns="0" bIns="0" rtlCol="0" anchor="t" anchorCtr="0">
+            <a:spAutoFit/>
+          </a:bodyPr>
+          <a:lstStyle/>
+          <a:p>
+            <a:pPr>
+              <a:buNone/>
+            </a:pPr>
+            <a:r>
+              <a:rPr lang="en-GB" sz="1800" b="1" dirty="0">
+                <a:solidFill>
+                  <a:srgbClr val="7030A0"/>
+                </a:solidFill>
+                <a:latin typeface="Aptos" panose="020B0004020202020204" pitchFamily="34" charset="0"/>
+              </a:rPr>
+              <a:t>Suggested draft response:</a:t>
+            </a:r>
+            <a:endParaRPr lang="en-US" sz="1800" dirty="0"/>
+          </a:p>
+        </p:txBody>
+      </p:sp>
+      <p:sp>
+        <p:nvSpPr>
+          <p:cNvPr id="4" name="TextBox 3">
+            <a:extLst>
+              <a:ext uri="{FF2B5EF4-FFF2-40B4-BE49-F238E27FC236}">
+                <a16:creationId xmlns:a16="http://schemas.microsoft.com/office/drawing/2014/main" id="{1514DB48-2753-8FF7-4FC1-E64833C5469F}"/>
+              </a:ext>
+            </a:extLst>
+          </p:cNvPr>
+          <p:cNvSpPr txBox="1"/>
+          <p:nvPr/>
+        </p:nvSpPr>
+        <p:spPr>
+          <a:xfrm>
+            <a:off x="2360777" y="1539631"/>
+            <a:ext cx="9557954" cy="246221"/>
+          </a:xfrm>
+          <a:prstGeom prst="rect">
+            <a:avLst/>
+          </a:prstGeom>
+        </p:spPr>
+        <p:txBody>
+          <a:bodyPr wrap="square" lIns="0" tIns="0" rIns="0" bIns="0" rtlCol="0" anchor="t" anchorCtr="0">
+            <a:spAutoFit/>
+          </a:bodyPr>
+          <a:lstStyle/>
+          <a:p>
+            <a:pPr>
+              <a:buNone/>
+            </a:pPr>
+            <a:r>
+              <a:rPr lang="en-GB" sz="1600" dirty="0" err="1">
+                <a:solidFill>
+                  <a:schemeClr val="accent2"/>
+                </a:solidFill>
+                <a:latin typeface="Aptos" panose="020B0004020202020204" pitchFamily="34" charset="0"/>
+              </a:rPr>
+              <a:t>original_post_summary</a:t>
+            </a:r>
+            <a:endParaRPr lang="en-US" sz="1200" b="0" dirty="0"/>
+          </a:p>
+        </p:txBody>
+      </p:sp>
+      <p:sp>
+        <p:nvSpPr>
+          <p:cNvPr id="11" name="TextBox 10">
+            <a:extLst>
+              <a:ext uri="{FF2B5EF4-FFF2-40B4-BE49-F238E27FC236}">
+                <a16:creationId xmlns:a16="http://schemas.microsoft.com/office/drawing/2014/main" id="{CCEB2B3B-1301-A80F-1821-A6CB0CDD96CD}"/>
+              </a:ext>
+            </a:extLst>
+          </p:cNvPr>
+          <p:cNvSpPr txBox="1"/>
+          <p:nvPr/>
+        </p:nvSpPr>
+        <p:spPr>
+          <a:xfrm>
+            <a:off x="2774731" y="2373840"/>
+            <a:ext cx="9017874" cy="246221"/>
+          </a:xfrm>
+          <a:prstGeom prst="rect">
+            <a:avLst/>
+          </a:prstGeom>
+        </p:spPr>
+        <p:txBody>
+          <a:bodyPr wrap="square" lIns="0" tIns="0" rIns="0" bIns="0" rtlCol="0" anchor="t" anchorCtr="0">
+            <a:spAutoFit/>
+          </a:bodyPr>
+          <a:lstStyle/>
+          <a:p>
+            <a:pPr>
+              <a:buNone/>
+            </a:pPr>
+            <a:r>
+              <a:rPr lang="en-GB" sz="1600" dirty="0" err="1">
+                <a:solidFill>
+                  <a:schemeClr val="accent2"/>
+                </a:solidFill>
+                <a:latin typeface="Aptos" panose="020B0004020202020204" pitchFamily="34" charset="0"/>
+              </a:rPr>
+              <a:t>post_URL</a:t>
+            </a:r>
+            <a:endParaRPr lang="en-US" sz="1200" b="0" dirty="0"/>
+          </a:p>
+        </p:txBody>
+      </p:sp>
+      <p:sp>
+        <p:nvSpPr>
+          <p:cNvPr id="13" name="TextBox 12">
+            <a:extLst>
+              <a:ext uri="{FF2B5EF4-FFF2-40B4-BE49-F238E27FC236}">
+                <a16:creationId xmlns:a16="http://schemas.microsoft.com/office/drawing/2014/main" id="{F4E52730-041C-75DE-FDAE-8571E4908523}"/>
+              </a:ext>
+            </a:extLst>
+          </p:cNvPr>
+          <p:cNvSpPr txBox="1"/>
+          <p:nvPr/>
+        </p:nvSpPr>
+        <p:spPr>
+          <a:xfrm>
+            <a:off x="631823" y="3270098"/>
+            <a:ext cx="10927715" cy="246221"/>
+          </a:xfrm>
+          <a:prstGeom prst="rect">
+            <a:avLst/>
+          </a:prstGeom>
+        </p:spPr>
+        <p:txBody>
+          <a:bodyPr wrap="square" lIns="0" tIns="0" rIns="0" bIns="0" rtlCol="0" anchor="t" anchorCtr="0">
+            <a:spAutoFit/>
+          </a:bodyPr>
+          <a:lstStyle/>
+          <a:p>
+            <a:pPr>
+              <a:buNone/>
+            </a:pPr>
+            <a:r>
+              <a:rPr lang="en-GB" sz="1600" dirty="0" err="1">
+                <a:solidFill>
+                  <a:schemeClr val="accent2"/>
+                </a:solidFill>
+                <a:latin typeface="Aptos" panose="020B0004020202020204" pitchFamily="34" charset="0"/>
+              </a:rPr>
+              <a:t>draft_reply</a:t>
+            </a:r>
+            <a:endParaRPr lang="en-US" sz="1600" dirty="0"/>
+          </a:p>
+        </p:txBody>
+      </p:sp>
+      <p:sp>
+        <p:nvSpPr>
+          <p:cNvPr id="17" name="Title 6">
+            <a:extLst>
+              <a:ext uri="{FF2B5EF4-FFF2-40B4-BE49-F238E27FC236}">
+                <a16:creationId xmlns:a16="http://schemas.microsoft.com/office/drawing/2014/main" id="{825A4B5A-4322-AAC8-DB81-851F26DA6591}"/>
+              </a:ext>
+            </a:extLst>
+          </p:cNvPr>
+          <p:cNvSpPr txBox="1">
+            <a:spLocks/>
+          </p:cNvSpPr>
+          <p:nvPr/>
+        </p:nvSpPr>
+        <p:spPr>
+          <a:xfrm>
+            <a:off x="2096814" y="580136"/>
+            <a:ext cx="9557954" cy="644175"/>
+          </a:xfrm>
+          <a:prstGeom prst="rect">
+            <a:avLst/>
+          </a:prstGeom>
+        </p:spPr>
+        <p:txBody>
+          <a:bodyPr vert="horz" lIns="0" tIns="0" rIns="0" bIns="0" rtlCol="0" anchor="t" anchorCtr="0">
+            <a:normAutofit/>
+          </a:bodyPr>
+          <a:lstStyle>
+            <a:lvl1pPr algn="l" defTabSz="609555" rtl="0" eaLnBrk="1" latinLnBrk="0" hangingPunct="1">
+              <a:lnSpc>
+                <a:spcPct val="100000"/>
+              </a:lnSpc>
+              <a:spcBef>
+                <a:spcPct val="0"/>
+              </a:spcBef>
+              <a:buNone/>
+              <a:defRPr lang="en-US" sz="2600" b="1" kern="1200" spc="-20" baseline="0" dirty="0">
+                <a:solidFill>
+                  <a:schemeClr val="bg1"/>
+                </a:solidFill>
+                <a:latin typeface="+mj-lt"/>
+                <a:ea typeface="+mj-ea"/>
+                <a:cs typeface="+mj-cs"/>
+              </a:defRPr>
+            </a:lvl1pPr>
+          </a:lstStyle>
+          <a:p>
+            <a:r>
+              <a:rPr lang="en-GB" dirty="0" err="1">
+                <a:latin typeface="Kalinga" panose="020B0502040204020203" pitchFamily="34" charset="0"/>
+                <a:cs typeface="Kalinga" panose="020B0502040204020203" pitchFamily="34" charset="0"/>
+              </a:rPr>
+              <a:t>original_poster</a:t>
+            </a:r>
+            <a:endParaRPr lang="en-GB" dirty="0">
+              <a:latin typeface="Kalinga" panose="020B0502040204020203" pitchFamily="34" charset="0"/>
+              <a:cs typeface="Kalinga" panose="020B0502040204020203" pitchFamily="34" charset="0"/>
+            </a:endParaRPr>
+          </a:p>
+        </p:txBody>
+      </p:sp>
+    </p:spTree>
+    <p:extLst>
+      <p:ext uri="{BB962C8B-B14F-4D97-AF65-F5344CB8AC3E}">
+        <p14:creationId xmlns:p14="http://schemas.microsoft.com/office/powerpoint/2010/main" val="3406278103"/>
       </p:ext>
     </p:extLst>
   </p:cSld>
@@ -4375,17 +7611,6 @@
 </file>
 
 <file path=customXml/item2.xml><?xml version="1.0" encoding="utf-8"?>
-<p:properties xmlns:p="http://schemas.microsoft.com/office/2006/metadata/properties" xmlns:xsi="http://www.w3.org/2001/XMLSchema-instance" xmlns:pc="http://schemas.microsoft.com/office/infopath/2007/PartnerControls">
-  <documentManagement>
-    <TaxCatchAll xmlns="9bea065c-4598-471b-a0d8-b208471d6a41" xsi:nil="true"/>
-    <lcf76f155ced4ddcb4097134ff3c332f xmlns="737cdb0d-9f15-48ec-9529-975a91239bb1">
-      <Terms xmlns="http://schemas.microsoft.com/office/infopath/2007/PartnerControls"/>
-    </lcf76f155ced4ddcb4097134ff3c332f>
-  </documentManagement>
-</p:properties>
-</file>
-
-<file path=customXml/item3.xml><?xml version="1.0" encoding="utf-8"?>
 <ct:contentTypeSchema xmlns:ct="http://schemas.microsoft.com/office/2006/metadata/contentType" xmlns:ma="http://schemas.microsoft.com/office/2006/metadata/properties/metaAttributes" ct:_="" ma:_="" ma:contentTypeName="Document" ma:contentTypeID="0x010100A2CD2B7DD7D5E348A4B5B847AD49C1E4" ma:contentTypeVersion="15" ma:contentTypeDescription="Create a new document." ma:contentTypeScope="" ma:versionID="8e0e392dcf65750e3ad704a59f705fb3">
   <xsd:schema xmlns:xsd="http://www.w3.org/2001/XMLSchema" xmlns:xs="http://www.w3.org/2001/XMLSchema" xmlns:p="http://schemas.microsoft.com/office/2006/metadata/properties" xmlns:ns2="737cdb0d-9f15-48ec-9529-975a91239bb1" xmlns:ns3="9bea065c-4598-471b-a0d8-b208471d6a41" targetNamespace="http://schemas.microsoft.com/office/2006/metadata/properties" ma:root="true" ma:fieldsID="16d7d9ff6e2e2d483fddd166083c89fa" ns2:_="" ns3:_="">
     <xsd:import namespace="737cdb0d-9f15-48ec-9529-975a91239bb1"/>
@@ -4620,6 +7845,17 @@
 </ct:contentTypeSchema>
 </file>
 
+<file path=customXml/item3.xml><?xml version="1.0" encoding="utf-8"?>
+<p:properties xmlns:p="http://schemas.microsoft.com/office/2006/metadata/properties" xmlns:xsi="http://www.w3.org/2001/XMLSchema-instance" xmlns:pc="http://schemas.microsoft.com/office/infopath/2007/PartnerControls">
+  <documentManagement>
+    <TaxCatchAll xmlns="9bea065c-4598-471b-a0d8-b208471d6a41" xsi:nil="true"/>
+    <lcf76f155ced4ddcb4097134ff3c332f xmlns="737cdb0d-9f15-48ec-9529-975a91239bb1">
+      <Terms xmlns="http://schemas.microsoft.com/office/infopath/2007/PartnerControls"/>
+    </lcf76f155ced4ddcb4097134ff3c332f>
+  </documentManagement>
+</p:properties>
+</file>
+
 <file path=customXml/itemProps1.xml><?xml version="1.0" encoding="utf-8"?>
 <ds:datastoreItem xmlns:ds="http://schemas.openxmlformats.org/officeDocument/2006/customXml" ds:itemID="{3BB299B6-1159-4940-B296-E198453C8E80}">
   <ds:schemaRefs>
@@ -4629,23 +7865,6 @@
 </file>
 
 <file path=customXml/itemProps2.xml><?xml version="1.0" encoding="utf-8"?>
-<ds:datastoreItem xmlns:ds="http://schemas.openxmlformats.org/officeDocument/2006/customXml" ds:itemID="{9674E985-4D59-45AB-8970-AD8E2C92CE21}">
-  <ds:schemaRefs>
-    <ds:schemaRef ds:uri="http://schemas.microsoft.com/office/2006/documentManagement/types"/>
-    <ds:schemaRef ds:uri="http://purl.org/dc/elements/1.1/"/>
-    <ds:schemaRef ds:uri="http://schemas.microsoft.com/office/2006/metadata/properties"/>
-    <ds:schemaRef ds:uri="http://www.w3.org/XML/1998/namespace"/>
-    <ds:schemaRef ds:uri="http://purl.org/dc/terms/"/>
-    <ds:schemaRef ds:uri="9bea065c-4598-471b-a0d8-b208471d6a41"/>
-    <ds:schemaRef ds:uri="http://schemas.microsoft.com/office/infopath/2007/PartnerControls"/>
-    <ds:schemaRef ds:uri="http://schemas.openxmlformats.org/package/2006/metadata/core-properties"/>
-    <ds:schemaRef ds:uri="737cdb0d-9f15-48ec-9529-975a91239bb1"/>
-    <ds:schemaRef ds:uri="http://purl.org/dc/dcmitype/"/>
-  </ds:schemaRefs>
-</ds:datastoreItem>
-</file>
-
-<file path=customXml/itemProps3.xml><?xml version="1.0" encoding="utf-8"?>
 <ds:datastoreItem xmlns:ds="http://schemas.openxmlformats.org/officeDocument/2006/customXml" ds:itemID="{C4D443D4-D2BB-47D9-93BA-F264F5B47780}">
   <ds:schemaRefs>
     <ds:schemaRef ds:uri="737cdb0d-9f15-48ec-9529-975a91239bb1"/>
@@ -4662,4 +7881,21 @@
     <ds:schemaRef ds:uri="http://www.w3.org/2001/XMLSchema"/>
   </ds:schemaRefs>
 </ds:datastoreItem>
+</file>
+
+<file path=customXml/itemProps3.xml><?xml version="1.0" encoding="utf-8"?>
+<ds:datastoreItem xmlns:ds="http://schemas.openxmlformats.org/officeDocument/2006/customXml" ds:itemID="{9674E985-4D59-45AB-8970-AD8E2C92CE21}">
+  <ds:schemaRefs>
+    <ds:schemaRef ds:uri="http://schemas.microsoft.com/office/2006/documentManagement/types"/>
+    <ds:schemaRef ds:uri="http://purl.org/dc/elements/1.1/"/>
+    <ds:schemaRef ds:uri="http://schemas.microsoft.com/office/2006/metadata/properties"/>
+    <ds:schemaRef ds:uri="http://www.w3.org/XML/1998/namespace"/>
+    <ds:schemaRef ds:uri="http://purl.org/dc/terms/"/>
+    <ds:schemaRef ds:uri="9bea065c-4598-471b-a0d8-b208471d6a41"/>
+    <ds:schemaRef ds:uri="http://schemas.microsoft.com/office/infopath/2007/PartnerControls"/>
+    <ds:schemaRef ds:uri="http://schemas.openxmlformats.org/package/2006/metadata/core-properties"/>
+    <ds:schemaRef ds:uri="737cdb0d-9f15-48ec-9529-975a91239bb1"/>
+    <ds:schemaRef ds:uri="http://purl.org/dc/dcmitype/"/>
+  </ds:schemaRefs>
+</ds:datastoreItem>
 </file>
--- a/Linkedin_Master_Template.pptx
+++ b/Linkedin_Master_Template.pptx
@@ -5,7 +5,7 @@
     <p:sldMasterId id="2147483660" r:id="rId4"/>
   </p:sldMasterIdLst>
   <p:notesMasterIdLst>
-    <p:notesMasterId r:id="rId15"/>
+    <p:notesMasterId r:id="rId13"/>
   </p:notesMasterIdLst>
   <p:sldIdLst>
     <p:sldId id="315" r:id="rId5"/>
@@ -16,8 +16,6 @@
     <p:sldId id="316" r:id="rId10"/>
     <p:sldId id="317" r:id="rId11"/>
     <p:sldId id="318" r:id="rId12"/>
-    <p:sldId id="319" r:id="rId13"/>
-    <p:sldId id="320" r:id="rId14"/>
   </p:sldIdLst>
   <p:sldSz cx="12192000" cy="6858000"/>
   <p:notesSz cx="6858000" cy="9144000"/>
@@ -1190,222 +1188,6 @@
     <p:extLst>
       <p:ext uri="{BB962C8B-B14F-4D97-AF65-F5344CB8AC3E}">
         <p14:creationId xmlns:p14="http://schemas.microsoft.com/office/powerpoint/2010/main" val="1135491344"/>
-      </p:ext>
-    </p:extLst>
-  </p:cSld>
-  <p:clrMapOvr>
-    <a:masterClrMapping/>
-  </p:clrMapOvr>
-</p:notes>
-</file>
-
-<file path=ppt/notesSlides/notesSlide8.xml><?xml version="1.0" encoding="utf-8"?>
-<p:notes xmlns:a="http://schemas.openxmlformats.org/drawingml/2006/main" xmlns:r="http://schemas.openxmlformats.org/officeDocument/2006/relationships" xmlns:p="http://schemas.openxmlformats.org/presentationml/2006/main">
-  <p:cSld>
-    <p:spTree>
-      <p:nvGrpSpPr>
-        <p:cNvPr id="1" name="">
-          <a:extLst>
-            <a:ext uri="{FF2B5EF4-FFF2-40B4-BE49-F238E27FC236}">
-              <a16:creationId xmlns:a16="http://schemas.microsoft.com/office/drawing/2014/main" id="{9CBC7D7E-BD22-484E-2BE2-7116FC85E9C0}"/>
-            </a:ext>
-          </a:extLst>
-        </p:cNvPr>
-        <p:cNvGrpSpPr/>
-        <p:nvPr/>
-      </p:nvGrpSpPr>
-      <p:grpSpPr>
-        <a:xfrm>
-          <a:off x="0" y="0"/>
-          <a:ext cx="0" cy="0"/>
-          <a:chOff x="0" y="0"/>
-          <a:chExt cx="0" cy="0"/>
-        </a:xfrm>
-      </p:grpSpPr>
-      <p:sp>
-        <p:nvSpPr>
-          <p:cNvPr id="2" name="Slide Image Placeholder 1">
-            <a:extLst>
-              <a:ext uri="{FF2B5EF4-FFF2-40B4-BE49-F238E27FC236}">
-                <a16:creationId xmlns:a16="http://schemas.microsoft.com/office/drawing/2014/main" id="{873F1E93-BDD3-8121-CDD2-FC735D42AEDD}"/>
-              </a:ext>
-            </a:extLst>
-          </p:cNvPr>
-          <p:cNvSpPr>
-            <a:spLocks noGrp="1" noRot="1" noChangeAspect="1"/>
-          </p:cNvSpPr>
-          <p:nvPr>
-            <p:ph type="sldImg"/>
-          </p:nvPr>
-        </p:nvSpPr>
-        <p:spPr/>
-      </p:sp>
-      <p:sp>
-        <p:nvSpPr>
-          <p:cNvPr id="3" name="Notes Placeholder 2">
-            <a:extLst>
-              <a:ext uri="{FF2B5EF4-FFF2-40B4-BE49-F238E27FC236}">
-                <a16:creationId xmlns:a16="http://schemas.microsoft.com/office/drawing/2014/main" id="{96FA9EE1-F1A4-B331-F657-11451185D86F}"/>
-              </a:ext>
-            </a:extLst>
-          </p:cNvPr>
-          <p:cNvSpPr>
-            <a:spLocks noGrp="1"/>
-          </p:cNvSpPr>
-          <p:nvPr>
-            <p:ph type="body" idx="1"/>
-          </p:nvPr>
-        </p:nvSpPr>
-        <p:spPr/>
-        <p:txBody>
-          <a:bodyPr/>
-          <a:lstStyle/>
-          <a:p>
-            <a:endParaRPr lang="en-US" dirty="0"/>
-          </a:p>
-        </p:txBody>
-      </p:sp>
-      <p:sp>
-        <p:nvSpPr>
-          <p:cNvPr id="4" name="Slide Number Placeholder 3">
-            <a:extLst>
-              <a:ext uri="{FF2B5EF4-FFF2-40B4-BE49-F238E27FC236}">
-                <a16:creationId xmlns:a16="http://schemas.microsoft.com/office/drawing/2014/main" id="{08D46C02-FB10-C060-3143-6297AEAA2804}"/>
-              </a:ext>
-            </a:extLst>
-          </p:cNvPr>
-          <p:cNvSpPr>
-            <a:spLocks noGrp="1"/>
-          </p:cNvSpPr>
-          <p:nvPr>
-            <p:ph type="sldNum" sz="quarter" idx="5"/>
-          </p:nvPr>
-        </p:nvSpPr>
-        <p:spPr/>
-        <p:txBody>
-          <a:bodyPr/>
-          <a:lstStyle/>
-          <a:p>
-            <a:fld id="{763931CF-879D-C24C-B4FC-A16B88D776C8}" type="slidenum">
-              <a:rPr lang="en-US" smtClean="0"/>
-              <a:t>9</a:t>
-            </a:fld>
-            <a:endParaRPr lang="en-US"/>
-          </a:p>
-        </p:txBody>
-      </p:sp>
-    </p:spTree>
-    <p:extLst>
-      <p:ext uri="{BB962C8B-B14F-4D97-AF65-F5344CB8AC3E}">
-        <p14:creationId xmlns:p14="http://schemas.microsoft.com/office/powerpoint/2010/main" val="4286499140"/>
-      </p:ext>
-    </p:extLst>
-  </p:cSld>
-  <p:clrMapOvr>
-    <a:masterClrMapping/>
-  </p:clrMapOvr>
-</p:notes>
-</file>
-
-<file path=ppt/notesSlides/notesSlide9.xml><?xml version="1.0" encoding="utf-8"?>
-<p:notes xmlns:a="http://schemas.openxmlformats.org/drawingml/2006/main" xmlns:r="http://schemas.openxmlformats.org/officeDocument/2006/relationships" xmlns:p="http://schemas.openxmlformats.org/presentationml/2006/main">
-  <p:cSld>
-    <p:spTree>
-      <p:nvGrpSpPr>
-        <p:cNvPr id="1" name="">
-          <a:extLst>
-            <a:ext uri="{FF2B5EF4-FFF2-40B4-BE49-F238E27FC236}">
-              <a16:creationId xmlns:a16="http://schemas.microsoft.com/office/drawing/2014/main" id="{4A310607-13D5-452F-83A4-D5094A01E1D7}"/>
-            </a:ext>
-          </a:extLst>
-        </p:cNvPr>
-        <p:cNvGrpSpPr/>
-        <p:nvPr/>
-      </p:nvGrpSpPr>
-      <p:grpSpPr>
-        <a:xfrm>
-          <a:off x="0" y="0"/>
-          <a:ext cx="0" cy="0"/>
-          <a:chOff x="0" y="0"/>
-          <a:chExt cx="0" cy="0"/>
-        </a:xfrm>
-      </p:grpSpPr>
-      <p:sp>
-        <p:nvSpPr>
-          <p:cNvPr id="2" name="Slide Image Placeholder 1">
-            <a:extLst>
-              <a:ext uri="{FF2B5EF4-FFF2-40B4-BE49-F238E27FC236}">
-                <a16:creationId xmlns:a16="http://schemas.microsoft.com/office/drawing/2014/main" id="{BFD39F5D-078D-1EF1-DCAC-D955D360419B}"/>
-              </a:ext>
-            </a:extLst>
-          </p:cNvPr>
-          <p:cNvSpPr>
-            <a:spLocks noGrp="1" noRot="1" noChangeAspect="1"/>
-          </p:cNvSpPr>
-          <p:nvPr>
-            <p:ph type="sldImg"/>
-          </p:nvPr>
-        </p:nvSpPr>
-        <p:spPr/>
-      </p:sp>
-      <p:sp>
-        <p:nvSpPr>
-          <p:cNvPr id="3" name="Notes Placeholder 2">
-            <a:extLst>
-              <a:ext uri="{FF2B5EF4-FFF2-40B4-BE49-F238E27FC236}">
-                <a16:creationId xmlns:a16="http://schemas.microsoft.com/office/drawing/2014/main" id="{749EDDEF-52F2-74D4-BBAD-A173DBF304F9}"/>
-              </a:ext>
-            </a:extLst>
-          </p:cNvPr>
-          <p:cNvSpPr>
-            <a:spLocks noGrp="1"/>
-          </p:cNvSpPr>
-          <p:nvPr>
-            <p:ph type="body" idx="1"/>
-          </p:nvPr>
-        </p:nvSpPr>
-        <p:spPr/>
-        <p:txBody>
-          <a:bodyPr/>
-          <a:lstStyle/>
-          <a:p>
-            <a:endParaRPr lang="en-US" dirty="0"/>
-          </a:p>
-        </p:txBody>
-      </p:sp>
-      <p:sp>
-        <p:nvSpPr>
-          <p:cNvPr id="4" name="Slide Number Placeholder 3">
-            <a:extLst>
-              <a:ext uri="{FF2B5EF4-FFF2-40B4-BE49-F238E27FC236}">
-                <a16:creationId xmlns:a16="http://schemas.microsoft.com/office/drawing/2014/main" id="{0D8DEE83-A7D0-FD71-C612-AF55059C7434}"/>
-              </a:ext>
-            </a:extLst>
-          </p:cNvPr>
-          <p:cNvSpPr>
-            <a:spLocks noGrp="1"/>
-          </p:cNvSpPr>
-          <p:nvPr>
-            <p:ph type="sldNum" sz="quarter" idx="5"/>
-          </p:nvPr>
-        </p:nvSpPr>
-        <p:spPr/>
-        <p:txBody>
-          <a:bodyPr/>
-          <a:lstStyle/>
-          <a:p>
-            <a:fld id="{763931CF-879D-C24C-B4FC-A16B88D776C8}" type="slidenum">
-              <a:rPr lang="en-US" smtClean="0"/>
-              <a:t>10</a:t>
-            </a:fld>
-            <a:endParaRPr lang="en-US"/>
-          </a:p>
-        </p:txBody>
-      </p:sp>
-    </p:spTree>
-    <p:extLst>
-      <p:ext uri="{BB962C8B-B14F-4D97-AF65-F5344CB8AC3E}">
-        <p14:creationId xmlns:p14="http://schemas.microsoft.com/office/powerpoint/2010/main" val="945912077"/>
       </p:ext>
     </p:extLst>
   </p:cSld>
@@ -3224,546 +3006,6 @@
 </p:sld>
 </file>
 
-<file path=ppt/slides/slide10.xml><?xml version="1.0" encoding="utf-8"?>
-<p:sld xmlns:a="http://schemas.openxmlformats.org/drawingml/2006/main" xmlns:r="http://schemas.openxmlformats.org/officeDocument/2006/relationships" xmlns:p="http://schemas.openxmlformats.org/presentationml/2006/main">
-  <p:cSld>
-    <p:spTree>
-      <p:nvGrpSpPr>
-        <p:cNvPr id="1" name="">
-          <a:extLst>
-            <a:ext uri="{FF2B5EF4-FFF2-40B4-BE49-F238E27FC236}">
-              <a16:creationId xmlns:a16="http://schemas.microsoft.com/office/drawing/2014/main" id="{1985FB09-F898-1A35-0662-16B7BE9BD9CC}"/>
-            </a:ext>
-          </a:extLst>
-        </p:cNvPr>
-        <p:cNvGrpSpPr/>
-        <p:nvPr/>
-      </p:nvGrpSpPr>
-      <p:grpSpPr>
-        <a:xfrm>
-          <a:off x="0" y="0"/>
-          <a:ext cx="0" cy="0"/>
-          <a:chOff x="0" y="0"/>
-          <a:chExt cx="0" cy="0"/>
-        </a:xfrm>
-      </p:grpSpPr>
-      <p:sp>
-        <p:nvSpPr>
-          <p:cNvPr id="7" name="Title 6">
-            <a:extLst>
-              <a:ext uri="{FF2B5EF4-FFF2-40B4-BE49-F238E27FC236}">
-                <a16:creationId xmlns:a16="http://schemas.microsoft.com/office/drawing/2014/main" id="{00D5E397-B1D6-A909-33EA-7A36392EF72E}"/>
-              </a:ext>
-            </a:extLst>
-          </p:cNvPr>
-          <p:cNvSpPr>
-            <a:spLocks noGrp="1"/>
-          </p:cNvSpPr>
-          <p:nvPr>
-            <p:ph type="title"/>
-          </p:nvPr>
-        </p:nvSpPr>
-        <p:spPr>
-          <a:xfrm>
-            <a:off x="632461" y="580136"/>
-            <a:ext cx="1464354" cy="644175"/>
-          </a:xfrm>
-        </p:spPr>
-        <p:txBody>
-          <a:bodyPr/>
-          <a:lstStyle/>
-          <a:p>
-            <a:r>
-              <a:rPr lang="en-US" dirty="0">
-                <a:latin typeface="Kalinga" panose="020B0502040204020203" pitchFamily="34" charset="0"/>
-                <a:cs typeface="Kalinga" panose="020B0502040204020203" pitchFamily="34" charset="0"/>
-              </a:rPr>
-              <a:t>Reply to:</a:t>
-            </a:r>
-          </a:p>
-        </p:txBody>
-      </p:sp>
-      <p:sp>
-        <p:nvSpPr>
-          <p:cNvPr id="8" name="Text Placeholder 7">
-            <a:extLst>
-              <a:ext uri="{FF2B5EF4-FFF2-40B4-BE49-F238E27FC236}">
-                <a16:creationId xmlns:a16="http://schemas.microsoft.com/office/drawing/2014/main" id="{2EE9E498-5D1D-CF73-8403-821D33C4D12D}"/>
-              </a:ext>
-            </a:extLst>
-          </p:cNvPr>
-          <p:cNvSpPr>
-            <a:spLocks noGrp="1"/>
-          </p:cNvSpPr>
-          <p:nvPr>
-            <p:ph type="body" sz="quarter" idx="10"/>
-          </p:nvPr>
-        </p:nvSpPr>
-        <p:spPr>
-          <a:xfrm>
-            <a:off x="632459" y="0"/>
-            <a:ext cx="11286271" cy="518086"/>
-          </a:xfrm>
-        </p:spPr>
-        <p:txBody>
-          <a:bodyPr/>
-          <a:lstStyle/>
-          <a:p>
-            <a:r>
-              <a:rPr lang="en-US" dirty="0">
-                <a:latin typeface="Kalinga" panose="020B0502040204020203" pitchFamily="34" charset="0"/>
-                <a:cs typeface="Kalinga" panose="020B0502040204020203" pitchFamily="34" charset="0"/>
-              </a:rPr>
-              <a:t>Targeted replies – in prioritized order #5</a:t>
-            </a:r>
-          </a:p>
-        </p:txBody>
-      </p:sp>
-      <p:sp>
-        <p:nvSpPr>
-          <p:cNvPr id="10" name="TextBox 9">
-            <a:extLst>
-              <a:ext uri="{FF2B5EF4-FFF2-40B4-BE49-F238E27FC236}">
-                <a16:creationId xmlns:a16="http://schemas.microsoft.com/office/drawing/2014/main" id="{82A2113C-CE55-A142-2519-2F5929BE558E}"/>
-              </a:ext>
-            </a:extLst>
-          </p:cNvPr>
-          <p:cNvSpPr txBox="1"/>
-          <p:nvPr/>
-        </p:nvSpPr>
-        <p:spPr>
-          <a:xfrm>
-            <a:off x="631825" y="5472619"/>
-            <a:ext cx="11160782" cy="153888"/>
-          </a:xfrm>
-          <a:prstGeom prst="rect">
-            <a:avLst/>
-          </a:prstGeom>
-        </p:spPr>
-        <p:txBody>
-          <a:bodyPr wrap="square" lIns="0" tIns="0" rIns="0" bIns="0" rtlCol="0" anchor="t" anchorCtr="0">
-            <a:spAutoFit/>
-          </a:bodyPr>
-          <a:lstStyle/>
-          <a:p>
-            <a:pPr algn="l"/>
-            <a:r>
-              <a:rPr lang="en-GB" sz="1000" dirty="0" err="1">
-                <a:solidFill>
-                  <a:schemeClr val="accent2"/>
-                </a:solidFill>
-                <a:latin typeface="Aptos" panose="020B0004020202020204" pitchFamily="34" charset="0"/>
-                <a:cs typeface="Arial" panose="020B0604020202020204" pitchFamily="34" charset="0"/>
-              </a:rPr>
-              <a:t>r</a:t>
-            </a:r>
-            <a:r>
-              <a:rPr lang="en-GB" sz="1000" b="0" i="0" dirty="0" err="1">
-                <a:solidFill>
-                  <a:schemeClr val="accent2"/>
-                </a:solidFill>
-                <a:effectLst/>
-                <a:latin typeface="Aptos" panose="020B0004020202020204" pitchFamily="34" charset="0"/>
-                <a:cs typeface="Arial" panose="020B0604020202020204" pitchFamily="34" charset="0"/>
-              </a:rPr>
-              <a:t>eply_rationale</a:t>
-            </a:r>
-            <a:endParaRPr lang="en-US" sz="1000" b="0" dirty="0">
-              <a:solidFill>
-                <a:schemeClr val="accent2"/>
-              </a:solidFill>
-              <a:latin typeface="Aptos" panose="020B0004020202020204" pitchFamily="34" charset="0"/>
-              <a:cs typeface="Arial" panose="020B0604020202020204" pitchFamily="34" charset="0"/>
-            </a:endParaRPr>
-          </a:p>
-        </p:txBody>
-      </p:sp>
-      <p:cxnSp>
-        <p:nvCxnSpPr>
-          <p:cNvPr id="12" name="Straight Connector 11">
-            <a:extLst>
-              <a:ext uri="{FF2B5EF4-FFF2-40B4-BE49-F238E27FC236}">
-                <a16:creationId xmlns:a16="http://schemas.microsoft.com/office/drawing/2014/main" id="{009CA6FB-0F4C-2B47-5A88-2A6CF7C1F776}"/>
-              </a:ext>
-            </a:extLst>
-          </p:cNvPr>
-          <p:cNvCxnSpPr/>
-          <p:nvPr/>
-        </p:nvCxnSpPr>
-        <p:spPr>
-          <a:xfrm>
-            <a:off x="631825" y="5344519"/>
-            <a:ext cx="10927715" cy="0"/>
-          </a:xfrm>
-          <a:prstGeom prst="line">
-            <a:avLst/>
-          </a:prstGeom>
-          <a:ln w="22225">
-            <a:solidFill>
-              <a:schemeClr val="accent3"/>
-            </a:solidFill>
-          </a:ln>
-          <a:effectLst/>
-        </p:spPr>
-        <p:style>
-          <a:lnRef idx="2">
-            <a:schemeClr val="accent1"/>
-          </a:lnRef>
-          <a:fillRef idx="0">
-            <a:schemeClr val="accent1"/>
-          </a:fillRef>
-          <a:effectRef idx="1">
-            <a:schemeClr val="accent1"/>
-          </a:effectRef>
-          <a:fontRef idx="minor">
-            <a:schemeClr val="tx1"/>
-          </a:fontRef>
-        </p:style>
-      </p:cxnSp>
-      <p:sp>
-        <p:nvSpPr>
-          <p:cNvPr id="15" name="TextBox 14">
-            <a:extLst>
-              <a:ext uri="{FF2B5EF4-FFF2-40B4-BE49-F238E27FC236}">
-                <a16:creationId xmlns:a16="http://schemas.microsoft.com/office/drawing/2014/main" id="{4A49DA5D-57CE-465F-943E-9C393D80BC35}"/>
-              </a:ext>
-            </a:extLst>
-          </p:cNvPr>
-          <p:cNvSpPr txBox="1"/>
-          <p:nvPr/>
-        </p:nvSpPr>
-        <p:spPr>
-          <a:xfrm>
-            <a:off x="631825" y="1539631"/>
-            <a:ext cx="1859128" cy="246221"/>
-          </a:xfrm>
-          <a:prstGeom prst="rect">
-            <a:avLst/>
-          </a:prstGeom>
-        </p:spPr>
-        <p:txBody>
-          <a:bodyPr wrap="square" lIns="0" tIns="0" rIns="0" bIns="0" rtlCol="0" anchor="t" anchorCtr="0">
-            <a:spAutoFit/>
-          </a:bodyPr>
-          <a:lstStyle/>
-          <a:p>
-            <a:pPr>
-              <a:buNone/>
-            </a:pPr>
-            <a:r>
-              <a:rPr lang="en-GB" sz="1600" b="1" dirty="0">
-                <a:solidFill>
-                  <a:schemeClr val="accent2"/>
-                </a:solidFill>
-                <a:latin typeface="Aptos" panose="020B0004020202020204" pitchFamily="34" charset="0"/>
-              </a:rPr>
-              <a:t>Summary of post:</a:t>
-            </a:r>
-            <a:endParaRPr lang="en-US" sz="1200" b="0" dirty="0"/>
-          </a:p>
-        </p:txBody>
-      </p:sp>
-      <p:sp>
-        <p:nvSpPr>
-          <p:cNvPr id="2" name="TextBox 1">
-            <a:extLst>
-              <a:ext uri="{FF2B5EF4-FFF2-40B4-BE49-F238E27FC236}">
-                <a16:creationId xmlns:a16="http://schemas.microsoft.com/office/drawing/2014/main" id="{CE7AE756-E995-BF98-1DAD-80BB9CD34A48}"/>
-              </a:ext>
-            </a:extLst>
-          </p:cNvPr>
-          <p:cNvSpPr txBox="1"/>
-          <p:nvPr/>
-        </p:nvSpPr>
-        <p:spPr>
-          <a:xfrm>
-            <a:off x="631824" y="2373840"/>
-            <a:ext cx="2142907" cy="246221"/>
-          </a:xfrm>
-          <a:prstGeom prst="rect">
-            <a:avLst/>
-          </a:prstGeom>
-        </p:spPr>
-        <p:txBody>
-          <a:bodyPr wrap="square" lIns="0" tIns="0" rIns="0" bIns="0" rtlCol="0" anchor="t" anchorCtr="0">
-            <a:spAutoFit/>
-          </a:bodyPr>
-          <a:lstStyle/>
-          <a:p>
-            <a:pPr>
-              <a:buNone/>
-            </a:pPr>
-            <a:r>
-              <a:rPr lang="en-GB" sz="1600" b="1" dirty="0">
-                <a:solidFill>
-                  <a:schemeClr val="accent2"/>
-                </a:solidFill>
-                <a:latin typeface="Aptos" panose="020B0004020202020204" pitchFamily="34" charset="0"/>
-              </a:rPr>
-              <a:t>View post on LinkedIn:</a:t>
-            </a:r>
-            <a:endParaRPr lang="en-US" sz="1200" dirty="0"/>
-          </a:p>
-        </p:txBody>
-      </p:sp>
-      <p:sp>
-        <p:nvSpPr>
-          <p:cNvPr id="3" name="TextBox 2">
-            <a:extLst>
-              <a:ext uri="{FF2B5EF4-FFF2-40B4-BE49-F238E27FC236}">
-                <a16:creationId xmlns:a16="http://schemas.microsoft.com/office/drawing/2014/main" id="{05B52794-0E3D-81E8-54F7-A158449C64BE}"/>
-              </a:ext>
-            </a:extLst>
-          </p:cNvPr>
-          <p:cNvSpPr txBox="1"/>
-          <p:nvPr/>
-        </p:nvSpPr>
-        <p:spPr>
-          <a:xfrm>
-            <a:off x="631824" y="2892072"/>
-            <a:ext cx="3120369" cy="276999"/>
-          </a:xfrm>
-          <a:prstGeom prst="rect">
-            <a:avLst/>
-          </a:prstGeom>
-        </p:spPr>
-        <p:txBody>
-          <a:bodyPr wrap="square" lIns="0" tIns="0" rIns="0" bIns="0" rtlCol="0" anchor="t" anchorCtr="0">
-            <a:spAutoFit/>
-          </a:bodyPr>
-          <a:lstStyle/>
-          <a:p>
-            <a:pPr>
-              <a:buNone/>
-            </a:pPr>
-            <a:r>
-              <a:rPr lang="en-GB" sz="1800" b="1" dirty="0">
-                <a:solidFill>
-                  <a:srgbClr val="7030A0"/>
-                </a:solidFill>
-                <a:latin typeface="Aptos" panose="020B0004020202020204" pitchFamily="34" charset="0"/>
-              </a:rPr>
-              <a:t>Suggested draft response:</a:t>
-            </a:r>
-            <a:endParaRPr lang="en-US" sz="1800" dirty="0"/>
-          </a:p>
-        </p:txBody>
-      </p:sp>
-      <p:sp>
-        <p:nvSpPr>
-          <p:cNvPr id="4" name="TextBox 3">
-            <a:extLst>
-              <a:ext uri="{FF2B5EF4-FFF2-40B4-BE49-F238E27FC236}">
-                <a16:creationId xmlns:a16="http://schemas.microsoft.com/office/drawing/2014/main" id="{1B1ACB44-A5A1-996C-6188-7B3E868DBBD8}"/>
-              </a:ext>
-            </a:extLst>
-          </p:cNvPr>
-          <p:cNvSpPr txBox="1"/>
-          <p:nvPr/>
-        </p:nvSpPr>
-        <p:spPr>
-          <a:xfrm>
-            <a:off x="2360777" y="1539631"/>
-            <a:ext cx="9557954" cy="246221"/>
-          </a:xfrm>
-          <a:prstGeom prst="rect">
-            <a:avLst/>
-          </a:prstGeom>
-        </p:spPr>
-        <p:txBody>
-          <a:bodyPr wrap="square" lIns="0" tIns="0" rIns="0" bIns="0" rtlCol="0" anchor="t" anchorCtr="0">
-            <a:spAutoFit/>
-          </a:bodyPr>
-          <a:lstStyle/>
-          <a:p>
-            <a:pPr>
-              <a:buNone/>
-            </a:pPr>
-            <a:r>
-              <a:rPr lang="en-GB" sz="1600" dirty="0" err="1">
-                <a:solidFill>
-                  <a:schemeClr val="accent2"/>
-                </a:solidFill>
-                <a:latin typeface="Aptos" panose="020B0004020202020204" pitchFamily="34" charset="0"/>
-              </a:rPr>
-              <a:t>original_post_summary</a:t>
-            </a:r>
-            <a:endParaRPr lang="en-US" sz="1200" b="0" dirty="0"/>
-          </a:p>
-        </p:txBody>
-      </p:sp>
-      <p:sp>
-        <p:nvSpPr>
-          <p:cNvPr id="11" name="TextBox 10">
-            <a:extLst>
-              <a:ext uri="{FF2B5EF4-FFF2-40B4-BE49-F238E27FC236}">
-                <a16:creationId xmlns:a16="http://schemas.microsoft.com/office/drawing/2014/main" id="{BBDCEA3B-410E-DA11-28E7-7E75FF7E1E77}"/>
-              </a:ext>
-            </a:extLst>
-          </p:cNvPr>
-          <p:cNvSpPr txBox="1"/>
-          <p:nvPr/>
-        </p:nvSpPr>
-        <p:spPr>
-          <a:xfrm>
-            <a:off x="2774731" y="2373840"/>
-            <a:ext cx="9017874" cy="246221"/>
-          </a:xfrm>
-          <a:prstGeom prst="rect">
-            <a:avLst/>
-          </a:prstGeom>
-        </p:spPr>
-        <p:txBody>
-          <a:bodyPr wrap="square" lIns="0" tIns="0" rIns="0" bIns="0" rtlCol="0" anchor="t" anchorCtr="0">
-            <a:spAutoFit/>
-          </a:bodyPr>
-          <a:lstStyle/>
-          <a:p>
-            <a:pPr>
-              <a:buNone/>
-            </a:pPr>
-            <a:r>
-              <a:rPr lang="en-GB" sz="1600" dirty="0" err="1">
-                <a:solidFill>
-                  <a:schemeClr val="accent2"/>
-                </a:solidFill>
-                <a:latin typeface="Aptos" panose="020B0004020202020204" pitchFamily="34" charset="0"/>
-              </a:rPr>
-              <a:t>post_URL</a:t>
-            </a:r>
-            <a:endParaRPr lang="en-US" sz="1200" b="0" dirty="0"/>
-          </a:p>
-        </p:txBody>
-      </p:sp>
-      <p:sp>
-        <p:nvSpPr>
-          <p:cNvPr id="13" name="TextBox 12">
-            <a:extLst>
-              <a:ext uri="{FF2B5EF4-FFF2-40B4-BE49-F238E27FC236}">
-                <a16:creationId xmlns:a16="http://schemas.microsoft.com/office/drawing/2014/main" id="{E95BDBB7-15A2-2D0D-6BF5-2BD2E4421CA4}"/>
-              </a:ext>
-            </a:extLst>
-          </p:cNvPr>
-          <p:cNvSpPr txBox="1"/>
-          <p:nvPr/>
-        </p:nvSpPr>
-        <p:spPr>
-          <a:xfrm>
-            <a:off x="631824" y="3270098"/>
-            <a:ext cx="10927714" cy="246221"/>
-          </a:xfrm>
-          <a:prstGeom prst="rect">
-            <a:avLst/>
-          </a:prstGeom>
-        </p:spPr>
-        <p:txBody>
-          <a:bodyPr wrap="square" lIns="0" tIns="0" rIns="0" bIns="0" rtlCol="0" anchor="t" anchorCtr="0">
-            <a:spAutoFit/>
-          </a:bodyPr>
-          <a:lstStyle/>
-          <a:p>
-            <a:pPr>
-              <a:buNone/>
-            </a:pPr>
-            <a:r>
-              <a:rPr lang="en-GB" sz="1600" dirty="0" err="1">
-                <a:solidFill>
-                  <a:schemeClr val="accent2"/>
-                </a:solidFill>
-                <a:latin typeface="Aptos" panose="020B0004020202020204" pitchFamily="34" charset="0"/>
-              </a:rPr>
-              <a:t>draft_reply</a:t>
-            </a:r>
-            <a:endParaRPr lang="en-US" sz="1600" dirty="0"/>
-          </a:p>
-        </p:txBody>
-      </p:sp>
-      <p:sp>
-        <p:nvSpPr>
-          <p:cNvPr id="17" name="Title 6">
-            <a:extLst>
-              <a:ext uri="{FF2B5EF4-FFF2-40B4-BE49-F238E27FC236}">
-                <a16:creationId xmlns:a16="http://schemas.microsoft.com/office/drawing/2014/main" id="{8D2075CF-57A3-4F53-71AD-276C92FA5B8C}"/>
-              </a:ext>
-            </a:extLst>
-          </p:cNvPr>
-          <p:cNvSpPr txBox="1">
-            <a:spLocks/>
-          </p:cNvSpPr>
-          <p:nvPr/>
-        </p:nvSpPr>
-        <p:spPr>
-          <a:xfrm>
-            <a:off x="2096814" y="580136"/>
-            <a:ext cx="9557954" cy="644175"/>
-          </a:xfrm>
-          <a:prstGeom prst="rect">
-            <a:avLst/>
-          </a:prstGeom>
-        </p:spPr>
-        <p:txBody>
-          <a:bodyPr vert="horz" lIns="0" tIns="0" rIns="0" bIns="0" rtlCol="0" anchor="t" anchorCtr="0">
-            <a:normAutofit/>
-          </a:bodyPr>
-          <a:lstStyle>
-            <a:lvl1pPr algn="l" defTabSz="609555" rtl="0" eaLnBrk="1" latinLnBrk="0" hangingPunct="1">
-              <a:lnSpc>
-                <a:spcPct val="100000"/>
-              </a:lnSpc>
-              <a:spcBef>
-                <a:spcPct val="0"/>
-              </a:spcBef>
-              <a:buNone/>
-              <a:defRPr lang="en-US" sz="2600" b="1" kern="1200" spc="-20" baseline="0" dirty="0">
-                <a:solidFill>
-                  <a:schemeClr val="bg1"/>
-                </a:solidFill>
-                <a:latin typeface="+mj-lt"/>
-                <a:ea typeface="+mj-ea"/>
-                <a:cs typeface="+mj-cs"/>
-              </a:defRPr>
-            </a:lvl1pPr>
-          </a:lstStyle>
-          <a:p>
-            <a:r>
-              <a:rPr lang="en-GB" dirty="0" err="1">
-                <a:latin typeface="Kalinga" panose="020B0502040204020203" pitchFamily="34" charset="0"/>
-                <a:cs typeface="Kalinga" panose="020B0502040204020203" pitchFamily="34" charset="0"/>
-              </a:rPr>
-              <a:t>original_poster</a:t>
-            </a:r>
-            <a:endParaRPr lang="en-GB" dirty="0">
-              <a:latin typeface="Kalinga" panose="020B0502040204020203" pitchFamily="34" charset="0"/>
-              <a:cs typeface="Kalinga" panose="020B0502040204020203" pitchFamily="34" charset="0"/>
-            </a:endParaRPr>
-          </a:p>
-        </p:txBody>
-      </p:sp>
-    </p:spTree>
-    <p:extLst>
-      <p:ext uri="{BB962C8B-B14F-4D97-AF65-F5344CB8AC3E}">
-        <p14:creationId xmlns:p14="http://schemas.microsoft.com/office/powerpoint/2010/main" val="2810787124"/>
-      </p:ext>
-    </p:extLst>
-  </p:cSld>
-  <p:clrMapOvr>
-    <a:masterClrMapping/>
-  </p:clrMapOvr>
-  <mc:AlternateContent xmlns:mc="http://schemas.openxmlformats.org/markup-compatibility/2006" xmlns:p14="http://schemas.microsoft.com/office/powerpoint/2010/main">
-    <mc:Choice Requires="p14">
-      <p:transition spd="med" p14:dur="700">
-        <p:fade/>
-      </p:transition>
-    </mc:Choice>
-    <mc:Fallback xmlns="">
-      <p:transition spd="med">
-        <p:fade/>
-      </p:transition>
-    </mc:Fallback>
-  </mc:AlternateContent>
-</p:sld>
-</file>
-
 <file path=ppt/slides/slide2.xml><?xml version="1.0" encoding="utf-8"?>
 <p:sld xmlns:a="http://schemas.openxmlformats.org/drawingml/2006/main" xmlns:r="http://schemas.openxmlformats.org/officeDocument/2006/relationships" xmlns:p="http://schemas.openxmlformats.org/presentationml/2006/main">
   <p:cSld>
@@ -6364,546 +5606,6 @@
     <p:extLst>
       <p:ext uri="{BB962C8B-B14F-4D97-AF65-F5344CB8AC3E}">
         <p14:creationId xmlns:p14="http://schemas.microsoft.com/office/powerpoint/2010/main" val="2690677038"/>
-      </p:ext>
-    </p:extLst>
-  </p:cSld>
-  <p:clrMapOvr>
-    <a:masterClrMapping/>
-  </p:clrMapOvr>
-  <mc:AlternateContent xmlns:mc="http://schemas.openxmlformats.org/markup-compatibility/2006" xmlns:p14="http://schemas.microsoft.com/office/powerpoint/2010/main">
-    <mc:Choice Requires="p14">
-      <p:transition spd="med" p14:dur="700">
-        <p:fade/>
-      </p:transition>
-    </mc:Choice>
-    <mc:Fallback xmlns="">
-      <p:transition spd="med">
-        <p:fade/>
-      </p:transition>
-    </mc:Fallback>
-  </mc:AlternateContent>
-</p:sld>
-</file>
-
-<file path=ppt/slides/slide9.xml><?xml version="1.0" encoding="utf-8"?>
-<p:sld xmlns:a="http://schemas.openxmlformats.org/drawingml/2006/main" xmlns:r="http://schemas.openxmlformats.org/officeDocument/2006/relationships" xmlns:p="http://schemas.openxmlformats.org/presentationml/2006/main">
-  <p:cSld>
-    <p:spTree>
-      <p:nvGrpSpPr>
-        <p:cNvPr id="1" name="">
-          <a:extLst>
-            <a:ext uri="{FF2B5EF4-FFF2-40B4-BE49-F238E27FC236}">
-              <a16:creationId xmlns:a16="http://schemas.microsoft.com/office/drawing/2014/main" id="{0031F330-13BD-DF7A-CBFE-17921458036E}"/>
-            </a:ext>
-          </a:extLst>
-        </p:cNvPr>
-        <p:cNvGrpSpPr/>
-        <p:nvPr/>
-      </p:nvGrpSpPr>
-      <p:grpSpPr>
-        <a:xfrm>
-          <a:off x="0" y="0"/>
-          <a:ext cx="0" cy="0"/>
-          <a:chOff x="0" y="0"/>
-          <a:chExt cx="0" cy="0"/>
-        </a:xfrm>
-      </p:grpSpPr>
-      <p:sp>
-        <p:nvSpPr>
-          <p:cNvPr id="7" name="Title 6">
-            <a:extLst>
-              <a:ext uri="{FF2B5EF4-FFF2-40B4-BE49-F238E27FC236}">
-                <a16:creationId xmlns:a16="http://schemas.microsoft.com/office/drawing/2014/main" id="{E73B39B4-DB02-48FC-6C6A-41DE5D9AA4FF}"/>
-              </a:ext>
-            </a:extLst>
-          </p:cNvPr>
-          <p:cNvSpPr>
-            <a:spLocks noGrp="1"/>
-          </p:cNvSpPr>
-          <p:nvPr>
-            <p:ph type="title"/>
-          </p:nvPr>
-        </p:nvSpPr>
-        <p:spPr>
-          <a:xfrm>
-            <a:off x="632461" y="580136"/>
-            <a:ext cx="1464354" cy="644175"/>
-          </a:xfrm>
-        </p:spPr>
-        <p:txBody>
-          <a:bodyPr/>
-          <a:lstStyle/>
-          <a:p>
-            <a:r>
-              <a:rPr lang="en-US" dirty="0">
-                <a:latin typeface="Kalinga" panose="020B0502040204020203" pitchFamily="34" charset="0"/>
-                <a:cs typeface="Kalinga" panose="020B0502040204020203" pitchFamily="34" charset="0"/>
-              </a:rPr>
-              <a:t>Reply to:</a:t>
-            </a:r>
-          </a:p>
-        </p:txBody>
-      </p:sp>
-      <p:sp>
-        <p:nvSpPr>
-          <p:cNvPr id="8" name="Text Placeholder 7">
-            <a:extLst>
-              <a:ext uri="{FF2B5EF4-FFF2-40B4-BE49-F238E27FC236}">
-                <a16:creationId xmlns:a16="http://schemas.microsoft.com/office/drawing/2014/main" id="{230BF7CD-1BEA-5BD4-9DF3-E0056D8A2297}"/>
-              </a:ext>
-            </a:extLst>
-          </p:cNvPr>
-          <p:cNvSpPr>
-            <a:spLocks noGrp="1"/>
-          </p:cNvSpPr>
-          <p:nvPr>
-            <p:ph type="body" sz="quarter" idx="10"/>
-          </p:nvPr>
-        </p:nvSpPr>
-        <p:spPr>
-          <a:xfrm>
-            <a:off x="632459" y="0"/>
-            <a:ext cx="11286271" cy="518086"/>
-          </a:xfrm>
-        </p:spPr>
-        <p:txBody>
-          <a:bodyPr/>
-          <a:lstStyle/>
-          <a:p>
-            <a:r>
-              <a:rPr lang="en-US" dirty="0">
-                <a:latin typeface="Kalinga" panose="020B0502040204020203" pitchFamily="34" charset="0"/>
-                <a:cs typeface="Kalinga" panose="020B0502040204020203" pitchFamily="34" charset="0"/>
-              </a:rPr>
-              <a:t>Targeted replies – in prioritized order #4</a:t>
-            </a:r>
-          </a:p>
-        </p:txBody>
-      </p:sp>
-      <p:sp>
-        <p:nvSpPr>
-          <p:cNvPr id="10" name="TextBox 9">
-            <a:extLst>
-              <a:ext uri="{FF2B5EF4-FFF2-40B4-BE49-F238E27FC236}">
-                <a16:creationId xmlns:a16="http://schemas.microsoft.com/office/drawing/2014/main" id="{8EC6C5B4-6D6E-9B9A-3741-FA8F76A9CEFA}"/>
-              </a:ext>
-            </a:extLst>
-          </p:cNvPr>
-          <p:cNvSpPr txBox="1"/>
-          <p:nvPr/>
-        </p:nvSpPr>
-        <p:spPr>
-          <a:xfrm>
-            <a:off x="631825" y="5472619"/>
-            <a:ext cx="11160782" cy="153888"/>
-          </a:xfrm>
-          <a:prstGeom prst="rect">
-            <a:avLst/>
-          </a:prstGeom>
-        </p:spPr>
-        <p:txBody>
-          <a:bodyPr wrap="square" lIns="0" tIns="0" rIns="0" bIns="0" rtlCol="0" anchor="t" anchorCtr="0">
-            <a:spAutoFit/>
-          </a:bodyPr>
-          <a:lstStyle/>
-          <a:p>
-            <a:pPr algn="l"/>
-            <a:r>
-              <a:rPr lang="en-GB" sz="1000" dirty="0" err="1">
-                <a:solidFill>
-                  <a:schemeClr val="accent2"/>
-                </a:solidFill>
-                <a:latin typeface="Aptos" panose="020B0004020202020204" pitchFamily="34" charset="0"/>
-                <a:cs typeface="Arial" panose="020B0604020202020204" pitchFamily="34" charset="0"/>
-              </a:rPr>
-              <a:t>r</a:t>
-            </a:r>
-            <a:r>
-              <a:rPr lang="en-GB" sz="1000" b="0" i="0" dirty="0" err="1">
-                <a:solidFill>
-                  <a:schemeClr val="accent2"/>
-                </a:solidFill>
-                <a:effectLst/>
-                <a:latin typeface="Aptos" panose="020B0004020202020204" pitchFamily="34" charset="0"/>
-                <a:cs typeface="Arial" panose="020B0604020202020204" pitchFamily="34" charset="0"/>
-              </a:rPr>
-              <a:t>eply_rationale</a:t>
-            </a:r>
-            <a:endParaRPr lang="en-US" sz="1000" b="0" dirty="0">
-              <a:solidFill>
-                <a:schemeClr val="accent2"/>
-              </a:solidFill>
-              <a:latin typeface="Aptos" panose="020B0004020202020204" pitchFamily="34" charset="0"/>
-              <a:cs typeface="Arial" panose="020B0604020202020204" pitchFamily="34" charset="0"/>
-            </a:endParaRPr>
-          </a:p>
-        </p:txBody>
-      </p:sp>
-      <p:cxnSp>
-        <p:nvCxnSpPr>
-          <p:cNvPr id="12" name="Straight Connector 11">
-            <a:extLst>
-              <a:ext uri="{FF2B5EF4-FFF2-40B4-BE49-F238E27FC236}">
-                <a16:creationId xmlns:a16="http://schemas.microsoft.com/office/drawing/2014/main" id="{6F0C34C8-3A39-5E5D-916A-63CECE69414A}"/>
-              </a:ext>
-            </a:extLst>
-          </p:cNvPr>
-          <p:cNvCxnSpPr/>
-          <p:nvPr/>
-        </p:nvCxnSpPr>
-        <p:spPr>
-          <a:xfrm>
-            <a:off x="631825" y="5344519"/>
-            <a:ext cx="10927715" cy="0"/>
-          </a:xfrm>
-          <a:prstGeom prst="line">
-            <a:avLst/>
-          </a:prstGeom>
-          <a:ln w="22225">
-            <a:solidFill>
-              <a:schemeClr val="accent3"/>
-            </a:solidFill>
-          </a:ln>
-          <a:effectLst/>
-        </p:spPr>
-        <p:style>
-          <a:lnRef idx="2">
-            <a:schemeClr val="accent1"/>
-          </a:lnRef>
-          <a:fillRef idx="0">
-            <a:schemeClr val="accent1"/>
-          </a:fillRef>
-          <a:effectRef idx="1">
-            <a:schemeClr val="accent1"/>
-          </a:effectRef>
-          <a:fontRef idx="minor">
-            <a:schemeClr val="tx1"/>
-          </a:fontRef>
-        </p:style>
-      </p:cxnSp>
-      <p:sp>
-        <p:nvSpPr>
-          <p:cNvPr id="15" name="TextBox 14">
-            <a:extLst>
-              <a:ext uri="{FF2B5EF4-FFF2-40B4-BE49-F238E27FC236}">
-                <a16:creationId xmlns:a16="http://schemas.microsoft.com/office/drawing/2014/main" id="{55F4B4E7-0FE3-87D5-F858-67874B8F822E}"/>
-              </a:ext>
-            </a:extLst>
-          </p:cNvPr>
-          <p:cNvSpPr txBox="1"/>
-          <p:nvPr/>
-        </p:nvSpPr>
-        <p:spPr>
-          <a:xfrm>
-            <a:off x="631825" y="1539631"/>
-            <a:ext cx="1859128" cy="246221"/>
-          </a:xfrm>
-          <a:prstGeom prst="rect">
-            <a:avLst/>
-          </a:prstGeom>
-        </p:spPr>
-        <p:txBody>
-          <a:bodyPr wrap="square" lIns="0" tIns="0" rIns="0" bIns="0" rtlCol="0" anchor="t" anchorCtr="0">
-            <a:spAutoFit/>
-          </a:bodyPr>
-          <a:lstStyle/>
-          <a:p>
-            <a:pPr>
-              <a:buNone/>
-            </a:pPr>
-            <a:r>
-              <a:rPr lang="en-GB" sz="1600" b="1" dirty="0">
-                <a:solidFill>
-                  <a:schemeClr val="accent2"/>
-                </a:solidFill>
-                <a:latin typeface="Aptos" panose="020B0004020202020204" pitchFamily="34" charset="0"/>
-              </a:rPr>
-              <a:t>Summary of post:</a:t>
-            </a:r>
-            <a:endParaRPr lang="en-US" sz="1200" b="0" dirty="0"/>
-          </a:p>
-        </p:txBody>
-      </p:sp>
-      <p:sp>
-        <p:nvSpPr>
-          <p:cNvPr id="2" name="TextBox 1">
-            <a:extLst>
-              <a:ext uri="{FF2B5EF4-FFF2-40B4-BE49-F238E27FC236}">
-                <a16:creationId xmlns:a16="http://schemas.microsoft.com/office/drawing/2014/main" id="{0BDD7011-2770-02DB-FFF0-17DAE355109E}"/>
-              </a:ext>
-            </a:extLst>
-          </p:cNvPr>
-          <p:cNvSpPr txBox="1"/>
-          <p:nvPr/>
-        </p:nvSpPr>
-        <p:spPr>
-          <a:xfrm>
-            <a:off x="631824" y="2373840"/>
-            <a:ext cx="2142907" cy="246221"/>
-          </a:xfrm>
-          <a:prstGeom prst="rect">
-            <a:avLst/>
-          </a:prstGeom>
-        </p:spPr>
-        <p:txBody>
-          <a:bodyPr wrap="square" lIns="0" tIns="0" rIns="0" bIns="0" rtlCol="0" anchor="t" anchorCtr="0">
-            <a:spAutoFit/>
-          </a:bodyPr>
-          <a:lstStyle/>
-          <a:p>
-            <a:pPr>
-              <a:buNone/>
-            </a:pPr>
-            <a:r>
-              <a:rPr lang="en-GB" sz="1600" b="1" dirty="0">
-                <a:solidFill>
-                  <a:schemeClr val="accent2"/>
-                </a:solidFill>
-                <a:latin typeface="Aptos" panose="020B0004020202020204" pitchFamily="34" charset="0"/>
-              </a:rPr>
-              <a:t>View post on LinkedIn:</a:t>
-            </a:r>
-            <a:endParaRPr lang="en-US" sz="1200" dirty="0"/>
-          </a:p>
-        </p:txBody>
-      </p:sp>
-      <p:sp>
-        <p:nvSpPr>
-          <p:cNvPr id="3" name="TextBox 2">
-            <a:extLst>
-              <a:ext uri="{FF2B5EF4-FFF2-40B4-BE49-F238E27FC236}">
-                <a16:creationId xmlns:a16="http://schemas.microsoft.com/office/drawing/2014/main" id="{D4CDFF7E-E16A-0E01-52CA-507C58BC925D}"/>
-              </a:ext>
-            </a:extLst>
-          </p:cNvPr>
-          <p:cNvSpPr txBox="1"/>
-          <p:nvPr/>
-        </p:nvSpPr>
-        <p:spPr>
-          <a:xfrm>
-            <a:off x="631824" y="2892072"/>
-            <a:ext cx="3120369" cy="276999"/>
-          </a:xfrm>
-          <a:prstGeom prst="rect">
-            <a:avLst/>
-          </a:prstGeom>
-        </p:spPr>
-        <p:txBody>
-          <a:bodyPr wrap="square" lIns="0" tIns="0" rIns="0" bIns="0" rtlCol="0" anchor="t" anchorCtr="0">
-            <a:spAutoFit/>
-          </a:bodyPr>
-          <a:lstStyle/>
-          <a:p>
-            <a:pPr>
-              <a:buNone/>
-            </a:pPr>
-            <a:r>
-              <a:rPr lang="en-GB" sz="1800" b="1" dirty="0">
-                <a:solidFill>
-                  <a:srgbClr val="7030A0"/>
-                </a:solidFill>
-                <a:latin typeface="Aptos" panose="020B0004020202020204" pitchFamily="34" charset="0"/>
-              </a:rPr>
-              <a:t>Suggested draft response:</a:t>
-            </a:r>
-            <a:endParaRPr lang="en-US" sz="1800" dirty="0"/>
-          </a:p>
-        </p:txBody>
-      </p:sp>
-      <p:sp>
-        <p:nvSpPr>
-          <p:cNvPr id="4" name="TextBox 3">
-            <a:extLst>
-              <a:ext uri="{FF2B5EF4-FFF2-40B4-BE49-F238E27FC236}">
-                <a16:creationId xmlns:a16="http://schemas.microsoft.com/office/drawing/2014/main" id="{1514DB48-2753-8FF7-4FC1-E64833C5469F}"/>
-              </a:ext>
-            </a:extLst>
-          </p:cNvPr>
-          <p:cNvSpPr txBox="1"/>
-          <p:nvPr/>
-        </p:nvSpPr>
-        <p:spPr>
-          <a:xfrm>
-            <a:off x="2360777" y="1539631"/>
-            <a:ext cx="9557954" cy="246221"/>
-          </a:xfrm>
-          <a:prstGeom prst="rect">
-            <a:avLst/>
-          </a:prstGeom>
-        </p:spPr>
-        <p:txBody>
-          <a:bodyPr wrap="square" lIns="0" tIns="0" rIns="0" bIns="0" rtlCol="0" anchor="t" anchorCtr="0">
-            <a:spAutoFit/>
-          </a:bodyPr>
-          <a:lstStyle/>
-          <a:p>
-            <a:pPr>
-              <a:buNone/>
-            </a:pPr>
-            <a:r>
-              <a:rPr lang="en-GB" sz="1600" dirty="0" err="1">
-                <a:solidFill>
-                  <a:schemeClr val="accent2"/>
-                </a:solidFill>
-                <a:latin typeface="Aptos" panose="020B0004020202020204" pitchFamily="34" charset="0"/>
-              </a:rPr>
-              <a:t>original_post_summary</a:t>
-            </a:r>
-            <a:endParaRPr lang="en-US" sz="1200" b="0" dirty="0"/>
-          </a:p>
-        </p:txBody>
-      </p:sp>
-      <p:sp>
-        <p:nvSpPr>
-          <p:cNvPr id="11" name="TextBox 10">
-            <a:extLst>
-              <a:ext uri="{FF2B5EF4-FFF2-40B4-BE49-F238E27FC236}">
-                <a16:creationId xmlns:a16="http://schemas.microsoft.com/office/drawing/2014/main" id="{CCEB2B3B-1301-A80F-1821-A6CB0CDD96CD}"/>
-              </a:ext>
-            </a:extLst>
-          </p:cNvPr>
-          <p:cNvSpPr txBox="1"/>
-          <p:nvPr/>
-        </p:nvSpPr>
-        <p:spPr>
-          <a:xfrm>
-            <a:off x="2774731" y="2373840"/>
-            <a:ext cx="9017874" cy="246221"/>
-          </a:xfrm>
-          <a:prstGeom prst="rect">
-            <a:avLst/>
-          </a:prstGeom>
-        </p:spPr>
-        <p:txBody>
-          <a:bodyPr wrap="square" lIns="0" tIns="0" rIns="0" bIns="0" rtlCol="0" anchor="t" anchorCtr="0">
-            <a:spAutoFit/>
-          </a:bodyPr>
-          <a:lstStyle/>
-          <a:p>
-            <a:pPr>
-              <a:buNone/>
-            </a:pPr>
-            <a:r>
-              <a:rPr lang="en-GB" sz="1600" dirty="0" err="1">
-                <a:solidFill>
-                  <a:schemeClr val="accent2"/>
-                </a:solidFill>
-                <a:latin typeface="Aptos" panose="020B0004020202020204" pitchFamily="34" charset="0"/>
-              </a:rPr>
-              <a:t>post_URL</a:t>
-            </a:r>
-            <a:endParaRPr lang="en-US" sz="1200" b="0" dirty="0"/>
-          </a:p>
-        </p:txBody>
-      </p:sp>
-      <p:sp>
-        <p:nvSpPr>
-          <p:cNvPr id="13" name="TextBox 12">
-            <a:extLst>
-              <a:ext uri="{FF2B5EF4-FFF2-40B4-BE49-F238E27FC236}">
-                <a16:creationId xmlns:a16="http://schemas.microsoft.com/office/drawing/2014/main" id="{F4E52730-041C-75DE-FDAE-8571E4908523}"/>
-              </a:ext>
-            </a:extLst>
-          </p:cNvPr>
-          <p:cNvSpPr txBox="1"/>
-          <p:nvPr/>
-        </p:nvSpPr>
-        <p:spPr>
-          <a:xfrm>
-            <a:off x="631823" y="3270098"/>
-            <a:ext cx="10927715" cy="246221"/>
-          </a:xfrm>
-          <a:prstGeom prst="rect">
-            <a:avLst/>
-          </a:prstGeom>
-        </p:spPr>
-        <p:txBody>
-          <a:bodyPr wrap="square" lIns="0" tIns="0" rIns="0" bIns="0" rtlCol="0" anchor="t" anchorCtr="0">
-            <a:spAutoFit/>
-          </a:bodyPr>
-          <a:lstStyle/>
-          <a:p>
-            <a:pPr>
-              <a:buNone/>
-            </a:pPr>
-            <a:r>
-              <a:rPr lang="en-GB" sz="1600" dirty="0" err="1">
-                <a:solidFill>
-                  <a:schemeClr val="accent2"/>
-                </a:solidFill>
-                <a:latin typeface="Aptos" panose="020B0004020202020204" pitchFamily="34" charset="0"/>
-              </a:rPr>
-              <a:t>draft_reply</a:t>
-            </a:r>
-            <a:endParaRPr lang="en-US" sz="1600" dirty="0"/>
-          </a:p>
-        </p:txBody>
-      </p:sp>
-      <p:sp>
-        <p:nvSpPr>
-          <p:cNvPr id="17" name="Title 6">
-            <a:extLst>
-              <a:ext uri="{FF2B5EF4-FFF2-40B4-BE49-F238E27FC236}">
-                <a16:creationId xmlns:a16="http://schemas.microsoft.com/office/drawing/2014/main" id="{825A4B5A-4322-AAC8-DB81-851F26DA6591}"/>
-              </a:ext>
-            </a:extLst>
-          </p:cNvPr>
-          <p:cNvSpPr txBox="1">
-            <a:spLocks/>
-          </p:cNvSpPr>
-          <p:nvPr/>
-        </p:nvSpPr>
-        <p:spPr>
-          <a:xfrm>
-            <a:off x="2096814" y="580136"/>
-            <a:ext cx="9557954" cy="644175"/>
-          </a:xfrm>
-          <a:prstGeom prst="rect">
-            <a:avLst/>
-          </a:prstGeom>
-        </p:spPr>
-        <p:txBody>
-          <a:bodyPr vert="horz" lIns="0" tIns="0" rIns="0" bIns="0" rtlCol="0" anchor="t" anchorCtr="0">
-            <a:normAutofit/>
-          </a:bodyPr>
-          <a:lstStyle>
-            <a:lvl1pPr algn="l" defTabSz="609555" rtl="0" eaLnBrk="1" latinLnBrk="0" hangingPunct="1">
-              <a:lnSpc>
-                <a:spcPct val="100000"/>
-              </a:lnSpc>
-              <a:spcBef>
-                <a:spcPct val="0"/>
-              </a:spcBef>
-              <a:buNone/>
-              <a:defRPr lang="en-US" sz="2600" b="1" kern="1200" spc="-20" baseline="0" dirty="0">
-                <a:solidFill>
-                  <a:schemeClr val="bg1"/>
-                </a:solidFill>
-                <a:latin typeface="+mj-lt"/>
-                <a:ea typeface="+mj-ea"/>
-                <a:cs typeface="+mj-cs"/>
-              </a:defRPr>
-            </a:lvl1pPr>
-          </a:lstStyle>
-          <a:p>
-            <a:r>
-              <a:rPr lang="en-GB" dirty="0" err="1">
-                <a:latin typeface="Kalinga" panose="020B0502040204020203" pitchFamily="34" charset="0"/>
-                <a:cs typeface="Kalinga" panose="020B0502040204020203" pitchFamily="34" charset="0"/>
-              </a:rPr>
-              <a:t>original_poster</a:t>
-            </a:r>
-            <a:endParaRPr lang="en-GB" dirty="0">
-              <a:latin typeface="Kalinga" panose="020B0502040204020203" pitchFamily="34" charset="0"/>
-              <a:cs typeface="Kalinga" panose="020B0502040204020203" pitchFamily="34" charset="0"/>
-            </a:endParaRPr>
-          </a:p>
-        </p:txBody>
-      </p:sp>
-    </p:spTree>
-    <p:extLst>
-      <p:ext uri="{BB962C8B-B14F-4D97-AF65-F5344CB8AC3E}">
-        <p14:creationId xmlns:p14="http://schemas.microsoft.com/office/powerpoint/2010/main" val="3406278103"/>
       </p:ext>
     </p:extLst>
   </p:cSld>
@@ -7602,12 +6304,14 @@
 </file>
 
 <file path=customXml/item1.xml><?xml version="1.0" encoding="utf-8"?>
-<?mso-contentType ?>
-<FormTemplates xmlns="http://schemas.microsoft.com/sharepoint/v3/contenttype/forms">
-  <Display>DocumentLibraryForm</Display>
-  <Edit>DocumentLibraryForm</Edit>
-  <New>DocumentLibraryForm</New>
-</FormTemplates>
+<p:properties xmlns:p="http://schemas.microsoft.com/office/2006/metadata/properties" xmlns:xsi="http://www.w3.org/2001/XMLSchema-instance" xmlns:pc="http://schemas.microsoft.com/office/infopath/2007/PartnerControls">
+  <documentManagement>
+    <TaxCatchAll xmlns="9bea065c-4598-471b-a0d8-b208471d6a41" xsi:nil="true"/>
+    <lcf76f155ced4ddcb4097134ff3c332f xmlns="737cdb0d-9f15-48ec-9529-975a91239bb1">
+      <Terms xmlns="http://schemas.microsoft.com/office/infopath/2007/PartnerControls"/>
+    </lcf76f155ced4ddcb4097134ff3c332f>
+  </documentManagement>
+</p:properties>
 </file>
 
 <file path=customXml/item2.xml><?xml version="1.0" encoding="utf-8"?>
@@ -7846,20 +6550,27 @@
 </file>
 
 <file path=customXml/item3.xml><?xml version="1.0" encoding="utf-8"?>
-<p:properties xmlns:p="http://schemas.microsoft.com/office/2006/metadata/properties" xmlns:xsi="http://www.w3.org/2001/XMLSchema-instance" xmlns:pc="http://schemas.microsoft.com/office/infopath/2007/PartnerControls">
-  <documentManagement>
-    <TaxCatchAll xmlns="9bea065c-4598-471b-a0d8-b208471d6a41" xsi:nil="true"/>
-    <lcf76f155ced4ddcb4097134ff3c332f xmlns="737cdb0d-9f15-48ec-9529-975a91239bb1">
-      <Terms xmlns="http://schemas.microsoft.com/office/infopath/2007/PartnerControls"/>
-    </lcf76f155ced4ddcb4097134ff3c332f>
-  </documentManagement>
-</p:properties>
+<?mso-contentType ?>
+<FormTemplates xmlns="http://schemas.microsoft.com/sharepoint/v3/contenttype/forms">
+  <Display>DocumentLibraryForm</Display>
+  <Edit>DocumentLibraryForm</Edit>
+  <New>DocumentLibraryForm</New>
+</FormTemplates>
 </file>
 
 <file path=customXml/itemProps1.xml><?xml version="1.0" encoding="utf-8"?>
-<ds:datastoreItem xmlns:ds="http://schemas.openxmlformats.org/officeDocument/2006/customXml" ds:itemID="{3BB299B6-1159-4940-B296-E198453C8E80}">
+<ds:datastoreItem xmlns:ds="http://schemas.openxmlformats.org/officeDocument/2006/customXml" ds:itemID="{9674E985-4D59-45AB-8970-AD8E2C92CE21}">
   <ds:schemaRefs>
-    <ds:schemaRef ds:uri="http://schemas.microsoft.com/sharepoint/v3/contenttype/forms"/>
+    <ds:schemaRef ds:uri="http://schemas.microsoft.com/office/2006/documentManagement/types"/>
+    <ds:schemaRef ds:uri="http://purl.org/dc/elements/1.1/"/>
+    <ds:schemaRef ds:uri="http://schemas.microsoft.com/office/2006/metadata/properties"/>
+    <ds:schemaRef ds:uri="http://www.w3.org/XML/1998/namespace"/>
+    <ds:schemaRef ds:uri="http://purl.org/dc/terms/"/>
+    <ds:schemaRef ds:uri="9bea065c-4598-471b-a0d8-b208471d6a41"/>
+    <ds:schemaRef ds:uri="http://schemas.microsoft.com/office/infopath/2007/PartnerControls"/>
+    <ds:schemaRef ds:uri="http://schemas.openxmlformats.org/package/2006/metadata/core-properties"/>
+    <ds:schemaRef ds:uri="737cdb0d-9f15-48ec-9529-975a91239bb1"/>
+    <ds:schemaRef ds:uri="http://purl.org/dc/dcmitype/"/>
   </ds:schemaRefs>
 </ds:datastoreItem>
 </file>
@@ -7884,18 +6595,9 @@
 </file>
 
 <file path=customXml/itemProps3.xml><?xml version="1.0" encoding="utf-8"?>
-<ds:datastoreItem xmlns:ds="http://schemas.openxmlformats.org/officeDocument/2006/customXml" ds:itemID="{9674E985-4D59-45AB-8970-AD8E2C92CE21}">
+<ds:datastoreItem xmlns:ds="http://schemas.openxmlformats.org/officeDocument/2006/customXml" ds:itemID="{3BB299B6-1159-4940-B296-E198453C8E80}">
   <ds:schemaRefs>
-    <ds:schemaRef ds:uri="http://schemas.microsoft.com/office/2006/documentManagement/types"/>
-    <ds:schemaRef ds:uri="http://purl.org/dc/elements/1.1/"/>
-    <ds:schemaRef ds:uri="http://schemas.microsoft.com/office/2006/metadata/properties"/>
-    <ds:schemaRef ds:uri="http://www.w3.org/XML/1998/namespace"/>
-    <ds:schemaRef ds:uri="http://purl.org/dc/terms/"/>
-    <ds:schemaRef ds:uri="9bea065c-4598-471b-a0d8-b208471d6a41"/>
-    <ds:schemaRef ds:uri="http://schemas.microsoft.com/office/infopath/2007/PartnerControls"/>
-    <ds:schemaRef ds:uri="http://schemas.openxmlformats.org/package/2006/metadata/core-properties"/>
-    <ds:schemaRef ds:uri="737cdb0d-9f15-48ec-9529-975a91239bb1"/>
-    <ds:schemaRef ds:uri="http://purl.org/dc/dcmitype/"/>
+    <ds:schemaRef ds:uri="http://schemas.microsoft.com/sharepoint/v3/contenttype/forms"/>
   </ds:schemaRefs>
 </ds:datastoreItem>
 </file>
--- a/Linkedin_Master_Template.pptx
+++ b/Linkedin_Master_Template.pptx
@@ -5,7 +5,7 @@
     <p:sldMasterId id="2147483660" r:id="rId4"/>
   </p:sldMasterIdLst>
   <p:notesMasterIdLst>
-    <p:notesMasterId r:id="rId13"/>
+    <p:notesMasterId r:id="rId15"/>
   </p:notesMasterIdLst>
   <p:sldIdLst>
     <p:sldId id="315" r:id="rId5"/>
@@ -16,6 +16,8 @@
     <p:sldId id="316" r:id="rId10"/>
     <p:sldId id="317" r:id="rId11"/>
     <p:sldId id="318" r:id="rId12"/>
+    <p:sldId id="319" r:id="rId13"/>
+    <p:sldId id="320" r:id="rId14"/>
   </p:sldIdLst>
   <p:sldSz cx="12192000" cy="6858000"/>
   <p:notesSz cx="6858000" cy="9144000"/>
@@ -204,7 +206,7 @@
           <a:p>
             <a:fld id="{77AB6CFA-8C06-A742-9C67-9EB8DDEC067B}" type="datetimeFigureOut">
               <a:rPr lang="en-US" smtClean="0"/>
-              <a:t>7/21/25</a:t>
+              <a:t>7/23/25</a:t>
             </a:fld>
             <a:endParaRPr lang="en-US"/>
           </a:p>
@@ -1188,6 +1190,222 @@
     <p:extLst>
       <p:ext uri="{BB962C8B-B14F-4D97-AF65-F5344CB8AC3E}">
         <p14:creationId xmlns:p14="http://schemas.microsoft.com/office/powerpoint/2010/main" val="1135491344"/>
+      </p:ext>
+    </p:extLst>
+  </p:cSld>
+  <p:clrMapOvr>
+    <a:masterClrMapping/>
+  </p:clrMapOvr>
+</p:notes>
+</file>
+
+<file path=ppt/notesSlides/notesSlide8.xml><?xml version="1.0" encoding="utf-8"?>
+<p:notes xmlns:a="http://schemas.openxmlformats.org/drawingml/2006/main" xmlns:r="http://schemas.openxmlformats.org/officeDocument/2006/relationships" xmlns:p="http://schemas.openxmlformats.org/presentationml/2006/main">
+  <p:cSld>
+    <p:spTree>
+      <p:nvGrpSpPr>
+        <p:cNvPr id="1" name="">
+          <a:extLst>
+            <a:ext uri="{FF2B5EF4-FFF2-40B4-BE49-F238E27FC236}">
+              <a16:creationId xmlns:a16="http://schemas.microsoft.com/office/drawing/2014/main" id="{2D302A5D-CF09-7CA8-EF3D-63D679AE9CDC}"/>
+            </a:ext>
+          </a:extLst>
+        </p:cNvPr>
+        <p:cNvGrpSpPr/>
+        <p:nvPr/>
+      </p:nvGrpSpPr>
+      <p:grpSpPr>
+        <a:xfrm>
+          <a:off x="0" y="0"/>
+          <a:ext cx="0" cy="0"/>
+          <a:chOff x="0" y="0"/>
+          <a:chExt cx="0" cy="0"/>
+        </a:xfrm>
+      </p:grpSpPr>
+      <p:sp>
+        <p:nvSpPr>
+          <p:cNvPr id="2" name="Slide Image Placeholder 1">
+            <a:extLst>
+              <a:ext uri="{FF2B5EF4-FFF2-40B4-BE49-F238E27FC236}">
+                <a16:creationId xmlns:a16="http://schemas.microsoft.com/office/drawing/2014/main" id="{ACF045F6-91BF-E53D-9684-FC8F58805CC3}"/>
+              </a:ext>
+            </a:extLst>
+          </p:cNvPr>
+          <p:cNvSpPr>
+            <a:spLocks noGrp="1" noRot="1" noChangeAspect="1"/>
+          </p:cNvSpPr>
+          <p:nvPr>
+            <p:ph type="sldImg"/>
+          </p:nvPr>
+        </p:nvSpPr>
+        <p:spPr/>
+      </p:sp>
+      <p:sp>
+        <p:nvSpPr>
+          <p:cNvPr id="3" name="Notes Placeholder 2">
+            <a:extLst>
+              <a:ext uri="{FF2B5EF4-FFF2-40B4-BE49-F238E27FC236}">
+                <a16:creationId xmlns:a16="http://schemas.microsoft.com/office/drawing/2014/main" id="{820B4449-C3F8-8D09-35F5-4C099FF25889}"/>
+              </a:ext>
+            </a:extLst>
+          </p:cNvPr>
+          <p:cNvSpPr>
+            <a:spLocks noGrp="1"/>
+          </p:cNvSpPr>
+          <p:nvPr>
+            <p:ph type="body" idx="1"/>
+          </p:nvPr>
+        </p:nvSpPr>
+        <p:spPr/>
+        <p:txBody>
+          <a:bodyPr/>
+          <a:lstStyle/>
+          <a:p>
+            <a:endParaRPr lang="en-US" dirty="0"/>
+          </a:p>
+        </p:txBody>
+      </p:sp>
+      <p:sp>
+        <p:nvSpPr>
+          <p:cNvPr id="4" name="Slide Number Placeholder 3">
+            <a:extLst>
+              <a:ext uri="{FF2B5EF4-FFF2-40B4-BE49-F238E27FC236}">
+                <a16:creationId xmlns:a16="http://schemas.microsoft.com/office/drawing/2014/main" id="{82788B4C-DB21-6A06-4253-556B156AA2BA}"/>
+              </a:ext>
+            </a:extLst>
+          </p:cNvPr>
+          <p:cNvSpPr>
+            <a:spLocks noGrp="1"/>
+          </p:cNvSpPr>
+          <p:nvPr>
+            <p:ph type="sldNum" sz="quarter" idx="5"/>
+          </p:nvPr>
+        </p:nvSpPr>
+        <p:spPr/>
+        <p:txBody>
+          <a:bodyPr/>
+          <a:lstStyle/>
+          <a:p>
+            <a:fld id="{763931CF-879D-C24C-B4FC-A16B88D776C8}" type="slidenum">
+              <a:rPr lang="en-US" smtClean="0"/>
+              <a:t>9</a:t>
+            </a:fld>
+            <a:endParaRPr lang="en-US"/>
+          </a:p>
+        </p:txBody>
+      </p:sp>
+    </p:spTree>
+    <p:extLst>
+      <p:ext uri="{BB962C8B-B14F-4D97-AF65-F5344CB8AC3E}">
+        <p14:creationId xmlns:p14="http://schemas.microsoft.com/office/powerpoint/2010/main" val="772336241"/>
+      </p:ext>
+    </p:extLst>
+  </p:cSld>
+  <p:clrMapOvr>
+    <a:masterClrMapping/>
+  </p:clrMapOvr>
+</p:notes>
+</file>
+
+<file path=ppt/notesSlides/notesSlide9.xml><?xml version="1.0" encoding="utf-8"?>
+<p:notes xmlns:a="http://schemas.openxmlformats.org/drawingml/2006/main" xmlns:r="http://schemas.openxmlformats.org/officeDocument/2006/relationships" xmlns:p="http://schemas.openxmlformats.org/presentationml/2006/main">
+  <p:cSld>
+    <p:spTree>
+      <p:nvGrpSpPr>
+        <p:cNvPr id="1" name="">
+          <a:extLst>
+            <a:ext uri="{FF2B5EF4-FFF2-40B4-BE49-F238E27FC236}">
+              <a16:creationId xmlns:a16="http://schemas.microsoft.com/office/drawing/2014/main" id="{DCBF5154-0891-B716-09A1-80445F854A55}"/>
+            </a:ext>
+          </a:extLst>
+        </p:cNvPr>
+        <p:cNvGrpSpPr/>
+        <p:nvPr/>
+      </p:nvGrpSpPr>
+      <p:grpSpPr>
+        <a:xfrm>
+          <a:off x="0" y="0"/>
+          <a:ext cx="0" cy="0"/>
+          <a:chOff x="0" y="0"/>
+          <a:chExt cx="0" cy="0"/>
+        </a:xfrm>
+      </p:grpSpPr>
+      <p:sp>
+        <p:nvSpPr>
+          <p:cNvPr id="2" name="Slide Image Placeholder 1">
+            <a:extLst>
+              <a:ext uri="{FF2B5EF4-FFF2-40B4-BE49-F238E27FC236}">
+                <a16:creationId xmlns:a16="http://schemas.microsoft.com/office/drawing/2014/main" id="{8F09D348-20A7-7780-F9F4-35E1F6844DFE}"/>
+              </a:ext>
+            </a:extLst>
+          </p:cNvPr>
+          <p:cNvSpPr>
+            <a:spLocks noGrp="1" noRot="1" noChangeAspect="1"/>
+          </p:cNvSpPr>
+          <p:nvPr>
+            <p:ph type="sldImg"/>
+          </p:nvPr>
+        </p:nvSpPr>
+        <p:spPr/>
+      </p:sp>
+      <p:sp>
+        <p:nvSpPr>
+          <p:cNvPr id="3" name="Notes Placeholder 2">
+            <a:extLst>
+              <a:ext uri="{FF2B5EF4-FFF2-40B4-BE49-F238E27FC236}">
+                <a16:creationId xmlns:a16="http://schemas.microsoft.com/office/drawing/2014/main" id="{09C47F32-97F6-032B-DEA8-132370740ECE}"/>
+              </a:ext>
+            </a:extLst>
+          </p:cNvPr>
+          <p:cNvSpPr>
+            <a:spLocks noGrp="1"/>
+          </p:cNvSpPr>
+          <p:nvPr>
+            <p:ph type="body" idx="1"/>
+          </p:nvPr>
+        </p:nvSpPr>
+        <p:spPr/>
+        <p:txBody>
+          <a:bodyPr/>
+          <a:lstStyle/>
+          <a:p>
+            <a:endParaRPr lang="en-US" dirty="0"/>
+          </a:p>
+        </p:txBody>
+      </p:sp>
+      <p:sp>
+        <p:nvSpPr>
+          <p:cNvPr id="4" name="Slide Number Placeholder 3">
+            <a:extLst>
+              <a:ext uri="{FF2B5EF4-FFF2-40B4-BE49-F238E27FC236}">
+                <a16:creationId xmlns:a16="http://schemas.microsoft.com/office/drawing/2014/main" id="{A46647B9-D7B4-E375-A3CF-31FE5FE5D63B}"/>
+              </a:ext>
+            </a:extLst>
+          </p:cNvPr>
+          <p:cNvSpPr>
+            <a:spLocks noGrp="1"/>
+          </p:cNvSpPr>
+          <p:nvPr>
+            <p:ph type="sldNum" sz="quarter" idx="5"/>
+          </p:nvPr>
+        </p:nvSpPr>
+        <p:spPr/>
+        <p:txBody>
+          <a:bodyPr/>
+          <a:lstStyle/>
+          <a:p>
+            <a:fld id="{763931CF-879D-C24C-B4FC-A16B88D776C8}" type="slidenum">
+              <a:rPr lang="en-US" smtClean="0"/>
+              <a:t>10</a:t>
+            </a:fld>
+            <a:endParaRPr lang="en-US"/>
+          </a:p>
+        </p:txBody>
+      </p:sp>
+    </p:spTree>
+    <p:extLst>
+      <p:ext uri="{BB962C8B-B14F-4D97-AF65-F5344CB8AC3E}">
+        <p14:creationId xmlns:p14="http://schemas.microsoft.com/office/powerpoint/2010/main" val="740381867"/>
       </p:ext>
     </p:extLst>
   </p:cSld>
@@ -3006,6 +3224,546 @@
 </p:sld>
 </file>
 
+<file path=ppt/slides/slide10.xml><?xml version="1.0" encoding="utf-8"?>
+<p:sld xmlns:a="http://schemas.openxmlformats.org/drawingml/2006/main" xmlns:r="http://schemas.openxmlformats.org/officeDocument/2006/relationships" xmlns:p="http://schemas.openxmlformats.org/presentationml/2006/main">
+  <p:cSld>
+    <p:spTree>
+      <p:nvGrpSpPr>
+        <p:cNvPr id="1" name="">
+          <a:extLst>
+            <a:ext uri="{FF2B5EF4-FFF2-40B4-BE49-F238E27FC236}">
+              <a16:creationId xmlns:a16="http://schemas.microsoft.com/office/drawing/2014/main" id="{74420438-D927-6E9A-F518-0EF4BC310F9A}"/>
+            </a:ext>
+          </a:extLst>
+        </p:cNvPr>
+        <p:cNvGrpSpPr/>
+        <p:nvPr/>
+      </p:nvGrpSpPr>
+      <p:grpSpPr>
+        <a:xfrm>
+          <a:off x="0" y="0"/>
+          <a:ext cx="0" cy="0"/>
+          <a:chOff x="0" y="0"/>
+          <a:chExt cx="0" cy="0"/>
+        </a:xfrm>
+      </p:grpSpPr>
+      <p:sp>
+        <p:nvSpPr>
+          <p:cNvPr id="7" name="Title 6">
+            <a:extLst>
+              <a:ext uri="{FF2B5EF4-FFF2-40B4-BE49-F238E27FC236}">
+                <a16:creationId xmlns:a16="http://schemas.microsoft.com/office/drawing/2014/main" id="{555706CD-1FF1-1D5C-FE99-682387738F0B}"/>
+              </a:ext>
+            </a:extLst>
+          </p:cNvPr>
+          <p:cNvSpPr>
+            <a:spLocks noGrp="1"/>
+          </p:cNvSpPr>
+          <p:nvPr>
+            <p:ph type="title"/>
+          </p:nvPr>
+        </p:nvSpPr>
+        <p:spPr>
+          <a:xfrm>
+            <a:off x="632461" y="580136"/>
+            <a:ext cx="1464354" cy="644175"/>
+          </a:xfrm>
+        </p:spPr>
+        <p:txBody>
+          <a:bodyPr/>
+          <a:lstStyle/>
+          <a:p>
+            <a:r>
+              <a:rPr lang="en-US" dirty="0">
+                <a:latin typeface="Kalinga" panose="020B0502040204020203" pitchFamily="34" charset="0"/>
+                <a:cs typeface="Kalinga" panose="020B0502040204020203" pitchFamily="34" charset="0"/>
+              </a:rPr>
+              <a:t>Reply to:</a:t>
+            </a:r>
+          </a:p>
+        </p:txBody>
+      </p:sp>
+      <p:sp>
+        <p:nvSpPr>
+          <p:cNvPr id="8" name="Text Placeholder 7">
+            <a:extLst>
+              <a:ext uri="{FF2B5EF4-FFF2-40B4-BE49-F238E27FC236}">
+                <a16:creationId xmlns:a16="http://schemas.microsoft.com/office/drawing/2014/main" id="{13E3F279-4343-029E-0381-D62E5419B8AE}"/>
+              </a:ext>
+            </a:extLst>
+          </p:cNvPr>
+          <p:cNvSpPr>
+            <a:spLocks noGrp="1"/>
+          </p:cNvSpPr>
+          <p:nvPr>
+            <p:ph type="body" sz="quarter" idx="10"/>
+          </p:nvPr>
+        </p:nvSpPr>
+        <p:spPr>
+          <a:xfrm>
+            <a:off x="632459" y="0"/>
+            <a:ext cx="11286271" cy="518086"/>
+          </a:xfrm>
+        </p:spPr>
+        <p:txBody>
+          <a:bodyPr/>
+          <a:lstStyle/>
+          <a:p>
+            <a:r>
+              <a:rPr lang="en-US" dirty="0">
+                <a:latin typeface="Kalinga" panose="020B0502040204020203" pitchFamily="34" charset="0"/>
+                <a:cs typeface="Kalinga" panose="020B0502040204020203" pitchFamily="34" charset="0"/>
+              </a:rPr>
+              <a:t>Targeted replies – in prioritized order #3</a:t>
+            </a:r>
+          </a:p>
+        </p:txBody>
+      </p:sp>
+      <p:sp>
+        <p:nvSpPr>
+          <p:cNvPr id="10" name="TextBox 9">
+            <a:extLst>
+              <a:ext uri="{FF2B5EF4-FFF2-40B4-BE49-F238E27FC236}">
+                <a16:creationId xmlns:a16="http://schemas.microsoft.com/office/drawing/2014/main" id="{97745D2F-97EB-53B2-B848-875A3296D6C8}"/>
+              </a:ext>
+            </a:extLst>
+          </p:cNvPr>
+          <p:cNvSpPr txBox="1"/>
+          <p:nvPr/>
+        </p:nvSpPr>
+        <p:spPr>
+          <a:xfrm>
+            <a:off x="631825" y="5472619"/>
+            <a:ext cx="11160782" cy="153888"/>
+          </a:xfrm>
+          <a:prstGeom prst="rect">
+            <a:avLst/>
+          </a:prstGeom>
+        </p:spPr>
+        <p:txBody>
+          <a:bodyPr wrap="square" lIns="0" tIns="0" rIns="0" bIns="0" rtlCol="0" anchor="t" anchorCtr="0">
+            <a:spAutoFit/>
+          </a:bodyPr>
+          <a:lstStyle/>
+          <a:p>
+            <a:pPr algn="l"/>
+            <a:r>
+              <a:rPr lang="en-GB" sz="1000" dirty="0" err="1">
+                <a:solidFill>
+                  <a:schemeClr val="accent2"/>
+                </a:solidFill>
+                <a:latin typeface="Aptos" panose="020B0004020202020204" pitchFamily="34" charset="0"/>
+                <a:cs typeface="Arial" panose="020B0604020202020204" pitchFamily="34" charset="0"/>
+              </a:rPr>
+              <a:t>r</a:t>
+            </a:r>
+            <a:r>
+              <a:rPr lang="en-GB" sz="1000" b="0" i="0" dirty="0" err="1">
+                <a:solidFill>
+                  <a:schemeClr val="accent2"/>
+                </a:solidFill>
+                <a:effectLst/>
+                <a:latin typeface="Aptos" panose="020B0004020202020204" pitchFamily="34" charset="0"/>
+                <a:cs typeface="Arial" panose="020B0604020202020204" pitchFamily="34" charset="0"/>
+              </a:rPr>
+              <a:t>eply_rationale</a:t>
+            </a:r>
+            <a:endParaRPr lang="en-US" sz="1000" b="0" dirty="0">
+              <a:solidFill>
+                <a:schemeClr val="accent2"/>
+              </a:solidFill>
+              <a:latin typeface="Aptos" panose="020B0004020202020204" pitchFamily="34" charset="0"/>
+              <a:cs typeface="Arial" panose="020B0604020202020204" pitchFamily="34" charset="0"/>
+            </a:endParaRPr>
+          </a:p>
+        </p:txBody>
+      </p:sp>
+      <p:cxnSp>
+        <p:nvCxnSpPr>
+          <p:cNvPr id="12" name="Straight Connector 11">
+            <a:extLst>
+              <a:ext uri="{FF2B5EF4-FFF2-40B4-BE49-F238E27FC236}">
+                <a16:creationId xmlns:a16="http://schemas.microsoft.com/office/drawing/2014/main" id="{BFDA2A29-8AAF-634E-4315-AE95C7077354}"/>
+              </a:ext>
+            </a:extLst>
+          </p:cNvPr>
+          <p:cNvCxnSpPr/>
+          <p:nvPr/>
+        </p:nvCxnSpPr>
+        <p:spPr>
+          <a:xfrm>
+            <a:off x="631825" y="5344519"/>
+            <a:ext cx="10927715" cy="0"/>
+          </a:xfrm>
+          <a:prstGeom prst="line">
+            <a:avLst/>
+          </a:prstGeom>
+          <a:ln w="22225">
+            <a:solidFill>
+              <a:schemeClr val="accent3"/>
+            </a:solidFill>
+          </a:ln>
+          <a:effectLst/>
+        </p:spPr>
+        <p:style>
+          <a:lnRef idx="2">
+            <a:schemeClr val="accent1"/>
+          </a:lnRef>
+          <a:fillRef idx="0">
+            <a:schemeClr val="accent1"/>
+          </a:fillRef>
+          <a:effectRef idx="1">
+            <a:schemeClr val="accent1"/>
+          </a:effectRef>
+          <a:fontRef idx="minor">
+            <a:schemeClr val="tx1"/>
+          </a:fontRef>
+        </p:style>
+      </p:cxnSp>
+      <p:sp>
+        <p:nvSpPr>
+          <p:cNvPr id="15" name="TextBox 14">
+            <a:extLst>
+              <a:ext uri="{FF2B5EF4-FFF2-40B4-BE49-F238E27FC236}">
+                <a16:creationId xmlns:a16="http://schemas.microsoft.com/office/drawing/2014/main" id="{729D132E-2AAD-BFE8-359D-C7271E9AE2E2}"/>
+              </a:ext>
+            </a:extLst>
+          </p:cNvPr>
+          <p:cNvSpPr txBox="1"/>
+          <p:nvPr/>
+        </p:nvSpPr>
+        <p:spPr>
+          <a:xfrm>
+            <a:off x="631825" y="1539631"/>
+            <a:ext cx="1859128" cy="246221"/>
+          </a:xfrm>
+          <a:prstGeom prst="rect">
+            <a:avLst/>
+          </a:prstGeom>
+        </p:spPr>
+        <p:txBody>
+          <a:bodyPr wrap="square" lIns="0" tIns="0" rIns="0" bIns="0" rtlCol="0" anchor="t" anchorCtr="0">
+            <a:spAutoFit/>
+          </a:bodyPr>
+          <a:lstStyle/>
+          <a:p>
+            <a:pPr>
+              <a:buNone/>
+            </a:pPr>
+            <a:r>
+              <a:rPr lang="en-GB" sz="1600" b="1" dirty="0">
+                <a:solidFill>
+                  <a:schemeClr val="accent2"/>
+                </a:solidFill>
+                <a:latin typeface="Aptos" panose="020B0004020202020204" pitchFamily="34" charset="0"/>
+              </a:rPr>
+              <a:t>Summary of post:</a:t>
+            </a:r>
+            <a:endParaRPr lang="en-US" sz="1200" b="0" dirty="0"/>
+          </a:p>
+        </p:txBody>
+      </p:sp>
+      <p:sp>
+        <p:nvSpPr>
+          <p:cNvPr id="2" name="TextBox 1">
+            <a:extLst>
+              <a:ext uri="{FF2B5EF4-FFF2-40B4-BE49-F238E27FC236}">
+                <a16:creationId xmlns:a16="http://schemas.microsoft.com/office/drawing/2014/main" id="{F95F4222-56E4-0327-9115-1BE8A9492D22}"/>
+              </a:ext>
+            </a:extLst>
+          </p:cNvPr>
+          <p:cNvSpPr txBox="1"/>
+          <p:nvPr/>
+        </p:nvSpPr>
+        <p:spPr>
+          <a:xfrm>
+            <a:off x="631824" y="2373840"/>
+            <a:ext cx="2142907" cy="246221"/>
+          </a:xfrm>
+          <a:prstGeom prst="rect">
+            <a:avLst/>
+          </a:prstGeom>
+        </p:spPr>
+        <p:txBody>
+          <a:bodyPr wrap="square" lIns="0" tIns="0" rIns="0" bIns="0" rtlCol="0" anchor="t" anchorCtr="0">
+            <a:spAutoFit/>
+          </a:bodyPr>
+          <a:lstStyle/>
+          <a:p>
+            <a:pPr>
+              <a:buNone/>
+            </a:pPr>
+            <a:r>
+              <a:rPr lang="en-GB" sz="1600" b="1" dirty="0">
+                <a:solidFill>
+                  <a:schemeClr val="accent2"/>
+                </a:solidFill>
+                <a:latin typeface="Aptos" panose="020B0004020202020204" pitchFamily="34" charset="0"/>
+              </a:rPr>
+              <a:t>View post on LinkedIn:</a:t>
+            </a:r>
+            <a:endParaRPr lang="en-US" sz="1200" dirty="0"/>
+          </a:p>
+        </p:txBody>
+      </p:sp>
+      <p:sp>
+        <p:nvSpPr>
+          <p:cNvPr id="3" name="TextBox 2">
+            <a:extLst>
+              <a:ext uri="{FF2B5EF4-FFF2-40B4-BE49-F238E27FC236}">
+                <a16:creationId xmlns:a16="http://schemas.microsoft.com/office/drawing/2014/main" id="{FDE4B55D-A137-F735-2EE6-A0670B04E232}"/>
+              </a:ext>
+            </a:extLst>
+          </p:cNvPr>
+          <p:cNvSpPr txBox="1"/>
+          <p:nvPr/>
+        </p:nvSpPr>
+        <p:spPr>
+          <a:xfrm>
+            <a:off x="631824" y="2892072"/>
+            <a:ext cx="3120369" cy="276999"/>
+          </a:xfrm>
+          <a:prstGeom prst="rect">
+            <a:avLst/>
+          </a:prstGeom>
+        </p:spPr>
+        <p:txBody>
+          <a:bodyPr wrap="square" lIns="0" tIns="0" rIns="0" bIns="0" rtlCol="0" anchor="t" anchorCtr="0">
+            <a:spAutoFit/>
+          </a:bodyPr>
+          <a:lstStyle/>
+          <a:p>
+            <a:pPr>
+              <a:buNone/>
+            </a:pPr>
+            <a:r>
+              <a:rPr lang="en-GB" sz="1800" b="1" dirty="0">
+                <a:solidFill>
+                  <a:srgbClr val="7030A0"/>
+                </a:solidFill>
+                <a:latin typeface="Aptos" panose="020B0004020202020204" pitchFamily="34" charset="0"/>
+              </a:rPr>
+              <a:t>Suggested draft response:</a:t>
+            </a:r>
+            <a:endParaRPr lang="en-US" sz="1800" dirty="0"/>
+          </a:p>
+        </p:txBody>
+      </p:sp>
+      <p:sp>
+        <p:nvSpPr>
+          <p:cNvPr id="4" name="TextBox 3">
+            <a:extLst>
+              <a:ext uri="{FF2B5EF4-FFF2-40B4-BE49-F238E27FC236}">
+                <a16:creationId xmlns:a16="http://schemas.microsoft.com/office/drawing/2014/main" id="{54A0C577-F3FF-88F6-ACFC-25110D2313D3}"/>
+              </a:ext>
+            </a:extLst>
+          </p:cNvPr>
+          <p:cNvSpPr txBox="1"/>
+          <p:nvPr/>
+        </p:nvSpPr>
+        <p:spPr>
+          <a:xfrm>
+            <a:off x="2360777" y="1539631"/>
+            <a:ext cx="9557954" cy="246221"/>
+          </a:xfrm>
+          <a:prstGeom prst="rect">
+            <a:avLst/>
+          </a:prstGeom>
+        </p:spPr>
+        <p:txBody>
+          <a:bodyPr wrap="square" lIns="0" tIns="0" rIns="0" bIns="0" rtlCol="0" anchor="t" anchorCtr="0">
+            <a:spAutoFit/>
+          </a:bodyPr>
+          <a:lstStyle/>
+          <a:p>
+            <a:pPr>
+              <a:buNone/>
+            </a:pPr>
+            <a:r>
+              <a:rPr lang="en-GB" sz="1600" dirty="0" err="1">
+                <a:solidFill>
+                  <a:schemeClr val="accent2"/>
+                </a:solidFill>
+                <a:latin typeface="Aptos" panose="020B0004020202020204" pitchFamily="34" charset="0"/>
+              </a:rPr>
+              <a:t>original_post_summary</a:t>
+            </a:r>
+            <a:endParaRPr lang="en-US" sz="1200" b="0" dirty="0"/>
+          </a:p>
+        </p:txBody>
+      </p:sp>
+      <p:sp>
+        <p:nvSpPr>
+          <p:cNvPr id="11" name="TextBox 10">
+            <a:extLst>
+              <a:ext uri="{FF2B5EF4-FFF2-40B4-BE49-F238E27FC236}">
+                <a16:creationId xmlns:a16="http://schemas.microsoft.com/office/drawing/2014/main" id="{8AB3A882-5BA4-671B-3FE8-F30B10DCF862}"/>
+              </a:ext>
+            </a:extLst>
+          </p:cNvPr>
+          <p:cNvSpPr txBox="1"/>
+          <p:nvPr/>
+        </p:nvSpPr>
+        <p:spPr>
+          <a:xfrm>
+            <a:off x="2774731" y="2373840"/>
+            <a:ext cx="9017874" cy="246221"/>
+          </a:xfrm>
+          <a:prstGeom prst="rect">
+            <a:avLst/>
+          </a:prstGeom>
+        </p:spPr>
+        <p:txBody>
+          <a:bodyPr wrap="square" lIns="0" tIns="0" rIns="0" bIns="0" rtlCol="0" anchor="t" anchorCtr="0">
+            <a:spAutoFit/>
+          </a:bodyPr>
+          <a:lstStyle/>
+          <a:p>
+            <a:pPr>
+              <a:buNone/>
+            </a:pPr>
+            <a:r>
+              <a:rPr lang="en-GB" sz="1600" dirty="0" err="1">
+                <a:solidFill>
+                  <a:schemeClr val="accent2"/>
+                </a:solidFill>
+                <a:latin typeface="Aptos" panose="020B0004020202020204" pitchFamily="34" charset="0"/>
+              </a:rPr>
+              <a:t>post_URL</a:t>
+            </a:r>
+            <a:endParaRPr lang="en-US" sz="1200" b="0" dirty="0"/>
+          </a:p>
+        </p:txBody>
+      </p:sp>
+      <p:sp>
+        <p:nvSpPr>
+          <p:cNvPr id="13" name="TextBox 12">
+            <a:extLst>
+              <a:ext uri="{FF2B5EF4-FFF2-40B4-BE49-F238E27FC236}">
+                <a16:creationId xmlns:a16="http://schemas.microsoft.com/office/drawing/2014/main" id="{BD81A65F-DA42-D6FA-B7FC-DF9E374F0E4B}"/>
+              </a:ext>
+            </a:extLst>
+          </p:cNvPr>
+          <p:cNvSpPr txBox="1"/>
+          <p:nvPr/>
+        </p:nvSpPr>
+        <p:spPr>
+          <a:xfrm>
+            <a:off x="631823" y="3270098"/>
+            <a:ext cx="10927715" cy="246221"/>
+          </a:xfrm>
+          <a:prstGeom prst="rect">
+            <a:avLst/>
+          </a:prstGeom>
+        </p:spPr>
+        <p:txBody>
+          <a:bodyPr wrap="square" lIns="0" tIns="0" rIns="0" bIns="0" rtlCol="0" anchor="t" anchorCtr="0">
+            <a:spAutoFit/>
+          </a:bodyPr>
+          <a:lstStyle/>
+          <a:p>
+            <a:pPr>
+              <a:buNone/>
+            </a:pPr>
+            <a:r>
+              <a:rPr lang="en-GB" sz="1600" dirty="0" err="1">
+                <a:solidFill>
+                  <a:schemeClr val="accent2"/>
+                </a:solidFill>
+                <a:latin typeface="Aptos" panose="020B0004020202020204" pitchFamily="34" charset="0"/>
+              </a:rPr>
+              <a:t>draft_reply</a:t>
+            </a:r>
+            <a:endParaRPr lang="en-US" sz="1600" dirty="0"/>
+          </a:p>
+        </p:txBody>
+      </p:sp>
+      <p:sp>
+        <p:nvSpPr>
+          <p:cNvPr id="17" name="Title 6">
+            <a:extLst>
+              <a:ext uri="{FF2B5EF4-FFF2-40B4-BE49-F238E27FC236}">
+                <a16:creationId xmlns:a16="http://schemas.microsoft.com/office/drawing/2014/main" id="{E6F0821B-352D-05D6-3110-A05F53B6DA35}"/>
+              </a:ext>
+            </a:extLst>
+          </p:cNvPr>
+          <p:cNvSpPr txBox="1">
+            <a:spLocks/>
+          </p:cNvSpPr>
+          <p:nvPr/>
+        </p:nvSpPr>
+        <p:spPr>
+          <a:xfrm>
+            <a:off x="2096814" y="580136"/>
+            <a:ext cx="9557954" cy="644175"/>
+          </a:xfrm>
+          <a:prstGeom prst="rect">
+            <a:avLst/>
+          </a:prstGeom>
+        </p:spPr>
+        <p:txBody>
+          <a:bodyPr vert="horz" lIns="0" tIns="0" rIns="0" bIns="0" rtlCol="0" anchor="t" anchorCtr="0">
+            <a:normAutofit/>
+          </a:bodyPr>
+          <a:lstStyle>
+            <a:lvl1pPr algn="l" defTabSz="609555" rtl="0" eaLnBrk="1" latinLnBrk="0" hangingPunct="1">
+              <a:lnSpc>
+                <a:spcPct val="100000"/>
+              </a:lnSpc>
+              <a:spcBef>
+                <a:spcPct val="0"/>
+              </a:spcBef>
+              <a:buNone/>
+              <a:defRPr lang="en-US" sz="2600" b="1" kern="1200" spc="-20" baseline="0" dirty="0">
+                <a:solidFill>
+                  <a:schemeClr val="bg1"/>
+                </a:solidFill>
+                <a:latin typeface="+mj-lt"/>
+                <a:ea typeface="+mj-ea"/>
+                <a:cs typeface="+mj-cs"/>
+              </a:defRPr>
+            </a:lvl1pPr>
+          </a:lstStyle>
+          <a:p>
+            <a:r>
+              <a:rPr lang="en-GB" dirty="0" err="1">
+                <a:latin typeface="Kalinga" panose="020B0502040204020203" pitchFamily="34" charset="0"/>
+                <a:cs typeface="Kalinga" panose="020B0502040204020203" pitchFamily="34" charset="0"/>
+              </a:rPr>
+              <a:t>original_poster</a:t>
+            </a:r>
+            <a:endParaRPr lang="en-GB" dirty="0">
+              <a:latin typeface="Kalinga" panose="020B0502040204020203" pitchFamily="34" charset="0"/>
+              <a:cs typeface="Kalinga" panose="020B0502040204020203" pitchFamily="34" charset="0"/>
+            </a:endParaRPr>
+          </a:p>
+        </p:txBody>
+      </p:sp>
+    </p:spTree>
+    <p:extLst>
+      <p:ext uri="{BB962C8B-B14F-4D97-AF65-F5344CB8AC3E}">
+        <p14:creationId xmlns:p14="http://schemas.microsoft.com/office/powerpoint/2010/main" val="775035167"/>
+      </p:ext>
+    </p:extLst>
+  </p:cSld>
+  <p:clrMapOvr>
+    <a:masterClrMapping/>
+  </p:clrMapOvr>
+  <mc:AlternateContent xmlns:mc="http://schemas.openxmlformats.org/markup-compatibility/2006">
+    <mc:Choice xmlns:p14="http://schemas.microsoft.com/office/powerpoint/2010/main" Requires="p14">
+      <p:transition spd="med" p14:dur="700">
+        <p:fade/>
+      </p:transition>
+    </mc:Choice>
+    <mc:Fallback>
+      <p:transition spd="med">
+        <p:fade/>
+      </p:transition>
+    </mc:Fallback>
+  </mc:AlternateContent>
+</p:sld>
+</file>
+
 <file path=ppt/slides/slide2.xml><?xml version="1.0" encoding="utf-8"?>
 <p:sld xmlns:a="http://schemas.openxmlformats.org/drawingml/2006/main" xmlns:r="http://schemas.openxmlformats.org/officeDocument/2006/relationships" xmlns:p="http://schemas.openxmlformats.org/presentationml/2006/main">
   <p:cSld>
@@ -5619,6 +6377,546 @@
       </p:transition>
     </mc:Choice>
     <mc:Fallback xmlns="">
+      <p:transition spd="med">
+        <p:fade/>
+      </p:transition>
+    </mc:Fallback>
+  </mc:AlternateContent>
+</p:sld>
+</file>
+
+<file path=ppt/slides/slide9.xml><?xml version="1.0" encoding="utf-8"?>
+<p:sld xmlns:a="http://schemas.openxmlformats.org/drawingml/2006/main" xmlns:r="http://schemas.openxmlformats.org/officeDocument/2006/relationships" xmlns:p="http://schemas.openxmlformats.org/presentationml/2006/main">
+  <p:cSld>
+    <p:spTree>
+      <p:nvGrpSpPr>
+        <p:cNvPr id="1" name="">
+          <a:extLst>
+            <a:ext uri="{FF2B5EF4-FFF2-40B4-BE49-F238E27FC236}">
+              <a16:creationId xmlns:a16="http://schemas.microsoft.com/office/drawing/2014/main" id="{AC49DBCE-0CB6-1976-0621-DECFE228615B}"/>
+            </a:ext>
+          </a:extLst>
+        </p:cNvPr>
+        <p:cNvGrpSpPr/>
+        <p:nvPr/>
+      </p:nvGrpSpPr>
+      <p:grpSpPr>
+        <a:xfrm>
+          <a:off x="0" y="0"/>
+          <a:ext cx="0" cy="0"/>
+          <a:chOff x="0" y="0"/>
+          <a:chExt cx="0" cy="0"/>
+        </a:xfrm>
+      </p:grpSpPr>
+      <p:sp>
+        <p:nvSpPr>
+          <p:cNvPr id="7" name="Title 6">
+            <a:extLst>
+              <a:ext uri="{FF2B5EF4-FFF2-40B4-BE49-F238E27FC236}">
+                <a16:creationId xmlns:a16="http://schemas.microsoft.com/office/drawing/2014/main" id="{2C12208A-7499-390D-9116-58AC627C9D77}"/>
+              </a:ext>
+            </a:extLst>
+          </p:cNvPr>
+          <p:cNvSpPr>
+            <a:spLocks noGrp="1"/>
+          </p:cNvSpPr>
+          <p:nvPr>
+            <p:ph type="title"/>
+          </p:nvPr>
+        </p:nvSpPr>
+        <p:spPr>
+          <a:xfrm>
+            <a:off x="632461" y="580136"/>
+            <a:ext cx="1464354" cy="644175"/>
+          </a:xfrm>
+        </p:spPr>
+        <p:txBody>
+          <a:bodyPr/>
+          <a:lstStyle/>
+          <a:p>
+            <a:r>
+              <a:rPr lang="en-US" dirty="0">
+                <a:latin typeface="Kalinga" panose="020B0502040204020203" pitchFamily="34" charset="0"/>
+                <a:cs typeface="Kalinga" panose="020B0502040204020203" pitchFamily="34" charset="0"/>
+              </a:rPr>
+              <a:t>Reply to:</a:t>
+            </a:r>
+          </a:p>
+        </p:txBody>
+      </p:sp>
+      <p:sp>
+        <p:nvSpPr>
+          <p:cNvPr id="8" name="Text Placeholder 7">
+            <a:extLst>
+              <a:ext uri="{FF2B5EF4-FFF2-40B4-BE49-F238E27FC236}">
+                <a16:creationId xmlns:a16="http://schemas.microsoft.com/office/drawing/2014/main" id="{AA5F2F43-BB28-9422-0870-AB1291BA81C3}"/>
+              </a:ext>
+            </a:extLst>
+          </p:cNvPr>
+          <p:cNvSpPr>
+            <a:spLocks noGrp="1"/>
+          </p:cNvSpPr>
+          <p:nvPr>
+            <p:ph type="body" sz="quarter" idx="10"/>
+          </p:nvPr>
+        </p:nvSpPr>
+        <p:spPr>
+          <a:xfrm>
+            <a:off x="632459" y="0"/>
+            <a:ext cx="11286271" cy="518086"/>
+          </a:xfrm>
+        </p:spPr>
+        <p:txBody>
+          <a:bodyPr/>
+          <a:lstStyle/>
+          <a:p>
+            <a:r>
+              <a:rPr lang="en-US" dirty="0">
+                <a:latin typeface="Kalinga" panose="020B0502040204020203" pitchFamily="34" charset="0"/>
+                <a:cs typeface="Kalinga" panose="020B0502040204020203" pitchFamily="34" charset="0"/>
+              </a:rPr>
+              <a:t>Targeted replies – in prioritized order #3</a:t>
+            </a:r>
+          </a:p>
+        </p:txBody>
+      </p:sp>
+      <p:sp>
+        <p:nvSpPr>
+          <p:cNvPr id="10" name="TextBox 9">
+            <a:extLst>
+              <a:ext uri="{FF2B5EF4-FFF2-40B4-BE49-F238E27FC236}">
+                <a16:creationId xmlns:a16="http://schemas.microsoft.com/office/drawing/2014/main" id="{8699C60B-D61C-2CF2-A9E5-4C3AF87D2533}"/>
+              </a:ext>
+            </a:extLst>
+          </p:cNvPr>
+          <p:cNvSpPr txBox="1"/>
+          <p:nvPr/>
+        </p:nvSpPr>
+        <p:spPr>
+          <a:xfrm>
+            <a:off x="631825" y="5472619"/>
+            <a:ext cx="11160782" cy="153888"/>
+          </a:xfrm>
+          <a:prstGeom prst="rect">
+            <a:avLst/>
+          </a:prstGeom>
+        </p:spPr>
+        <p:txBody>
+          <a:bodyPr wrap="square" lIns="0" tIns="0" rIns="0" bIns="0" rtlCol="0" anchor="t" anchorCtr="0">
+            <a:spAutoFit/>
+          </a:bodyPr>
+          <a:lstStyle/>
+          <a:p>
+            <a:pPr algn="l"/>
+            <a:r>
+              <a:rPr lang="en-GB" sz="1000" dirty="0" err="1">
+                <a:solidFill>
+                  <a:schemeClr val="accent2"/>
+                </a:solidFill>
+                <a:latin typeface="Aptos" panose="020B0004020202020204" pitchFamily="34" charset="0"/>
+                <a:cs typeface="Arial" panose="020B0604020202020204" pitchFamily="34" charset="0"/>
+              </a:rPr>
+              <a:t>r</a:t>
+            </a:r>
+            <a:r>
+              <a:rPr lang="en-GB" sz="1000" b="0" i="0" dirty="0" err="1">
+                <a:solidFill>
+                  <a:schemeClr val="accent2"/>
+                </a:solidFill>
+                <a:effectLst/>
+                <a:latin typeface="Aptos" panose="020B0004020202020204" pitchFamily="34" charset="0"/>
+                <a:cs typeface="Arial" panose="020B0604020202020204" pitchFamily="34" charset="0"/>
+              </a:rPr>
+              <a:t>eply_rationale</a:t>
+            </a:r>
+            <a:endParaRPr lang="en-US" sz="1000" b="0" dirty="0">
+              <a:solidFill>
+                <a:schemeClr val="accent2"/>
+              </a:solidFill>
+              <a:latin typeface="Aptos" panose="020B0004020202020204" pitchFamily="34" charset="0"/>
+              <a:cs typeface="Arial" panose="020B0604020202020204" pitchFamily="34" charset="0"/>
+            </a:endParaRPr>
+          </a:p>
+        </p:txBody>
+      </p:sp>
+      <p:cxnSp>
+        <p:nvCxnSpPr>
+          <p:cNvPr id="12" name="Straight Connector 11">
+            <a:extLst>
+              <a:ext uri="{FF2B5EF4-FFF2-40B4-BE49-F238E27FC236}">
+                <a16:creationId xmlns:a16="http://schemas.microsoft.com/office/drawing/2014/main" id="{B3FFC4D0-750B-50C6-C3E1-AED036678DE1}"/>
+              </a:ext>
+            </a:extLst>
+          </p:cNvPr>
+          <p:cNvCxnSpPr/>
+          <p:nvPr/>
+        </p:nvCxnSpPr>
+        <p:spPr>
+          <a:xfrm>
+            <a:off x="631825" y="5344519"/>
+            <a:ext cx="10927715" cy="0"/>
+          </a:xfrm>
+          <a:prstGeom prst="line">
+            <a:avLst/>
+          </a:prstGeom>
+          <a:ln w="22225">
+            <a:solidFill>
+              <a:schemeClr val="accent3"/>
+            </a:solidFill>
+          </a:ln>
+          <a:effectLst/>
+        </p:spPr>
+        <p:style>
+          <a:lnRef idx="2">
+            <a:schemeClr val="accent1"/>
+          </a:lnRef>
+          <a:fillRef idx="0">
+            <a:schemeClr val="accent1"/>
+          </a:fillRef>
+          <a:effectRef idx="1">
+            <a:schemeClr val="accent1"/>
+          </a:effectRef>
+          <a:fontRef idx="minor">
+            <a:schemeClr val="tx1"/>
+          </a:fontRef>
+        </p:style>
+      </p:cxnSp>
+      <p:sp>
+        <p:nvSpPr>
+          <p:cNvPr id="15" name="TextBox 14">
+            <a:extLst>
+              <a:ext uri="{FF2B5EF4-FFF2-40B4-BE49-F238E27FC236}">
+                <a16:creationId xmlns:a16="http://schemas.microsoft.com/office/drawing/2014/main" id="{D869244D-BF84-0C6E-0ADF-7B8A8C569C18}"/>
+              </a:ext>
+            </a:extLst>
+          </p:cNvPr>
+          <p:cNvSpPr txBox="1"/>
+          <p:nvPr/>
+        </p:nvSpPr>
+        <p:spPr>
+          <a:xfrm>
+            <a:off x="631825" y="1539631"/>
+            <a:ext cx="1859128" cy="246221"/>
+          </a:xfrm>
+          <a:prstGeom prst="rect">
+            <a:avLst/>
+          </a:prstGeom>
+        </p:spPr>
+        <p:txBody>
+          <a:bodyPr wrap="square" lIns="0" tIns="0" rIns="0" bIns="0" rtlCol="0" anchor="t" anchorCtr="0">
+            <a:spAutoFit/>
+          </a:bodyPr>
+          <a:lstStyle/>
+          <a:p>
+            <a:pPr>
+              <a:buNone/>
+            </a:pPr>
+            <a:r>
+              <a:rPr lang="en-GB" sz="1600" b="1" dirty="0">
+                <a:solidFill>
+                  <a:schemeClr val="accent2"/>
+                </a:solidFill>
+                <a:latin typeface="Aptos" panose="020B0004020202020204" pitchFamily="34" charset="0"/>
+              </a:rPr>
+              <a:t>Summary of post:</a:t>
+            </a:r>
+            <a:endParaRPr lang="en-US" sz="1200" b="0" dirty="0"/>
+          </a:p>
+        </p:txBody>
+      </p:sp>
+      <p:sp>
+        <p:nvSpPr>
+          <p:cNvPr id="2" name="TextBox 1">
+            <a:extLst>
+              <a:ext uri="{FF2B5EF4-FFF2-40B4-BE49-F238E27FC236}">
+                <a16:creationId xmlns:a16="http://schemas.microsoft.com/office/drawing/2014/main" id="{F642A84F-0A2B-E7F5-A03D-9A7C6B50D2EC}"/>
+              </a:ext>
+            </a:extLst>
+          </p:cNvPr>
+          <p:cNvSpPr txBox="1"/>
+          <p:nvPr/>
+        </p:nvSpPr>
+        <p:spPr>
+          <a:xfrm>
+            <a:off x="631824" y="2373840"/>
+            <a:ext cx="2142907" cy="246221"/>
+          </a:xfrm>
+          <a:prstGeom prst="rect">
+            <a:avLst/>
+          </a:prstGeom>
+        </p:spPr>
+        <p:txBody>
+          <a:bodyPr wrap="square" lIns="0" tIns="0" rIns="0" bIns="0" rtlCol="0" anchor="t" anchorCtr="0">
+            <a:spAutoFit/>
+          </a:bodyPr>
+          <a:lstStyle/>
+          <a:p>
+            <a:pPr>
+              <a:buNone/>
+            </a:pPr>
+            <a:r>
+              <a:rPr lang="en-GB" sz="1600" b="1" dirty="0">
+                <a:solidFill>
+                  <a:schemeClr val="accent2"/>
+                </a:solidFill>
+                <a:latin typeface="Aptos" panose="020B0004020202020204" pitchFamily="34" charset="0"/>
+              </a:rPr>
+              <a:t>View post on LinkedIn:</a:t>
+            </a:r>
+            <a:endParaRPr lang="en-US" sz="1200" dirty="0"/>
+          </a:p>
+        </p:txBody>
+      </p:sp>
+      <p:sp>
+        <p:nvSpPr>
+          <p:cNvPr id="3" name="TextBox 2">
+            <a:extLst>
+              <a:ext uri="{FF2B5EF4-FFF2-40B4-BE49-F238E27FC236}">
+                <a16:creationId xmlns:a16="http://schemas.microsoft.com/office/drawing/2014/main" id="{CDF056E9-B6D7-7F2B-7016-197A7B8A7FE6}"/>
+              </a:ext>
+            </a:extLst>
+          </p:cNvPr>
+          <p:cNvSpPr txBox="1"/>
+          <p:nvPr/>
+        </p:nvSpPr>
+        <p:spPr>
+          <a:xfrm>
+            <a:off x="631824" y="2892072"/>
+            <a:ext cx="3120369" cy="276999"/>
+          </a:xfrm>
+          <a:prstGeom prst="rect">
+            <a:avLst/>
+          </a:prstGeom>
+        </p:spPr>
+        <p:txBody>
+          <a:bodyPr wrap="square" lIns="0" tIns="0" rIns="0" bIns="0" rtlCol="0" anchor="t" anchorCtr="0">
+            <a:spAutoFit/>
+          </a:bodyPr>
+          <a:lstStyle/>
+          <a:p>
+            <a:pPr>
+              <a:buNone/>
+            </a:pPr>
+            <a:r>
+              <a:rPr lang="en-GB" sz="1800" b="1" dirty="0">
+                <a:solidFill>
+                  <a:srgbClr val="7030A0"/>
+                </a:solidFill>
+                <a:latin typeface="Aptos" panose="020B0004020202020204" pitchFamily="34" charset="0"/>
+              </a:rPr>
+              <a:t>Suggested draft response:</a:t>
+            </a:r>
+            <a:endParaRPr lang="en-US" sz="1800" dirty="0"/>
+          </a:p>
+        </p:txBody>
+      </p:sp>
+      <p:sp>
+        <p:nvSpPr>
+          <p:cNvPr id="4" name="TextBox 3">
+            <a:extLst>
+              <a:ext uri="{FF2B5EF4-FFF2-40B4-BE49-F238E27FC236}">
+                <a16:creationId xmlns:a16="http://schemas.microsoft.com/office/drawing/2014/main" id="{E5E3346D-D0BB-4418-46E2-FBB4BA0EABD6}"/>
+              </a:ext>
+            </a:extLst>
+          </p:cNvPr>
+          <p:cNvSpPr txBox="1"/>
+          <p:nvPr/>
+        </p:nvSpPr>
+        <p:spPr>
+          <a:xfrm>
+            <a:off x="2360777" y="1539631"/>
+            <a:ext cx="9557954" cy="246221"/>
+          </a:xfrm>
+          <a:prstGeom prst="rect">
+            <a:avLst/>
+          </a:prstGeom>
+        </p:spPr>
+        <p:txBody>
+          <a:bodyPr wrap="square" lIns="0" tIns="0" rIns="0" bIns="0" rtlCol="0" anchor="t" anchorCtr="0">
+            <a:spAutoFit/>
+          </a:bodyPr>
+          <a:lstStyle/>
+          <a:p>
+            <a:pPr>
+              <a:buNone/>
+            </a:pPr>
+            <a:r>
+              <a:rPr lang="en-GB" sz="1600" dirty="0" err="1">
+                <a:solidFill>
+                  <a:schemeClr val="accent2"/>
+                </a:solidFill>
+                <a:latin typeface="Aptos" panose="020B0004020202020204" pitchFamily="34" charset="0"/>
+              </a:rPr>
+              <a:t>original_post_summary</a:t>
+            </a:r>
+            <a:endParaRPr lang="en-US" sz="1200" b="0" dirty="0"/>
+          </a:p>
+        </p:txBody>
+      </p:sp>
+      <p:sp>
+        <p:nvSpPr>
+          <p:cNvPr id="11" name="TextBox 10">
+            <a:extLst>
+              <a:ext uri="{FF2B5EF4-FFF2-40B4-BE49-F238E27FC236}">
+                <a16:creationId xmlns:a16="http://schemas.microsoft.com/office/drawing/2014/main" id="{1A2E8270-EF59-CDB0-BFD3-29D7DF30C296}"/>
+              </a:ext>
+            </a:extLst>
+          </p:cNvPr>
+          <p:cNvSpPr txBox="1"/>
+          <p:nvPr/>
+        </p:nvSpPr>
+        <p:spPr>
+          <a:xfrm>
+            <a:off x="2774731" y="2373840"/>
+            <a:ext cx="9017874" cy="246221"/>
+          </a:xfrm>
+          <a:prstGeom prst="rect">
+            <a:avLst/>
+          </a:prstGeom>
+        </p:spPr>
+        <p:txBody>
+          <a:bodyPr wrap="square" lIns="0" tIns="0" rIns="0" bIns="0" rtlCol="0" anchor="t" anchorCtr="0">
+            <a:spAutoFit/>
+          </a:bodyPr>
+          <a:lstStyle/>
+          <a:p>
+            <a:pPr>
+              <a:buNone/>
+            </a:pPr>
+            <a:r>
+              <a:rPr lang="en-GB" sz="1600" dirty="0" err="1">
+                <a:solidFill>
+                  <a:schemeClr val="accent2"/>
+                </a:solidFill>
+                <a:latin typeface="Aptos" panose="020B0004020202020204" pitchFamily="34" charset="0"/>
+              </a:rPr>
+              <a:t>post_URL</a:t>
+            </a:r>
+            <a:endParaRPr lang="en-US" sz="1200" b="0" dirty="0"/>
+          </a:p>
+        </p:txBody>
+      </p:sp>
+      <p:sp>
+        <p:nvSpPr>
+          <p:cNvPr id="13" name="TextBox 12">
+            <a:extLst>
+              <a:ext uri="{FF2B5EF4-FFF2-40B4-BE49-F238E27FC236}">
+                <a16:creationId xmlns:a16="http://schemas.microsoft.com/office/drawing/2014/main" id="{F4D9863B-9648-30BA-9750-096042B6FBD3}"/>
+              </a:ext>
+            </a:extLst>
+          </p:cNvPr>
+          <p:cNvSpPr txBox="1"/>
+          <p:nvPr/>
+        </p:nvSpPr>
+        <p:spPr>
+          <a:xfrm>
+            <a:off x="631823" y="3270098"/>
+            <a:ext cx="10927715" cy="246221"/>
+          </a:xfrm>
+          <a:prstGeom prst="rect">
+            <a:avLst/>
+          </a:prstGeom>
+        </p:spPr>
+        <p:txBody>
+          <a:bodyPr wrap="square" lIns="0" tIns="0" rIns="0" bIns="0" rtlCol="0" anchor="t" anchorCtr="0">
+            <a:spAutoFit/>
+          </a:bodyPr>
+          <a:lstStyle/>
+          <a:p>
+            <a:pPr>
+              <a:buNone/>
+            </a:pPr>
+            <a:r>
+              <a:rPr lang="en-GB" sz="1600" dirty="0" err="1">
+                <a:solidFill>
+                  <a:schemeClr val="accent2"/>
+                </a:solidFill>
+                <a:latin typeface="Aptos" panose="020B0004020202020204" pitchFamily="34" charset="0"/>
+              </a:rPr>
+              <a:t>draft_reply</a:t>
+            </a:r>
+            <a:endParaRPr lang="en-US" sz="1600" dirty="0"/>
+          </a:p>
+        </p:txBody>
+      </p:sp>
+      <p:sp>
+        <p:nvSpPr>
+          <p:cNvPr id="17" name="Title 6">
+            <a:extLst>
+              <a:ext uri="{FF2B5EF4-FFF2-40B4-BE49-F238E27FC236}">
+                <a16:creationId xmlns:a16="http://schemas.microsoft.com/office/drawing/2014/main" id="{6A533003-DDF1-28A3-D630-389C4EF2646A}"/>
+              </a:ext>
+            </a:extLst>
+          </p:cNvPr>
+          <p:cNvSpPr txBox="1">
+            <a:spLocks/>
+          </p:cNvSpPr>
+          <p:nvPr/>
+        </p:nvSpPr>
+        <p:spPr>
+          <a:xfrm>
+            <a:off x="2096814" y="580136"/>
+            <a:ext cx="9557954" cy="644175"/>
+          </a:xfrm>
+          <a:prstGeom prst="rect">
+            <a:avLst/>
+          </a:prstGeom>
+        </p:spPr>
+        <p:txBody>
+          <a:bodyPr vert="horz" lIns="0" tIns="0" rIns="0" bIns="0" rtlCol="0" anchor="t" anchorCtr="0">
+            <a:normAutofit/>
+          </a:bodyPr>
+          <a:lstStyle>
+            <a:lvl1pPr algn="l" defTabSz="609555" rtl="0" eaLnBrk="1" latinLnBrk="0" hangingPunct="1">
+              <a:lnSpc>
+                <a:spcPct val="100000"/>
+              </a:lnSpc>
+              <a:spcBef>
+                <a:spcPct val="0"/>
+              </a:spcBef>
+              <a:buNone/>
+              <a:defRPr lang="en-US" sz="2600" b="1" kern="1200" spc="-20" baseline="0" dirty="0">
+                <a:solidFill>
+                  <a:schemeClr val="bg1"/>
+                </a:solidFill>
+                <a:latin typeface="+mj-lt"/>
+                <a:ea typeface="+mj-ea"/>
+                <a:cs typeface="+mj-cs"/>
+              </a:defRPr>
+            </a:lvl1pPr>
+          </a:lstStyle>
+          <a:p>
+            <a:r>
+              <a:rPr lang="en-GB" dirty="0" err="1">
+                <a:latin typeface="Kalinga" panose="020B0502040204020203" pitchFamily="34" charset="0"/>
+                <a:cs typeface="Kalinga" panose="020B0502040204020203" pitchFamily="34" charset="0"/>
+              </a:rPr>
+              <a:t>original_poster</a:t>
+            </a:r>
+            <a:endParaRPr lang="en-GB" dirty="0">
+              <a:latin typeface="Kalinga" panose="020B0502040204020203" pitchFamily="34" charset="0"/>
+              <a:cs typeface="Kalinga" panose="020B0502040204020203" pitchFamily="34" charset="0"/>
+            </a:endParaRPr>
+          </a:p>
+        </p:txBody>
+      </p:sp>
+    </p:spTree>
+    <p:extLst>
+      <p:ext uri="{BB962C8B-B14F-4D97-AF65-F5344CB8AC3E}">
+        <p14:creationId xmlns:p14="http://schemas.microsoft.com/office/powerpoint/2010/main" val="362609513"/>
+      </p:ext>
+    </p:extLst>
+  </p:cSld>
+  <p:clrMapOvr>
+    <a:masterClrMapping/>
+  </p:clrMapOvr>
+  <mc:AlternateContent xmlns:mc="http://schemas.openxmlformats.org/markup-compatibility/2006">
+    <mc:Choice xmlns:p14="http://schemas.microsoft.com/office/powerpoint/2010/main" Requires="p14">
+      <p:transition spd="med" p14:dur="700">
+        <p:fade/>
+      </p:transition>
+    </mc:Choice>
+    <mc:Fallback>
       <p:transition spd="med">
         <p:fade/>
       </p:transition>
@@ -6304,14 +7602,12 @@
 </file>
 
 <file path=customXml/item1.xml><?xml version="1.0" encoding="utf-8"?>
-<p:properties xmlns:p="http://schemas.microsoft.com/office/2006/metadata/properties" xmlns:xsi="http://www.w3.org/2001/XMLSchema-instance" xmlns:pc="http://schemas.microsoft.com/office/infopath/2007/PartnerControls">
-  <documentManagement>
-    <TaxCatchAll xmlns="9bea065c-4598-471b-a0d8-b208471d6a41" xsi:nil="true"/>
-    <lcf76f155ced4ddcb4097134ff3c332f xmlns="737cdb0d-9f15-48ec-9529-975a91239bb1">
-      <Terms xmlns="http://schemas.microsoft.com/office/infopath/2007/PartnerControls"/>
-    </lcf76f155ced4ddcb4097134ff3c332f>
-  </documentManagement>
-</p:properties>
+<?mso-contentType ?>
+<FormTemplates xmlns="http://schemas.microsoft.com/sharepoint/v3/contenttype/forms">
+  <Display>DocumentLibraryForm</Display>
+  <Edit>DocumentLibraryForm</Edit>
+  <New>DocumentLibraryForm</New>
+</FormTemplates>
 </file>
 
 <file path=customXml/item2.xml><?xml version="1.0" encoding="utf-8"?>
@@ -6550,27 +7846,20 @@
 </file>
 
 <file path=customXml/item3.xml><?xml version="1.0" encoding="utf-8"?>
-<?mso-contentType ?>
-<FormTemplates xmlns="http://schemas.microsoft.com/sharepoint/v3/contenttype/forms">
-  <Display>DocumentLibraryForm</Display>
-  <Edit>DocumentLibraryForm</Edit>
-  <New>DocumentLibraryForm</New>
-</FormTemplates>
+<p:properties xmlns:p="http://schemas.microsoft.com/office/2006/metadata/properties" xmlns:xsi="http://www.w3.org/2001/XMLSchema-instance" xmlns:pc="http://schemas.microsoft.com/office/infopath/2007/PartnerControls">
+  <documentManagement>
+    <TaxCatchAll xmlns="9bea065c-4598-471b-a0d8-b208471d6a41" xsi:nil="true"/>
+    <lcf76f155ced4ddcb4097134ff3c332f xmlns="737cdb0d-9f15-48ec-9529-975a91239bb1">
+      <Terms xmlns="http://schemas.microsoft.com/office/infopath/2007/PartnerControls"/>
+    </lcf76f155ced4ddcb4097134ff3c332f>
+  </documentManagement>
+</p:properties>
 </file>
 
 <file path=customXml/itemProps1.xml><?xml version="1.0" encoding="utf-8"?>
-<ds:datastoreItem xmlns:ds="http://schemas.openxmlformats.org/officeDocument/2006/customXml" ds:itemID="{9674E985-4D59-45AB-8970-AD8E2C92CE21}">
+<ds:datastoreItem xmlns:ds="http://schemas.openxmlformats.org/officeDocument/2006/customXml" ds:itemID="{3BB299B6-1159-4940-B296-E198453C8E80}">
   <ds:schemaRefs>
-    <ds:schemaRef ds:uri="http://schemas.microsoft.com/office/2006/documentManagement/types"/>
-    <ds:schemaRef ds:uri="http://purl.org/dc/elements/1.1/"/>
-    <ds:schemaRef ds:uri="http://schemas.microsoft.com/office/2006/metadata/properties"/>
-    <ds:schemaRef ds:uri="http://www.w3.org/XML/1998/namespace"/>
-    <ds:schemaRef ds:uri="http://purl.org/dc/terms/"/>
-    <ds:schemaRef ds:uri="9bea065c-4598-471b-a0d8-b208471d6a41"/>
-    <ds:schemaRef ds:uri="http://schemas.microsoft.com/office/infopath/2007/PartnerControls"/>
-    <ds:schemaRef ds:uri="http://schemas.openxmlformats.org/package/2006/metadata/core-properties"/>
-    <ds:schemaRef ds:uri="737cdb0d-9f15-48ec-9529-975a91239bb1"/>
-    <ds:schemaRef ds:uri="http://purl.org/dc/dcmitype/"/>
+    <ds:schemaRef ds:uri="http://schemas.microsoft.com/sharepoint/v3/contenttype/forms"/>
   </ds:schemaRefs>
 </ds:datastoreItem>
 </file>
@@ -6595,9 +7884,18 @@
 </file>
 
 <file path=customXml/itemProps3.xml><?xml version="1.0" encoding="utf-8"?>
-<ds:datastoreItem xmlns:ds="http://schemas.openxmlformats.org/officeDocument/2006/customXml" ds:itemID="{3BB299B6-1159-4940-B296-E198453C8E80}">
+<ds:datastoreItem xmlns:ds="http://schemas.openxmlformats.org/officeDocument/2006/customXml" ds:itemID="{9674E985-4D59-45AB-8970-AD8E2C92CE21}">
   <ds:schemaRefs>
-    <ds:schemaRef ds:uri="http://schemas.microsoft.com/sharepoint/v3/contenttype/forms"/>
+    <ds:schemaRef ds:uri="http://schemas.microsoft.com/office/2006/documentManagement/types"/>
+    <ds:schemaRef ds:uri="http://purl.org/dc/elements/1.1/"/>
+    <ds:schemaRef ds:uri="http://schemas.microsoft.com/office/2006/metadata/properties"/>
+    <ds:schemaRef ds:uri="http://www.w3.org/XML/1998/namespace"/>
+    <ds:schemaRef ds:uri="http://purl.org/dc/terms/"/>
+    <ds:schemaRef ds:uri="9bea065c-4598-471b-a0d8-b208471d6a41"/>
+    <ds:schemaRef ds:uri="http://schemas.microsoft.com/office/infopath/2007/PartnerControls"/>
+    <ds:schemaRef ds:uri="http://schemas.openxmlformats.org/package/2006/metadata/core-properties"/>
+    <ds:schemaRef ds:uri="737cdb0d-9f15-48ec-9529-975a91239bb1"/>
+    <ds:schemaRef ds:uri="http://purl.org/dc/dcmitype/"/>
   </ds:schemaRefs>
 </ds:datastoreItem>
 </file>
--- a/Linkedin_Master_Template.pptx
+++ b/Linkedin_Master_Template.pptx
@@ -3170,7 +3170,7 @@
           <a:lstStyle/>
           <a:p>
             <a:r>
-              <a:rPr lang="en-GB" noProof="1">
+              <a:rPr lang="en-US" noProof="1">
                 <a:latin typeface="Aptos" panose="020B0004020202020204" pitchFamily="34" charset="0"/>
               </a:rPr>
               <a:t>subject_line</a:t>
@@ -3200,7 +3200,7 @@
           <a:lstStyle/>
           <a:p>
             <a:r>
-              <a:rPr lang="en-GB" noProof="1">
+              <a:rPr lang="en-US" noProof="1">
                 <a:solidFill>
                   <a:schemeClr val="accent2"/>
                 </a:solidFill>
@@ -3274,7 +3274,7 @@
           <a:lstStyle/>
           <a:p>
             <a:r>
-              <a:rPr lang="en-US" dirty="0">
+              <a:rPr lang="en-US" noProof="1">
                 <a:latin typeface="Kalinga" panose="020B0502040204020203" pitchFamily="34" charset="0"/>
                 <a:cs typeface="Kalinga" panose="020B0502040204020203" pitchFamily="34" charset="0"/>
               </a:rPr>
@@ -3310,7 +3310,7 @@
           <a:lstStyle/>
           <a:p>
             <a:r>
-              <a:rPr lang="en-US" dirty="0">
+              <a:rPr lang="en-US" noProof="1">
                 <a:latin typeface="Kalinga" panose="020B0502040204020203" pitchFamily="34" charset="0"/>
                 <a:cs typeface="Kalinga" panose="020B0502040204020203" pitchFamily="34" charset="0"/>
               </a:rPr>
@@ -3348,7 +3348,7 @@
           <a:p>
             <a:pPr algn="l"/>
             <a:r>
-              <a:rPr lang="en-GB" sz="1000" dirty="0" err="1">
+              <a:rPr lang="en-US" sz="1000" noProof="1">
                 <a:solidFill>
                   <a:schemeClr val="accent2"/>
                 </a:solidFill>
@@ -3358,7 +3358,7 @@
               <a:t>r</a:t>
             </a:r>
             <a:r>
-              <a:rPr lang="en-GB" sz="1000" b="0" i="0" dirty="0" err="1">
+              <a:rPr lang="en-US" sz="1000" b="0" i="0" noProof="1">
                 <a:solidFill>
                   <a:schemeClr val="accent2"/>
                 </a:solidFill>
@@ -3368,7 +3368,7 @@
               </a:rPr>
               <a:t>eply_rationale</a:t>
             </a:r>
-            <a:endParaRPr lang="en-US" sz="1000" b="0" dirty="0">
+            <a:endParaRPr lang="en-US" sz="1000" b="0" noProof="1">
               <a:solidFill>
                 <a:schemeClr val="accent2"/>
               </a:solidFill>
@@ -3451,7 +3451,7 @@
               <a:buNone/>
             </a:pPr>
             <a:r>
-              <a:rPr lang="en-GB" sz="1600" b="1" dirty="0">
+              <a:rPr lang="en-US" sz="1600" b="1" noProof="1">
                 <a:solidFill>
                   <a:schemeClr val="accent2"/>
                 </a:solidFill>
@@ -3459,7 +3459,7 @@
               </a:rPr>
               <a:t>Summary of post:</a:t>
             </a:r>
-            <a:endParaRPr lang="en-US" sz="1200" b="0" dirty="0"/>
+            <a:endParaRPr lang="en-US" sz="1200" b="0" noProof="1"/>
           </a:p>
         </p:txBody>
       </p:sp>
@@ -3494,7 +3494,7 @@
               <a:buNone/>
             </a:pPr>
             <a:r>
-              <a:rPr lang="en-GB" sz="1600" b="1" dirty="0">
+              <a:rPr lang="en-US" sz="1600" b="1" noProof="1">
                 <a:solidFill>
                   <a:schemeClr val="accent2"/>
                 </a:solidFill>
@@ -3502,7 +3502,7 @@
               </a:rPr>
               <a:t>View post on LinkedIn:</a:t>
             </a:r>
-            <a:endParaRPr lang="en-US" sz="1200" dirty="0"/>
+            <a:endParaRPr lang="en-US" sz="1200" noProof="1"/>
           </a:p>
         </p:txBody>
       </p:sp>
@@ -3537,7 +3537,7 @@
               <a:buNone/>
             </a:pPr>
             <a:r>
-              <a:rPr lang="en-GB" sz="1800" b="1" dirty="0">
+              <a:rPr lang="en-US" sz="1800" b="1" noProof="1">
                 <a:solidFill>
                   <a:srgbClr val="7030A0"/>
                 </a:solidFill>
@@ -3545,7 +3545,7 @@
               </a:rPr>
               <a:t>Suggested draft response:</a:t>
             </a:r>
-            <a:endParaRPr lang="en-US" sz="1800" dirty="0"/>
+            <a:endParaRPr lang="en-US" sz="1800" noProof="1"/>
           </a:p>
         </p:txBody>
       </p:sp>
@@ -3580,7 +3580,7 @@
               <a:buNone/>
             </a:pPr>
             <a:r>
-              <a:rPr lang="en-GB" sz="1600" dirty="0" err="1">
+              <a:rPr lang="en-US" sz="1600" noProof="1">
                 <a:solidFill>
                   <a:schemeClr val="accent2"/>
                 </a:solidFill>
@@ -3588,7 +3588,7 @@
               </a:rPr>
               <a:t>original_post_summary</a:t>
             </a:r>
-            <a:endParaRPr lang="en-US" sz="1200" b="0" dirty="0"/>
+            <a:endParaRPr lang="en-US" sz="1200" b="0" noProof="1"/>
           </a:p>
         </p:txBody>
       </p:sp>
@@ -3623,7 +3623,7 @@
               <a:buNone/>
             </a:pPr>
             <a:r>
-              <a:rPr lang="en-GB" sz="1600" dirty="0" err="1">
+              <a:rPr lang="en-US" sz="1600" noProof="1">
                 <a:solidFill>
                   <a:schemeClr val="accent2"/>
                 </a:solidFill>
@@ -3631,7 +3631,7 @@
               </a:rPr>
               <a:t>post_URL</a:t>
             </a:r>
-            <a:endParaRPr lang="en-US" sz="1200" b="0" dirty="0"/>
+            <a:endParaRPr lang="en-US" sz="1200" b="0" noProof="1"/>
           </a:p>
         </p:txBody>
       </p:sp>
@@ -3666,7 +3666,7 @@
               <a:buNone/>
             </a:pPr>
             <a:r>
-              <a:rPr lang="en-GB" sz="1600" dirty="0" err="1">
+              <a:rPr lang="en-US" sz="1600" noProof="1">
                 <a:solidFill>
                   <a:schemeClr val="accent2"/>
                 </a:solidFill>
@@ -3674,7 +3674,7 @@
               </a:rPr>
               <a:t>draft_reply</a:t>
             </a:r>
-            <a:endParaRPr lang="en-US" sz="1600" dirty="0"/>
+            <a:endParaRPr lang="en-US" sz="1600" noProof="1"/>
           </a:p>
         </p:txBody>
       </p:sp>
@@ -3726,16 +3726,12 @@
           </a:lstStyle>
           <a:p>
             <a:r>
-              <a:rPr lang="en-GB" dirty="0" err="1">
+              <a:rPr lang="en-US" noProof="1">
                 <a:latin typeface="Kalinga" panose="020B0502040204020203" pitchFamily="34" charset="0"/>
                 <a:cs typeface="Kalinga" panose="020B0502040204020203" pitchFamily="34" charset="0"/>
               </a:rPr>
               <a:t>original_poster</a:t>
             </a:r>
-            <a:endParaRPr lang="en-GB" dirty="0">
-              <a:latin typeface="Kalinga" panose="020B0502040204020203" pitchFamily="34" charset="0"/>
-              <a:cs typeface="Kalinga" panose="020B0502040204020203" pitchFamily="34" charset="0"/>
-            </a:endParaRPr>
           </a:p>
         </p:txBody>
       </p:sp>
@@ -3749,13 +3745,13 @@
   <p:clrMapOvr>
     <a:masterClrMapping/>
   </p:clrMapOvr>
-  <mc:AlternateContent xmlns:mc="http://schemas.openxmlformats.org/markup-compatibility/2006">
-    <mc:Choice xmlns:p14="http://schemas.microsoft.com/office/powerpoint/2010/main" Requires="p14">
+  <mc:AlternateContent xmlns:mc="http://schemas.openxmlformats.org/markup-compatibility/2006" xmlns:p14="http://schemas.microsoft.com/office/powerpoint/2010/main">
+    <mc:Choice Requires="p14">
       <p:transition spd="med" p14:dur="700">
         <p:fade/>
       </p:transition>
     </mc:Choice>
-    <mc:Fallback>
+    <mc:Fallback xmlns="">
       <p:transition spd="med">
         <p:fade/>
       </p:transition>
@@ -3803,7 +3799,7 @@
           <a:lstStyle/>
           <a:p>
             <a:r>
-              <a:rPr lang="en-US" dirty="0">
+              <a:rPr lang="en-US" noProof="1">
                 <a:latin typeface="Kalinga" panose="020B0502040204020203" pitchFamily="34" charset="0"/>
                 <a:cs typeface="Kalinga" panose="020B0502040204020203" pitchFamily="34" charset="0"/>
               </a:rPr>
@@ -3849,7 +3845,7 @@
               </a:spcAft>
             </a:pPr>
             <a:r>
-              <a:rPr lang="en-GB" sz="1500" kern="100" dirty="0" err="1">
+              <a:rPr lang="en-US" sz="1500" kern="100" noProof="1">
                 <a:solidFill>
                   <a:schemeClr val="accent2"/>
                 </a:solidFill>
@@ -3859,7 +3855,7 @@
               </a:rPr>
               <a:t>Column_text</a:t>
             </a:r>
-            <a:endParaRPr lang="en-GB" sz="1500" kern="100" dirty="0">
+            <a:endParaRPr lang="en-US" sz="1500" kern="100" noProof="1">
               <a:solidFill>
                 <a:schemeClr val="accent2"/>
               </a:solidFill>
@@ -3878,7 +3874,7 @@
                 <a:spcPts val="800"/>
               </a:spcAft>
             </a:pPr>
-            <a:endParaRPr lang="en-US" dirty="0"/>
+            <a:endParaRPr lang="en-US" noProof="1"/>
           </a:p>
         </p:txBody>
       </p:sp>
@@ -3946,7 +3942,7 @@
           <a:lstStyle/>
           <a:p>
             <a:r>
-              <a:rPr lang="en-US" dirty="0">
+              <a:rPr lang="en-US" noProof="1">
                 <a:latin typeface="Kalinga" panose="020B0502040204020203" pitchFamily="34" charset="0"/>
                 <a:cs typeface="Kalinga" panose="020B0502040204020203" pitchFamily="34" charset="0"/>
               </a:rPr>
@@ -3982,7 +3978,7 @@
           <a:lstStyle/>
           <a:p>
             <a:r>
-              <a:rPr lang="en-US" dirty="0">
+              <a:rPr lang="en-US" noProof="1">
                 <a:latin typeface="Kalinga" panose="020B0502040204020203" pitchFamily="34" charset="0"/>
                 <a:cs typeface="Kalinga" panose="020B0502040204020203" pitchFamily="34" charset="0"/>
               </a:rPr>
@@ -4017,7 +4013,7 @@
           <a:bodyPr/>
           <a:lstStyle/>
           <a:p>
-            <a:endParaRPr lang="en-US"/>
+            <a:endParaRPr lang="en-US" noProof="1"/>
           </a:p>
         </p:txBody>
       </p:sp>
@@ -4050,7 +4046,7 @@
           <a:p>
             <a:pPr algn="l"/>
             <a:r>
-              <a:rPr lang="en-GB" sz="1000" b="0" i="0" dirty="0">
+              <a:rPr lang="en-US" sz="1000" b="0" i="0" noProof="1">
                 <a:solidFill>
                   <a:schemeClr val="accent2"/>
                 </a:solidFill>
@@ -4060,7 +4056,7 @@
               </a:rPr>
               <a:t>rationale</a:t>
             </a:r>
-            <a:endParaRPr lang="en-US" sz="1000" b="0" dirty="0">
+            <a:endParaRPr lang="en-US" sz="1000" b="0" noProof="1">
               <a:solidFill>
                 <a:schemeClr val="accent2"/>
               </a:solidFill>
@@ -4143,7 +4139,7 @@
               <a:buNone/>
             </a:pPr>
             <a:r>
-              <a:rPr lang="en-GB" sz="1600" dirty="0" err="1">
+              <a:rPr lang="en-US" sz="1600" noProof="1">
                 <a:solidFill>
                   <a:schemeClr val="accent2"/>
                 </a:solidFill>
@@ -4151,16 +4147,10 @@
               </a:rPr>
               <a:t>post_proposal</a:t>
             </a:r>
-            <a:endParaRPr lang="en-GB" sz="1600" dirty="0">
-              <a:solidFill>
-                <a:schemeClr val="accent2"/>
-              </a:solidFill>
-              <a:latin typeface="Aptos" panose="020B0004020202020204" pitchFamily="34" charset="0"/>
-            </a:endParaRPr>
           </a:p>
           <a:p>
             <a:pPr algn="l"/>
-            <a:endParaRPr lang="en-US" sz="1200" b="0" dirty="0"/>
+            <a:endParaRPr lang="en-US" sz="1200" b="0" noProof="1"/>
           </a:p>
         </p:txBody>
       </p:sp>
@@ -4234,7 +4224,7 @@
           <a:lstStyle/>
           <a:p>
             <a:r>
-              <a:rPr lang="en-US" dirty="0">
+              <a:rPr lang="en-US" noProof="1">
                 <a:latin typeface="Kalinga" panose="020B0502040204020203" pitchFamily="34" charset="0"/>
                 <a:cs typeface="Kalinga" panose="020B0502040204020203" pitchFamily="34" charset="0"/>
               </a:rPr>
@@ -4270,7 +4260,7 @@
           <a:lstStyle/>
           <a:p>
             <a:r>
-              <a:rPr lang="en-US" dirty="0">
+              <a:rPr lang="en-US" noProof="1">
                 <a:latin typeface="Kalinga" panose="020B0502040204020203" pitchFamily="34" charset="0"/>
                 <a:cs typeface="Kalinga" panose="020B0502040204020203" pitchFamily="34" charset="0"/>
               </a:rPr>
@@ -4305,7 +4295,7 @@
           <a:bodyPr/>
           <a:lstStyle/>
           <a:p>
-            <a:endParaRPr lang="en-US"/>
+            <a:endParaRPr lang="en-US" noProof="1"/>
           </a:p>
         </p:txBody>
       </p:sp>
@@ -4338,7 +4328,7 @@
           <a:p>
             <a:pPr algn="l"/>
             <a:r>
-              <a:rPr lang="en-GB" sz="1000" b="0" i="0" dirty="0">
+              <a:rPr lang="en-US" sz="1000" b="0" i="0" noProof="1">
                 <a:solidFill>
                   <a:schemeClr val="accent2"/>
                 </a:solidFill>
@@ -4348,7 +4338,7 @@
               </a:rPr>
               <a:t>rationale</a:t>
             </a:r>
-            <a:endParaRPr lang="en-US" sz="1000" b="0" dirty="0">
+            <a:endParaRPr lang="en-US" sz="1000" b="0" noProof="1">
               <a:solidFill>
                 <a:schemeClr val="accent2"/>
               </a:solidFill>
@@ -4389,7 +4379,7 @@
               <a:buNone/>
             </a:pPr>
             <a:r>
-              <a:rPr lang="en-GB" sz="1600" dirty="0" err="1">
+              <a:rPr lang="en-US" sz="1600" noProof="1">
                 <a:solidFill>
                   <a:schemeClr val="accent2"/>
                 </a:solidFill>
@@ -4397,16 +4387,10 @@
               </a:rPr>
               <a:t>post_proposal</a:t>
             </a:r>
-            <a:endParaRPr lang="en-GB" sz="1600" dirty="0">
-              <a:solidFill>
-                <a:schemeClr val="accent2"/>
-              </a:solidFill>
-              <a:latin typeface="Aptos" panose="020B0004020202020204" pitchFamily="34" charset="0"/>
-            </a:endParaRPr>
           </a:p>
           <a:p>
             <a:pPr algn="l"/>
-            <a:endParaRPr lang="en-US" sz="1200" b="0" dirty="0"/>
+            <a:endParaRPr lang="en-US" sz="1200" b="0" noProof="1"/>
           </a:p>
         </p:txBody>
       </p:sp>
@@ -4522,7 +4506,7 @@
           <a:lstStyle/>
           <a:p>
             <a:r>
-              <a:rPr lang="en-US" dirty="0">
+              <a:rPr lang="en-US" noProof="1">
                 <a:latin typeface="Kalinga" panose="020B0502040204020203" pitchFamily="34" charset="0"/>
                 <a:cs typeface="Kalinga" panose="020B0502040204020203" pitchFamily="34" charset="0"/>
               </a:rPr>
@@ -4558,7 +4542,7 @@
           <a:lstStyle/>
           <a:p>
             <a:r>
-              <a:rPr lang="en-US" dirty="0">
+              <a:rPr lang="en-US" noProof="1">
                 <a:latin typeface="Kalinga" panose="020B0502040204020203" pitchFamily="34" charset="0"/>
                 <a:cs typeface="Kalinga" panose="020B0502040204020203" pitchFamily="34" charset="0"/>
               </a:rPr>
@@ -4593,7 +4577,7 @@
           <a:bodyPr/>
           <a:lstStyle/>
           <a:p>
-            <a:endParaRPr lang="en-US"/>
+            <a:endParaRPr lang="en-US" noProof="1"/>
           </a:p>
         </p:txBody>
       </p:sp>
@@ -4626,7 +4610,7 @@
           <a:p>
             <a:pPr algn="l"/>
             <a:r>
-              <a:rPr lang="en-GB" sz="1000" b="0" i="0" dirty="0">
+              <a:rPr lang="en-US" sz="1000" b="0" i="0" noProof="1">
                 <a:solidFill>
                   <a:schemeClr val="accent2"/>
                 </a:solidFill>
@@ -4636,7 +4620,7 @@
               </a:rPr>
               <a:t>rationale</a:t>
             </a:r>
-            <a:endParaRPr lang="en-US" sz="1000" b="0" dirty="0">
+            <a:endParaRPr lang="en-US" sz="1000" b="0" noProof="1">
               <a:solidFill>
                 <a:schemeClr val="accent2"/>
               </a:solidFill>
@@ -4719,7 +4703,7 @@
               <a:buNone/>
             </a:pPr>
             <a:r>
-              <a:rPr lang="en-GB" sz="1600" dirty="0" err="1">
+              <a:rPr lang="en-US" sz="1600" noProof="1">
                 <a:solidFill>
                   <a:schemeClr val="accent2"/>
                 </a:solidFill>
@@ -4727,16 +4711,10 @@
               </a:rPr>
               <a:t>post_proposal</a:t>
             </a:r>
-            <a:endParaRPr lang="en-GB" sz="1600" dirty="0">
-              <a:solidFill>
-                <a:schemeClr val="accent2"/>
-              </a:solidFill>
-              <a:latin typeface="Aptos" panose="020B0004020202020204" pitchFamily="34" charset="0"/>
-            </a:endParaRPr>
           </a:p>
           <a:p>
             <a:pPr algn="l"/>
-            <a:endParaRPr lang="en-US" sz="1200" b="0" dirty="0"/>
+            <a:endParaRPr lang="en-US" sz="1200" b="0" noProof="1"/>
           </a:p>
         </p:txBody>
       </p:sp>
@@ -4815,7 +4793,7 @@
           <a:lstStyle/>
           <a:p>
             <a:r>
-              <a:rPr lang="en-US" dirty="0">
+              <a:rPr lang="en-US" noProof="1">
                 <a:latin typeface="Kalinga" panose="020B0502040204020203" pitchFamily="34" charset="0"/>
                 <a:cs typeface="Kalinga" panose="020B0502040204020203" pitchFamily="34" charset="0"/>
               </a:rPr>
@@ -4851,7 +4829,7 @@
           <a:lstStyle/>
           <a:p>
             <a:r>
-              <a:rPr lang="en-US" dirty="0">
+              <a:rPr lang="en-US" noProof="1">
                 <a:latin typeface="Kalinga" panose="020B0502040204020203" pitchFamily="34" charset="0"/>
                 <a:cs typeface="Kalinga" panose="020B0502040204020203" pitchFamily="34" charset="0"/>
               </a:rPr>
@@ -4889,7 +4867,7 @@
           <a:p>
             <a:pPr algn="l"/>
             <a:r>
-              <a:rPr lang="en-GB" sz="1000" dirty="0" err="1">
+              <a:rPr lang="en-US" sz="1000" noProof="1">
                 <a:solidFill>
                   <a:schemeClr val="accent2"/>
                 </a:solidFill>
@@ -4899,7 +4877,7 @@
               <a:t>r</a:t>
             </a:r>
             <a:r>
-              <a:rPr lang="en-GB" sz="1000" b="0" i="0" dirty="0" err="1">
+              <a:rPr lang="en-US" sz="1000" b="0" i="0" noProof="1">
                 <a:solidFill>
                   <a:schemeClr val="accent2"/>
                 </a:solidFill>
@@ -4909,7 +4887,7 @@
               </a:rPr>
               <a:t>eply_rationale</a:t>
             </a:r>
-            <a:endParaRPr lang="en-US" sz="1000" b="0" dirty="0">
+            <a:endParaRPr lang="en-US" sz="1000" b="0" noProof="1">
               <a:solidFill>
                 <a:schemeClr val="accent2"/>
               </a:solidFill>
@@ -4992,7 +4970,7 @@
               <a:buNone/>
             </a:pPr>
             <a:r>
-              <a:rPr lang="en-GB" sz="1600" b="1" dirty="0">
+              <a:rPr lang="en-US" sz="1600" b="1" noProof="1">
                 <a:solidFill>
                   <a:schemeClr val="accent2"/>
                 </a:solidFill>
@@ -5000,7 +4978,7 @@
               </a:rPr>
               <a:t>Summary of post:</a:t>
             </a:r>
-            <a:endParaRPr lang="en-US" sz="1200" b="0" dirty="0"/>
+            <a:endParaRPr lang="en-US" sz="1200" b="0" noProof="1"/>
           </a:p>
         </p:txBody>
       </p:sp>
@@ -5035,7 +5013,7 @@
               <a:buNone/>
             </a:pPr>
             <a:r>
-              <a:rPr lang="en-GB" sz="1600" b="1" dirty="0">
+              <a:rPr lang="en-US" sz="1600" b="1" noProof="1">
                 <a:solidFill>
                   <a:schemeClr val="accent2"/>
                 </a:solidFill>
@@ -5043,7 +5021,7 @@
               </a:rPr>
               <a:t>View post on LinkedIn:</a:t>
             </a:r>
-            <a:endParaRPr lang="en-US" sz="1200" dirty="0"/>
+            <a:endParaRPr lang="en-US" sz="1200" noProof="1"/>
           </a:p>
         </p:txBody>
       </p:sp>
@@ -5078,7 +5056,7 @@
               <a:buNone/>
             </a:pPr>
             <a:r>
-              <a:rPr lang="en-GB" sz="1800" b="1" dirty="0">
+              <a:rPr lang="en-US" sz="1800" b="1" noProof="1">
                 <a:solidFill>
                   <a:srgbClr val="7030A0"/>
                 </a:solidFill>
@@ -5086,7 +5064,7 @@
               </a:rPr>
               <a:t>Suggested draft response:</a:t>
             </a:r>
-            <a:endParaRPr lang="en-US" sz="1800" dirty="0"/>
+            <a:endParaRPr lang="en-US" sz="1800" noProof="1"/>
           </a:p>
         </p:txBody>
       </p:sp>
@@ -5121,7 +5099,7 @@
               <a:buNone/>
             </a:pPr>
             <a:r>
-              <a:rPr lang="en-GB" sz="1600" dirty="0" err="1">
+              <a:rPr lang="en-US" sz="1600" noProof="1">
                 <a:solidFill>
                   <a:schemeClr val="accent2"/>
                 </a:solidFill>
@@ -5129,7 +5107,7 @@
               </a:rPr>
               <a:t>original_post_summary</a:t>
             </a:r>
-            <a:endParaRPr lang="en-US" sz="1200" b="0" dirty="0"/>
+            <a:endParaRPr lang="en-US" sz="1200" b="0" noProof="1"/>
           </a:p>
         </p:txBody>
       </p:sp>
@@ -5164,7 +5142,7 @@
               <a:buNone/>
             </a:pPr>
             <a:r>
-              <a:rPr lang="en-GB" sz="1600" dirty="0" err="1">
+              <a:rPr lang="en-US" sz="1600" noProof="1">
                 <a:solidFill>
                   <a:schemeClr val="accent2"/>
                 </a:solidFill>
@@ -5172,7 +5150,7 @@
               </a:rPr>
               <a:t>post_URL</a:t>
             </a:r>
-            <a:endParaRPr lang="en-US" sz="1200" b="0" dirty="0"/>
+            <a:endParaRPr lang="en-US" sz="1200" b="0" noProof="1"/>
           </a:p>
         </p:txBody>
       </p:sp>
@@ -5207,7 +5185,7 @@
               <a:buNone/>
             </a:pPr>
             <a:r>
-              <a:rPr lang="en-GB" sz="1600" dirty="0" err="1">
+              <a:rPr lang="en-US" sz="1600" noProof="1">
                 <a:solidFill>
                   <a:schemeClr val="accent2"/>
                 </a:solidFill>
@@ -5215,7 +5193,7 @@
               </a:rPr>
               <a:t>draft_reply</a:t>
             </a:r>
-            <a:endParaRPr lang="en-US" sz="1600" dirty="0"/>
+            <a:endParaRPr lang="en-US" sz="1600" noProof="1"/>
           </a:p>
         </p:txBody>
       </p:sp>
@@ -5267,16 +5245,12 @@
           </a:lstStyle>
           <a:p>
             <a:r>
-              <a:rPr lang="en-GB" dirty="0" err="1">
+              <a:rPr lang="en-US" noProof="1">
                 <a:latin typeface="Kalinga" panose="020B0502040204020203" pitchFamily="34" charset="0"/>
                 <a:cs typeface="Kalinga" panose="020B0502040204020203" pitchFamily="34" charset="0"/>
               </a:rPr>
               <a:t>original_poster</a:t>
             </a:r>
-            <a:endParaRPr lang="en-GB" dirty="0">
-              <a:latin typeface="Kalinga" panose="020B0502040204020203" pitchFamily="34" charset="0"/>
-              <a:cs typeface="Kalinga" panose="020B0502040204020203" pitchFamily="34" charset="0"/>
-            </a:endParaRPr>
           </a:p>
         </p:txBody>
       </p:sp>
@@ -5355,7 +5329,7 @@
           <a:lstStyle/>
           <a:p>
             <a:r>
-              <a:rPr lang="en-US" dirty="0">
+              <a:rPr lang="en-US" noProof="1">
                 <a:latin typeface="Kalinga" panose="020B0502040204020203" pitchFamily="34" charset="0"/>
                 <a:cs typeface="Kalinga" panose="020B0502040204020203" pitchFamily="34" charset="0"/>
               </a:rPr>
@@ -5391,7 +5365,7 @@
           <a:lstStyle/>
           <a:p>
             <a:r>
-              <a:rPr lang="en-US" dirty="0">
+              <a:rPr lang="en-US" noProof="1">
                 <a:latin typeface="Kalinga" panose="020B0502040204020203" pitchFamily="34" charset="0"/>
                 <a:cs typeface="Kalinga" panose="020B0502040204020203" pitchFamily="34" charset="0"/>
               </a:rPr>
@@ -5429,7 +5403,7 @@
           <a:p>
             <a:pPr algn="l"/>
             <a:r>
-              <a:rPr lang="en-GB" sz="1000" dirty="0" err="1">
+              <a:rPr lang="en-US" sz="1000" noProof="1">
                 <a:solidFill>
                   <a:schemeClr val="accent2"/>
                 </a:solidFill>
@@ -5439,7 +5413,7 @@
               <a:t>r</a:t>
             </a:r>
             <a:r>
-              <a:rPr lang="en-GB" sz="1000" b="0" i="0" dirty="0" err="1">
+              <a:rPr lang="en-US" sz="1000" b="0" i="0" noProof="1">
                 <a:solidFill>
                   <a:schemeClr val="accent2"/>
                 </a:solidFill>
@@ -5449,7 +5423,7 @@
               </a:rPr>
               <a:t>eply_rationale</a:t>
             </a:r>
-            <a:endParaRPr lang="en-US" sz="1000" b="0" dirty="0">
+            <a:endParaRPr lang="en-US" sz="1000" b="0" noProof="1">
               <a:solidFill>
                 <a:schemeClr val="accent2"/>
               </a:solidFill>
@@ -5532,7 +5506,7 @@
               <a:buNone/>
             </a:pPr>
             <a:r>
-              <a:rPr lang="en-GB" sz="1600" b="1" dirty="0">
+              <a:rPr lang="en-US" sz="1600" b="1" noProof="1">
                 <a:solidFill>
                   <a:schemeClr val="accent2"/>
                 </a:solidFill>
@@ -5540,7 +5514,7 @@
               </a:rPr>
               <a:t>Summary of post:</a:t>
             </a:r>
-            <a:endParaRPr lang="en-US" sz="1200" b="0" dirty="0"/>
+            <a:endParaRPr lang="en-US" sz="1200" b="0" noProof="1"/>
           </a:p>
         </p:txBody>
       </p:sp>
@@ -5575,7 +5549,7 @@
               <a:buNone/>
             </a:pPr>
             <a:r>
-              <a:rPr lang="en-GB" sz="1600" b="1" dirty="0">
+              <a:rPr lang="en-US" sz="1600" b="1" noProof="1">
                 <a:solidFill>
                   <a:schemeClr val="accent2"/>
                 </a:solidFill>
@@ -5583,7 +5557,7 @@
               </a:rPr>
               <a:t>View post on LinkedIn:</a:t>
             </a:r>
-            <a:endParaRPr lang="en-US" sz="1200" dirty="0"/>
+            <a:endParaRPr lang="en-US" sz="1200" noProof="1"/>
           </a:p>
         </p:txBody>
       </p:sp>
@@ -5618,7 +5592,7 @@
               <a:buNone/>
             </a:pPr>
             <a:r>
-              <a:rPr lang="en-GB" sz="1800" b="1" dirty="0">
+              <a:rPr lang="en-US" sz="1800" b="1" noProof="1">
                 <a:solidFill>
                   <a:srgbClr val="7030A0"/>
                 </a:solidFill>
@@ -5626,7 +5600,7 @@
               </a:rPr>
               <a:t>Suggested draft response:</a:t>
             </a:r>
-            <a:endParaRPr lang="en-US" sz="1800" dirty="0"/>
+            <a:endParaRPr lang="en-US" sz="1800" noProof="1"/>
           </a:p>
         </p:txBody>
       </p:sp>
@@ -5661,7 +5635,7 @@
               <a:buNone/>
             </a:pPr>
             <a:r>
-              <a:rPr lang="en-GB" sz="1600" dirty="0" err="1">
+              <a:rPr lang="en-US" sz="1600" noProof="1">
                 <a:solidFill>
                   <a:schemeClr val="accent2"/>
                 </a:solidFill>
@@ -5669,7 +5643,7 @@
               </a:rPr>
               <a:t>original_post_summary</a:t>
             </a:r>
-            <a:endParaRPr lang="en-US" sz="1200" b="0" dirty="0"/>
+            <a:endParaRPr lang="en-US" sz="1200" b="0" noProof="1"/>
           </a:p>
         </p:txBody>
       </p:sp>
@@ -5704,7 +5678,7 @@
               <a:buNone/>
             </a:pPr>
             <a:r>
-              <a:rPr lang="en-GB" sz="1600" dirty="0" err="1">
+              <a:rPr lang="en-US" sz="1600" noProof="1">
                 <a:solidFill>
                   <a:schemeClr val="accent2"/>
                 </a:solidFill>
@@ -5712,7 +5686,7 @@
               </a:rPr>
               <a:t>post_URL</a:t>
             </a:r>
-            <a:endParaRPr lang="en-US" sz="1200" b="0" dirty="0"/>
+            <a:endParaRPr lang="en-US" sz="1200" b="0" noProof="1"/>
           </a:p>
         </p:txBody>
       </p:sp>
@@ -5747,7 +5721,7 @@
               <a:buNone/>
             </a:pPr>
             <a:r>
-              <a:rPr lang="en-GB" sz="1600" dirty="0" err="1">
+              <a:rPr lang="en-US" sz="1600" noProof="1">
                 <a:solidFill>
                   <a:schemeClr val="accent2"/>
                 </a:solidFill>
@@ -5755,7 +5729,7 @@
               </a:rPr>
               <a:t>draft_reply</a:t>
             </a:r>
-            <a:endParaRPr lang="en-US" sz="1600" dirty="0"/>
+            <a:endParaRPr lang="en-US" sz="1600" noProof="1"/>
           </a:p>
         </p:txBody>
       </p:sp>
@@ -5807,16 +5781,12 @@
           </a:lstStyle>
           <a:p>
             <a:r>
-              <a:rPr lang="en-GB" dirty="0" err="1">
+              <a:rPr lang="en-US" noProof="1">
                 <a:latin typeface="Kalinga" panose="020B0502040204020203" pitchFamily="34" charset="0"/>
                 <a:cs typeface="Kalinga" panose="020B0502040204020203" pitchFamily="34" charset="0"/>
               </a:rPr>
               <a:t>original_poster</a:t>
             </a:r>
-            <a:endParaRPr lang="en-GB" dirty="0">
-              <a:latin typeface="Kalinga" panose="020B0502040204020203" pitchFamily="34" charset="0"/>
-              <a:cs typeface="Kalinga" panose="020B0502040204020203" pitchFamily="34" charset="0"/>
-            </a:endParaRPr>
           </a:p>
         </p:txBody>
       </p:sp>
@@ -5895,7 +5865,7 @@
           <a:lstStyle/>
           <a:p>
             <a:r>
-              <a:rPr lang="en-US" dirty="0">
+              <a:rPr lang="en-US" noProof="1">
                 <a:latin typeface="Kalinga" panose="020B0502040204020203" pitchFamily="34" charset="0"/>
                 <a:cs typeface="Kalinga" panose="020B0502040204020203" pitchFamily="34" charset="0"/>
               </a:rPr>
@@ -5931,7 +5901,7 @@
           <a:lstStyle/>
           <a:p>
             <a:r>
-              <a:rPr lang="en-US" dirty="0">
+              <a:rPr lang="en-US" noProof="1">
                 <a:latin typeface="Kalinga" panose="020B0502040204020203" pitchFamily="34" charset="0"/>
                 <a:cs typeface="Kalinga" panose="020B0502040204020203" pitchFamily="34" charset="0"/>
               </a:rPr>
@@ -5969,7 +5939,7 @@
           <a:p>
             <a:pPr algn="l"/>
             <a:r>
-              <a:rPr lang="en-GB" sz="1000" dirty="0" err="1">
+              <a:rPr lang="en-US" sz="1000" noProof="1">
                 <a:solidFill>
                   <a:schemeClr val="accent2"/>
                 </a:solidFill>
@@ -5979,7 +5949,7 @@
               <a:t>r</a:t>
             </a:r>
             <a:r>
-              <a:rPr lang="en-GB" sz="1000" b="0" i="0" dirty="0" err="1">
+              <a:rPr lang="en-US" sz="1000" b="0" i="0" noProof="1">
                 <a:solidFill>
                   <a:schemeClr val="accent2"/>
                 </a:solidFill>
@@ -5989,7 +5959,7 @@
               </a:rPr>
               <a:t>eply_rationale</a:t>
             </a:r>
-            <a:endParaRPr lang="en-US" sz="1000" b="0" dirty="0">
+            <a:endParaRPr lang="en-US" sz="1000" b="0" noProof="1">
               <a:solidFill>
                 <a:schemeClr val="accent2"/>
               </a:solidFill>
@@ -6072,7 +6042,7 @@
               <a:buNone/>
             </a:pPr>
             <a:r>
-              <a:rPr lang="en-GB" sz="1600" b="1" dirty="0">
+              <a:rPr lang="en-US" sz="1600" b="1" noProof="1">
                 <a:solidFill>
                   <a:schemeClr val="accent2"/>
                 </a:solidFill>
@@ -6080,7 +6050,7 @@
               </a:rPr>
               <a:t>Summary of post:</a:t>
             </a:r>
-            <a:endParaRPr lang="en-US" sz="1200" b="0" dirty="0"/>
+            <a:endParaRPr lang="en-US" sz="1200" b="0" noProof="1"/>
           </a:p>
         </p:txBody>
       </p:sp>
@@ -6115,7 +6085,7 @@
               <a:buNone/>
             </a:pPr>
             <a:r>
-              <a:rPr lang="en-GB" sz="1600" b="1" dirty="0">
+              <a:rPr lang="en-US" sz="1600" b="1" noProof="1">
                 <a:solidFill>
                   <a:schemeClr val="accent2"/>
                 </a:solidFill>
@@ -6123,7 +6093,7 @@
               </a:rPr>
               <a:t>View post on LinkedIn:</a:t>
             </a:r>
-            <a:endParaRPr lang="en-US" sz="1200" dirty="0"/>
+            <a:endParaRPr lang="en-US" sz="1200" noProof="1"/>
           </a:p>
         </p:txBody>
       </p:sp>
@@ -6158,7 +6128,7 @@
               <a:buNone/>
             </a:pPr>
             <a:r>
-              <a:rPr lang="en-GB" sz="1800" b="1" dirty="0">
+              <a:rPr lang="en-US" sz="1800" b="1" noProof="1">
                 <a:solidFill>
                   <a:srgbClr val="7030A0"/>
                 </a:solidFill>
@@ -6166,7 +6136,7 @@
               </a:rPr>
               <a:t>Suggested draft response:</a:t>
             </a:r>
-            <a:endParaRPr lang="en-US" sz="1800" dirty="0"/>
+            <a:endParaRPr lang="en-US" sz="1800" noProof="1"/>
           </a:p>
         </p:txBody>
       </p:sp>
@@ -6201,7 +6171,7 @@
               <a:buNone/>
             </a:pPr>
             <a:r>
-              <a:rPr lang="en-GB" sz="1600" dirty="0" err="1">
+              <a:rPr lang="en-US" sz="1600" noProof="1">
                 <a:solidFill>
                   <a:schemeClr val="accent2"/>
                 </a:solidFill>
@@ -6209,7 +6179,7 @@
               </a:rPr>
               <a:t>original_post_summary</a:t>
             </a:r>
-            <a:endParaRPr lang="en-US" sz="1200" b="0" dirty="0"/>
+            <a:endParaRPr lang="en-US" sz="1200" b="0" noProof="1"/>
           </a:p>
         </p:txBody>
       </p:sp>
@@ -6244,7 +6214,7 @@
               <a:buNone/>
             </a:pPr>
             <a:r>
-              <a:rPr lang="en-GB" sz="1600" dirty="0" err="1">
+              <a:rPr lang="en-US" sz="1600" noProof="1">
                 <a:solidFill>
                   <a:schemeClr val="accent2"/>
                 </a:solidFill>
@@ -6252,7 +6222,7 @@
               </a:rPr>
               <a:t>post_URL</a:t>
             </a:r>
-            <a:endParaRPr lang="en-US" sz="1200" b="0" dirty="0"/>
+            <a:endParaRPr lang="en-US" sz="1200" b="0" noProof="1"/>
           </a:p>
         </p:txBody>
       </p:sp>
@@ -6287,7 +6257,7 @@
               <a:buNone/>
             </a:pPr>
             <a:r>
-              <a:rPr lang="en-GB" sz="1600" dirty="0" err="1">
+              <a:rPr lang="en-US" sz="1600" noProof="1">
                 <a:solidFill>
                   <a:schemeClr val="accent2"/>
                 </a:solidFill>
@@ -6295,7 +6265,7 @@
               </a:rPr>
               <a:t>draft_reply</a:t>
             </a:r>
-            <a:endParaRPr lang="en-US" sz="1600" dirty="0"/>
+            <a:endParaRPr lang="en-US" sz="1600" noProof="1"/>
           </a:p>
         </p:txBody>
       </p:sp>
@@ -6347,16 +6317,12 @@
           </a:lstStyle>
           <a:p>
             <a:r>
-              <a:rPr lang="en-GB" dirty="0" err="1">
+              <a:rPr lang="en-US" noProof="1">
                 <a:latin typeface="Kalinga" panose="020B0502040204020203" pitchFamily="34" charset="0"/>
                 <a:cs typeface="Kalinga" panose="020B0502040204020203" pitchFamily="34" charset="0"/>
               </a:rPr>
               <a:t>original_poster</a:t>
             </a:r>
-            <a:endParaRPr lang="en-GB" dirty="0">
-              <a:latin typeface="Kalinga" panose="020B0502040204020203" pitchFamily="34" charset="0"/>
-              <a:cs typeface="Kalinga" panose="020B0502040204020203" pitchFamily="34" charset="0"/>
-            </a:endParaRPr>
           </a:p>
         </p:txBody>
       </p:sp>
@@ -6435,7 +6401,7 @@
           <a:lstStyle/>
           <a:p>
             <a:r>
-              <a:rPr lang="en-US" dirty="0">
+              <a:rPr lang="en-US" noProof="1">
                 <a:latin typeface="Kalinga" panose="020B0502040204020203" pitchFamily="34" charset="0"/>
                 <a:cs typeface="Kalinga" panose="020B0502040204020203" pitchFamily="34" charset="0"/>
               </a:rPr>
@@ -6471,7 +6437,7 @@
           <a:lstStyle/>
           <a:p>
             <a:r>
-              <a:rPr lang="en-US" dirty="0">
+              <a:rPr lang="en-US" noProof="1">
                 <a:latin typeface="Kalinga" panose="020B0502040204020203" pitchFamily="34" charset="0"/>
                 <a:cs typeface="Kalinga" panose="020B0502040204020203" pitchFamily="34" charset="0"/>
               </a:rPr>
@@ -6509,7 +6475,7 @@
           <a:p>
             <a:pPr algn="l"/>
             <a:r>
-              <a:rPr lang="en-GB" sz="1000" dirty="0" err="1">
+              <a:rPr lang="en-US" sz="1000" noProof="1">
                 <a:solidFill>
                   <a:schemeClr val="accent2"/>
                 </a:solidFill>
@@ -6519,7 +6485,7 @@
               <a:t>r</a:t>
             </a:r>
             <a:r>
-              <a:rPr lang="en-GB" sz="1000" b="0" i="0" dirty="0" err="1">
+              <a:rPr lang="en-US" sz="1000" b="0" i="0" noProof="1">
                 <a:solidFill>
                   <a:schemeClr val="accent2"/>
                 </a:solidFill>
@@ -6529,7 +6495,7 @@
               </a:rPr>
               <a:t>eply_rationale</a:t>
             </a:r>
-            <a:endParaRPr lang="en-US" sz="1000" b="0" dirty="0">
+            <a:endParaRPr lang="en-US" sz="1000" b="0" noProof="1">
               <a:solidFill>
                 <a:schemeClr val="accent2"/>
               </a:solidFill>
@@ -6612,7 +6578,7 @@
               <a:buNone/>
             </a:pPr>
             <a:r>
-              <a:rPr lang="en-GB" sz="1600" b="1" dirty="0">
+              <a:rPr lang="en-US" sz="1600" b="1" noProof="1">
                 <a:solidFill>
                   <a:schemeClr val="accent2"/>
                 </a:solidFill>
@@ -6620,7 +6586,7 @@
               </a:rPr>
               <a:t>Summary of post:</a:t>
             </a:r>
-            <a:endParaRPr lang="en-US" sz="1200" b="0" dirty="0"/>
+            <a:endParaRPr lang="en-US" sz="1200" b="0" noProof="1"/>
           </a:p>
         </p:txBody>
       </p:sp>
@@ -6655,7 +6621,7 @@
               <a:buNone/>
             </a:pPr>
             <a:r>
-              <a:rPr lang="en-GB" sz="1600" b="1" dirty="0">
+              <a:rPr lang="en-US" sz="1600" b="1" noProof="1">
                 <a:solidFill>
                   <a:schemeClr val="accent2"/>
                 </a:solidFill>
@@ -6663,7 +6629,7 @@
               </a:rPr>
               <a:t>View post on LinkedIn:</a:t>
             </a:r>
-            <a:endParaRPr lang="en-US" sz="1200" dirty="0"/>
+            <a:endParaRPr lang="en-US" sz="1200" noProof="1"/>
           </a:p>
         </p:txBody>
       </p:sp>
@@ -6698,7 +6664,7 @@
               <a:buNone/>
             </a:pPr>
             <a:r>
-              <a:rPr lang="en-GB" sz="1800" b="1" dirty="0">
+              <a:rPr lang="en-US" sz="1800" b="1" noProof="1">
                 <a:solidFill>
                   <a:srgbClr val="7030A0"/>
                 </a:solidFill>
@@ -6706,7 +6672,7 @@
               </a:rPr>
               <a:t>Suggested draft response:</a:t>
             </a:r>
-            <a:endParaRPr lang="en-US" sz="1800" dirty="0"/>
+            <a:endParaRPr lang="en-US" sz="1800" noProof="1"/>
           </a:p>
         </p:txBody>
       </p:sp>
@@ -6741,7 +6707,7 @@
               <a:buNone/>
             </a:pPr>
             <a:r>
-              <a:rPr lang="en-GB" sz="1600" dirty="0" err="1">
+              <a:rPr lang="en-US" sz="1600" noProof="1">
                 <a:solidFill>
                   <a:schemeClr val="accent2"/>
                 </a:solidFill>
@@ -6749,7 +6715,7 @@
               </a:rPr>
               <a:t>original_post_summary</a:t>
             </a:r>
-            <a:endParaRPr lang="en-US" sz="1200" b="0" dirty="0"/>
+            <a:endParaRPr lang="en-US" sz="1200" b="0" noProof="1"/>
           </a:p>
         </p:txBody>
       </p:sp>
@@ -6784,7 +6750,7 @@
               <a:buNone/>
             </a:pPr>
             <a:r>
-              <a:rPr lang="en-GB" sz="1600" dirty="0" err="1">
+              <a:rPr lang="en-US" sz="1600" noProof="1">
                 <a:solidFill>
                   <a:schemeClr val="accent2"/>
                 </a:solidFill>
@@ -6792,7 +6758,7 @@
               </a:rPr>
               <a:t>post_URL</a:t>
             </a:r>
-            <a:endParaRPr lang="en-US" sz="1200" b="0" dirty="0"/>
+            <a:endParaRPr lang="en-US" sz="1200" b="0" noProof="1"/>
           </a:p>
         </p:txBody>
       </p:sp>
@@ -6827,7 +6793,7 @@
               <a:buNone/>
             </a:pPr>
             <a:r>
-              <a:rPr lang="en-GB" sz="1600" dirty="0" err="1">
+              <a:rPr lang="en-US" sz="1600" noProof="1">
                 <a:solidFill>
                   <a:schemeClr val="accent2"/>
                 </a:solidFill>
@@ -6835,7 +6801,7 @@
               </a:rPr>
               <a:t>draft_reply</a:t>
             </a:r>
-            <a:endParaRPr lang="en-US" sz="1600" dirty="0"/>
+            <a:endParaRPr lang="en-US" sz="1600" noProof="1"/>
           </a:p>
         </p:txBody>
       </p:sp>
@@ -6887,16 +6853,12 @@
           </a:lstStyle>
           <a:p>
             <a:r>
-              <a:rPr lang="en-GB" dirty="0" err="1">
+              <a:rPr lang="en-US" noProof="1">
                 <a:latin typeface="Kalinga" panose="020B0502040204020203" pitchFamily="34" charset="0"/>
                 <a:cs typeface="Kalinga" panose="020B0502040204020203" pitchFamily="34" charset="0"/>
               </a:rPr>
               <a:t>original_poster</a:t>
             </a:r>
-            <a:endParaRPr lang="en-GB" dirty="0">
-              <a:latin typeface="Kalinga" panose="020B0502040204020203" pitchFamily="34" charset="0"/>
-              <a:cs typeface="Kalinga" panose="020B0502040204020203" pitchFamily="34" charset="0"/>
-            </a:endParaRPr>
           </a:p>
         </p:txBody>
       </p:sp>
@@ -6910,13 +6872,13 @@
   <p:clrMapOvr>
     <a:masterClrMapping/>
   </p:clrMapOvr>
-  <mc:AlternateContent xmlns:mc="http://schemas.openxmlformats.org/markup-compatibility/2006">
-    <mc:Choice xmlns:p14="http://schemas.microsoft.com/office/powerpoint/2010/main" Requires="p14">
+  <mc:AlternateContent xmlns:mc="http://schemas.openxmlformats.org/markup-compatibility/2006" xmlns:p14="http://schemas.microsoft.com/office/powerpoint/2010/main">
+    <mc:Choice Requires="p14">
       <p:transition spd="med" p14:dur="700">
         <p:fade/>
       </p:transition>
     </mc:Choice>
-    <mc:Fallback>
+    <mc:Fallback xmlns="">
       <p:transition spd="med">
         <p:fade/>
       </p:transition>
@@ -7602,12 +7564,14 @@
 </file>
 
 <file path=customXml/item1.xml><?xml version="1.0" encoding="utf-8"?>
-<?mso-contentType ?>
-<FormTemplates xmlns="http://schemas.microsoft.com/sharepoint/v3/contenttype/forms">
-  <Display>DocumentLibraryForm</Display>
-  <Edit>DocumentLibraryForm</Edit>
-  <New>DocumentLibraryForm</New>
-</FormTemplates>
+<p:properties xmlns:p="http://schemas.microsoft.com/office/2006/metadata/properties" xmlns:xsi="http://www.w3.org/2001/XMLSchema-instance" xmlns:pc="http://schemas.microsoft.com/office/infopath/2007/PartnerControls">
+  <documentManagement>
+    <TaxCatchAll xmlns="9bea065c-4598-471b-a0d8-b208471d6a41" xsi:nil="true"/>
+    <lcf76f155ced4ddcb4097134ff3c332f xmlns="737cdb0d-9f15-48ec-9529-975a91239bb1">
+      <Terms xmlns="http://schemas.microsoft.com/office/infopath/2007/PartnerControls"/>
+    </lcf76f155ced4ddcb4097134ff3c332f>
+  </documentManagement>
+</p:properties>
 </file>
 
 <file path=customXml/item2.xml><?xml version="1.0" encoding="utf-8"?>
@@ -7846,20 +7810,27 @@
 </file>
 
 <file path=customXml/item3.xml><?xml version="1.0" encoding="utf-8"?>
-<p:properties xmlns:p="http://schemas.microsoft.com/office/2006/metadata/properties" xmlns:xsi="http://www.w3.org/2001/XMLSchema-instance" xmlns:pc="http://schemas.microsoft.com/office/infopath/2007/PartnerControls">
-  <documentManagement>
-    <TaxCatchAll xmlns="9bea065c-4598-471b-a0d8-b208471d6a41" xsi:nil="true"/>
-    <lcf76f155ced4ddcb4097134ff3c332f xmlns="737cdb0d-9f15-48ec-9529-975a91239bb1">
-      <Terms xmlns="http://schemas.microsoft.com/office/infopath/2007/PartnerControls"/>
-    </lcf76f155ced4ddcb4097134ff3c332f>
-  </documentManagement>
-</p:properties>
+<?mso-contentType ?>
+<FormTemplates xmlns="http://schemas.microsoft.com/sharepoint/v3/contenttype/forms">
+  <Display>DocumentLibraryForm</Display>
+  <Edit>DocumentLibraryForm</Edit>
+  <New>DocumentLibraryForm</New>
+</FormTemplates>
 </file>
 
 <file path=customXml/itemProps1.xml><?xml version="1.0" encoding="utf-8"?>
-<ds:datastoreItem xmlns:ds="http://schemas.openxmlformats.org/officeDocument/2006/customXml" ds:itemID="{3BB299B6-1159-4940-B296-E198453C8E80}">
+<ds:datastoreItem xmlns:ds="http://schemas.openxmlformats.org/officeDocument/2006/customXml" ds:itemID="{9674E985-4D59-45AB-8970-AD8E2C92CE21}">
   <ds:schemaRefs>
-    <ds:schemaRef ds:uri="http://schemas.microsoft.com/sharepoint/v3/contenttype/forms"/>
+    <ds:schemaRef ds:uri="http://schemas.microsoft.com/office/2006/documentManagement/types"/>
+    <ds:schemaRef ds:uri="http://purl.org/dc/elements/1.1/"/>
+    <ds:schemaRef ds:uri="http://schemas.microsoft.com/office/2006/metadata/properties"/>
+    <ds:schemaRef ds:uri="http://www.w3.org/XML/1998/namespace"/>
+    <ds:schemaRef ds:uri="http://purl.org/dc/terms/"/>
+    <ds:schemaRef ds:uri="9bea065c-4598-471b-a0d8-b208471d6a41"/>
+    <ds:schemaRef ds:uri="http://schemas.microsoft.com/office/infopath/2007/PartnerControls"/>
+    <ds:schemaRef ds:uri="http://schemas.openxmlformats.org/package/2006/metadata/core-properties"/>
+    <ds:schemaRef ds:uri="737cdb0d-9f15-48ec-9529-975a91239bb1"/>
+    <ds:schemaRef ds:uri="http://purl.org/dc/dcmitype/"/>
   </ds:schemaRefs>
 </ds:datastoreItem>
 </file>
@@ -7884,18 +7855,9 @@
 </file>
 
 <file path=customXml/itemProps3.xml><?xml version="1.0" encoding="utf-8"?>
-<ds:datastoreItem xmlns:ds="http://schemas.openxmlformats.org/officeDocument/2006/customXml" ds:itemID="{9674E985-4D59-45AB-8970-AD8E2C92CE21}">
+<ds:datastoreItem xmlns:ds="http://schemas.openxmlformats.org/officeDocument/2006/customXml" ds:itemID="{3BB299B6-1159-4940-B296-E198453C8E80}">
   <ds:schemaRefs>
-    <ds:schemaRef ds:uri="http://schemas.microsoft.com/office/2006/documentManagement/types"/>
-    <ds:schemaRef ds:uri="http://purl.org/dc/elements/1.1/"/>
-    <ds:schemaRef ds:uri="http://schemas.microsoft.com/office/2006/metadata/properties"/>
-    <ds:schemaRef ds:uri="http://www.w3.org/XML/1998/namespace"/>
-    <ds:schemaRef ds:uri="http://purl.org/dc/terms/"/>
-    <ds:schemaRef ds:uri="9bea065c-4598-471b-a0d8-b208471d6a41"/>
-    <ds:schemaRef ds:uri="http://schemas.microsoft.com/office/infopath/2007/PartnerControls"/>
-    <ds:schemaRef ds:uri="http://schemas.openxmlformats.org/package/2006/metadata/core-properties"/>
-    <ds:schemaRef ds:uri="737cdb0d-9f15-48ec-9529-975a91239bb1"/>
-    <ds:schemaRef ds:uri="http://purl.org/dc/dcmitype/"/>
+    <ds:schemaRef ds:uri="http://schemas.microsoft.com/sharepoint/v3/contenttype/forms"/>
   </ds:schemaRefs>
 </ds:datastoreItem>
 </file>
--- a/Linkedin_Master_Template.pptx
+++ b/Linkedin_Master_Template.pptx
@@ -206,7 +206,7 @@
           <a:p>
             <a:fld id="{77AB6CFA-8C06-A742-9C67-9EB8DDEC067B}" type="datetimeFigureOut">
               <a:rPr lang="en-US" smtClean="0"/>
-              <a:t>7/23/25</a:t>
+              <a:t>7/24/25</a:t>
             </a:fld>
             <a:endParaRPr lang="en-US"/>
           </a:p>
@@ -3173,7 +3173,7 @@
               <a:rPr lang="en-US" noProof="1">
                 <a:latin typeface="Aptos" panose="020B0004020202020204" pitchFamily="34" charset="0"/>
               </a:rPr>
-              <a:t>subject_line</a:t>
+              <a:t>LinkedIn Email Monitoring (Polecat)</a:t>
             </a:r>
           </a:p>
         </p:txBody>
@@ -7564,17 +7564,6 @@
 </file>
 
 <file path=customXml/item1.xml><?xml version="1.0" encoding="utf-8"?>
-<p:properties xmlns:p="http://schemas.microsoft.com/office/2006/metadata/properties" xmlns:xsi="http://www.w3.org/2001/XMLSchema-instance" xmlns:pc="http://schemas.microsoft.com/office/infopath/2007/PartnerControls">
-  <documentManagement>
-    <TaxCatchAll xmlns="9bea065c-4598-471b-a0d8-b208471d6a41" xsi:nil="true"/>
-    <lcf76f155ced4ddcb4097134ff3c332f xmlns="737cdb0d-9f15-48ec-9529-975a91239bb1">
-      <Terms xmlns="http://schemas.microsoft.com/office/infopath/2007/PartnerControls"/>
-    </lcf76f155ced4ddcb4097134ff3c332f>
-  </documentManagement>
-</p:properties>
-</file>
-
-<file path=customXml/item2.xml><?xml version="1.0" encoding="utf-8"?>
 <ct:contentTypeSchema xmlns:ct="http://schemas.microsoft.com/office/2006/metadata/contentType" xmlns:ma="http://schemas.microsoft.com/office/2006/metadata/properties/metaAttributes" ct:_="" ma:_="" ma:contentTypeName="Document" ma:contentTypeID="0x010100A2CD2B7DD7D5E348A4B5B847AD49C1E4" ma:contentTypeVersion="15" ma:contentTypeDescription="Create a new document." ma:contentTypeScope="" ma:versionID="8e0e392dcf65750e3ad704a59f705fb3">
   <xsd:schema xmlns:xsd="http://www.w3.org/2001/XMLSchema" xmlns:xs="http://www.w3.org/2001/XMLSchema" xmlns:p="http://schemas.microsoft.com/office/2006/metadata/properties" xmlns:ns2="737cdb0d-9f15-48ec-9529-975a91239bb1" xmlns:ns3="9bea065c-4598-471b-a0d8-b208471d6a41" targetNamespace="http://schemas.microsoft.com/office/2006/metadata/properties" ma:root="true" ma:fieldsID="16d7d9ff6e2e2d483fddd166083c89fa" ns2:_="" ns3:_="">
     <xsd:import namespace="737cdb0d-9f15-48ec-9529-975a91239bb1"/>
@@ -7809,6 +7798,17 @@
 </ct:contentTypeSchema>
 </file>
 
+<file path=customXml/item2.xml><?xml version="1.0" encoding="utf-8"?>
+<p:properties xmlns:p="http://schemas.microsoft.com/office/2006/metadata/properties" xmlns:xsi="http://www.w3.org/2001/XMLSchema-instance" xmlns:pc="http://schemas.microsoft.com/office/infopath/2007/PartnerControls">
+  <documentManagement>
+    <TaxCatchAll xmlns="9bea065c-4598-471b-a0d8-b208471d6a41" xsi:nil="true"/>
+    <lcf76f155ced4ddcb4097134ff3c332f xmlns="737cdb0d-9f15-48ec-9529-975a91239bb1">
+      <Terms xmlns="http://schemas.microsoft.com/office/infopath/2007/PartnerControls"/>
+    </lcf76f155ced4ddcb4097134ff3c332f>
+  </documentManagement>
+</p:properties>
+</file>
+
 <file path=customXml/item3.xml><?xml version="1.0" encoding="utf-8"?>
 <?mso-contentType ?>
 <FormTemplates xmlns="http://schemas.microsoft.com/sharepoint/v3/contenttype/forms">
@@ -7819,23 +7819,6 @@
 </file>
 
 <file path=customXml/itemProps1.xml><?xml version="1.0" encoding="utf-8"?>
-<ds:datastoreItem xmlns:ds="http://schemas.openxmlformats.org/officeDocument/2006/customXml" ds:itemID="{9674E985-4D59-45AB-8970-AD8E2C92CE21}">
-  <ds:schemaRefs>
-    <ds:schemaRef ds:uri="http://schemas.microsoft.com/office/2006/documentManagement/types"/>
-    <ds:schemaRef ds:uri="http://purl.org/dc/elements/1.1/"/>
-    <ds:schemaRef ds:uri="http://schemas.microsoft.com/office/2006/metadata/properties"/>
-    <ds:schemaRef ds:uri="http://www.w3.org/XML/1998/namespace"/>
-    <ds:schemaRef ds:uri="http://purl.org/dc/terms/"/>
-    <ds:schemaRef ds:uri="9bea065c-4598-471b-a0d8-b208471d6a41"/>
-    <ds:schemaRef ds:uri="http://schemas.microsoft.com/office/infopath/2007/PartnerControls"/>
-    <ds:schemaRef ds:uri="http://schemas.openxmlformats.org/package/2006/metadata/core-properties"/>
-    <ds:schemaRef ds:uri="737cdb0d-9f15-48ec-9529-975a91239bb1"/>
-    <ds:schemaRef ds:uri="http://purl.org/dc/dcmitype/"/>
-  </ds:schemaRefs>
-</ds:datastoreItem>
-</file>
-
-<file path=customXml/itemProps2.xml><?xml version="1.0" encoding="utf-8"?>
 <ds:datastoreItem xmlns:ds="http://schemas.openxmlformats.org/officeDocument/2006/customXml" ds:itemID="{C4D443D4-D2BB-47D9-93BA-F264F5B47780}">
   <ds:schemaRefs>
     <ds:schemaRef ds:uri="737cdb0d-9f15-48ec-9529-975a91239bb1"/>
@@ -7854,6 +7837,23 @@
 </ds:datastoreItem>
 </file>
 
+<file path=customXml/itemProps2.xml><?xml version="1.0" encoding="utf-8"?>
+<ds:datastoreItem xmlns:ds="http://schemas.openxmlformats.org/officeDocument/2006/customXml" ds:itemID="{9674E985-4D59-45AB-8970-AD8E2C92CE21}">
+  <ds:schemaRefs>
+    <ds:schemaRef ds:uri="http://schemas.microsoft.com/office/2006/documentManagement/types"/>
+    <ds:schemaRef ds:uri="http://purl.org/dc/elements/1.1/"/>
+    <ds:schemaRef ds:uri="http://schemas.microsoft.com/office/2006/metadata/properties"/>
+    <ds:schemaRef ds:uri="http://www.w3.org/XML/1998/namespace"/>
+    <ds:schemaRef ds:uri="http://purl.org/dc/terms/"/>
+    <ds:schemaRef ds:uri="9bea065c-4598-471b-a0d8-b208471d6a41"/>
+    <ds:schemaRef ds:uri="http://schemas.microsoft.com/office/infopath/2007/PartnerControls"/>
+    <ds:schemaRef ds:uri="http://schemas.openxmlformats.org/package/2006/metadata/core-properties"/>
+    <ds:schemaRef ds:uri="737cdb0d-9f15-48ec-9529-975a91239bb1"/>
+    <ds:schemaRef ds:uri="http://purl.org/dc/dcmitype/"/>
+  </ds:schemaRefs>
+</ds:datastoreItem>
+</file>
+
 <file path=customXml/itemProps3.xml><?xml version="1.0" encoding="utf-8"?>
 <ds:datastoreItem xmlns:ds="http://schemas.openxmlformats.org/officeDocument/2006/customXml" ds:itemID="{3BB299B6-1159-4940-B296-E198453C8E80}">
   <ds:schemaRefs>

--- a/Linkedin_Master_Template.pptx
+++ b/Linkedin_Master_Template.pptx
@@ -124,6 +124,50 @@
 </p:presentation>
 </file>
 
+<file path=ppt/changesInfos/changesInfo1.xml><?xml version="1.0" encoding="utf-8"?>
+<pc:chgInfo xmlns:a="http://schemas.openxmlformats.org/drawingml/2006/main" xmlns:r="http://schemas.openxmlformats.org/officeDocument/2006/relationships" xmlns:ac="http://schemas.microsoft.com/office/drawing/2013/main/command" xmlns:pc="http://schemas.microsoft.com/office/powerpoint/2013/main/command">
+  <pc:docChgLst>
+    <pc:chgData name="Arbour, Duncan" userId="f8c76c83-f09a-4702-8a60-e00215c8b89f" providerId="ADAL" clId="{1ACCB768-B65B-E745-8B2B-80DD35B0C2D1}"/>
+    <pc:docChg chg="modSld">
+      <pc:chgData name="Arbour, Duncan" userId="f8c76c83-f09a-4702-8a60-e00215c8b89f" providerId="ADAL" clId="{1ACCB768-B65B-E745-8B2B-80DD35B0C2D1}" dt="2025-07-25T11:29:51.196" v="3" actId="20577"/>
+      <pc:docMkLst>
+        <pc:docMk/>
+      </pc:docMkLst>
+      <pc:sldChg chg="modSp mod">
+        <pc:chgData name="Arbour, Duncan" userId="f8c76c83-f09a-4702-8a60-e00215c8b89f" providerId="ADAL" clId="{1ACCB768-B65B-E745-8B2B-80DD35B0C2D1}" dt="2025-07-25T11:29:51.196" v="3" actId="20577"/>
+        <pc:sldMkLst>
+          <pc:docMk/>
+          <pc:sldMk cId="362609513" sldId="319"/>
+        </pc:sldMkLst>
+        <pc:spChg chg="mod">
+          <ac:chgData name="Arbour, Duncan" userId="f8c76c83-f09a-4702-8a60-e00215c8b89f" providerId="ADAL" clId="{1ACCB768-B65B-E745-8B2B-80DD35B0C2D1}" dt="2025-07-25T11:29:51.196" v="3" actId="20577"/>
+          <ac:spMkLst>
+            <pc:docMk/>
+            <pc:sldMk cId="362609513" sldId="319"/>
+            <ac:spMk id="8" creationId="{AA5F2F43-BB28-9422-0870-AB1291BA81C3}"/>
+          </ac:spMkLst>
+        </pc:spChg>
+      </pc:sldChg>
+      <pc:sldChg chg="modSp mod">
+        <pc:chgData name="Arbour, Duncan" userId="f8c76c83-f09a-4702-8a60-e00215c8b89f" providerId="ADAL" clId="{1ACCB768-B65B-E745-8B2B-80DD35B0C2D1}" dt="2025-07-25T11:29:47.375" v="1" actId="20577"/>
+        <pc:sldMkLst>
+          <pc:docMk/>
+          <pc:sldMk cId="775035167" sldId="320"/>
+        </pc:sldMkLst>
+        <pc:spChg chg="mod">
+          <ac:chgData name="Arbour, Duncan" userId="f8c76c83-f09a-4702-8a60-e00215c8b89f" providerId="ADAL" clId="{1ACCB768-B65B-E745-8B2B-80DD35B0C2D1}" dt="2025-07-25T11:29:47.375" v="1" actId="20577"/>
+          <ac:spMkLst>
+            <pc:docMk/>
+            <pc:sldMk cId="775035167" sldId="320"/>
+            <ac:spMk id="8" creationId="{13E3F279-4343-029E-0381-D62E5419B8AE}"/>
+          </ac:spMkLst>
+        </pc:spChg>
+      </pc:sldChg>
+    </pc:docChg>
+  </pc:docChgLst>
+</pc:chgInfo>
+</file>
+
 <file path=ppt/notesMasters/notesMaster1.xml><?xml version="1.0" encoding="utf-8"?>
 <p:notesMaster xmlns:a="http://schemas.openxmlformats.org/drawingml/2006/main" xmlns:r="http://schemas.openxmlformats.org/officeDocument/2006/relationships" xmlns:p="http://schemas.openxmlformats.org/presentationml/2006/main">
   <p:cSld>
@@ -206,7 +250,7 @@
           <a:p>
             <a:fld id="{77AB6CFA-8C06-A742-9C67-9EB8DDEC067B}" type="datetimeFigureOut">
               <a:rPr lang="en-US" smtClean="0"/>
-              <a:t>7/24/25</a:t>
+              <a:t>7/25/25</a:t>
             </a:fld>
             <a:endParaRPr lang="en-US"/>
           </a:p>
@@ -3314,7 +3358,7 @@
                 <a:latin typeface="Kalinga" panose="020B0502040204020203" pitchFamily="34" charset="0"/>
                 <a:cs typeface="Kalinga" panose="020B0502040204020203" pitchFamily="34" charset="0"/>
               </a:rPr>
-              <a:t>Targeted replies – in prioritized order #3</a:t>
+              <a:t>Targeted replies – in prioritized order #5</a:t>
             </a:r>
           </a:p>
         </p:txBody>
@@ -6441,7 +6485,7 @@
                 <a:latin typeface="Kalinga" panose="020B0502040204020203" pitchFamily="34" charset="0"/>
                 <a:cs typeface="Kalinga" panose="020B0502040204020203" pitchFamily="34" charset="0"/>
               </a:rPr>
-              <a:t>Targeted replies – in prioritized order #3</a:t>
+              <a:t>Targeted replies – in prioritized order #4</a:t>
             </a:r>
           </a:p>
         </p:txBody>
@@ -7564,6 +7608,26 @@
 </file>
 
 <file path=customXml/item1.xml><?xml version="1.0" encoding="utf-8"?>
+<?mso-contentType ?>
+<FormTemplates xmlns="http://schemas.microsoft.com/sharepoint/v3/contenttype/forms">
+  <Display>DocumentLibraryForm</Display>
+  <Edit>DocumentLibraryForm</Edit>
+  <New>DocumentLibraryForm</New>
+</FormTemplates>
+</file>
+
+<file path=customXml/item2.xml><?xml version="1.0" encoding="utf-8"?>
+<p:properties xmlns:p="http://schemas.microsoft.com/office/2006/metadata/properties" xmlns:xsi="http://www.w3.org/2001/XMLSchema-instance" xmlns:pc="http://schemas.microsoft.com/office/infopath/2007/PartnerControls">
+  <documentManagement>
+    <TaxCatchAll xmlns="9bea065c-4598-471b-a0d8-b208471d6a41" xsi:nil="true"/>
+    <lcf76f155ced4ddcb4097134ff3c332f xmlns="737cdb0d-9f15-48ec-9529-975a91239bb1">
+      <Terms xmlns="http://schemas.microsoft.com/office/infopath/2007/PartnerControls"/>
+    </lcf76f155ced4ddcb4097134ff3c332f>
+  </documentManagement>
+</p:properties>
+</file>
+
+<file path=customXml/item3.xml><?xml version="1.0" encoding="utf-8"?>
 <ct:contentTypeSchema xmlns:ct="http://schemas.microsoft.com/office/2006/metadata/contentType" xmlns:ma="http://schemas.microsoft.com/office/2006/metadata/properties/metaAttributes" ct:_="" ma:_="" ma:contentTypeName="Document" ma:contentTypeID="0x010100A2CD2B7DD7D5E348A4B5B847AD49C1E4" ma:contentTypeVersion="15" ma:contentTypeDescription="Create a new document." ma:contentTypeScope="" ma:versionID="8e0e392dcf65750e3ad704a59f705fb3">
   <xsd:schema xmlns:xsd="http://www.w3.org/2001/XMLSchema" xmlns:xs="http://www.w3.org/2001/XMLSchema" xmlns:p="http://schemas.microsoft.com/office/2006/metadata/properties" xmlns:ns2="737cdb0d-9f15-48ec-9529-975a91239bb1" xmlns:ns3="9bea065c-4598-471b-a0d8-b208471d6a41" targetNamespace="http://schemas.microsoft.com/office/2006/metadata/properties" ma:root="true" ma:fieldsID="16d7d9ff6e2e2d483fddd166083c89fa" ns2:_="" ns3:_="">
     <xsd:import namespace="737cdb0d-9f15-48ec-9529-975a91239bb1"/>
@@ -7798,27 +7862,32 @@
 </ct:contentTypeSchema>
 </file>
 
-<file path=customXml/item2.xml><?xml version="1.0" encoding="utf-8"?>
-<p:properties xmlns:p="http://schemas.microsoft.com/office/2006/metadata/properties" xmlns:xsi="http://www.w3.org/2001/XMLSchema-instance" xmlns:pc="http://schemas.microsoft.com/office/infopath/2007/PartnerControls">
-  <documentManagement>
-    <TaxCatchAll xmlns="9bea065c-4598-471b-a0d8-b208471d6a41" xsi:nil="true"/>
-    <lcf76f155ced4ddcb4097134ff3c332f xmlns="737cdb0d-9f15-48ec-9529-975a91239bb1">
-      <Terms xmlns="http://schemas.microsoft.com/office/infopath/2007/PartnerControls"/>
-    </lcf76f155ced4ddcb4097134ff3c332f>
-  </documentManagement>
-</p:properties>
+<file path=customXml/itemProps1.xml><?xml version="1.0" encoding="utf-8"?>
+<ds:datastoreItem xmlns:ds="http://schemas.openxmlformats.org/officeDocument/2006/customXml" ds:itemID="{3BB299B6-1159-4940-B296-E198453C8E80}">
+  <ds:schemaRefs>
+    <ds:schemaRef ds:uri="http://schemas.microsoft.com/sharepoint/v3/contenttype/forms"/>
+  </ds:schemaRefs>
+</ds:datastoreItem>
 </file>
 
-<file path=customXml/item3.xml><?xml version="1.0" encoding="utf-8"?>
-<?mso-contentType ?>
-<FormTemplates xmlns="http://schemas.microsoft.com/sharepoint/v3/contenttype/forms">
-  <Display>DocumentLibraryForm</Display>
-  <Edit>DocumentLibraryForm</Edit>
-  <New>DocumentLibraryForm</New>
-</FormTemplates>
+<file path=customXml/itemProps2.xml><?xml version="1.0" encoding="utf-8"?>
+<ds:datastoreItem xmlns:ds="http://schemas.openxmlformats.org/officeDocument/2006/customXml" ds:itemID="{9674E985-4D59-45AB-8970-AD8E2C92CE21}">
+  <ds:schemaRefs>
+    <ds:schemaRef ds:uri="http://schemas.microsoft.com/office/2006/metadata/properties"/>
+    <ds:schemaRef ds:uri="http://purl.org/dc/terms/"/>
+    <ds:schemaRef ds:uri="http://schemas.microsoft.com/office/2006/documentManagement/types"/>
+    <ds:schemaRef ds:uri="http://purl.org/dc/elements/1.1/"/>
+    <ds:schemaRef ds:uri="9bea065c-4598-471b-a0d8-b208471d6a41"/>
+    <ds:schemaRef ds:uri="http://schemas.microsoft.com/office/infopath/2007/PartnerControls"/>
+    <ds:schemaRef ds:uri="http://purl.org/dc/dcmitype/"/>
+    <ds:schemaRef ds:uri="http://schemas.openxmlformats.org/package/2006/metadata/core-properties"/>
+    <ds:schemaRef ds:uri="737cdb0d-9f15-48ec-9529-975a91239bb1"/>
+    <ds:schemaRef ds:uri="http://www.w3.org/XML/1998/namespace"/>
+  </ds:schemaRefs>
+</ds:datastoreItem>
 </file>
 
-<file path=customXml/itemProps1.xml><?xml version="1.0" encoding="utf-8"?>
+<file path=customXml/itemProps3.xml><?xml version="1.0" encoding="utf-8"?>
 <ds:datastoreItem xmlns:ds="http://schemas.openxmlformats.org/officeDocument/2006/customXml" ds:itemID="{C4D443D4-D2BB-47D9-93BA-F264F5B47780}">
   <ds:schemaRefs>
     <ds:schemaRef ds:uri="737cdb0d-9f15-48ec-9529-975a91239bb1"/>
@@ -7835,29 +7904,4 @@
     <ds:schemaRef ds:uri="http://www.w3.org/2001/XMLSchema"/>
   </ds:schemaRefs>
 </ds:datastoreItem>
-</file>
-
-<file path=customXml/itemProps2.xml><?xml version="1.0" encoding="utf-8"?>
-<ds:datastoreItem xmlns:ds="http://schemas.openxmlformats.org/officeDocument/2006/customXml" ds:itemID="{9674E985-4D59-45AB-8970-AD8E2C92CE21}">
-  <ds:schemaRefs>
-    <ds:schemaRef ds:uri="http://schemas.microsoft.com/office/2006/documentManagement/types"/>
-    <ds:schemaRef ds:uri="http://purl.org/dc/elements/1.1/"/>
-    <ds:schemaRef ds:uri="http://schemas.microsoft.com/office/2006/metadata/properties"/>
-    <ds:schemaRef ds:uri="http://www.w3.org/XML/1998/namespace"/>
-    <ds:schemaRef ds:uri="http://purl.org/dc/terms/"/>
-    <ds:schemaRef ds:uri="9bea065c-4598-471b-a0d8-b208471d6a41"/>
-    <ds:schemaRef ds:uri="http://schemas.microsoft.com/office/infopath/2007/PartnerControls"/>
-    <ds:schemaRef ds:uri="http://schemas.openxmlformats.org/package/2006/metadata/core-properties"/>
-    <ds:schemaRef ds:uri="737cdb0d-9f15-48ec-9529-975a91239bb1"/>
-    <ds:schemaRef ds:uri="http://purl.org/dc/dcmitype/"/>
-  </ds:schemaRefs>
-</ds:datastoreItem>
-</file>
-
-<file path=customXml/itemProps3.xml><?xml version="1.0" encoding="utf-8"?>
-<ds:datastoreItem xmlns:ds="http://schemas.openxmlformats.org/officeDocument/2006/customXml" ds:itemID="{3BB299B6-1159-4940-B296-E198453C8E80}">
-  <ds:schemaRefs>
-    <ds:schemaRef ds:uri="http://schemas.microsoft.com/sharepoint/v3/contenttype/forms"/>
-  </ds:schemaRefs>
-</ds:datastoreItem>
 </file>